--- a/trunk/doc/milestone_6/final_presentation.pptx
+++ b/trunk/doc/milestone_6/final_presentation.pptx
@@ -1,40 +1,417 @@
 
 <file path=ppt/presentation.xml><?xml version="1.0" encoding="utf-8"?>
-<p:presentation xmlns:a="http://schemas.openxmlformats.org/drawingml/2006/main" xmlns:p="http://schemas.openxmlformats.org/presentationml/2006/main" xmlns:r="http://schemas.openxmlformats.org/officeDocument/2006/relationships">
+<p:presentation xmlns:a="http://schemas.openxmlformats.org/drawingml/2006/main" xmlns:r="http://schemas.openxmlformats.org/officeDocument/2006/relationships" xmlns:p="http://schemas.openxmlformats.org/presentationml/2006/main">
   <p:sldMasterIdLst>
-    <p:sldMasterId id="2147483648" r:id="rId2"/>
-    <p:sldMasterId id="2147483661" r:id="rId3"/>
-    <p:sldMasterId id="2147483674" r:id="rId4"/>
+    <p:sldMasterId id="2147483648" r:id="rId1"/>
+    <p:sldMasterId id="2147483661" r:id="rId2"/>
+    <p:sldMasterId id="2147483674" r:id="rId3"/>
   </p:sldMasterIdLst>
   <p:notesMasterIdLst>
-    <p:notesMasterId r:id="rId5"/>
+    <p:notesMasterId r:id="rId21"/>
   </p:notesMasterIdLst>
   <p:sldIdLst>
-    <p:sldId id="256" r:id="rId6"/>
-    <p:sldId id="257" r:id="rId7"/>
-    <p:sldId id="258" r:id="rId8"/>
-    <p:sldId id="259" r:id="rId9"/>
-    <p:sldId id="260" r:id="rId10"/>
-    <p:sldId id="261" r:id="rId11"/>
-    <p:sldId id="262" r:id="rId12"/>
-    <p:sldId id="263" r:id="rId13"/>
-    <p:sldId id="264" r:id="rId14"/>
-    <p:sldId id="265" r:id="rId15"/>
-    <p:sldId id="266" r:id="rId16"/>
-    <p:sldId id="267" r:id="rId17"/>
-    <p:sldId id="268" r:id="rId18"/>
-    <p:sldId id="269" r:id="rId19"/>
-    <p:sldId id="270" r:id="rId20"/>
-    <p:sldId id="271" r:id="rId21"/>
-    <p:sldId id="272" r:id="rId22"/>
+    <p:sldId id="256" r:id="rId4"/>
+    <p:sldId id="257" r:id="rId5"/>
+    <p:sldId id="258" r:id="rId6"/>
+    <p:sldId id="259" r:id="rId7"/>
+    <p:sldId id="260" r:id="rId8"/>
+    <p:sldId id="261" r:id="rId9"/>
+    <p:sldId id="262" r:id="rId10"/>
+    <p:sldId id="263" r:id="rId11"/>
+    <p:sldId id="264" r:id="rId12"/>
+    <p:sldId id="265" r:id="rId13"/>
+    <p:sldId id="266" r:id="rId14"/>
+    <p:sldId id="267" r:id="rId15"/>
+    <p:sldId id="268" r:id="rId16"/>
+    <p:sldId id="269" r:id="rId17"/>
+    <p:sldId id="270" r:id="rId18"/>
+    <p:sldId id="271" r:id="rId19"/>
+    <p:sldId id="272" r:id="rId20"/>
   </p:sldIdLst>
-  <p:sldSz cx="9144000" cy="6858000"/>
+  <p:sldSz cx="9144000" cy="6858000" type="screen4x3"/>
   <p:notesSz cx="6858000" cy="9144000"/>
+  <p:defaultTextStyle>
+    <a:defPPr>
+      <a:defRPr lang="en-US"/>
+    </a:defPPr>
+    <a:lvl1pPr marL="0" algn="l" defTabSz="914400" rtl="0" eaLnBrk="1" latinLnBrk="0" hangingPunct="1">
+      <a:defRPr sz="1800" kern="1200">
+        <a:solidFill>
+          <a:schemeClr val="tx1"/>
+        </a:solidFill>
+        <a:latin typeface="+mn-lt"/>
+        <a:ea typeface="+mn-ea"/>
+        <a:cs typeface="+mn-cs"/>
+      </a:defRPr>
+    </a:lvl1pPr>
+    <a:lvl2pPr marL="457200" algn="l" defTabSz="914400" rtl="0" eaLnBrk="1" latinLnBrk="0" hangingPunct="1">
+      <a:defRPr sz="1800" kern="1200">
+        <a:solidFill>
+          <a:schemeClr val="tx1"/>
+        </a:solidFill>
+        <a:latin typeface="+mn-lt"/>
+        <a:ea typeface="+mn-ea"/>
+        <a:cs typeface="+mn-cs"/>
+      </a:defRPr>
+    </a:lvl2pPr>
+    <a:lvl3pPr marL="914400" algn="l" defTabSz="914400" rtl="0" eaLnBrk="1" latinLnBrk="0" hangingPunct="1">
+      <a:defRPr sz="1800" kern="1200">
+        <a:solidFill>
+          <a:schemeClr val="tx1"/>
+        </a:solidFill>
+        <a:latin typeface="+mn-lt"/>
+        <a:ea typeface="+mn-ea"/>
+        <a:cs typeface="+mn-cs"/>
+      </a:defRPr>
+    </a:lvl3pPr>
+    <a:lvl4pPr marL="1371600" algn="l" defTabSz="914400" rtl="0" eaLnBrk="1" latinLnBrk="0" hangingPunct="1">
+      <a:defRPr sz="1800" kern="1200">
+        <a:solidFill>
+          <a:schemeClr val="tx1"/>
+        </a:solidFill>
+        <a:latin typeface="+mn-lt"/>
+        <a:ea typeface="+mn-ea"/>
+        <a:cs typeface="+mn-cs"/>
+      </a:defRPr>
+    </a:lvl4pPr>
+    <a:lvl5pPr marL="1828800" algn="l" defTabSz="914400" rtl="0" eaLnBrk="1" latinLnBrk="0" hangingPunct="1">
+      <a:defRPr sz="1800" kern="1200">
+        <a:solidFill>
+          <a:schemeClr val="tx1"/>
+        </a:solidFill>
+        <a:latin typeface="+mn-lt"/>
+        <a:ea typeface="+mn-ea"/>
+        <a:cs typeface="+mn-cs"/>
+      </a:defRPr>
+    </a:lvl5pPr>
+    <a:lvl6pPr marL="2286000" algn="l" defTabSz="914400" rtl="0" eaLnBrk="1" latinLnBrk="0" hangingPunct="1">
+      <a:defRPr sz="1800" kern="1200">
+        <a:solidFill>
+          <a:schemeClr val="tx1"/>
+        </a:solidFill>
+        <a:latin typeface="+mn-lt"/>
+        <a:ea typeface="+mn-ea"/>
+        <a:cs typeface="+mn-cs"/>
+      </a:defRPr>
+    </a:lvl6pPr>
+    <a:lvl7pPr marL="2743200" algn="l" defTabSz="914400" rtl="0" eaLnBrk="1" latinLnBrk="0" hangingPunct="1">
+      <a:defRPr sz="1800" kern="1200">
+        <a:solidFill>
+          <a:schemeClr val="tx1"/>
+        </a:solidFill>
+        <a:latin typeface="+mn-lt"/>
+        <a:ea typeface="+mn-ea"/>
+        <a:cs typeface="+mn-cs"/>
+      </a:defRPr>
+    </a:lvl7pPr>
+    <a:lvl8pPr marL="3200400" algn="l" defTabSz="914400" rtl="0" eaLnBrk="1" latinLnBrk="0" hangingPunct="1">
+      <a:defRPr sz="1800" kern="1200">
+        <a:solidFill>
+          <a:schemeClr val="tx1"/>
+        </a:solidFill>
+        <a:latin typeface="+mn-lt"/>
+        <a:ea typeface="+mn-ea"/>
+        <a:cs typeface="+mn-cs"/>
+      </a:defRPr>
+    </a:lvl8pPr>
+    <a:lvl9pPr marL="3657600" algn="l" defTabSz="914400" rtl="0" eaLnBrk="1" latinLnBrk="0" hangingPunct="1">
+      <a:defRPr sz="1800" kern="1200">
+        <a:solidFill>
+          <a:schemeClr val="tx1"/>
+        </a:solidFill>
+        <a:latin typeface="+mn-lt"/>
+        <a:ea typeface="+mn-ea"/>
+        <a:cs typeface="+mn-cs"/>
+      </a:defRPr>
+    </a:lvl9pPr>
+  </p:defaultTextStyle>
 </p:presentation>
 </file>
 
 <file path=ppt/notesMasters/notesMaster1.xml><?xml version="1.0" encoding="utf-8"?>
-<p:notesMaster xmlns:a="http://schemas.openxmlformats.org/drawingml/2006/main" xmlns:p="http://schemas.openxmlformats.org/presentationml/2006/main" xmlns:r="http://schemas.openxmlformats.org/officeDocument/2006/relationships">
+<p:notesMaster xmlns:a="http://schemas.openxmlformats.org/drawingml/2006/main" xmlns:r="http://schemas.openxmlformats.org/officeDocument/2006/relationships" xmlns:p="http://schemas.openxmlformats.org/presentationml/2006/main">
+  <p:cSld>
+    <p:bg>
+      <p:bgRef idx="1001">
+        <a:schemeClr val="bg1"/>
+      </p:bgRef>
+    </p:bg>
+    <p:spTree>
+      <p:nvGrpSpPr>
+        <p:cNvPr id="1" name=""/>
+        <p:cNvGrpSpPr/>
+        <p:nvPr/>
+      </p:nvGrpSpPr>
+      <p:grpSpPr>
+        <a:xfrm>
+          <a:off x="0" y="0"/>
+          <a:ext cx="0" cy="0"/>
+          <a:chOff x="0" y="0"/>
+          <a:chExt cx="0" cy="0"/>
+        </a:xfrm>
+      </p:grpSpPr>
+      <p:sp>
+        <p:nvSpPr>
+          <p:cNvPr id="109" name="PlaceHolder 1"/>
+          <p:cNvSpPr>
+            <a:spLocks noGrp="1"/>
+          </p:cNvSpPr>
+          <p:nvPr>
+            <p:ph type="body"/>
+          </p:nvPr>
+        </p:nvSpPr>
+        <p:spPr>
+          <a:xfrm>
+            <a:off x="777240" y="4777560"/>
+            <a:ext cx="6217560" cy="4525920"/>
+          </a:xfrm>
+          <a:prstGeom prst="rect">
+            <a:avLst/>
+          </a:prstGeom>
+        </p:spPr>
+        <p:txBody>
+          <a:bodyPr wrap="none" lIns="0" tIns="0" rIns="0" bIns="0"/>
+          <a:lstStyle/>
+          <a:p>
+            <a:r>
+              <a:rPr lang="en-US"/>
+              <a:t>Click to edit the notes format</a:t>
+            </a:r>
+            <a:endParaRPr/>
+          </a:p>
+        </p:txBody>
+      </p:sp>
+      <p:sp>
+        <p:nvSpPr>
+          <p:cNvPr id="110" name="PlaceHolder 2"/>
+          <p:cNvSpPr>
+            <a:spLocks noGrp="1"/>
+          </p:cNvSpPr>
+          <p:nvPr>
+            <p:ph type="hdr"/>
+          </p:nvPr>
+        </p:nvSpPr>
+        <p:spPr>
+          <a:xfrm>
+            <a:off x="0" y="0"/>
+            <a:ext cx="3372840" cy="502560"/>
+          </a:xfrm>
+          <a:prstGeom prst="rect">
+            <a:avLst/>
+          </a:prstGeom>
+        </p:spPr>
+        <p:txBody>
+          <a:bodyPr wrap="none" lIns="0" tIns="0" rIns="0" bIns="0"/>
+          <a:lstStyle/>
+          <a:p>
+            <a:r>
+              <a:rPr lang="en-US"/>
+              <a:t>&lt;header&gt;</a:t>
+            </a:r>
+            <a:endParaRPr/>
+          </a:p>
+        </p:txBody>
+      </p:sp>
+      <p:sp>
+        <p:nvSpPr>
+          <p:cNvPr id="111" name="PlaceHolder 3"/>
+          <p:cNvSpPr>
+            <a:spLocks noGrp="1"/>
+          </p:cNvSpPr>
+          <p:nvPr>
+            <p:ph type="dt"/>
+          </p:nvPr>
+        </p:nvSpPr>
+        <p:spPr>
+          <a:xfrm>
+            <a:off x="4399200" y="0"/>
+            <a:ext cx="3372840" cy="502560"/>
+          </a:xfrm>
+          <a:prstGeom prst="rect">
+            <a:avLst/>
+          </a:prstGeom>
+        </p:spPr>
+        <p:txBody>
+          <a:bodyPr wrap="none" lIns="0" tIns="0" rIns="0" bIns="0"/>
+          <a:lstStyle/>
+          <a:p>
+            <a:pPr algn="r"/>
+            <a:r>
+              <a:rPr lang="en-US"/>
+              <a:t>&lt;date/time&gt;</a:t>
+            </a:r>
+            <a:endParaRPr/>
+          </a:p>
+        </p:txBody>
+      </p:sp>
+      <p:sp>
+        <p:nvSpPr>
+          <p:cNvPr id="112" name="PlaceHolder 4"/>
+          <p:cNvSpPr>
+            <a:spLocks noGrp="1"/>
+          </p:cNvSpPr>
+          <p:nvPr>
+            <p:ph type="ftr"/>
+          </p:nvPr>
+        </p:nvSpPr>
+        <p:spPr>
+          <a:xfrm>
+            <a:off x="0" y="9555480"/>
+            <a:ext cx="3372840" cy="502560"/>
+          </a:xfrm>
+          <a:prstGeom prst="rect">
+            <a:avLst/>
+          </a:prstGeom>
+        </p:spPr>
+        <p:txBody>
+          <a:bodyPr wrap="none" lIns="0" tIns="0" rIns="0" bIns="0" anchor="b"/>
+          <a:lstStyle/>
+          <a:p>
+            <a:r>
+              <a:rPr lang="en-US"/>
+              <a:t>&lt;footer&gt;</a:t>
+            </a:r>
+            <a:endParaRPr/>
+          </a:p>
+        </p:txBody>
+      </p:sp>
+      <p:sp>
+        <p:nvSpPr>
+          <p:cNvPr id="113" name="PlaceHolder 5"/>
+          <p:cNvSpPr>
+            <a:spLocks noGrp="1"/>
+          </p:cNvSpPr>
+          <p:nvPr>
+            <p:ph type="sldNum"/>
+          </p:nvPr>
+        </p:nvSpPr>
+        <p:spPr>
+          <a:xfrm>
+            <a:off x="4399200" y="9555480"/>
+            <a:ext cx="3372840" cy="502560"/>
+          </a:xfrm>
+          <a:prstGeom prst="rect">
+            <a:avLst/>
+          </a:prstGeom>
+        </p:spPr>
+        <p:txBody>
+          <a:bodyPr wrap="none" lIns="0" tIns="0" rIns="0" bIns="0" anchor="b"/>
+          <a:lstStyle/>
+          <a:p>
+            <a:pPr algn="r"/>
+            <a:fld id="{81483588-E839-4C35-86F8-90BC76CA6928}" type="slidenum">
+              <a:rPr lang="en-US"/>
+              <a:t>‹#›</a:t>
+            </a:fld>
+            <a:endParaRPr/>
+          </a:p>
+        </p:txBody>
+      </p:sp>
+    </p:spTree>
+    <p:extLst>
+      <p:ext uri="{BB962C8B-B14F-4D97-AF65-F5344CB8AC3E}">
+        <p14:creationId xmlns:p14="http://schemas.microsoft.com/office/powerpoint/2010/main" val="4036703795"/>
+      </p:ext>
+    </p:extLst>
+  </p:cSld>
+  <p:clrMap bg1="lt1" tx1="dk1" bg2="lt2" tx2="dk2" accent1="accent1" accent2="accent2" accent3="accent3" accent4="accent4" accent5="accent5" accent6="accent6" hlink="hlink" folHlink="folHlink"/>
+  <p:notesStyle>
+    <a:lvl1pPr marL="0" algn="l" defTabSz="914400" rtl="0" eaLnBrk="1" latinLnBrk="0" hangingPunct="1">
+      <a:defRPr sz="1200" kern="1200">
+        <a:solidFill>
+          <a:schemeClr val="tx1"/>
+        </a:solidFill>
+        <a:latin typeface="+mn-lt"/>
+        <a:ea typeface="+mn-ea"/>
+        <a:cs typeface="+mn-cs"/>
+      </a:defRPr>
+    </a:lvl1pPr>
+    <a:lvl2pPr marL="457200" algn="l" defTabSz="914400" rtl="0" eaLnBrk="1" latinLnBrk="0" hangingPunct="1">
+      <a:defRPr sz="1200" kern="1200">
+        <a:solidFill>
+          <a:schemeClr val="tx1"/>
+        </a:solidFill>
+        <a:latin typeface="+mn-lt"/>
+        <a:ea typeface="+mn-ea"/>
+        <a:cs typeface="+mn-cs"/>
+      </a:defRPr>
+    </a:lvl2pPr>
+    <a:lvl3pPr marL="914400" algn="l" defTabSz="914400" rtl="0" eaLnBrk="1" latinLnBrk="0" hangingPunct="1">
+      <a:defRPr sz="1200" kern="1200">
+        <a:solidFill>
+          <a:schemeClr val="tx1"/>
+        </a:solidFill>
+        <a:latin typeface="+mn-lt"/>
+        <a:ea typeface="+mn-ea"/>
+        <a:cs typeface="+mn-cs"/>
+      </a:defRPr>
+    </a:lvl3pPr>
+    <a:lvl4pPr marL="1371600" algn="l" defTabSz="914400" rtl="0" eaLnBrk="1" latinLnBrk="0" hangingPunct="1">
+      <a:defRPr sz="1200" kern="1200">
+        <a:solidFill>
+          <a:schemeClr val="tx1"/>
+        </a:solidFill>
+        <a:latin typeface="+mn-lt"/>
+        <a:ea typeface="+mn-ea"/>
+        <a:cs typeface="+mn-cs"/>
+      </a:defRPr>
+    </a:lvl4pPr>
+    <a:lvl5pPr marL="1828800" algn="l" defTabSz="914400" rtl="0" eaLnBrk="1" latinLnBrk="0" hangingPunct="1">
+      <a:defRPr sz="1200" kern="1200">
+        <a:solidFill>
+          <a:schemeClr val="tx1"/>
+        </a:solidFill>
+        <a:latin typeface="+mn-lt"/>
+        <a:ea typeface="+mn-ea"/>
+        <a:cs typeface="+mn-cs"/>
+      </a:defRPr>
+    </a:lvl5pPr>
+    <a:lvl6pPr marL="2286000" algn="l" defTabSz="914400" rtl="0" eaLnBrk="1" latinLnBrk="0" hangingPunct="1">
+      <a:defRPr sz="1200" kern="1200">
+        <a:solidFill>
+          <a:schemeClr val="tx1"/>
+        </a:solidFill>
+        <a:latin typeface="+mn-lt"/>
+        <a:ea typeface="+mn-ea"/>
+        <a:cs typeface="+mn-cs"/>
+      </a:defRPr>
+    </a:lvl6pPr>
+    <a:lvl7pPr marL="2743200" algn="l" defTabSz="914400" rtl="0" eaLnBrk="1" latinLnBrk="0" hangingPunct="1">
+      <a:defRPr sz="1200" kern="1200">
+        <a:solidFill>
+          <a:schemeClr val="tx1"/>
+        </a:solidFill>
+        <a:latin typeface="+mn-lt"/>
+        <a:ea typeface="+mn-ea"/>
+        <a:cs typeface="+mn-cs"/>
+      </a:defRPr>
+    </a:lvl7pPr>
+    <a:lvl8pPr marL="3200400" algn="l" defTabSz="914400" rtl="0" eaLnBrk="1" latinLnBrk="0" hangingPunct="1">
+      <a:defRPr sz="1200" kern="1200">
+        <a:solidFill>
+          <a:schemeClr val="tx1"/>
+        </a:solidFill>
+        <a:latin typeface="+mn-lt"/>
+        <a:ea typeface="+mn-ea"/>
+        <a:cs typeface="+mn-cs"/>
+      </a:defRPr>
+    </a:lvl8pPr>
+    <a:lvl9pPr marL="3657600" algn="l" defTabSz="914400" rtl="0" eaLnBrk="1" latinLnBrk="0" hangingPunct="1">
+      <a:defRPr sz="1200" kern="1200">
+        <a:solidFill>
+          <a:schemeClr val="tx1"/>
+        </a:solidFill>
+        <a:latin typeface="+mn-lt"/>
+        <a:ea typeface="+mn-ea"/>
+        <a:cs typeface="+mn-cs"/>
+      </a:defRPr>
+    </a:lvl9pPr>
+  </p:notesStyle>
+</p:notesMaster>
+</file>
+
+<file path=ppt/notesSlides/notesSlide1.xml><?xml version="1.0" encoding="utf-8"?>
+<p:notes xmlns:a="http://schemas.openxmlformats.org/drawingml/2006/main" xmlns:r="http://schemas.openxmlformats.org/officeDocument/2006/relationships" xmlns:p="http://schemas.openxmlformats.org/presentationml/2006/main">
   <p:cSld>
     <p:spTree>
       <p:nvGrpSpPr>
@@ -52,7 +429,7 @@
       </p:grpSpPr>
       <p:sp>
         <p:nvSpPr>
-          <p:cNvPr id="109" name="PlaceHolder 1"/>
+          <p:cNvPr id="152" name="PlaceHolder 1"/>
           <p:cNvSpPr>
             <a:spLocks noGrp="1"/>
           </p:cNvSpPr>
@@ -62,141 +439,69 @@
         </p:nvSpPr>
         <p:spPr>
           <a:xfrm>
-            <a:off x="777240" y="4777560"/>
-            <a:ext cx="6217560" cy="4525920"/>
-          </a:xfrm>
-          <a:prstGeom prst="rect">
-            <a:avLst/>
-          </a:prstGeom>
-        </p:spPr>
-        <p:txBody>
-          <a:bodyPr bIns="0" lIns="0" rIns="0" tIns="0" wrap="none"/>
-          <a:p>
+            <a:off x="685800" y="4343400"/>
+            <a:ext cx="5485680" cy="4114080"/>
+          </a:xfrm>
+          <a:prstGeom prst="rect">
+            <a:avLst/>
+          </a:prstGeom>
+        </p:spPr>
+        <p:txBody>
+          <a:bodyPr lIns="0" tIns="0" rIns="0" bIns="0"/>
+          <a:lstStyle/>
+          <a:p>
+            <a:pPr>
+              <a:lnSpc>
+                <a:spcPct val="100000"/>
+              </a:lnSpc>
+              <a:buFont typeface="Arial"/>
+              <a:buChar char="•"/>
+            </a:pPr>
             <a:r>
               <a:rPr lang="en-US"/>
-              <a:t>Click to edit the notes format</a:t>
-            </a:r>
-            <a:endParaRPr/>
-          </a:p>
-        </p:txBody>
-      </p:sp>
-      <p:sp>
-        <p:nvSpPr>
-          <p:cNvPr id="110" name="PlaceHolder 2"/>
-          <p:cNvSpPr>
-            <a:spLocks noGrp="1"/>
-          </p:cNvSpPr>
-          <p:nvPr>
-            <p:ph type="hdr"/>
-          </p:nvPr>
-        </p:nvSpPr>
-        <p:spPr>
-          <a:xfrm>
-            <a:off x="0" y="0"/>
-            <a:ext cx="3372840" cy="502560"/>
-          </a:xfrm>
-          <a:prstGeom prst="rect">
-            <a:avLst/>
-          </a:prstGeom>
-        </p:spPr>
-        <p:txBody>
-          <a:bodyPr bIns="0" lIns="0" rIns="0" tIns="0" wrap="none"/>
-          <a:p>
-            <a:r>
-              <a:rPr lang="en-US"/>
-              <a:t>&lt;header&gt;</a:t>
-            </a:r>
-            <a:endParaRPr/>
-          </a:p>
-        </p:txBody>
-      </p:sp>
-      <p:sp>
-        <p:nvSpPr>
-          <p:cNvPr id="111" name="PlaceHolder 3"/>
-          <p:cNvSpPr>
-            <a:spLocks noGrp="1"/>
-          </p:cNvSpPr>
-          <p:nvPr>
-            <p:ph type="dt"/>
-          </p:nvPr>
-        </p:nvSpPr>
-        <p:spPr>
-          <a:xfrm>
-            <a:off x="4399200" y="0"/>
-            <a:ext cx="3372840" cy="502560"/>
-          </a:xfrm>
-          <a:prstGeom prst="rect">
-            <a:avLst/>
-          </a:prstGeom>
-        </p:spPr>
-        <p:txBody>
-          <a:bodyPr bIns="0" lIns="0" rIns="0" tIns="0" wrap="none"/>
-          <a:p>
-            <a:pPr algn="r"/>
-            <a:r>
-              <a:rPr lang="en-US"/>
-              <a:t>&lt;date/time&gt;</a:t>
-            </a:r>
-            <a:endParaRPr/>
-          </a:p>
-        </p:txBody>
-      </p:sp>
-      <p:sp>
-        <p:nvSpPr>
-          <p:cNvPr id="112" name="PlaceHolder 4"/>
-          <p:cNvSpPr>
-            <a:spLocks noGrp="1"/>
-          </p:cNvSpPr>
-          <p:nvPr>
-            <p:ph type="ftr"/>
-          </p:nvPr>
-        </p:nvSpPr>
-        <p:spPr>
-          <a:xfrm>
-            <a:off x="0" y="9555480"/>
-            <a:ext cx="3372840" cy="502560"/>
-          </a:xfrm>
-          <a:prstGeom prst="rect">
-            <a:avLst/>
-          </a:prstGeom>
-        </p:spPr>
-        <p:txBody>
-          <a:bodyPr anchor="b" bIns="0" lIns="0" rIns="0" tIns="0" wrap="none"/>
-          <a:p>
-            <a:r>
-              <a:rPr lang="en-US"/>
-              <a:t>&lt;footer&gt;</a:t>
-            </a:r>
-            <a:endParaRPr/>
-          </a:p>
-        </p:txBody>
-      </p:sp>
-      <p:sp>
-        <p:nvSpPr>
-          <p:cNvPr id="113" name="PlaceHolder 5"/>
-          <p:cNvSpPr>
-            <a:spLocks noGrp="1"/>
-          </p:cNvSpPr>
-          <p:nvPr>
-            <p:ph type="sldNum"/>
-          </p:nvPr>
-        </p:nvSpPr>
-        <p:spPr>
-          <a:xfrm>
-            <a:off x="4399200" y="9555480"/>
-            <a:ext cx="3372840" cy="502560"/>
-          </a:xfrm>
-          <a:prstGeom prst="rect">
-            <a:avLst/>
-          </a:prstGeom>
-        </p:spPr>
-        <p:txBody>
-          <a:bodyPr anchor="b" bIns="0" lIns="0" rIns="0" tIns="0" wrap="none"/>
-          <a:p>
-            <a:pPr algn="r"/>
-            <a:fld id="{81483588-E839-4C35-86F8-90BC76CA6928}" type="slidenum">
-              <a:rPr lang="en-US"/>
-              <a:t>&lt;number&gt;</a:t>
+              <a:t>Stress simplicity and power balance</a:t>
+            </a:r>
+            <a:endParaRPr/>
+          </a:p>
+        </p:txBody>
+      </p:sp>
+      <p:sp>
+        <p:nvSpPr>
+          <p:cNvPr id="153" name="CustomShape 2"/>
+          <p:cNvSpPr/>
+          <p:nvPr/>
+        </p:nvSpPr>
+        <p:spPr>
+          <a:xfrm>
+            <a:off x="3884760" y="8685360"/>
+            <a:ext cx="2971080" cy="456480"/>
+          </a:xfrm>
+          <a:prstGeom prst="rect">
+            <a:avLst/>
+          </a:prstGeom>
+          <a:noFill/>
+          <a:ln>
+            <a:noFill/>
+          </a:ln>
+        </p:spPr>
+        <p:txBody>
+          <a:bodyPr lIns="90000" tIns="45000" rIns="90000" bIns="45000" anchor="b"/>
+          <a:lstStyle/>
+          <a:p>
+            <a:pPr algn="r">
+              <a:lnSpc>
+                <a:spcPct val="100000"/>
+              </a:lnSpc>
+            </a:pPr>
+            <a:fld id="{BCC6D129-B773-4D9B-992A-AB2FA0D7E5E2}" type="slidenum">
+              <a:rPr lang="en-US" sz="1200">
+                <a:solidFill>
+                  <a:srgbClr val="000000"/>
+                </a:solidFill>
+                <a:latin typeface="+mn-lt"/>
+                <a:ea typeface="+mn-ea"/>
+              </a:rPr>
+              <a:t>2</a:t>
             </a:fld>
             <a:endParaRPr/>
           </a:p>
@@ -204,12 +509,14 @@
       </p:sp>
     </p:spTree>
   </p:cSld>
-  <p:clrMap accent1="accent1" accent2="accent2" accent3="accent3" accent4="accent4" accent5="accent5" accent6="accent6" bg1="lt1" bg2="lt2" folHlink="folHlink" hlink="hlink" tx1="dk1" tx2="dk2"/>
-</p:notesMaster>
+  <p:clrMapOvr>
+    <a:masterClrMapping/>
+  </p:clrMapOvr>
+</p:notes>
 </file>
 
-<file path=ppt/notesSlides/notesSlide11.xml><?xml version="1.0" encoding="utf-8"?>
-<p:notes xmlns:a="http://schemas.openxmlformats.org/drawingml/2006/main" xmlns:p="http://schemas.openxmlformats.org/presentationml/2006/main" xmlns:r="http://schemas.openxmlformats.org/officeDocument/2006/relationships">
+<file path=ppt/notesSlides/notesSlide10.xml><?xml version="1.0" encoding="utf-8"?>
+<p:notes xmlns:a="http://schemas.openxmlformats.org/drawingml/2006/main" xmlns:r="http://schemas.openxmlformats.org/officeDocument/2006/relationships" xmlns:p="http://schemas.openxmlformats.org/presentationml/2006/main">
   <p:cSld>
     <p:spTree>
       <p:nvGrpSpPr>
@@ -227,7 +534,7 @@
       </p:grpSpPr>
       <p:sp>
         <p:nvSpPr>
-          <p:cNvPr id="166" name="PlaceHolder 1"/>
+          <p:cNvPr id="170" name="PlaceHolder 1"/>
           <p:cNvSpPr>
             <a:spLocks noGrp="1"/>
           </p:cNvSpPr>
@@ -245,7 +552,8 @@
           </a:prstGeom>
         </p:spPr>
         <p:txBody>
-          <a:bodyPr bIns="0" lIns="0" rIns="0" tIns="0"/>
+          <a:bodyPr lIns="0" tIns="0" rIns="0" bIns="0"/>
+          <a:lstStyle/>
           <a:p>
             <a:pPr>
               <a:lnSpc>
@@ -256,15 +564,65 @@
             </a:pPr>
             <a:r>
               <a:rPr lang="en-US"/>
-              <a:t>Point out parts of this dialog</a:t>
-            </a:r>
-            <a:endParaRPr/>
-          </a:p>
-        </p:txBody>
-      </p:sp>
-      <p:sp>
-        <p:nvSpPr>
-          <p:cNvPr id="167" name="CustomShape 2"/>
+              <a:t>Mention how the interfaces use local L&amp;F, sizing constraints; mention we support WINDOWS and LINUX (</a:t>
+            </a:r>
+            <a:r>
+              <a:rPr lang="en-US" b="1"/>
+              <a:t>no</a:t>
+            </a:r>
+            <a:r>
+              <a:rPr lang="en-US"/>
+              <a:t> support for macs)</a:t>
+            </a:r>
+            <a:endParaRPr/>
+          </a:p>
+          <a:p>
+            <a:pPr>
+              <a:lnSpc>
+                <a:spcPct val="100000"/>
+              </a:lnSpc>
+              <a:buFont typeface="Arial"/>
+              <a:buChar char="•"/>
+            </a:pPr>
+            <a:r>
+              <a:rPr lang="en-US"/>
+              <a:t>First library failed, used a different one instead</a:t>
+            </a:r>
+            <a:endParaRPr/>
+          </a:p>
+          <a:p>
+            <a:pPr>
+              <a:lnSpc>
+                <a:spcPct val="100000"/>
+              </a:lnSpc>
+              <a:buFont typeface="Arial"/>
+              <a:buChar char="•"/>
+            </a:pPr>
+            <a:r>
+              <a:rPr lang="en-US"/>
+              <a:t>User friendly GUI needs mention of changes to default table behavior, keyboard navigation, etc. Mimicking a file browser</a:t>
+            </a:r>
+            <a:endParaRPr/>
+          </a:p>
+          <a:p>
+            <a:pPr>
+              <a:lnSpc>
+                <a:spcPct val="100000"/>
+              </a:lnSpc>
+              <a:buFont typeface="Arial"/>
+              <a:buChar char="•"/>
+            </a:pPr>
+            <a:r>
+              <a:rPr lang="en-US"/>
+              <a:t>Mention how binary files are stored differently in the revision database and required changes around the board</a:t>
+            </a:r>
+            <a:endParaRPr/>
+          </a:p>
+        </p:txBody>
+      </p:sp>
+      <p:sp>
+        <p:nvSpPr>
+          <p:cNvPr id="171" name="CustomShape 2"/>
           <p:cNvSpPr/>
           <p:nvPr/>
         </p:nvSpPr>
@@ -282,14 +640,15 @@
           </a:ln>
         </p:spPr>
         <p:txBody>
-          <a:bodyPr anchor="b" bIns="45000" lIns="90000" rIns="90000" tIns="45000"/>
+          <a:bodyPr lIns="90000" tIns="45000" rIns="90000" bIns="45000" anchor="b"/>
+          <a:lstStyle/>
           <a:p>
             <a:pPr algn="r">
               <a:lnSpc>
                 <a:spcPct val="100000"/>
               </a:lnSpc>
             </a:pPr>
-            <a:fld id="{4E18DAAC-2076-4359-8E01-25007055AA73}" type="slidenum">
+            <a:fld id="{280BDD30-5755-4864-AB0F-322B5A220870}" type="slidenum">
               <a:rPr lang="en-US" sz="1200">
                 <a:solidFill>
                   <a:srgbClr val="000000"/>
@@ -297,7 +656,7 @@
                 <a:latin typeface="+mn-lt"/>
                 <a:ea typeface="+mn-ea"/>
               </a:rPr>
-              <a:t>&lt;number&gt;</a:t>
+              <a:t>13</a:t>
             </a:fld>
             <a:endParaRPr/>
           </a:p>
@@ -305,11 +664,14 @@
       </p:sp>
     </p:spTree>
   </p:cSld>
+  <p:clrMapOvr>
+    <a:masterClrMapping/>
+  </p:clrMapOvr>
 </p:notes>
 </file>
 
-<file path=ppt/notesSlides/notesSlide12.xml><?xml version="1.0" encoding="utf-8"?>
-<p:notes xmlns:a="http://schemas.openxmlformats.org/drawingml/2006/main" xmlns:p="http://schemas.openxmlformats.org/presentationml/2006/main" xmlns:r="http://schemas.openxmlformats.org/officeDocument/2006/relationships">
+<file path=ppt/notesSlides/notesSlide11.xml><?xml version="1.0" encoding="utf-8"?>
+<p:notes xmlns:a="http://schemas.openxmlformats.org/drawingml/2006/main" xmlns:r="http://schemas.openxmlformats.org/officeDocument/2006/relationships" xmlns:p="http://schemas.openxmlformats.org/presentationml/2006/main">
   <p:cSld>
     <p:spTree>
       <p:nvGrpSpPr>
@@ -327,7 +689,7 @@
       </p:grpSpPr>
       <p:sp>
         <p:nvSpPr>
-          <p:cNvPr id="168" name="PlaceHolder 1"/>
+          <p:cNvPr id="172" name="PlaceHolder 1"/>
           <p:cNvSpPr>
             <a:spLocks noGrp="1"/>
           </p:cNvSpPr>
@@ -345,7 +707,8 @@
           </a:prstGeom>
         </p:spPr>
         <p:txBody>
-          <a:bodyPr bIns="0" lIns="0" rIns="0" tIns="0"/>
+          <a:bodyPr lIns="0" tIns="0" rIns="0" bIns="0"/>
+          <a:lstStyle/>
           <a:p>
             <a:pPr>
               <a:lnSpc>
@@ -356,7 +719,7 @@
             </a:pPr>
             <a:r>
               <a:rPr lang="en-US"/>
-              <a:t>Mention how startup scan compares file contents to detect differences between the files; still revisions changes</a:t>
+              <a:t>Mention how swap files are recognized in the system as a create and a rename, which requires special handling</a:t>
             </a:r>
             <a:endParaRPr/>
           </a:p>
@@ -370,15 +733,43 @@
             </a:pPr>
             <a:r>
               <a:rPr lang="en-US"/>
-              <a:t>Trim feature disabled by default; removes files older than a user specified number of days</a:t>
-            </a:r>
-            <a:endParaRPr/>
-          </a:p>
-        </p:txBody>
-      </p:sp>
-      <p:sp>
-        <p:nvSpPr>
-          <p:cNvPr id="169" name="CustomShape 2"/>
+              <a:t>Other editors will be recognized as merely an edit</a:t>
+            </a:r>
+            <a:endParaRPr/>
+          </a:p>
+          <a:p>
+            <a:pPr>
+              <a:lnSpc>
+                <a:spcPct val="100000"/>
+              </a:lnSpc>
+              <a:buFont typeface="Arial"/>
+              <a:buChar char="•"/>
+            </a:pPr>
+            <a:r>
+              <a:rPr lang="en-US"/>
+              <a:t>Files could be created in a way that overwrites an existing file</a:t>
+            </a:r>
+            <a:endParaRPr/>
+          </a:p>
+          <a:p>
+            <a:pPr>
+              <a:lnSpc>
+                <a:spcPct val="100000"/>
+              </a:lnSpc>
+              <a:buFont typeface="Arial"/>
+              <a:buChar char="•"/>
+            </a:pPr>
+            <a:r>
+              <a:rPr lang="en-US"/>
+              <a:t>All of these cases are considered to be “modifying” a file, despite how their internal representation is</a:t>
+            </a:r>
+            <a:endParaRPr/>
+          </a:p>
+        </p:txBody>
+      </p:sp>
+      <p:sp>
+        <p:nvSpPr>
+          <p:cNvPr id="173" name="CustomShape 2"/>
           <p:cNvSpPr/>
           <p:nvPr/>
         </p:nvSpPr>
@@ -396,14 +787,15 @@
           </a:ln>
         </p:spPr>
         <p:txBody>
-          <a:bodyPr anchor="b" bIns="45000" lIns="90000" rIns="90000" tIns="45000"/>
+          <a:bodyPr lIns="90000" tIns="45000" rIns="90000" bIns="45000" anchor="b"/>
+          <a:lstStyle/>
           <a:p>
             <a:pPr algn="r">
               <a:lnSpc>
                 <a:spcPct val="100000"/>
               </a:lnSpc>
             </a:pPr>
-            <a:fld id="{096FD3AC-B4A2-4AE5-93A8-1C5DF2FDA5C7}" type="slidenum">
+            <a:fld id="{9BC689D5-1197-4AF0-8447-59C216BC0892}" type="slidenum">
               <a:rPr lang="en-US" sz="1200">
                 <a:solidFill>
                   <a:srgbClr val="000000"/>
@@ -411,7 +803,7 @@
                 <a:latin typeface="+mn-lt"/>
                 <a:ea typeface="+mn-ea"/>
               </a:rPr>
-              <a:t>&lt;number&gt;</a:t>
+              <a:t>14</a:t>
             </a:fld>
             <a:endParaRPr/>
           </a:p>
@@ -419,11 +811,14 @@
       </p:sp>
     </p:spTree>
   </p:cSld>
+  <p:clrMapOvr>
+    <a:masterClrMapping/>
+  </p:clrMapOvr>
 </p:notes>
 </file>
 
-<file path=ppt/notesSlides/notesSlide13.xml><?xml version="1.0" encoding="utf-8"?>
-<p:notes xmlns:a="http://schemas.openxmlformats.org/drawingml/2006/main" xmlns:p="http://schemas.openxmlformats.org/presentationml/2006/main" xmlns:r="http://schemas.openxmlformats.org/officeDocument/2006/relationships">
+<file path=ppt/notesSlides/notesSlide12.xml><?xml version="1.0" encoding="utf-8"?>
+<p:notes xmlns:a="http://schemas.openxmlformats.org/drawingml/2006/main" xmlns:r="http://schemas.openxmlformats.org/officeDocument/2006/relationships" xmlns:p="http://schemas.openxmlformats.org/presentationml/2006/main">
   <p:cSld>
     <p:spTree>
       <p:nvGrpSpPr>
@@ -441,7 +836,7 @@
       </p:grpSpPr>
       <p:sp>
         <p:nvSpPr>
-          <p:cNvPr id="170" name="PlaceHolder 1"/>
+          <p:cNvPr id="174" name="PlaceHolder 1"/>
           <p:cNvSpPr>
             <a:spLocks noGrp="1"/>
           </p:cNvSpPr>
@@ -459,7 +854,8 @@
           </a:prstGeom>
         </p:spPr>
         <p:txBody>
-          <a:bodyPr bIns="0" lIns="0" rIns="0" tIns="0"/>
+          <a:bodyPr lIns="0" tIns="0" rIns="0" bIns="0"/>
+          <a:lstStyle/>
           <a:p>
             <a:pPr>
               <a:lnSpc>
@@ -470,15 +866,7 @@
             </a:pPr>
             <a:r>
               <a:rPr lang="en-US"/>
-              <a:t>Mention how the interfaces use local L&amp;F, sizing constraints; mention we support WINDOWS and LINUX (</a:t>
-            </a:r>
-            <a:r>
-              <a:rPr b="1" lang="en-US"/>
-              <a:t>no</a:t>
-            </a:r>
-            <a:r>
-              <a:rPr lang="en-US"/>
-              <a:t> support for macs)</a:t>
+              <a:t>Mention how swap files are recognized in the system as a create and a rename, which requires special handling</a:t>
             </a:r>
             <a:endParaRPr/>
           </a:p>
@@ -492,7 +880,7 @@
             </a:pPr>
             <a:r>
               <a:rPr lang="en-US"/>
-              <a:t>First library failed, used a different one instead</a:t>
+              <a:t>Other editors will be recognized as merely an edit</a:t>
             </a:r>
             <a:endParaRPr/>
           </a:p>
@@ -506,7 +894,7 @@
             </a:pPr>
             <a:r>
               <a:rPr lang="en-US"/>
-              <a:t>User friendly GUI needs mention of changes to default table behavior, keyboard navigation, etc. Mimicking a file browser</a:t>
+              <a:t>Files could be created in a way that overwrites an existing file</a:t>
             </a:r>
             <a:endParaRPr/>
           </a:p>
@@ -520,15 +908,15 @@
             </a:pPr>
             <a:r>
               <a:rPr lang="en-US"/>
-              <a:t>Mention how binary files are stored differently in the revision database and required changes around the board</a:t>
-            </a:r>
-            <a:endParaRPr/>
-          </a:p>
-        </p:txBody>
-      </p:sp>
-      <p:sp>
-        <p:nvSpPr>
-          <p:cNvPr id="171" name="CustomShape 2"/>
+              <a:t>All of these cases are considered to be “modifying” a file, despite how their internal representation is</a:t>
+            </a:r>
+            <a:endParaRPr/>
+          </a:p>
+        </p:txBody>
+      </p:sp>
+      <p:sp>
+        <p:nvSpPr>
+          <p:cNvPr id="175" name="CustomShape 2"/>
           <p:cNvSpPr/>
           <p:nvPr/>
         </p:nvSpPr>
@@ -546,14 +934,15 @@
           </a:ln>
         </p:spPr>
         <p:txBody>
-          <a:bodyPr anchor="b" bIns="45000" lIns="90000" rIns="90000" tIns="45000"/>
+          <a:bodyPr lIns="90000" tIns="45000" rIns="90000" bIns="45000" anchor="b"/>
+          <a:lstStyle/>
           <a:p>
             <a:pPr algn="r">
               <a:lnSpc>
                 <a:spcPct val="100000"/>
               </a:lnSpc>
             </a:pPr>
-            <a:fld id="{280BDD30-5755-4864-AB0F-322B5A220870}" type="slidenum">
+            <a:fld id="{EAB19A50-E81F-46B5-A051-0A8329BA354C}" type="slidenum">
               <a:rPr lang="en-US" sz="1200">
                 <a:solidFill>
                   <a:srgbClr val="000000"/>
@@ -561,7 +950,7 @@
                 <a:latin typeface="+mn-lt"/>
                 <a:ea typeface="+mn-ea"/>
               </a:rPr>
-              <a:t>&lt;number&gt;</a:t>
+              <a:t>15</a:t>
             </a:fld>
             <a:endParaRPr/>
           </a:p>
@@ -569,11 +958,14 @@
       </p:sp>
     </p:spTree>
   </p:cSld>
+  <p:clrMapOvr>
+    <a:masterClrMapping/>
+  </p:clrMapOvr>
 </p:notes>
 </file>
 
-<file path=ppt/notesSlides/notesSlide14.xml><?xml version="1.0" encoding="utf-8"?>
-<p:notes xmlns:a="http://schemas.openxmlformats.org/drawingml/2006/main" xmlns:p="http://schemas.openxmlformats.org/presentationml/2006/main" xmlns:r="http://schemas.openxmlformats.org/officeDocument/2006/relationships">
+<file path=ppt/notesSlides/notesSlide13.xml><?xml version="1.0" encoding="utf-8"?>
+<p:notes xmlns:a="http://schemas.openxmlformats.org/drawingml/2006/main" xmlns:r="http://schemas.openxmlformats.org/officeDocument/2006/relationships" xmlns:p="http://schemas.openxmlformats.org/presentationml/2006/main">
   <p:cSld>
     <p:spTree>
       <p:nvGrpSpPr>
@@ -591,7 +983,7 @@
       </p:grpSpPr>
       <p:sp>
         <p:nvSpPr>
-          <p:cNvPr id="172" name="PlaceHolder 1"/>
+          <p:cNvPr id="176" name="PlaceHolder 1"/>
           <p:cNvSpPr>
             <a:spLocks noGrp="1"/>
           </p:cNvSpPr>
@@ -609,7 +1001,8 @@
           </a:prstGeom>
         </p:spPr>
         <p:txBody>
-          <a:bodyPr bIns="0" lIns="0" rIns="0" tIns="0"/>
+          <a:bodyPr lIns="0" tIns="0" rIns="0" bIns="0"/>
+          <a:lstStyle/>
           <a:p>
             <a:pPr>
               <a:lnSpc>
@@ -620,7 +1013,19 @@
             </a:pPr>
             <a:r>
               <a:rPr lang="en-US"/>
-              <a:t>Mention how swap files are recognized in the system as a create and a rename, which requires special handling</a:t>
+              <a:t>Mention that the patch is BACKWARDS!!! </a:t>
+            </a:r>
+            <a:r>
+              <a:rPr lang="en-US">
+                <a:latin typeface="Wingdings"/>
+              </a:rPr>
+              <a:t> </a:t>
+            </a:r>
+            <a:r>
+              <a:rPr lang="en-US" b="1">
+                <a:latin typeface="Wingdings"/>
+              </a:rPr>
+              <a:t>Yo, this one’s important</a:t>
             </a:r>
             <a:endParaRPr/>
           </a:p>
@@ -633,8 +1038,10 @@
               <a:buChar char="•"/>
             </a:pPr>
             <a:r>
-              <a:rPr lang="en-US"/>
-              <a:t>Other editors will be recognized as merely an edit</a:t>
+              <a:rPr lang="en-US">
+                <a:latin typeface="Wingdings"/>
+              </a:rPr>
+              <a:t>Patch goes from after to before</a:t>
             </a:r>
             <a:endParaRPr/>
           </a:p>
@@ -647,30 +1054,18 @@
               <a:buChar char="•"/>
             </a:pPr>
             <a:r>
-              <a:rPr lang="en-US"/>
-              <a:t>Files could be created in a way that overwrites an existing file</a:t>
-            </a:r>
-            <a:endParaRPr/>
-          </a:p>
-          <a:p>
-            <a:pPr>
-              <a:lnSpc>
-                <a:spcPct val="100000"/>
-              </a:lnSpc>
-              <a:buFont typeface="Arial"/>
-              <a:buChar char="•"/>
-            </a:pPr>
-            <a:r>
-              <a:rPr lang="en-US"/>
-              <a:t>All of these cases are considered to be “modifying” a file, despite how their internal representation is</a:t>
-            </a:r>
-            <a:endParaRPr/>
-          </a:p>
-        </p:txBody>
-      </p:sp>
-      <p:sp>
-        <p:nvSpPr>
-          <p:cNvPr id="173" name="CustomShape 2"/>
+              <a:rPr lang="en-US">
+                <a:latin typeface="Wingdings"/>
+              </a:rPr>
+              <a:t>This is because we only use the patches to restore older versions of the file</a:t>
+            </a:r>
+            <a:endParaRPr/>
+          </a:p>
+        </p:txBody>
+      </p:sp>
+      <p:sp>
+        <p:nvSpPr>
+          <p:cNvPr id="177" name="CustomShape 2"/>
           <p:cNvSpPr/>
           <p:nvPr/>
         </p:nvSpPr>
@@ -688,14 +1083,15 @@
           </a:ln>
         </p:spPr>
         <p:txBody>
-          <a:bodyPr anchor="b" bIns="45000" lIns="90000" rIns="90000" tIns="45000"/>
+          <a:bodyPr lIns="90000" tIns="45000" rIns="90000" bIns="45000" anchor="b"/>
+          <a:lstStyle/>
           <a:p>
             <a:pPr algn="r">
               <a:lnSpc>
                 <a:spcPct val="100000"/>
               </a:lnSpc>
             </a:pPr>
-            <a:fld id="{9BC689D5-1197-4AF0-8447-59C216BC0892}" type="slidenum">
+            <a:fld id="{5FA99F1A-A90B-4EF9-A542-0A151AD5F2F1}" type="slidenum">
               <a:rPr lang="en-US" sz="1200">
                 <a:solidFill>
                   <a:srgbClr val="000000"/>
@@ -703,7 +1099,7 @@
                 <a:latin typeface="+mn-lt"/>
                 <a:ea typeface="+mn-ea"/>
               </a:rPr>
-              <a:t>&lt;number&gt;</a:t>
+              <a:t>16</a:t>
             </a:fld>
             <a:endParaRPr/>
           </a:p>
@@ -711,11 +1107,14 @@
       </p:sp>
     </p:spTree>
   </p:cSld>
+  <p:clrMapOvr>
+    <a:masterClrMapping/>
+  </p:clrMapOvr>
 </p:notes>
 </file>
 
-<file path=ppt/notesSlides/notesSlide15.xml><?xml version="1.0" encoding="utf-8"?>
-<p:notes xmlns:a="http://schemas.openxmlformats.org/drawingml/2006/main" xmlns:p="http://schemas.openxmlformats.org/presentationml/2006/main" xmlns:r="http://schemas.openxmlformats.org/officeDocument/2006/relationships">
+<file path=ppt/notesSlides/notesSlide14.xml><?xml version="1.0" encoding="utf-8"?>
+<p:notes xmlns:a="http://schemas.openxmlformats.org/drawingml/2006/main" xmlns:r="http://schemas.openxmlformats.org/officeDocument/2006/relationships" xmlns:p="http://schemas.openxmlformats.org/presentationml/2006/main">
   <p:cSld>
     <p:spTree>
       <p:nvGrpSpPr>
@@ -733,7 +1132,7 @@
       </p:grpSpPr>
       <p:sp>
         <p:nvSpPr>
-          <p:cNvPr id="174" name="PlaceHolder 1"/>
+          <p:cNvPr id="178" name="PlaceHolder 1"/>
           <p:cNvSpPr>
             <a:spLocks noGrp="1"/>
           </p:cNvSpPr>
@@ -751,7 +1150,8 @@
           </a:prstGeom>
         </p:spPr>
         <p:txBody>
-          <a:bodyPr bIns="0" lIns="0" rIns="0" tIns="0"/>
+          <a:bodyPr lIns="0" tIns="0" rIns="0" bIns="0"/>
+          <a:lstStyle/>
           <a:p>
             <a:pPr>
               <a:lnSpc>
@@ -762,7 +1162,7 @@
             </a:pPr>
             <a:r>
               <a:rPr lang="en-US"/>
-              <a:t>Mention how swap files are recognized in the system as a create and a rename, which requires special handling</a:t>
+              <a:t>Mostly the same as the second slide</a:t>
             </a:r>
             <a:endParaRPr/>
           </a:p>
@@ -776,43 +1176,15 @@
             </a:pPr>
             <a:r>
               <a:rPr lang="en-US"/>
-              <a:t>Other editors will be recognized as merely an edit</a:t>
-            </a:r>
-            <a:endParaRPr/>
-          </a:p>
-          <a:p>
-            <a:pPr>
-              <a:lnSpc>
-                <a:spcPct val="100000"/>
-              </a:lnSpc>
-              <a:buFont typeface="Arial"/>
-              <a:buChar char="•"/>
-            </a:pPr>
-            <a:r>
-              <a:rPr lang="en-US"/>
-              <a:t>Files could be created in a way that overwrites an existing file</a:t>
-            </a:r>
-            <a:endParaRPr/>
-          </a:p>
-          <a:p>
-            <a:pPr>
-              <a:lnSpc>
-                <a:spcPct val="100000"/>
-              </a:lnSpc>
-              <a:buFont typeface="Arial"/>
-              <a:buChar char="•"/>
-            </a:pPr>
-            <a:r>
-              <a:rPr lang="en-US"/>
-              <a:t>All of these cases are considered to be “modifying” a file, despite how their internal representation is</a:t>
-            </a:r>
-            <a:endParaRPr/>
-          </a:p>
-        </p:txBody>
-      </p:sp>
-      <p:sp>
-        <p:nvSpPr>
-          <p:cNvPr id="175" name="CustomShape 2"/>
+              <a:t>Also mention the licensing: GPL (GNU General Public License) is a FOSS copy-left license; Apache license is similar, but doesn’t require source code to be distributed; LGPL is the lesser general public license, meant for libraries and allows use in non-GPL software provided the library is not a derivative work</a:t>
+            </a:r>
+            <a:endParaRPr/>
+          </a:p>
+        </p:txBody>
+      </p:sp>
+      <p:sp>
+        <p:nvSpPr>
+          <p:cNvPr id="179" name="CustomShape 2"/>
           <p:cNvSpPr/>
           <p:nvPr/>
         </p:nvSpPr>
@@ -830,14 +1202,15 @@
           </a:ln>
         </p:spPr>
         <p:txBody>
-          <a:bodyPr anchor="b" bIns="45000" lIns="90000" rIns="90000" tIns="45000"/>
+          <a:bodyPr lIns="90000" tIns="45000" rIns="90000" bIns="45000" anchor="b"/>
+          <a:lstStyle/>
           <a:p>
             <a:pPr algn="r">
               <a:lnSpc>
                 <a:spcPct val="100000"/>
               </a:lnSpc>
             </a:pPr>
-            <a:fld id="{EAB19A50-E81F-46B5-A051-0A8329BA354C}" type="slidenum">
+            <a:fld id="{971B7263-3063-4D92-A94C-8B7E02C8CEF1}" type="slidenum">
               <a:rPr lang="en-US" sz="1200">
                 <a:solidFill>
                   <a:srgbClr val="000000"/>
@@ -845,7 +1218,7 @@
                 <a:latin typeface="+mn-lt"/>
                 <a:ea typeface="+mn-ea"/>
               </a:rPr>
-              <a:t>&lt;number&gt;</a:t>
+              <a:t>17</a:t>
             </a:fld>
             <a:endParaRPr/>
           </a:p>
@@ -853,11 +1226,14 @@
       </p:sp>
     </p:spTree>
   </p:cSld>
+  <p:clrMapOvr>
+    <a:masterClrMapping/>
+  </p:clrMapOvr>
 </p:notes>
 </file>
 
-<file path=ppt/notesSlides/notesSlide16.xml><?xml version="1.0" encoding="utf-8"?>
-<p:notes xmlns:a="http://schemas.openxmlformats.org/drawingml/2006/main" xmlns:p="http://schemas.openxmlformats.org/presentationml/2006/main" xmlns:r="http://schemas.openxmlformats.org/officeDocument/2006/relationships">
+<file path=ppt/notesSlides/notesSlide2.xml><?xml version="1.0" encoding="utf-8"?>
+<p:notes xmlns:a="http://schemas.openxmlformats.org/drawingml/2006/main" xmlns:r="http://schemas.openxmlformats.org/officeDocument/2006/relationships" xmlns:p="http://schemas.openxmlformats.org/presentationml/2006/main">
   <p:cSld>
     <p:spTree>
       <p:nvGrpSpPr>
@@ -875,7 +1251,7 @@
       </p:grpSpPr>
       <p:sp>
         <p:nvSpPr>
-          <p:cNvPr id="176" name="PlaceHolder 1"/>
+          <p:cNvPr id="154" name="PlaceHolder 1"/>
           <p:cNvSpPr>
             <a:spLocks noGrp="1"/>
           </p:cNvSpPr>
@@ -893,7 +1269,8 @@
           </a:prstGeom>
         </p:spPr>
         <p:txBody>
-          <a:bodyPr bIns="0" lIns="0" rIns="0" tIns="0"/>
+          <a:bodyPr lIns="0" tIns="0" rIns="0" bIns="0"/>
+          <a:lstStyle/>
           <a:p>
             <a:pPr>
               <a:lnSpc>
@@ -904,59 +1281,15 @@
             </a:pPr>
             <a:r>
               <a:rPr lang="en-US"/>
-              <a:t>Mention that the patch is BACKWARDS!!! </a:t>
-            </a:r>
-            <a:r>
-              <a:rPr lang="en-US">
-                <a:latin typeface="Wingdings"/>
-              </a:rPr>
-              <a:t> </a:t>
-            </a:r>
-            <a:r>
-              <a:rPr b="1" lang="en-US">
-                <a:latin typeface="Wingdings"/>
-              </a:rPr>
-              <a:t>Yo, this one’s important</a:t>
-            </a:r>
-            <a:endParaRPr/>
-          </a:p>
-          <a:p>
-            <a:pPr>
-              <a:lnSpc>
-                <a:spcPct val="100000"/>
-              </a:lnSpc>
-              <a:buFont typeface="Arial"/>
-              <a:buChar char="•"/>
-            </a:pPr>
-            <a:r>
-              <a:rPr lang="en-US">
-                <a:latin typeface="Wingdings"/>
-              </a:rPr>
-              <a:t>Patch goes from after to before</a:t>
-            </a:r>
-            <a:endParaRPr/>
-          </a:p>
-          <a:p>
-            <a:pPr>
-              <a:lnSpc>
-                <a:spcPct val="100000"/>
-              </a:lnSpc>
-              <a:buFont typeface="Arial"/>
-              <a:buChar char="•"/>
-            </a:pPr>
-            <a:r>
-              <a:rPr lang="en-US">
-                <a:latin typeface="Wingdings"/>
-              </a:rPr>
-              <a:t>This is because we only use the patches to restore older versions of the file</a:t>
-            </a:r>
-            <a:endParaRPr/>
-          </a:p>
-        </p:txBody>
-      </p:sp>
-      <p:sp>
-        <p:nvSpPr>
-          <p:cNvPr id="177" name="CustomShape 2"/>
+              <a:t>Give quick detail of importance of backups, and detail how revisioning will be useful (eg, when you made an errant change to a file)</a:t>
+            </a:r>
+            <a:endParaRPr/>
+          </a:p>
+        </p:txBody>
+      </p:sp>
+      <p:sp>
+        <p:nvSpPr>
+          <p:cNvPr id="155" name="CustomShape 2"/>
           <p:cNvSpPr/>
           <p:nvPr/>
         </p:nvSpPr>
@@ -974,14 +1307,15 @@
           </a:ln>
         </p:spPr>
         <p:txBody>
-          <a:bodyPr anchor="b" bIns="45000" lIns="90000" rIns="90000" tIns="45000"/>
+          <a:bodyPr lIns="90000" tIns="45000" rIns="90000" bIns="45000" anchor="b"/>
+          <a:lstStyle/>
           <a:p>
             <a:pPr algn="r">
               <a:lnSpc>
                 <a:spcPct val="100000"/>
               </a:lnSpc>
             </a:pPr>
-            <a:fld id="{5FA99F1A-A90B-4EF9-A542-0A151AD5F2F1}" type="slidenum">
+            <a:fld id="{39B580A2-0FEA-471D-A74E-C2266AED11C4}" type="slidenum">
               <a:rPr lang="en-US" sz="1200">
                 <a:solidFill>
                   <a:srgbClr val="000000"/>
@@ -989,7 +1323,7 @@
                 <a:latin typeface="+mn-lt"/>
                 <a:ea typeface="+mn-ea"/>
               </a:rPr>
-              <a:t>&lt;number&gt;</a:t>
+              <a:t>3</a:t>
             </a:fld>
             <a:endParaRPr/>
           </a:p>
@@ -997,11 +1331,14 @@
       </p:sp>
     </p:spTree>
   </p:cSld>
+  <p:clrMapOvr>
+    <a:masterClrMapping/>
+  </p:clrMapOvr>
 </p:notes>
 </file>
 
-<file path=ppt/notesSlides/notesSlide17.xml><?xml version="1.0" encoding="utf-8"?>
-<p:notes xmlns:a="http://schemas.openxmlformats.org/drawingml/2006/main" xmlns:p="http://schemas.openxmlformats.org/presentationml/2006/main" xmlns:r="http://schemas.openxmlformats.org/officeDocument/2006/relationships">
+<file path=ppt/notesSlides/notesSlide3.xml><?xml version="1.0" encoding="utf-8"?>
+<p:notes xmlns:a="http://schemas.openxmlformats.org/drawingml/2006/main" xmlns:r="http://schemas.openxmlformats.org/officeDocument/2006/relationships" xmlns:p="http://schemas.openxmlformats.org/presentationml/2006/main">
   <p:cSld>
     <p:spTree>
       <p:nvGrpSpPr>
@@ -1019,7 +1356,7 @@
       </p:grpSpPr>
       <p:sp>
         <p:nvSpPr>
-          <p:cNvPr id="178" name="PlaceHolder 1"/>
+          <p:cNvPr id="156" name="PlaceHolder 1"/>
           <p:cNvSpPr>
             <a:spLocks noGrp="1"/>
           </p:cNvSpPr>
@@ -1037,7 +1374,8 @@
           </a:prstGeom>
         </p:spPr>
         <p:txBody>
-          <a:bodyPr bIns="0" lIns="0" rIns="0" tIns="0"/>
+          <a:bodyPr lIns="0" tIns="0" rIns="0" bIns="0"/>
+          <a:lstStyle/>
           <a:p>
             <a:pPr>
               <a:lnSpc>
@@ -1048,7 +1386,7 @@
             </a:pPr>
             <a:r>
               <a:rPr lang="en-US"/>
-              <a:t>Mostly the same as the second slide</a:t>
+              <a:t>Mention that the rename/modify/delete stuff is all in the backend</a:t>
             </a:r>
             <a:endParaRPr/>
           </a:p>
@@ -1062,15 +1400,15 @@
             </a:pPr>
             <a:r>
               <a:rPr lang="en-US"/>
-              <a:t>Also mention the licensing: GPL (GNU General Public License) is a FOSS copy-left license; Apache license is similar, but doesn’t require source code to be distributed; LGPL is the lesser general public license, meant for libraries and allows use in non-GPL software provided the library is not a derivative work</a:t>
-            </a:r>
-            <a:endParaRPr/>
-          </a:p>
-        </p:txBody>
-      </p:sp>
-      <p:sp>
-        <p:nvSpPr>
-          <p:cNvPr id="179" name="CustomShape 2"/>
+              <a:t>Some parts are front end, meaning user acts via GUI</a:t>
+            </a:r>
+            <a:endParaRPr/>
+          </a:p>
+        </p:txBody>
+      </p:sp>
+      <p:sp>
+        <p:nvSpPr>
+          <p:cNvPr id="157" name="CustomShape 2"/>
           <p:cNvSpPr/>
           <p:nvPr/>
         </p:nvSpPr>
@@ -1088,14 +1426,15 @@
           </a:ln>
         </p:spPr>
         <p:txBody>
-          <a:bodyPr anchor="b" bIns="45000" lIns="90000" rIns="90000" tIns="45000"/>
+          <a:bodyPr lIns="90000" tIns="45000" rIns="90000" bIns="45000" anchor="b"/>
+          <a:lstStyle/>
           <a:p>
             <a:pPr algn="r">
               <a:lnSpc>
                 <a:spcPct val="100000"/>
               </a:lnSpc>
             </a:pPr>
-            <a:fld id="{971B7263-3063-4D92-A94C-8B7E02C8CEF1}" type="slidenum">
+            <a:fld id="{36786C12-93F4-4C34-A921-8CB152B015F5}" type="slidenum">
               <a:rPr lang="en-US" sz="1200">
                 <a:solidFill>
                   <a:srgbClr val="000000"/>
@@ -1103,7 +1442,7 @@
                 <a:latin typeface="+mn-lt"/>
                 <a:ea typeface="+mn-ea"/>
               </a:rPr>
-              <a:t>&lt;number&gt;</a:t>
+              <a:t>4</a:t>
             </a:fld>
             <a:endParaRPr/>
           </a:p>
@@ -1111,11 +1450,14 @@
       </p:sp>
     </p:spTree>
   </p:cSld>
+  <p:clrMapOvr>
+    <a:masterClrMapping/>
+  </p:clrMapOvr>
 </p:notes>
 </file>
 
-<file path=ppt/notesSlides/notesSlide2.xml><?xml version="1.0" encoding="utf-8"?>
-<p:notes xmlns:a="http://schemas.openxmlformats.org/drawingml/2006/main" xmlns:p="http://schemas.openxmlformats.org/presentationml/2006/main" xmlns:r="http://schemas.openxmlformats.org/officeDocument/2006/relationships">
+<file path=ppt/notesSlides/notesSlide4.xml><?xml version="1.0" encoding="utf-8"?>
+<p:notes xmlns:a="http://schemas.openxmlformats.org/drawingml/2006/main" xmlns:r="http://schemas.openxmlformats.org/officeDocument/2006/relationships" xmlns:p="http://schemas.openxmlformats.org/presentationml/2006/main">
   <p:cSld>
     <p:spTree>
       <p:nvGrpSpPr>
@@ -1133,7 +1475,7 @@
       </p:grpSpPr>
       <p:sp>
         <p:nvSpPr>
-          <p:cNvPr id="152" name="PlaceHolder 1"/>
+          <p:cNvPr id="158" name="PlaceHolder 1"/>
           <p:cNvSpPr>
             <a:spLocks noGrp="1"/>
           </p:cNvSpPr>
@@ -1151,7 +1493,8 @@
           </a:prstGeom>
         </p:spPr>
         <p:txBody>
-          <a:bodyPr bIns="0" lIns="0" rIns="0" tIns="0"/>
+          <a:bodyPr lIns="0" tIns="0" rIns="0" bIns="0"/>
+          <a:lstStyle/>
           <a:p>
             <a:pPr>
               <a:lnSpc>
@@ -1162,15 +1505,15 @@
             </a:pPr>
             <a:r>
               <a:rPr lang="en-US"/>
-              <a:t>Stress simplicity and power balance</a:t>
-            </a:r>
-            <a:endParaRPr/>
-          </a:p>
-        </p:txBody>
-      </p:sp>
-      <p:sp>
-        <p:nvSpPr>
-          <p:cNvPr id="153" name="CustomShape 2"/>
+              <a:t>Mention that this is the sequence diagram of startup, what it’s meant to accomplish (init everything, live/backup directory, decide if first run wizard needs to be run).</a:t>
+            </a:r>
+            <a:endParaRPr/>
+          </a:p>
+        </p:txBody>
+      </p:sp>
+      <p:sp>
+        <p:nvSpPr>
+          <p:cNvPr id="159" name="CustomShape 2"/>
           <p:cNvSpPr/>
           <p:nvPr/>
         </p:nvSpPr>
@@ -1188,14 +1531,15 @@
           </a:ln>
         </p:spPr>
         <p:txBody>
-          <a:bodyPr anchor="b" bIns="45000" lIns="90000" rIns="90000" tIns="45000"/>
+          <a:bodyPr lIns="90000" tIns="45000" rIns="90000" bIns="45000" anchor="b"/>
+          <a:lstStyle/>
           <a:p>
             <a:pPr algn="r">
               <a:lnSpc>
                 <a:spcPct val="100000"/>
               </a:lnSpc>
             </a:pPr>
-            <a:fld id="{BCC6D129-B773-4D9B-992A-AB2FA0D7E5E2}" type="slidenum">
+            <a:fld id="{00EFAD3B-DD08-40CD-96B4-8138F44379F5}" type="slidenum">
               <a:rPr lang="en-US" sz="1200">
                 <a:solidFill>
                   <a:srgbClr val="000000"/>
@@ -1203,7 +1547,7 @@
                 <a:latin typeface="+mn-lt"/>
                 <a:ea typeface="+mn-ea"/>
               </a:rPr>
-              <a:t>&lt;number&gt;</a:t>
+              <a:t>5</a:t>
             </a:fld>
             <a:endParaRPr/>
           </a:p>
@@ -1211,11 +1555,14 @@
       </p:sp>
     </p:spTree>
   </p:cSld>
+  <p:clrMapOvr>
+    <a:masterClrMapping/>
+  </p:clrMapOvr>
 </p:notes>
 </file>
 
-<file path=ppt/notesSlides/notesSlide3.xml><?xml version="1.0" encoding="utf-8"?>
-<p:notes xmlns:a="http://schemas.openxmlformats.org/drawingml/2006/main" xmlns:p="http://schemas.openxmlformats.org/presentationml/2006/main" xmlns:r="http://schemas.openxmlformats.org/officeDocument/2006/relationships">
+<file path=ppt/notesSlides/notesSlide5.xml><?xml version="1.0" encoding="utf-8"?>
+<p:notes xmlns:a="http://schemas.openxmlformats.org/drawingml/2006/main" xmlns:r="http://schemas.openxmlformats.org/officeDocument/2006/relationships" xmlns:p="http://schemas.openxmlformats.org/presentationml/2006/main">
   <p:cSld>
     <p:spTree>
       <p:nvGrpSpPr>
@@ -1233,7 +1580,7 @@
       </p:grpSpPr>
       <p:sp>
         <p:nvSpPr>
-          <p:cNvPr id="154" name="PlaceHolder 1"/>
+          <p:cNvPr id="160" name="PlaceHolder 1"/>
           <p:cNvSpPr>
             <a:spLocks noGrp="1"/>
           </p:cNvSpPr>
@@ -1251,7 +1598,8 @@
           </a:prstGeom>
         </p:spPr>
         <p:txBody>
-          <a:bodyPr bIns="0" lIns="0" rIns="0" tIns="0"/>
+          <a:bodyPr lIns="0" tIns="0" rIns="0" bIns="0"/>
+          <a:lstStyle/>
           <a:p>
             <a:pPr>
               <a:lnSpc>
@@ -1262,15 +1610,29 @@
             </a:pPr>
             <a:r>
               <a:rPr lang="en-US"/>
-              <a:t>Give quick detail of importance of backups, and detail how revisioning will be useful (eg, when you made an errant change to a file)</a:t>
-            </a:r>
-            <a:endParaRPr/>
-          </a:p>
-        </p:txBody>
-      </p:sp>
-      <p:sp>
-        <p:nvSpPr>
-          <p:cNvPr id="155" name="CustomShape 2"/>
+              <a:t>The class diagram is waaay too big to fit in the slide, so we’ll link it. In presentation view, clicking that link will open the file in default editor for PNG files. We can then zoom around the file, pointing out the classes and their relationships.</a:t>
+            </a:r>
+            <a:endParaRPr/>
+          </a:p>
+          <a:p>
+            <a:pPr>
+              <a:lnSpc>
+                <a:spcPct val="100000"/>
+              </a:lnSpc>
+              <a:buFont typeface="Arial"/>
+              <a:buChar char="•"/>
+            </a:pPr>
+            <a:r>
+              <a:rPr lang="en-US"/>
+              <a:t>Just roughly point out the major classes and their purposes</a:t>
+            </a:r>
+            <a:endParaRPr/>
+          </a:p>
+        </p:txBody>
+      </p:sp>
+      <p:sp>
+        <p:nvSpPr>
+          <p:cNvPr id="161" name="CustomShape 2"/>
           <p:cNvSpPr/>
           <p:nvPr/>
         </p:nvSpPr>
@@ -1288,14 +1650,15 @@
           </a:ln>
         </p:spPr>
         <p:txBody>
-          <a:bodyPr anchor="b" bIns="45000" lIns="90000" rIns="90000" tIns="45000"/>
+          <a:bodyPr lIns="90000" tIns="45000" rIns="90000" bIns="45000" anchor="b"/>
+          <a:lstStyle/>
           <a:p>
             <a:pPr algn="r">
               <a:lnSpc>
                 <a:spcPct val="100000"/>
               </a:lnSpc>
             </a:pPr>
-            <a:fld id="{39B580A2-0FEA-471D-A74E-C2266AED11C4}" type="slidenum">
+            <a:fld id="{B381661B-E548-49A8-9318-E3B3318DEC66}" type="slidenum">
               <a:rPr lang="en-US" sz="1200">
                 <a:solidFill>
                   <a:srgbClr val="000000"/>
@@ -1303,7 +1666,7 @@
                 <a:latin typeface="+mn-lt"/>
                 <a:ea typeface="+mn-ea"/>
               </a:rPr>
-              <a:t>&lt;number&gt;</a:t>
+              <a:t>6</a:t>
             </a:fld>
             <a:endParaRPr/>
           </a:p>
@@ -1311,11 +1674,14 @@
       </p:sp>
     </p:spTree>
   </p:cSld>
+  <p:clrMapOvr>
+    <a:masterClrMapping/>
+  </p:clrMapOvr>
 </p:notes>
 </file>
 
-<file path=ppt/notesSlides/notesSlide4.xml><?xml version="1.0" encoding="utf-8"?>
-<p:notes xmlns:a="http://schemas.openxmlformats.org/drawingml/2006/main" xmlns:p="http://schemas.openxmlformats.org/presentationml/2006/main" xmlns:r="http://schemas.openxmlformats.org/officeDocument/2006/relationships">
+<file path=ppt/notesSlides/notesSlide6.xml><?xml version="1.0" encoding="utf-8"?>
+<p:notes xmlns:a="http://schemas.openxmlformats.org/drawingml/2006/main" xmlns:r="http://schemas.openxmlformats.org/officeDocument/2006/relationships" xmlns:p="http://schemas.openxmlformats.org/presentationml/2006/main">
   <p:cSld>
     <p:spTree>
       <p:nvGrpSpPr>
@@ -1333,7 +1699,7 @@
       </p:grpSpPr>
       <p:sp>
         <p:nvSpPr>
-          <p:cNvPr id="156" name="PlaceHolder 1"/>
+          <p:cNvPr id="162" name="PlaceHolder 1"/>
           <p:cNvSpPr>
             <a:spLocks noGrp="1"/>
           </p:cNvSpPr>
@@ -1351,7 +1717,8 @@
           </a:prstGeom>
         </p:spPr>
         <p:txBody>
-          <a:bodyPr bIns="0" lIns="0" rIns="0" tIns="0"/>
+          <a:bodyPr lIns="0" tIns="0" rIns="0" bIns="0"/>
+          <a:lstStyle/>
           <a:p>
             <a:pPr>
               <a:lnSpc>
@@ -1362,7 +1729,7 @@
             </a:pPr>
             <a:r>
               <a:rPr lang="en-US"/>
-              <a:t>Mention that the rename/modify/delete stuff is all in the backend</a:t>
+              <a:t>Mention how the bulk of the code is in the backend; lots of handling for errors and unusual circumstances</a:t>
             </a:r>
             <a:endParaRPr/>
           </a:p>
@@ -1376,15 +1743,15 @@
             </a:pPr>
             <a:r>
               <a:rPr lang="en-US"/>
-              <a:t>Some parts are front end, meaning user acts via GUI</a:t>
-            </a:r>
-            <a:endParaRPr/>
-          </a:p>
-        </p:txBody>
-      </p:sp>
-      <p:sp>
-        <p:nvSpPr>
-          <p:cNvPr id="157" name="CustomShape 2"/>
+              <a:t>Also mention copy-to, restore all</a:t>
+            </a:r>
+            <a:endParaRPr/>
+          </a:p>
+        </p:txBody>
+      </p:sp>
+      <p:sp>
+        <p:nvSpPr>
+          <p:cNvPr id="163" name="CustomShape 2"/>
           <p:cNvSpPr/>
           <p:nvPr/>
         </p:nvSpPr>
@@ -1402,14 +1769,15 @@
           </a:ln>
         </p:spPr>
         <p:txBody>
-          <a:bodyPr anchor="b" bIns="45000" lIns="90000" rIns="90000" tIns="45000"/>
+          <a:bodyPr lIns="90000" tIns="45000" rIns="90000" bIns="45000" anchor="b"/>
+          <a:lstStyle/>
           <a:p>
             <a:pPr algn="r">
               <a:lnSpc>
                 <a:spcPct val="100000"/>
               </a:lnSpc>
             </a:pPr>
-            <a:fld id="{36786C12-93F4-4C34-A921-8CB152B015F5}" type="slidenum">
+            <a:fld id="{AFAD6508-213A-4474-91D0-494A1B8CD454}" type="slidenum">
               <a:rPr lang="en-US" sz="1200">
                 <a:solidFill>
                   <a:srgbClr val="000000"/>
@@ -1417,7 +1785,7 @@
                 <a:latin typeface="+mn-lt"/>
                 <a:ea typeface="+mn-ea"/>
               </a:rPr>
-              <a:t>&lt;number&gt;</a:t>
+              <a:t>8</a:t>
             </a:fld>
             <a:endParaRPr/>
           </a:p>
@@ -1425,11 +1793,14 @@
       </p:sp>
     </p:spTree>
   </p:cSld>
+  <p:clrMapOvr>
+    <a:masterClrMapping/>
+  </p:clrMapOvr>
 </p:notes>
 </file>
 
-<file path=ppt/notesSlides/notesSlide5.xml><?xml version="1.0" encoding="utf-8"?>
-<p:notes xmlns:a="http://schemas.openxmlformats.org/drawingml/2006/main" xmlns:p="http://schemas.openxmlformats.org/presentationml/2006/main" xmlns:r="http://schemas.openxmlformats.org/officeDocument/2006/relationships">
+<file path=ppt/notesSlides/notesSlide7.xml><?xml version="1.0" encoding="utf-8"?>
+<p:notes xmlns:a="http://schemas.openxmlformats.org/drawingml/2006/main" xmlns:r="http://schemas.openxmlformats.org/officeDocument/2006/relationships" xmlns:p="http://schemas.openxmlformats.org/presentationml/2006/main">
   <p:cSld>
     <p:spTree>
       <p:nvGrpSpPr>
@@ -1447,7 +1818,7 @@
       </p:grpSpPr>
       <p:sp>
         <p:nvSpPr>
-          <p:cNvPr id="158" name="PlaceHolder 1"/>
+          <p:cNvPr id="164" name="PlaceHolder 1"/>
           <p:cNvSpPr>
             <a:spLocks noGrp="1"/>
           </p:cNvSpPr>
@@ -1465,7 +1836,8 @@
           </a:prstGeom>
         </p:spPr>
         <p:txBody>
-          <a:bodyPr bIns="0" lIns="0" rIns="0" tIns="0"/>
+          <a:bodyPr lIns="0" tIns="0" rIns="0" bIns="0"/>
+          <a:lstStyle/>
           <a:p>
             <a:pPr>
               <a:lnSpc>
@@ -1476,15 +1848,15 @@
             </a:pPr>
             <a:r>
               <a:rPr lang="en-US"/>
-              <a:t>Mention that this is the sequence diagram of startup, what it’s meant to accomplish (init everything, live/backup directory, decide if first run wizard needs to be run).</a:t>
-            </a:r>
-            <a:endParaRPr/>
-          </a:p>
-        </p:txBody>
-      </p:sp>
-      <p:sp>
-        <p:nvSpPr>
-          <p:cNvPr id="159" name="CustomShape 2"/>
+              <a:t>Point out parts of this window; eg, refresh button, up button, etc</a:t>
+            </a:r>
+            <a:endParaRPr/>
+          </a:p>
+        </p:txBody>
+      </p:sp>
+      <p:sp>
+        <p:nvSpPr>
+          <p:cNvPr id="165" name="CustomShape 2"/>
           <p:cNvSpPr/>
           <p:nvPr/>
         </p:nvSpPr>
@@ -1502,14 +1874,15 @@
           </a:ln>
         </p:spPr>
         <p:txBody>
-          <a:bodyPr anchor="b" bIns="45000" lIns="90000" rIns="90000" tIns="45000"/>
+          <a:bodyPr lIns="90000" tIns="45000" rIns="90000" bIns="45000" anchor="b"/>
+          <a:lstStyle/>
           <a:p>
             <a:pPr algn="r">
               <a:lnSpc>
                 <a:spcPct val="100000"/>
               </a:lnSpc>
             </a:pPr>
-            <a:fld id="{00EFAD3B-DD08-40CD-96B4-8138F44379F5}" type="slidenum">
+            <a:fld id="{3BDF3C9C-FBEA-4C01-99F0-7AC66464C47D}" type="slidenum">
               <a:rPr lang="en-US" sz="1200">
                 <a:solidFill>
                   <a:srgbClr val="000000"/>
@@ -1517,7 +1890,7 @@
                 <a:latin typeface="+mn-lt"/>
                 <a:ea typeface="+mn-ea"/>
               </a:rPr>
-              <a:t>&lt;number&gt;</a:t>
+              <a:t>9</a:t>
             </a:fld>
             <a:endParaRPr/>
           </a:p>
@@ -1525,11 +1898,14 @@
       </p:sp>
     </p:spTree>
   </p:cSld>
+  <p:clrMapOvr>
+    <a:masterClrMapping/>
+  </p:clrMapOvr>
 </p:notes>
 </file>
 
-<file path=ppt/notesSlides/notesSlide6.xml><?xml version="1.0" encoding="utf-8"?>
-<p:notes xmlns:a="http://schemas.openxmlformats.org/drawingml/2006/main" xmlns:p="http://schemas.openxmlformats.org/presentationml/2006/main" xmlns:r="http://schemas.openxmlformats.org/officeDocument/2006/relationships">
+<file path=ppt/notesSlides/notesSlide8.xml><?xml version="1.0" encoding="utf-8"?>
+<p:notes xmlns:a="http://schemas.openxmlformats.org/drawingml/2006/main" xmlns:r="http://schemas.openxmlformats.org/officeDocument/2006/relationships" xmlns:p="http://schemas.openxmlformats.org/presentationml/2006/main">
   <p:cSld>
     <p:spTree>
       <p:nvGrpSpPr>
@@ -1547,7 +1923,7 @@
       </p:grpSpPr>
       <p:sp>
         <p:nvSpPr>
-          <p:cNvPr id="160" name="PlaceHolder 1"/>
+          <p:cNvPr id="166" name="PlaceHolder 1"/>
           <p:cNvSpPr>
             <a:spLocks noGrp="1"/>
           </p:cNvSpPr>
@@ -1565,7 +1941,8 @@
           </a:prstGeom>
         </p:spPr>
         <p:txBody>
-          <a:bodyPr bIns="0" lIns="0" rIns="0" tIns="0"/>
+          <a:bodyPr lIns="0" tIns="0" rIns="0" bIns="0"/>
+          <a:lstStyle/>
           <a:p>
             <a:pPr>
               <a:lnSpc>
@@ -1576,29 +1953,15 @@
             </a:pPr>
             <a:r>
               <a:rPr lang="en-US"/>
-              <a:t>The class diagram is waaay too big to fit in the slide, so we’ll link it. In presentation view, clicking that link will open the file in default editor for PNG files. We can then zoom around the file, pointing out the classes and their relationships.</a:t>
-            </a:r>
-            <a:endParaRPr/>
-          </a:p>
-          <a:p>
-            <a:pPr>
-              <a:lnSpc>
-                <a:spcPct val="100000"/>
-              </a:lnSpc>
-              <a:buFont typeface="Arial"/>
-              <a:buChar char="•"/>
-            </a:pPr>
-            <a:r>
-              <a:rPr lang="en-US"/>
-              <a:t>Just roughly point out the major classes and their purposes</a:t>
-            </a:r>
-            <a:endParaRPr/>
-          </a:p>
-        </p:txBody>
-      </p:sp>
-      <p:sp>
-        <p:nvSpPr>
-          <p:cNvPr id="161" name="CustomShape 2"/>
+              <a:t>Point out parts of this dialog</a:t>
+            </a:r>
+            <a:endParaRPr/>
+          </a:p>
+        </p:txBody>
+      </p:sp>
+      <p:sp>
+        <p:nvSpPr>
+          <p:cNvPr id="167" name="CustomShape 2"/>
           <p:cNvSpPr/>
           <p:nvPr/>
         </p:nvSpPr>
@@ -1616,14 +1979,15 @@
           </a:ln>
         </p:spPr>
         <p:txBody>
-          <a:bodyPr anchor="b" bIns="45000" lIns="90000" rIns="90000" tIns="45000"/>
+          <a:bodyPr lIns="90000" tIns="45000" rIns="90000" bIns="45000" anchor="b"/>
+          <a:lstStyle/>
           <a:p>
             <a:pPr algn="r">
               <a:lnSpc>
                 <a:spcPct val="100000"/>
               </a:lnSpc>
             </a:pPr>
-            <a:fld id="{B381661B-E548-49A8-9318-E3B3318DEC66}" type="slidenum">
+            <a:fld id="{4E18DAAC-2076-4359-8E01-25007055AA73}" type="slidenum">
               <a:rPr lang="en-US" sz="1200">
                 <a:solidFill>
                   <a:srgbClr val="000000"/>
@@ -1631,7 +1995,7 @@
                 <a:latin typeface="+mn-lt"/>
                 <a:ea typeface="+mn-ea"/>
               </a:rPr>
-              <a:t>&lt;number&gt;</a:t>
+              <a:t>11</a:t>
             </a:fld>
             <a:endParaRPr/>
           </a:p>
@@ -1639,11 +2003,14 @@
       </p:sp>
     </p:spTree>
   </p:cSld>
+  <p:clrMapOvr>
+    <a:masterClrMapping/>
+  </p:clrMapOvr>
 </p:notes>
 </file>
 
-<file path=ppt/notesSlides/notesSlide8.xml><?xml version="1.0" encoding="utf-8"?>
-<p:notes xmlns:a="http://schemas.openxmlformats.org/drawingml/2006/main" xmlns:p="http://schemas.openxmlformats.org/presentationml/2006/main" xmlns:r="http://schemas.openxmlformats.org/officeDocument/2006/relationships">
+<file path=ppt/notesSlides/notesSlide9.xml><?xml version="1.0" encoding="utf-8"?>
+<p:notes xmlns:a="http://schemas.openxmlformats.org/drawingml/2006/main" xmlns:r="http://schemas.openxmlformats.org/officeDocument/2006/relationships" xmlns:p="http://schemas.openxmlformats.org/presentationml/2006/main">
   <p:cSld>
     <p:spTree>
       <p:nvGrpSpPr>
@@ -1661,7 +2028,7 @@
       </p:grpSpPr>
       <p:sp>
         <p:nvSpPr>
-          <p:cNvPr id="162" name="PlaceHolder 1"/>
+          <p:cNvPr id="168" name="PlaceHolder 1"/>
           <p:cNvSpPr>
             <a:spLocks noGrp="1"/>
           </p:cNvSpPr>
@@ -1679,7 +2046,8 @@
           </a:prstGeom>
         </p:spPr>
         <p:txBody>
-          <a:bodyPr bIns="0" lIns="0" rIns="0" tIns="0"/>
+          <a:bodyPr lIns="0" tIns="0" rIns="0" bIns="0"/>
+          <a:lstStyle/>
           <a:p>
             <a:pPr>
               <a:lnSpc>
@@ -1690,7 +2058,7 @@
             </a:pPr>
             <a:r>
               <a:rPr lang="en-US"/>
-              <a:t>Mention how the bulk of the code is in the backend; lots of handling for errors and unusual circumstances</a:t>
+              <a:t>Mention how startup scan compares file contents to detect differences between the files; still revisions changes</a:t>
             </a:r>
             <a:endParaRPr/>
           </a:p>
@@ -1704,15 +2072,15 @@
             </a:pPr>
             <a:r>
               <a:rPr lang="en-US"/>
-              <a:t>Also mention copy-to, restore all</a:t>
-            </a:r>
-            <a:endParaRPr/>
-          </a:p>
-        </p:txBody>
-      </p:sp>
-      <p:sp>
-        <p:nvSpPr>
-          <p:cNvPr id="163" name="CustomShape 2"/>
+              <a:t>Trim feature disabled by default; removes files older than a user specified number of days</a:t>
+            </a:r>
+            <a:endParaRPr/>
+          </a:p>
+        </p:txBody>
+      </p:sp>
+      <p:sp>
+        <p:nvSpPr>
+          <p:cNvPr id="169" name="CustomShape 2"/>
           <p:cNvSpPr/>
           <p:nvPr/>
         </p:nvSpPr>
@@ -1730,14 +2098,15 @@
           </a:ln>
         </p:spPr>
         <p:txBody>
-          <a:bodyPr anchor="b" bIns="45000" lIns="90000" rIns="90000" tIns="45000"/>
+          <a:bodyPr lIns="90000" tIns="45000" rIns="90000" bIns="45000" anchor="b"/>
+          <a:lstStyle/>
           <a:p>
             <a:pPr algn="r">
               <a:lnSpc>
                 <a:spcPct val="100000"/>
               </a:lnSpc>
             </a:pPr>
-            <a:fld id="{AFAD6508-213A-4474-91D0-494A1B8CD454}" type="slidenum">
+            <a:fld id="{096FD3AC-B4A2-4AE5-93A8-1C5DF2FDA5C7}" type="slidenum">
               <a:rPr lang="en-US" sz="1200">
                 <a:solidFill>
                   <a:srgbClr val="000000"/>
@@ -1745,7 +2114,7 @@
                 <a:latin typeface="+mn-lt"/>
                 <a:ea typeface="+mn-ea"/>
               </a:rPr>
-              <a:t>&lt;number&gt;</a:t>
+              <a:t>12</a:t>
             </a:fld>
             <a:endParaRPr/>
           </a:p>
@@ -1753,111 +2122,14 @@
       </p:sp>
     </p:spTree>
   </p:cSld>
-</p:notes>
-</file>
-
-<file path=ppt/notesSlides/notesSlide9.xml><?xml version="1.0" encoding="utf-8"?>
-<p:notes xmlns:a="http://schemas.openxmlformats.org/drawingml/2006/main" xmlns:p="http://schemas.openxmlformats.org/presentationml/2006/main" xmlns:r="http://schemas.openxmlformats.org/officeDocument/2006/relationships">
-  <p:cSld>
-    <p:spTree>
-      <p:nvGrpSpPr>
-        <p:cNvPr id="1" name=""/>
-        <p:cNvGrpSpPr/>
-        <p:nvPr/>
-      </p:nvGrpSpPr>
-      <p:grpSpPr>
-        <a:xfrm>
-          <a:off x="0" y="0"/>
-          <a:ext cx="0" cy="0"/>
-          <a:chOff x="0" y="0"/>
-          <a:chExt cx="0" cy="0"/>
-        </a:xfrm>
-      </p:grpSpPr>
-      <p:sp>
-        <p:nvSpPr>
-          <p:cNvPr id="164" name="PlaceHolder 1"/>
-          <p:cNvSpPr>
-            <a:spLocks noGrp="1"/>
-          </p:cNvSpPr>
-          <p:nvPr>
-            <p:ph type="body"/>
-          </p:nvPr>
-        </p:nvSpPr>
-        <p:spPr>
-          <a:xfrm>
-            <a:off x="685800" y="4343400"/>
-            <a:ext cx="5485680" cy="4114080"/>
-          </a:xfrm>
-          <a:prstGeom prst="rect">
-            <a:avLst/>
-          </a:prstGeom>
-        </p:spPr>
-        <p:txBody>
-          <a:bodyPr bIns="0" lIns="0" rIns="0" tIns="0"/>
-          <a:p>
-            <a:pPr>
-              <a:lnSpc>
-                <a:spcPct val="100000"/>
-              </a:lnSpc>
-              <a:buFont typeface="Arial"/>
-              <a:buChar char="•"/>
-            </a:pPr>
-            <a:r>
-              <a:rPr lang="en-US"/>
-              <a:t>Point out parts of this window; eg, refresh button, up button, etc</a:t>
-            </a:r>
-            <a:endParaRPr/>
-          </a:p>
-        </p:txBody>
-      </p:sp>
-      <p:sp>
-        <p:nvSpPr>
-          <p:cNvPr id="165" name="CustomShape 2"/>
-          <p:cNvSpPr/>
-          <p:nvPr/>
-        </p:nvSpPr>
-        <p:spPr>
-          <a:xfrm>
-            <a:off x="3884760" y="8685360"/>
-            <a:ext cx="2971080" cy="456480"/>
-          </a:xfrm>
-          <a:prstGeom prst="rect">
-            <a:avLst/>
-          </a:prstGeom>
-          <a:noFill/>
-          <a:ln>
-            <a:noFill/>
-          </a:ln>
-        </p:spPr>
-        <p:txBody>
-          <a:bodyPr anchor="b" bIns="45000" lIns="90000" rIns="90000" tIns="45000"/>
-          <a:p>
-            <a:pPr algn="r">
-              <a:lnSpc>
-                <a:spcPct val="100000"/>
-              </a:lnSpc>
-            </a:pPr>
-            <a:fld id="{3BDF3C9C-FBEA-4C01-99F0-7AC66464C47D}" type="slidenum">
-              <a:rPr lang="en-US" sz="1200">
-                <a:solidFill>
-                  <a:srgbClr val="000000"/>
-                </a:solidFill>
-                <a:latin typeface="+mn-lt"/>
-                <a:ea typeface="+mn-ea"/>
-              </a:rPr>
-              <a:t>&lt;number&gt;</a:t>
-            </a:fld>
-            <a:endParaRPr/>
-          </a:p>
-        </p:txBody>
-      </p:sp>
-    </p:spTree>
-  </p:cSld>
+  <p:clrMapOvr>
+    <a:masterClrMapping/>
+  </p:clrMapOvr>
 </p:notes>
 </file>
 
 <file path=ppt/slideLayouts/slideLayout1.xml><?xml version="1.0" encoding="utf-8"?>
-<p:sldLayout xmlns:a="http://schemas.openxmlformats.org/drawingml/2006/main" xmlns:p="http://schemas.openxmlformats.org/presentationml/2006/main" xmlns:r="http://schemas.openxmlformats.org/officeDocument/2006/relationships" preserve="1" type="blank">
+<p:sldLayout xmlns:a="http://schemas.openxmlformats.org/drawingml/2006/main" xmlns:r="http://schemas.openxmlformats.org/officeDocument/2006/relationships" xmlns:p="http://schemas.openxmlformats.org/presentationml/2006/main" type="blank" preserve="1">
   <p:cSld name="Blank Slide">
     <p:spTree>
       <p:nvGrpSpPr>
@@ -1875,11 +2147,14 @@
       </p:grpSpPr>
     </p:spTree>
   </p:cSld>
+  <p:clrMapOvr>
+    <a:masterClrMapping/>
+  </p:clrMapOvr>
 </p:sldLayout>
 </file>
 
 <file path=ppt/slideLayouts/slideLayout10.xml><?xml version="1.0" encoding="utf-8"?>
-<p:sldLayout xmlns:a="http://schemas.openxmlformats.org/drawingml/2006/main" xmlns:p="http://schemas.openxmlformats.org/presentationml/2006/main" xmlns:r="http://schemas.openxmlformats.org/officeDocument/2006/relationships" preserve="1" type="objOverTx">
+<p:sldLayout xmlns:a="http://schemas.openxmlformats.org/drawingml/2006/main" xmlns:r="http://schemas.openxmlformats.org/officeDocument/2006/relationships" xmlns:p="http://schemas.openxmlformats.org/presentationml/2006/main" type="objOverTx" preserve="1">
   <p:cSld name="Title, Content over Content">
     <p:spTree>
       <p:nvGrpSpPr>
@@ -1915,7 +2190,8 @@
           </a:prstGeom>
         </p:spPr>
         <p:txBody>
-          <a:bodyPr anchor="ctr" bIns="0" lIns="0" rIns="0" tIns="0" wrap="none"/>
+          <a:bodyPr wrap="none" lIns="0" tIns="0" rIns="0" bIns="0" anchor="ctr"/>
+          <a:lstStyle/>
           <a:p>
             <a:pPr algn="ctr"/>
             <a:endParaRPr/>
@@ -1942,7 +2218,8 @@
           </a:prstGeom>
         </p:spPr>
         <p:txBody>
-          <a:bodyPr bIns="0" lIns="0" rIns="0" tIns="0" wrap="none"/>
+          <a:bodyPr wrap="none" lIns="0" tIns="0" rIns="0" bIns="0"/>
+          <a:lstStyle/>
           <a:p>
             <a:endParaRPr/>
           </a:p>
@@ -1968,7 +2245,8 @@
           </a:prstGeom>
         </p:spPr>
         <p:txBody>
-          <a:bodyPr bIns="0" lIns="0" rIns="0" tIns="0" wrap="none"/>
+          <a:bodyPr wrap="none" lIns="0" tIns="0" rIns="0" bIns="0"/>
+          <a:lstStyle/>
           <a:p>
             <a:endParaRPr/>
           </a:p>
@@ -1976,11 +2254,14 @@
       </p:sp>
     </p:spTree>
   </p:cSld>
+  <p:clrMapOvr>
+    <a:masterClrMapping/>
+  </p:clrMapOvr>
 </p:sldLayout>
 </file>
 
 <file path=ppt/slideLayouts/slideLayout11.xml><?xml version="1.0" encoding="utf-8"?>
-<p:sldLayout xmlns:a="http://schemas.openxmlformats.org/drawingml/2006/main" xmlns:p="http://schemas.openxmlformats.org/presentationml/2006/main" xmlns:r="http://schemas.openxmlformats.org/officeDocument/2006/relationships" preserve="1" type="fourObj">
+<p:sldLayout xmlns:a="http://schemas.openxmlformats.org/drawingml/2006/main" xmlns:r="http://schemas.openxmlformats.org/officeDocument/2006/relationships" xmlns:p="http://schemas.openxmlformats.org/presentationml/2006/main" type="fourObj" preserve="1">
   <p:cSld name="Title, 4 Content">
     <p:spTree>
       <p:nvGrpSpPr>
@@ -2016,7 +2297,8 @@
           </a:prstGeom>
         </p:spPr>
         <p:txBody>
-          <a:bodyPr anchor="ctr" bIns="0" lIns="0" rIns="0" tIns="0" wrap="none"/>
+          <a:bodyPr wrap="none" lIns="0" tIns="0" rIns="0" bIns="0" anchor="ctr"/>
+          <a:lstStyle/>
           <a:p>
             <a:pPr algn="ctr"/>
             <a:endParaRPr/>
@@ -2043,7 +2325,8 @@
           </a:prstGeom>
         </p:spPr>
         <p:txBody>
-          <a:bodyPr bIns="0" lIns="0" rIns="0" tIns="0" wrap="none"/>
+          <a:bodyPr wrap="none" lIns="0" tIns="0" rIns="0" bIns="0"/>
+          <a:lstStyle/>
           <a:p>
             <a:endParaRPr/>
           </a:p>
@@ -2069,7 +2352,8 @@
           </a:prstGeom>
         </p:spPr>
         <p:txBody>
-          <a:bodyPr bIns="0" lIns="0" rIns="0" tIns="0" wrap="none"/>
+          <a:bodyPr wrap="none" lIns="0" tIns="0" rIns="0" bIns="0"/>
+          <a:lstStyle/>
           <a:p>
             <a:endParaRPr/>
           </a:p>
@@ -2095,7 +2379,8 @@
           </a:prstGeom>
         </p:spPr>
         <p:txBody>
-          <a:bodyPr bIns="0" lIns="0" rIns="0" tIns="0" wrap="none"/>
+          <a:bodyPr wrap="none" lIns="0" tIns="0" rIns="0" bIns="0"/>
+          <a:lstStyle/>
           <a:p>
             <a:endParaRPr/>
           </a:p>
@@ -2121,7 +2406,8 @@
           </a:prstGeom>
         </p:spPr>
         <p:txBody>
-          <a:bodyPr bIns="0" lIns="0" rIns="0" tIns="0" wrap="none"/>
+          <a:bodyPr wrap="none" lIns="0" tIns="0" rIns="0" bIns="0"/>
+          <a:lstStyle/>
           <a:p>
             <a:endParaRPr/>
           </a:p>
@@ -2129,11 +2415,14 @@
       </p:sp>
     </p:spTree>
   </p:cSld>
+  <p:clrMapOvr>
+    <a:masterClrMapping/>
+  </p:clrMapOvr>
 </p:sldLayout>
 </file>
 
 <file path=ppt/slideLayouts/slideLayout12.xml><?xml version="1.0" encoding="utf-8"?>
-<p:sldLayout xmlns:a="http://schemas.openxmlformats.org/drawingml/2006/main" xmlns:p="http://schemas.openxmlformats.org/presentationml/2006/main" xmlns:r="http://schemas.openxmlformats.org/officeDocument/2006/relationships" preserve="1" type="blank">
+<p:sldLayout xmlns:a="http://schemas.openxmlformats.org/drawingml/2006/main" xmlns:r="http://schemas.openxmlformats.org/officeDocument/2006/relationships" xmlns:p="http://schemas.openxmlformats.org/presentationml/2006/main" type="blank" preserve="1">
   <p:cSld name="Title, 6 Content">
     <p:spTree>
       <p:nvGrpSpPr>
@@ -2169,7 +2458,8 @@
           </a:prstGeom>
         </p:spPr>
         <p:txBody>
-          <a:bodyPr anchor="ctr" bIns="0" lIns="0" rIns="0" tIns="0" wrap="none"/>
+          <a:bodyPr wrap="none" lIns="0" tIns="0" rIns="0" bIns="0" anchor="ctr"/>
+          <a:lstStyle/>
           <a:p>
             <a:pPr algn="ctr"/>
             <a:endParaRPr/>
@@ -2196,7 +2486,8 @@
           </a:prstGeom>
         </p:spPr>
         <p:txBody>
-          <a:bodyPr bIns="0" lIns="0" rIns="0" tIns="0" wrap="none"/>
+          <a:bodyPr wrap="none" lIns="0" tIns="0" rIns="0" bIns="0"/>
+          <a:lstStyle/>
           <a:p>
             <a:endParaRPr/>
           </a:p>
@@ -2222,7 +2513,8 @@
           </a:prstGeom>
         </p:spPr>
         <p:txBody>
-          <a:bodyPr bIns="0" lIns="0" rIns="0" tIns="0" wrap="none"/>
+          <a:bodyPr wrap="none" lIns="0" tIns="0" rIns="0" bIns="0"/>
+          <a:lstStyle/>
           <a:p>
             <a:endParaRPr/>
           </a:p>
@@ -2230,7 +2522,7 @@
       </p:sp>
       <p:pic>
         <p:nvPicPr>
-          <p:cNvPr descr="" id="34" name=""/>
+          <p:cNvPr id="34" name="Picture 33"/>
           <p:cNvPicPr/>
           <p:nvPr/>
         </p:nvPicPr>
@@ -2255,12 +2547,12 @@
       </p:pic>
       <p:pic>
         <p:nvPicPr>
-          <p:cNvPr descr="" id="35" name=""/>
+          <p:cNvPr id="35" name="Picture 34"/>
           <p:cNvPicPr/>
           <p:nvPr/>
         </p:nvPicPr>
         <p:blipFill>
-          <a:blip r:embed="rId3"/>
+          <a:blip r:embed="rId2"/>
           <a:stretch>
             <a:fillRect/>
           </a:stretch>
@@ -2280,11 +2572,14 @@
       </p:pic>
     </p:spTree>
   </p:cSld>
+  <p:clrMapOvr>
+    <a:masterClrMapping/>
+  </p:clrMapOvr>
 </p:sldLayout>
 </file>
 
 <file path=ppt/slideLayouts/slideLayout13.xml><?xml version="1.0" encoding="utf-8"?>
-<p:sldLayout xmlns:a="http://schemas.openxmlformats.org/drawingml/2006/main" xmlns:p="http://schemas.openxmlformats.org/presentationml/2006/main" xmlns:r="http://schemas.openxmlformats.org/officeDocument/2006/relationships" preserve="1" type="blank">
+<p:sldLayout xmlns:a="http://schemas.openxmlformats.org/drawingml/2006/main" xmlns:r="http://schemas.openxmlformats.org/officeDocument/2006/relationships" xmlns:p="http://schemas.openxmlformats.org/presentationml/2006/main" type="blank" preserve="1">
   <p:cSld name="Blank Slide">
     <p:spTree>
       <p:nvGrpSpPr>
@@ -2302,11 +2597,14 @@
       </p:grpSpPr>
     </p:spTree>
   </p:cSld>
+  <p:clrMapOvr>
+    <a:masterClrMapping/>
+  </p:clrMapOvr>
 </p:sldLayout>
 </file>
 
 <file path=ppt/slideLayouts/slideLayout14.xml><?xml version="1.0" encoding="utf-8"?>
-<p:sldLayout xmlns:a="http://schemas.openxmlformats.org/drawingml/2006/main" xmlns:p="http://schemas.openxmlformats.org/presentationml/2006/main" xmlns:r="http://schemas.openxmlformats.org/officeDocument/2006/relationships" preserve="1" type="tx">
+<p:sldLayout xmlns:a="http://schemas.openxmlformats.org/drawingml/2006/main" xmlns:r="http://schemas.openxmlformats.org/officeDocument/2006/relationships" xmlns:p="http://schemas.openxmlformats.org/presentationml/2006/main" type="tx" preserve="1">
   <p:cSld name="Title Slide">
     <p:spTree>
       <p:nvGrpSpPr>
@@ -2342,7 +2640,8 @@
           </a:prstGeom>
         </p:spPr>
         <p:txBody>
-          <a:bodyPr anchor="ctr" bIns="0" lIns="0" rIns="0" tIns="0" wrap="none"/>
+          <a:bodyPr wrap="none" lIns="0" tIns="0" rIns="0" bIns="0" anchor="ctr"/>
+          <a:lstStyle/>
           <a:p>
             <a:pPr algn="ctr"/>
             <a:endParaRPr/>
@@ -2369,7 +2668,8 @@
           </a:prstGeom>
         </p:spPr>
         <p:txBody>
-          <a:bodyPr anchor="ctr" bIns="0" lIns="0" rIns="0" tIns="0" wrap="none"/>
+          <a:bodyPr wrap="none" lIns="0" tIns="0" rIns="0" bIns="0" anchor="ctr"/>
+          <a:lstStyle/>
           <a:p>
             <a:pPr algn="ctr"/>
             <a:endParaRPr/>
@@ -2378,11 +2678,14 @@
       </p:sp>
     </p:spTree>
   </p:cSld>
+  <p:clrMapOvr>
+    <a:masterClrMapping/>
+  </p:clrMapOvr>
 </p:sldLayout>
 </file>
 
 <file path=ppt/slideLayouts/slideLayout15.xml><?xml version="1.0" encoding="utf-8"?>
-<p:sldLayout xmlns:a="http://schemas.openxmlformats.org/drawingml/2006/main" xmlns:p="http://schemas.openxmlformats.org/presentationml/2006/main" xmlns:r="http://schemas.openxmlformats.org/officeDocument/2006/relationships" preserve="1" type="obj">
+<p:sldLayout xmlns:a="http://schemas.openxmlformats.org/drawingml/2006/main" xmlns:r="http://schemas.openxmlformats.org/officeDocument/2006/relationships" xmlns:p="http://schemas.openxmlformats.org/presentationml/2006/main" type="obj" preserve="1">
   <p:cSld name="Title, Content">
     <p:spTree>
       <p:nvGrpSpPr>
@@ -2418,7 +2721,8 @@
           </a:prstGeom>
         </p:spPr>
         <p:txBody>
-          <a:bodyPr anchor="ctr" bIns="0" lIns="0" rIns="0" tIns="0" wrap="none"/>
+          <a:bodyPr wrap="none" lIns="0" tIns="0" rIns="0" bIns="0" anchor="ctr"/>
+          <a:lstStyle/>
           <a:p>
             <a:pPr algn="ctr"/>
             <a:endParaRPr/>
@@ -2445,7 +2749,8 @@
           </a:prstGeom>
         </p:spPr>
         <p:txBody>
-          <a:bodyPr bIns="0" lIns="0" rIns="0" tIns="0" wrap="none"/>
+          <a:bodyPr wrap="none" lIns="0" tIns="0" rIns="0" bIns="0"/>
+          <a:lstStyle/>
           <a:p>
             <a:endParaRPr/>
           </a:p>
@@ -2453,11 +2758,14 @@
       </p:sp>
     </p:spTree>
   </p:cSld>
+  <p:clrMapOvr>
+    <a:masterClrMapping/>
+  </p:clrMapOvr>
 </p:sldLayout>
 </file>
 
 <file path=ppt/slideLayouts/slideLayout16.xml><?xml version="1.0" encoding="utf-8"?>
-<p:sldLayout xmlns:a="http://schemas.openxmlformats.org/drawingml/2006/main" xmlns:p="http://schemas.openxmlformats.org/presentationml/2006/main" xmlns:r="http://schemas.openxmlformats.org/officeDocument/2006/relationships" preserve="1" type="twoObj">
+<p:sldLayout xmlns:a="http://schemas.openxmlformats.org/drawingml/2006/main" xmlns:r="http://schemas.openxmlformats.org/officeDocument/2006/relationships" xmlns:p="http://schemas.openxmlformats.org/presentationml/2006/main" type="twoObj" preserve="1">
   <p:cSld name="Title, 2 Content">
     <p:spTree>
       <p:nvGrpSpPr>
@@ -2493,7 +2801,8 @@
           </a:prstGeom>
         </p:spPr>
         <p:txBody>
-          <a:bodyPr anchor="ctr" bIns="0" lIns="0" rIns="0" tIns="0" wrap="none"/>
+          <a:bodyPr wrap="none" lIns="0" tIns="0" rIns="0" bIns="0" anchor="ctr"/>
+          <a:lstStyle/>
           <a:p>
             <a:pPr algn="ctr"/>
             <a:endParaRPr/>
@@ -2520,7 +2829,8 @@
           </a:prstGeom>
         </p:spPr>
         <p:txBody>
-          <a:bodyPr bIns="0" lIns="0" rIns="0" tIns="0" wrap="none"/>
+          <a:bodyPr wrap="none" lIns="0" tIns="0" rIns="0" bIns="0"/>
+          <a:lstStyle/>
           <a:p>
             <a:endParaRPr/>
           </a:p>
@@ -2546,7 +2856,8 @@
           </a:prstGeom>
         </p:spPr>
         <p:txBody>
-          <a:bodyPr bIns="0" lIns="0" rIns="0" tIns="0" wrap="none"/>
+          <a:bodyPr wrap="none" lIns="0" tIns="0" rIns="0" bIns="0"/>
+          <a:lstStyle/>
           <a:p>
             <a:endParaRPr/>
           </a:p>
@@ -2554,11 +2865,14 @@
       </p:sp>
     </p:spTree>
   </p:cSld>
+  <p:clrMapOvr>
+    <a:masterClrMapping/>
+  </p:clrMapOvr>
 </p:sldLayout>
 </file>
 
 <file path=ppt/slideLayouts/slideLayout17.xml><?xml version="1.0" encoding="utf-8"?>
-<p:sldLayout xmlns:a="http://schemas.openxmlformats.org/drawingml/2006/main" xmlns:p="http://schemas.openxmlformats.org/presentationml/2006/main" xmlns:r="http://schemas.openxmlformats.org/officeDocument/2006/relationships" preserve="1" type="titleOnly">
+<p:sldLayout xmlns:a="http://schemas.openxmlformats.org/drawingml/2006/main" xmlns:r="http://schemas.openxmlformats.org/officeDocument/2006/relationships" xmlns:p="http://schemas.openxmlformats.org/presentationml/2006/main" type="titleOnly" preserve="1">
   <p:cSld name="Title Only">
     <p:spTree>
       <p:nvGrpSpPr>
@@ -2594,7 +2908,8 @@
           </a:prstGeom>
         </p:spPr>
         <p:txBody>
-          <a:bodyPr anchor="ctr" bIns="0" lIns="0" rIns="0" tIns="0" wrap="none"/>
+          <a:bodyPr wrap="none" lIns="0" tIns="0" rIns="0" bIns="0" anchor="ctr"/>
+          <a:lstStyle/>
           <a:p>
             <a:pPr algn="ctr"/>
             <a:endParaRPr/>
@@ -2603,11 +2918,14 @@
       </p:sp>
     </p:spTree>
   </p:cSld>
+  <p:clrMapOvr>
+    <a:masterClrMapping/>
+  </p:clrMapOvr>
 </p:sldLayout>
 </file>
 
 <file path=ppt/slideLayouts/slideLayout18.xml><?xml version="1.0" encoding="utf-8"?>
-<p:sldLayout xmlns:a="http://schemas.openxmlformats.org/drawingml/2006/main" xmlns:p="http://schemas.openxmlformats.org/presentationml/2006/main" xmlns:r="http://schemas.openxmlformats.org/officeDocument/2006/relationships" preserve="1" type="objOnly">
+<p:sldLayout xmlns:a="http://schemas.openxmlformats.org/drawingml/2006/main" xmlns:r="http://schemas.openxmlformats.org/officeDocument/2006/relationships" xmlns:p="http://schemas.openxmlformats.org/presentationml/2006/main" type="objOnly" preserve="1">
   <p:cSld name="Centered Text">
     <p:spTree>
       <p:nvGrpSpPr>
@@ -2643,7 +2961,8 @@
           </a:prstGeom>
         </p:spPr>
         <p:txBody>
-          <a:bodyPr anchor="ctr" bIns="0" lIns="0" rIns="0" tIns="0" wrap="none"/>
+          <a:bodyPr wrap="none" lIns="0" tIns="0" rIns="0" bIns="0" anchor="ctr"/>
+          <a:lstStyle/>
           <a:p>
             <a:pPr algn="ctr"/>
             <a:endParaRPr/>
@@ -2652,11 +2971,14 @@
       </p:sp>
     </p:spTree>
   </p:cSld>
+  <p:clrMapOvr>
+    <a:masterClrMapping/>
+  </p:clrMapOvr>
 </p:sldLayout>
 </file>
 
 <file path=ppt/slideLayouts/slideLayout19.xml><?xml version="1.0" encoding="utf-8"?>
-<p:sldLayout xmlns:a="http://schemas.openxmlformats.org/drawingml/2006/main" xmlns:p="http://schemas.openxmlformats.org/presentationml/2006/main" xmlns:r="http://schemas.openxmlformats.org/officeDocument/2006/relationships" preserve="1" type="twoObjAndObj">
+<p:sldLayout xmlns:a="http://schemas.openxmlformats.org/drawingml/2006/main" xmlns:r="http://schemas.openxmlformats.org/officeDocument/2006/relationships" xmlns:p="http://schemas.openxmlformats.org/presentationml/2006/main" type="twoObjAndObj" preserve="1">
   <p:cSld name="Title, 2 Content and Content">
     <p:spTree>
       <p:nvGrpSpPr>
@@ -2692,7 +3014,8 @@
           </a:prstGeom>
         </p:spPr>
         <p:txBody>
-          <a:bodyPr anchor="ctr" bIns="0" lIns="0" rIns="0" tIns="0" wrap="none"/>
+          <a:bodyPr wrap="none" lIns="0" tIns="0" rIns="0" bIns="0" anchor="ctr"/>
+          <a:lstStyle/>
           <a:p>
             <a:pPr algn="ctr"/>
             <a:endParaRPr/>
@@ -2719,7 +3042,8 @@
           </a:prstGeom>
         </p:spPr>
         <p:txBody>
-          <a:bodyPr bIns="0" lIns="0" rIns="0" tIns="0" wrap="none"/>
+          <a:bodyPr wrap="none" lIns="0" tIns="0" rIns="0" bIns="0"/>
+          <a:lstStyle/>
           <a:p>
             <a:endParaRPr/>
           </a:p>
@@ -2745,7 +3069,8 @@
           </a:prstGeom>
         </p:spPr>
         <p:txBody>
-          <a:bodyPr bIns="0" lIns="0" rIns="0" tIns="0" wrap="none"/>
+          <a:bodyPr wrap="none" lIns="0" tIns="0" rIns="0" bIns="0"/>
+          <a:lstStyle/>
           <a:p>
             <a:endParaRPr/>
           </a:p>
@@ -2771,7 +3096,8 @@
           </a:prstGeom>
         </p:spPr>
         <p:txBody>
-          <a:bodyPr bIns="0" lIns="0" rIns="0" tIns="0" wrap="none"/>
+          <a:bodyPr wrap="none" lIns="0" tIns="0" rIns="0" bIns="0"/>
+          <a:lstStyle/>
           <a:p>
             <a:endParaRPr/>
           </a:p>
@@ -2779,11 +3105,14 @@
       </p:sp>
     </p:spTree>
   </p:cSld>
+  <p:clrMapOvr>
+    <a:masterClrMapping/>
+  </p:clrMapOvr>
 </p:sldLayout>
 </file>
 
 <file path=ppt/slideLayouts/slideLayout2.xml><?xml version="1.0" encoding="utf-8"?>
-<p:sldLayout xmlns:a="http://schemas.openxmlformats.org/drawingml/2006/main" xmlns:p="http://schemas.openxmlformats.org/presentationml/2006/main" xmlns:r="http://schemas.openxmlformats.org/officeDocument/2006/relationships" preserve="1" type="tx">
+<p:sldLayout xmlns:a="http://schemas.openxmlformats.org/drawingml/2006/main" xmlns:r="http://schemas.openxmlformats.org/officeDocument/2006/relationships" xmlns:p="http://schemas.openxmlformats.org/presentationml/2006/main" type="tx" preserve="1">
   <p:cSld name="Title Slide">
     <p:spTree>
       <p:nvGrpSpPr>
@@ -2819,7 +3148,8 @@
           </a:prstGeom>
         </p:spPr>
         <p:txBody>
-          <a:bodyPr anchor="ctr" bIns="0" lIns="0" rIns="0" tIns="0" wrap="none"/>
+          <a:bodyPr wrap="none" lIns="0" tIns="0" rIns="0" bIns="0" anchor="ctr"/>
+          <a:lstStyle/>
           <a:p>
             <a:pPr algn="ctr"/>
             <a:endParaRPr/>
@@ -2846,7 +3176,8 @@
           </a:prstGeom>
         </p:spPr>
         <p:txBody>
-          <a:bodyPr anchor="ctr" bIns="0" lIns="0" rIns="0" tIns="0" wrap="none"/>
+          <a:bodyPr wrap="none" lIns="0" tIns="0" rIns="0" bIns="0" anchor="ctr"/>
+          <a:lstStyle/>
           <a:p>
             <a:pPr algn="ctr"/>
             <a:endParaRPr/>
@@ -2855,11 +3186,14 @@
       </p:sp>
     </p:spTree>
   </p:cSld>
+  <p:clrMapOvr>
+    <a:masterClrMapping/>
+  </p:clrMapOvr>
 </p:sldLayout>
 </file>
 
 <file path=ppt/slideLayouts/slideLayout20.xml><?xml version="1.0" encoding="utf-8"?>
-<p:sldLayout xmlns:a="http://schemas.openxmlformats.org/drawingml/2006/main" xmlns:p="http://schemas.openxmlformats.org/presentationml/2006/main" xmlns:r="http://schemas.openxmlformats.org/officeDocument/2006/relationships" preserve="1" type="objAndTwoObj">
+<p:sldLayout xmlns:a="http://schemas.openxmlformats.org/drawingml/2006/main" xmlns:r="http://schemas.openxmlformats.org/officeDocument/2006/relationships" xmlns:p="http://schemas.openxmlformats.org/presentationml/2006/main" type="objAndTwoObj" preserve="1">
   <p:cSld name="Title Content and 2 Content">
     <p:spTree>
       <p:nvGrpSpPr>
@@ -2895,7 +3229,8 @@
           </a:prstGeom>
         </p:spPr>
         <p:txBody>
-          <a:bodyPr anchor="ctr" bIns="0" lIns="0" rIns="0" tIns="0" wrap="none"/>
+          <a:bodyPr wrap="none" lIns="0" tIns="0" rIns="0" bIns="0" anchor="ctr"/>
+          <a:lstStyle/>
           <a:p>
             <a:pPr algn="ctr"/>
             <a:endParaRPr/>
@@ -2922,7 +3257,8 @@
           </a:prstGeom>
         </p:spPr>
         <p:txBody>
-          <a:bodyPr bIns="0" lIns="0" rIns="0" tIns="0" wrap="none"/>
+          <a:bodyPr wrap="none" lIns="0" tIns="0" rIns="0" bIns="0"/>
+          <a:lstStyle/>
           <a:p>
             <a:endParaRPr/>
           </a:p>
@@ -2948,7 +3284,8 @@
           </a:prstGeom>
         </p:spPr>
         <p:txBody>
-          <a:bodyPr bIns="0" lIns="0" rIns="0" tIns="0" wrap="none"/>
+          <a:bodyPr wrap="none" lIns="0" tIns="0" rIns="0" bIns="0"/>
+          <a:lstStyle/>
           <a:p>
             <a:endParaRPr/>
           </a:p>
@@ -2974,7 +3311,8 @@
           </a:prstGeom>
         </p:spPr>
         <p:txBody>
-          <a:bodyPr bIns="0" lIns="0" rIns="0" tIns="0" wrap="none"/>
+          <a:bodyPr wrap="none" lIns="0" tIns="0" rIns="0" bIns="0"/>
+          <a:lstStyle/>
           <a:p>
             <a:endParaRPr/>
           </a:p>
@@ -2982,11 +3320,14 @@
       </p:sp>
     </p:spTree>
   </p:cSld>
+  <p:clrMapOvr>
+    <a:masterClrMapping/>
+  </p:clrMapOvr>
 </p:sldLayout>
 </file>
 
 <file path=ppt/slideLayouts/slideLayout21.xml><?xml version="1.0" encoding="utf-8"?>
-<p:sldLayout xmlns:a="http://schemas.openxmlformats.org/drawingml/2006/main" xmlns:p="http://schemas.openxmlformats.org/presentationml/2006/main" xmlns:r="http://schemas.openxmlformats.org/officeDocument/2006/relationships" preserve="1" type="twoObjOverTx">
+<p:sldLayout xmlns:a="http://schemas.openxmlformats.org/drawingml/2006/main" xmlns:r="http://schemas.openxmlformats.org/officeDocument/2006/relationships" xmlns:p="http://schemas.openxmlformats.org/presentationml/2006/main" type="twoObjOverTx" preserve="1">
   <p:cSld name="Title, 2 Content over Content">
     <p:spTree>
       <p:nvGrpSpPr>
@@ -3022,7 +3363,8 @@
           </a:prstGeom>
         </p:spPr>
         <p:txBody>
-          <a:bodyPr anchor="ctr" bIns="0" lIns="0" rIns="0" tIns="0" wrap="none"/>
+          <a:bodyPr wrap="none" lIns="0" tIns="0" rIns="0" bIns="0" anchor="ctr"/>
+          <a:lstStyle/>
           <a:p>
             <a:pPr algn="ctr"/>
             <a:endParaRPr/>
@@ -3049,7 +3391,8 @@
           </a:prstGeom>
         </p:spPr>
         <p:txBody>
-          <a:bodyPr bIns="0" lIns="0" rIns="0" tIns="0" wrap="none"/>
+          <a:bodyPr wrap="none" lIns="0" tIns="0" rIns="0" bIns="0"/>
+          <a:lstStyle/>
           <a:p>
             <a:endParaRPr/>
           </a:p>
@@ -3075,7 +3418,8 @@
           </a:prstGeom>
         </p:spPr>
         <p:txBody>
-          <a:bodyPr bIns="0" lIns="0" rIns="0" tIns="0" wrap="none"/>
+          <a:bodyPr wrap="none" lIns="0" tIns="0" rIns="0" bIns="0"/>
+          <a:lstStyle/>
           <a:p>
             <a:endParaRPr/>
           </a:p>
@@ -3101,7 +3445,8 @@
           </a:prstGeom>
         </p:spPr>
         <p:txBody>
-          <a:bodyPr bIns="0" lIns="0" rIns="0" tIns="0" wrap="none"/>
+          <a:bodyPr wrap="none" lIns="0" tIns="0" rIns="0" bIns="0"/>
+          <a:lstStyle/>
           <a:p>
             <a:endParaRPr/>
           </a:p>
@@ -3109,11 +3454,14 @@
       </p:sp>
     </p:spTree>
   </p:cSld>
+  <p:clrMapOvr>
+    <a:masterClrMapping/>
+  </p:clrMapOvr>
 </p:sldLayout>
 </file>
 
 <file path=ppt/slideLayouts/slideLayout22.xml><?xml version="1.0" encoding="utf-8"?>
-<p:sldLayout xmlns:a="http://schemas.openxmlformats.org/drawingml/2006/main" xmlns:p="http://schemas.openxmlformats.org/presentationml/2006/main" xmlns:r="http://schemas.openxmlformats.org/officeDocument/2006/relationships" preserve="1" type="objOverTx">
+<p:sldLayout xmlns:a="http://schemas.openxmlformats.org/drawingml/2006/main" xmlns:r="http://schemas.openxmlformats.org/officeDocument/2006/relationships" xmlns:p="http://schemas.openxmlformats.org/presentationml/2006/main" type="objOverTx" preserve="1">
   <p:cSld name="Title, Content over Content">
     <p:spTree>
       <p:nvGrpSpPr>
@@ -3149,7 +3497,8 @@
           </a:prstGeom>
         </p:spPr>
         <p:txBody>
-          <a:bodyPr anchor="ctr" bIns="0" lIns="0" rIns="0" tIns="0" wrap="none"/>
+          <a:bodyPr wrap="none" lIns="0" tIns="0" rIns="0" bIns="0" anchor="ctr"/>
+          <a:lstStyle/>
           <a:p>
             <a:pPr algn="ctr"/>
             <a:endParaRPr/>
@@ -3176,7 +3525,8 @@
           </a:prstGeom>
         </p:spPr>
         <p:txBody>
-          <a:bodyPr bIns="0" lIns="0" rIns="0" tIns="0" wrap="none"/>
+          <a:bodyPr wrap="none" lIns="0" tIns="0" rIns="0" bIns="0"/>
+          <a:lstStyle/>
           <a:p>
             <a:endParaRPr/>
           </a:p>
@@ -3202,7 +3552,8 @@
           </a:prstGeom>
         </p:spPr>
         <p:txBody>
-          <a:bodyPr bIns="0" lIns="0" rIns="0" tIns="0" wrap="none"/>
+          <a:bodyPr wrap="none" lIns="0" tIns="0" rIns="0" bIns="0"/>
+          <a:lstStyle/>
           <a:p>
             <a:endParaRPr/>
           </a:p>
@@ -3210,11 +3561,14 @@
       </p:sp>
     </p:spTree>
   </p:cSld>
+  <p:clrMapOvr>
+    <a:masterClrMapping/>
+  </p:clrMapOvr>
 </p:sldLayout>
 </file>
 
 <file path=ppt/slideLayouts/slideLayout23.xml><?xml version="1.0" encoding="utf-8"?>
-<p:sldLayout xmlns:a="http://schemas.openxmlformats.org/drawingml/2006/main" xmlns:p="http://schemas.openxmlformats.org/presentationml/2006/main" xmlns:r="http://schemas.openxmlformats.org/officeDocument/2006/relationships" preserve="1" type="fourObj">
+<p:sldLayout xmlns:a="http://schemas.openxmlformats.org/drawingml/2006/main" xmlns:r="http://schemas.openxmlformats.org/officeDocument/2006/relationships" xmlns:p="http://schemas.openxmlformats.org/presentationml/2006/main" type="fourObj" preserve="1">
   <p:cSld name="Title, 4 Content">
     <p:spTree>
       <p:nvGrpSpPr>
@@ -3250,7 +3604,8 @@
           </a:prstGeom>
         </p:spPr>
         <p:txBody>
-          <a:bodyPr anchor="ctr" bIns="0" lIns="0" rIns="0" tIns="0" wrap="none"/>
+          <a:bodyPr wrap="none" lIns="0" tIns="0" rIns="0" bIns="0" anchor="ctr"/>
+          <a:lstStyle/>
           <a:p>
             <a:pPr algn="ctr"/>
             <a:endParaRPr/>
@@ -3277,7 +3632,8 @@
           </a:prstGeom>
         </p:spPr>
         <p:txBody>
-          <a:bodyPr bIns="0" lIns="0" rIns="0" tIns="0" wrap="none"/>
+          <a:bodyPr wrap="none" lIns="0" tIns="0" rIns="0" bIns="0"/>
+          <a:lstStyle/>
           <a:p>
             <a:endParaRPr/>
           </a:p>
@@ -3303,7 +3659,8 @@
           </a:prstGeom>
         </p:spPr>
         <p:txBody>
-          <a:bodyPr bIns="0" lIns="0" rIns="0" tIns="0" wrap="none"/>
+          <a:bodyPr wrap="none" lIns="0" tIns="0" rIns="0" bIns="0"/>
+          <a:lstStyle/>
           <a:p>
             <a:endParaRPr/>
           </a:p>
@@ -3329,7 +3686,8 @@
           </a:prstGeom>
         </p:spPr>
         <p:txBody>
-          <a:bodyPr bIns="0" lIns="0" rIns="0" tIns="0" wrap="none"/>
+          <a:bodyPr wrap="none" lIns="0" tIns="0" rIns="0" bIns="0"/>
+          <a:lstStyle/>
           <a:p>
             <a:endParaRPr/>
           </a:p>
@@ -3355,7 +3713,8 @@
           </a:prstGeom>
         </p:spPr>
         <p:txBody>
-          <a:bodyPr bIns="0" lIns="0" rIns="0" tIns="0" wrap="none"/>
+          <a:bodyPr wrap="none" lIns="0" tIns="0" rIns="0" bIns="0"/>
+          <a:lstStyle/>
           <a:p>
             <a:endParaRPr/>
           </a:p>
@@ -3363,11 +3722,14 @@
       </p:sp>
     </p:spTree>
   </p:cSld>
+  <p:clrMapOvr>
+    <a:masterClrMapping/>
+  </p:clrMapOvr>
 </p:sldLayout>
 </file>
 
 <file path=ppt/slideLayouts/slideLayout24.xml><?xml version="1.0" encoding="utf-8"?>
-<p:sldLayout xmlns:a="http://schemas.openxmlformats.org/drawingml/2006/main" xmlns:p="http://schemas.openxmlformats.org/presentationml/2006/main" xmlns:r="http://schemas.openxmlformats.org/officeDocument/2006/relationships" preserve="1" type="blank">
+<p:sldLayout xmlns:a="http://schemas.openxmlformats.org/drawingml/2006/main" xmlns:r="http://schemas.openxmlformats.org/officeDocument/2006/relationships" xmlns:p="http://schemas.openxmlformats.org/presentationml/2006/main" type="blank" preserve="1">
   <p:cSld name="Title, 6 Content">
     <p:spTree>
       <p:nvGrpSpPr>
@@ -3403,7 +3765,8 @@
           </a:prstGeom>
         </p:spPr>
         <p:txBody>
-          <a:bodyPr anchor="ctr" bIns="0" lIns="0" rIns="0" tIns="0" wrap="none"/>
+          <a:bodyPr wrap="none" lIns="0" tIns="0" rIns="0" bIns="0" anchor="ctr"/>
+          <a:lstStyle/>
           <a:p>
             <a:pPr algn="ctr"/>
             <a:endParaRPr/>
@@ -3430,7 +3793,8 @@
           </a:prstGeom>
         </p:spPr>
         <p:txBody>
-          <a:bodyPr bIns="0" lIns="0" rIns="0" tIns="0" wrap="none"/>
+          <a:bodyPr wrap="none" lIns="0" tIns="0" rIns="0" bIns="0"/>
+          <a:lstStyle/>
           <a:p>
             <a:endParaRPr/>
           </a:p>
@@ -3456,7 +3820,8 @@
           </a:prstGeom>
         </p:spPr>
         <p:txBody>
-          <a:bodyPr bIns="0" lIns="0" rIns="0" tIns="0" wrap="none"/>
+          <a:bodyPr wrap="none" lIns="0" tIns="0" rIns="0" bIns="0"/>
+          <a:lstStyle/>
           <a:p>
             <a:endParaRPr/>
           </a:p>
@@ -3464,7 +3829,7 @@
       </p:sp>
       <p:pic>
         <p:nvPicPr>
-          <p:cNvPr descr="" id="70" name=""/>
+          <p:cNvPr id="70" name="Picture 69"/>
           <p:cNvPicPr/>
           <p:nvPr/>
         </p:nvPicPr>
@@ -3489,12 +3854,12 @@
       </p:pic>
       <p:pic>
         <p:nvPicPr>
-          <p:cNvPr descr="" id="71" name=""/>
+          <p:cNvPr id="71" name="Picture 70"/>
           <p:cNvPicPr/>
           <p:nvPr/>
         </p:nvPicPr>
         <p:blipFill>
-          <a:blip r:embed="rId3"/>
+          <a:blip r:embed="rId2"/>
           <a:stretch>
             <a:fillRect/>
           </a:stretch>
@@ -3514,11 +3879,14 @@
       </p:pic>
     </p:spTree>
   </p:cSld>
+  <p:clrMapOvr>
+    <a:masterClrMapping/>
+  </p:clrMapOvr>
 </p:sldLayout>
 </file>
 
 <file path=ppt/slideLayouts/slideLayout25.xml><?xml version="1.0" encoding="utf-8"?>
-<p:sldLayout xmlns:a="http://schemas.openxmlformats.org/drawingml/2006/main" xmlns:p="http://schemas.openxmlformats.org/presentationml/2006/main" xmlns:r="http://schemas.openxmlformats.org/officeDocument/2006/relationships" preserve="1" type="blank">
+<p:sldLayout xmlns:a="http://schemas.openxmlformats.org/drawingml/2006/main" xmlns:r="http://schemas.openxmlformats.org/officeDocument/2006/relationships" xmlns:p="http://schemas.openxmlformats.org/presentationml/2006/main" type="blank" preserve="1">
   <p:cSld name="Blank Slide">
     <p:spTree>
       <p:nvGrpSpPr>
@@ -3536,11 +3904,14 @@
       </p:grpSpPr>
     </p:spTree>
   </p:cSld>
+  <p:clrMapOvr>
+    <a:masterClrMapping/>
+  </p:clrMapOvr>
 </p:sldLayout>
 </file>
 
 <file path=ppt/slideLayouts/slideLayout26.xml><?xml version="1.0" encoding="utf-8"?>
-<p:sldLayout xmlns:a="http://schemas.openxmlformats.org/drawingml/2006/main" xmlns:p="http://schemas.openxmlformats.org/presentationml/2006/main" xmlns:r="http://schemas.openxmlformats.org/officeDocument/2006/relationships" preserve="1" type="tx">
+<p:sldLayout xmlns:a="http://schemas.openxmlformats.org/drawingml/2006/main" xmlns:r="http://schemas.openxmlformats.org/officeDocument/2006/relationships" xmlns:p="http://schemas.openxmlformats.org/presentationml/2006/main" type="tx" preserve="1">
   <p:cSld name="Title Slide">
     <p:spTree>
       <p:nvGrpSpPr>
@@ -3576,7 +3947,8 @@
           </a:prstGeom>
         </p:spPr>
         <p:txBody>
-          <a:bodyPr anchor="ctr" bIns="0" lIns="0" rIns="0" tIns="0" wrap="none"/>
+          <a:bodyPr wrap="none" lIns="0" tIns="0" rIns="0" bIns="0" anchor="ctr"/>
+          <a:lstStyle/>
           <a:p>
             <a:pPr algn="ctr"/>
             <a:endParaRPr/>
@@ -3603,7 +3975,8 @@
           </a:prstGeom>
         </p:spPr>
         <p:txBody>
-          <a:bodyPr anchor="ctr" bIns="0" lIns="0" rIns="0" tIns="0" wrap="none"/>
+          <a:bodyPr wrap="none" lIns="0" tIns="0" rIns="0" bIns="0" anchor="ctr"/>
+          <a:lstStyle/>
           <a:p>
             <a:pPr algn="ctr"/>
             <a:endParaRPr/>
@@ -3612,11 +3985,14 @@
       </p:sp>
     </p:spTree>
   </p:cSld>
+  <p:clrMapOvr>
+    <a:masterClrMapping/>
+  </p:clrMapOvr>
 </p:sldLayout>
 </file>
 
 <file path=ppt/slideLayouts/slideLayout27.xml><?xml version="1.0" encoding="utf-8"?>
-<p:sldLayout xmlns:a="http://schemas.openxmlformats.org/drawingml/2006/main" xmlns:p="http://schemas.openxmlformats.org/presentationml/2006/main" xmlns:r="http://schemas.openxmlformats.org/officeDocument/2006/relationships" preserve="1" type="obj">
+<p:sldLayout xmlns:a="http://schemas.openxmlformats.org/drawingml/2006/main" xmlns:r="http://schemas.openxmlformats.org/officeDocument/2006/relationships" xmlns:p="http://schemas.openxmlformats.org/presentationml/2006/main" type="obj" preserve="1">
   <p:cSld name="Title, Content">
     <p:spTree>
       <p:nvGrpSpPr>
@@ -3652,7 +4028,8 @@
           </a:prstGeom>
         </p:spPr>
         <p:txBody>
-          <a:bodyPr anchor="ctr" bIns="0" lIns="0" rIns="0" tIns="0" wrap="none"/>
+          <a:bodyPr wrap="none" lIns="0" tIns="0" rIns="0" bIns="0" anchor="ctr"/>
+          <a:lstStyle/>
           <a:p>
             <a:pPr algn="ctr"/>
             <a:endParaRPr/>
@@ -3679,7 +4056,8 @@
           </a:prstGeom>
         </p:spPr>
         <p:txBody>
-          <a:bodyPr bIns="0" lIns="0" rIns="0" tIns="0" wrap="none"/>
+          <a:bodyPr wrap="none" lIns="0" tIns="0" rIns="0" bIns="0"/>
+          <a:lstStyle/>
           <a:p>
             <a:endParaRPr/>
           </a:p>
@@ -3687,11 +4065,14 @@
       </p:sp>
     </p:spTree>
   </p:cSld>
+  <p:clrMapOvr>
+    <a:masterClrMapping/>
+  </p:clrMapOvr>
 </p:sldLayout>
 </file>
 
 <file path=ppt/slideLayouts/slideLayout28.xml><?xml version="1.0" encoding="utf-8"?>
-<p:sldLayout xmlns:a="http://schemas.openxmlformats.org/drawingml/2006/main" xmlns:p="http://schemas.openxmlformats.org/presentationml/2006/main" xmlns:r="http://schemas.openxmlformats.org/officeDocument/2006/relationships" preserve="1" type="twoObj">
+<p:sldLayout xmlns:a="http://schemas.openxmlformats.org/drawingml/2006/main" xmlns:r="http://schemas.openxmlformats.org/officeDocument/2006/relationships" xmlns:p="http://schemas.openxmlformats.org/presentationml/2006/main" type="twoObj" preserve="1">
   <p:cSld name="Title, 2 Content">
     <p:spTree>
       <p:nvGrpSpPr>
@@ -3727,7 +4108,8 @@
           </a:prstGeom>
         </p:spPr>
         <p:txBody>
-          <a:bodyPr anchor="ctr" bIns="0" lIns="0" rIns="0" tIns="0" wrap="none"/>
+          <a:bodyPr wrap="none" lIns="0" tIns="0" rIns="0" bIns="0" anchor="ctr"/>
+          <a:lstStyle/>
           <a:p>
             <a:pPr algn="ctr"/>
             <a:endParaRPr/>
@@ -3754,7 +4136,8 @@
           </a:prstGeom>
         </p:spPr>
         <p:txBody>
-          <a:bodyPr bIns="0" lIns="0" rIns="0" tIns="0" wrap="none"/>
+          <a:bodyPr wrap="none" lIns="0" tIns="0" rIns="0" bIns="0"/>
+          <a:lstStyle/>
           <a:p>
             <a:endParaRPr/>
           </a:p>
@@ -3780,7 +4163,8 @@
           </a:prstGeom>
         </p:spPr>
         <p:txBody>
-          <a:bodyPr bIns="0" lIns="0" rIns="0" tIns="0" wrap="none"/>
+          <a:bodyPr wrap="none" lIns="0" tIns="0" rIns="0" bIns="0"/>
+          <a:lstStyle/>
           <a:p>
             <a:endParaRPr/>
           </a:p>
@@ -3788,11 +4172,14 @@
       </p:sp>
     </p:spTree>
   </p:cSld>
+  <p:clrMapOvr>
+    <a:masterClrMapping/>
+  </p:clrMapOvr>
 </p:sldLayout>
 </file>
 
 <file path=ppt/slideLayouts/slideLayout29.xml><?xml version="1.0" encoding="utf-8"?>
-<p:sldLayout xmlns:a="http://schemas.openxmlformats.org/drawingml/2006/main" xmlns:p="http://schemas.openxmlformats.org/presentationml/2006/main" xmlns:r="http://schemas.openxmlformats.org/officeDocument/2006/relationships" preserve="1" type="titleOnly">
+<p:sldLayout xmlns:a="http://schemas.openxmlformats.org/drawingml/2006/main" xmlns:r="http://schemas.openxmlformats.org/officeDocument/2006/relationships" xmlns:p="http://schemas.openxmlformats.org/presentationml/2006/main" type="titleOnly" preserve="1">
   <p:cSld name="Title Only">
     <p:spTree>
       <p:nvGrpSpPr>
@@ -3828,7 +4215,8 @@
           </a:prstGeom>
         </p:spPr>
         <p:txBody>
-          <a:bodyPr anchor="ctr" bIns="0" lIns="0" rIns="0" tIns="0" wrap="none"/>
+          <a:bodyPr wrap="none" lIns="0" tIns="0" rIns="0" bIns="0" anchor="ctr"/>
+          <a:lstStyle/>
           <a:p>
             <a:pPr algn="ctr"/>
             <a:endParaRPr/>
@@ -3837,11 +4225,14 @@
       </p:sp>
     </p:spTree>
   </p:cSld>
+  <p:clrMapOvr>
+    <a:masterClrMapping/>
+  </p:clrMapOvr>
 </p:sldLayout>
 </file>
 
 <file path=ppt/slideLayouts/slideLayout3.xml><?xml version="1.0" encoding="utf-8"?>
-<p:sldLayout xmlns:a="http://schemas.openxmlformats.org/drawingml/2006/main" xmlns:p="http://schemas.openxmlformats.org/presentationml/2006/main" xmlns:r="http://schemas.openxmlformats.org/officeDocument/2006/relationships" preserve="1" type="obj">
+<p:sldLayout xmlns:a="http://schemas.openxmlformats.org/drawingml/2006/main" xmlns:r="http://schemas.openxmlformats.org/officeDocument/2006/relationships" xmlns:p="http://schemas.openxmlformats.org/presentationml/2006/main" type="obj" preserve="1">
   <p:cSld name="Title, Content">
     <p:spTree>
       <p:nvGrpSpPr>
@@ -3877,7 +4268,8 @@
           </a:prstGeom>
         </p:spPr>
         <p:txBody>
-          <a:bodyPr anchor="ctr" bIns="0" lIns="0" rIns="0" tIns="0" wrap="none"/>
+          <a:bodyPr wrap="none" lIns="0" tIns="0" rIns="0" bIns="0" anchor="ctr"/>
+          <a:lstStyle/>
           <a:p>
             <a:pPr algn="ctr"/>
             <a:endParaRPr/>
@@ -3904,7 +4296,8 @@
           </a:prstGeom>
         </p:spPr>
         <p:txBody>
-          <a:bodyPr bIns="0" lIns="0" rIns="0" tIns="0" wrap="none"/>
+          <a:bodyPr wrap="none" lIns="0" tIns="0" rIns="0" bIns="0"/>
+          <a:lstStyle/>
           <a:p>
             <a:endParaRPr/>
           </a:p>
@@ -3912,11 +4305,14 @@
       </p:sp>
     </p:spTree>
   </p:cSld>
+  <p:clrMapOvr>
+    <a:masterClrMapping/>
+  </p:clrMapOvr>
 </p:sldLayout>
 </file>
 
 <file path=ppt/slideLayouts/slideLayout30.xml><?xml version="1.0" encoding="utf-8"?>
-<p:sldLayout xmlns:a="http://schemas.openxmlformats.org/drawingml/2006/main" xmlns:p="http://schemas.openxmlformats.org/presentationml/2006/main" xmlns:r="http://schemas.openxmlformats.org/officeDocument/2006/relationships" preserve="1" type="objOnly">
+<p:sldLayout xmlns:a="http://schemas.openxmlformats.org/drawingml/2006/main" xmlns:r="http://schemas.openxmlformats.org/officeDocument/2006/relationships" xmlns:p="http://schemas.openxmlformats.org/presentationml/2006/main" type="objOnly" preserve="1">
   <p:cSld name="Centered Text">
     <p:spTree>
       <p:nvGrpSpPr>
@@ -3952,7 +4348,8 @@
           </a:prstGeom>
         </p:spPr>
         <p:txBody>
-          <a:bodyPr anchor="ctr" bIns="0" lIns="0" rIns="0" tIns="0" wrap="none"/>
+          <a:bodyPr wrap="none" lIns="0" tIns="0" rIns="0" bIns="0" anchor="ctr"/>
+          <a:lstStyle/>
           <a:p>
             <a:pPr algn="ctr"/>
             <a:endParaRPr/>
@@ -3961,11 +4358,14 @@
       </p:sp>
     </p:spTree>
   </p:cSld>
+  <p:clrMapOvr>
+    <a:masterClrMapping/>
+  </p:clrMapOvr>
 </p:sldLayout>
 </file>
 
 <file path=ppt/slideLayouts/slideLayout31.xml><?xml version="1.0" encoding="utf-8"?>
-<p:sldLayout xmlns:a="http://schemas.openxmlformats.org/drawingml/2006/main" xmlns:p="http://schemas.openxmlformats.org/presentationml/2006/main" xmlns:r="http://schemas.openxmlformats.org/officeDocument/2006/relationships" preserve="1" type="twoObjAndObj">
+<p:sldLayout xmlns:a="http://schemas.openxmlformats.org/drawingml/2006/main" xmlns:r="http://schemas.openxmlformats.org/officeDocument/2006/relationships" xmlns:p="http://schemas.openxmlformats.org/presentationml/2006/main" type="twoObjAndObj" preserve="1">
   <p:cSld name="Title, 2 Content and Content">
     <p:spTree>
       <p:nvGrpSpPr>
@@ -4001,7 +4401,8 @@
           </a:prstGeom>
         </p:spPr>
         <p:txBody>
-          <a:bodyPr anchor="ctr" bIns="0" lIns="0" rIns="0" tIns="0" wrap="none"/>
+          <a:bodyPr wrap="none" lIns="0" tIns="0" rIns="0" bIns="0" anchor="ctr"/>
+          <a:lstStyle/>
           <a:p>
             <a:pPr algn="ctr"/>
             <a:endParaRPr/>
@@ -4028,7 +4429,8 @@
           </a:prstGeom>
         </p:spPr>
         <p:txBody>
-          <a:bodyPr bIns="0" lIns="0" rIns="0" tIns="0" wrap="none"/>
+          <a:bodyPr wrap="none" lIns="0" tIns="0" rIns="0" bIns="0"/>
+          <a:lstStyle/>
           <a:p>
             <a:endParaRPr/>
           </a:p>
@@ -4054,7 +4456,8 @@
           </a:prstGeom>
         </p:spPr>
         <p:txBody>
-          <a:bodyPr bIns="0" lIns="0" rIns="0" tIns="0" wrap="none"/>
+          <a:bodyPr wrap="none" lIns="0" tIns="0" rIns="0" bIns="0"/>
+          <a:lstStyle/>
           <a:p>
             <a:endParaRPr/>
           </a:p>
@@ -4080,7 +4483,8 @@
           </a:prstGeom>
         </p:spPr>
         <p:txBody>
-          <a:bodyPr bIns="0" lIns="0" rIns="0" tIns="0" wrap="none"/>
+          <a:bodyPr wrap="none" lIns="0" tIns="0" rIns="0" bIns="0"/>
+          <a:lstStyle/>
           <a:p>
             <a:endParaRPr/>
           </a:p>
@@ -4088,11 +4492,14 @@
       </p:sp>
     </p:spTree>
   </p:cSld>
+  <p:clrMapOvr>
+    <a:masterClrMapping/>
+  </p:clrMapOvr>
 </p:sldLayout>
 </file>
 
 <file path=ppt/slideLayouts/slideLayout32.xml><?xml version="1.0" encoding="utf-8"?>
-<p:sldLayout xmlns:a="http://schemas.openxmlformats.org/drawingml/2006/main" xmlns:p="http://schemas.openxmlformats.org/presentationml/2006/main" xmlns:r="http://schemas.openxmlformats.org/officeDocument/2006/relationships" preserve="1" type="objAndTwoObj">
+<p:sldLayout xmlns:a="http://schemas.openxmlformats.org/drawingml/2006/main" xmlns:r="http://schemas.openxmlformats.org/officeDocument/2006/relationships" xmlns:p="http://schemas.openxmlformats.org/presentationml/2006/main" type="objAndTwoObj" preserve="1">
   <p:cSld name="Title Content and 2 Content">
     <p:spTree>
       <p:nvGrpSpPr>
@@ -4128,7 +4535,8 @@
           </a:prstGeom>
         </p:spPr>
         <p:txBody>
-          <a:bodyPr anchor="ctr" bIns="0" lIns="0" rIns="0" tIns="0" wrap="none"/>
+          <a:bodyPr wrap="none" lIns="0" tIns="0" rIns="0" bIns="0" anchor="ctr"/>
+          <a:lstStyle/>
           <a:p>
             <a:pPr algn="ctr"/>
             <a:endParaRPr/>
@@ -4155,7 +4563,8 @@
           </a:prstGeom>
         </p:spPr>
         <p:txBody>
-          <a:bodyPr bIns="0" lIns="0" rIns="0" tIns="0" wrap="none"/>
+          <a:bodyPr wrap="none" lIns="0" tIns="0" rIns="0" bIns="0"/>
+          <a:lstStyle/>
           <a:p>
             <a:endParaRPr/>
           </a:p>
@@ -4181,7 +4590,8 @@
           </a:prstGeom>
         </p:spPr>
         <p:txBody>
-          <a:bodyPr bIns="0" lIns="0" rIns="0" tIns="0" wrap="none"/>
+          <a:bodyPr wrap="none" lIns="0" tIns="0" rIns="0" bIns="0"/>
+          <a:lstStyle/>
           <a:p>
             <a:endParaRPr/>
           </a:p>
@@ -4207,7 +4617,8 @@
           </a:prstGeom>
         </p:spPr>
         <p:txBody>
-          <a:bodyPr bIns="0" lIns="0" rIns="0" tIns="0" wrap="none"/>
+          <a:bodyPr wrap="none" lIns="0" tIns="0" rIns="0" bIns="0"/>
+          <a:lstStyle/>
           <a:p>
             <a:endParaRPr/>
           </a:p>
@@ -4215,11 +4626,14 @@
       </p:sp>
     </p:spTree>
   </p:cSld>
+  <p:clrMapOvr>
+    <a:masterClrMapping/>
+  </p:clrMapOvr>
 </p:sldLayout>
 </file>
 
 <file path=ppt/slideLayouts/slideLayout33.xml><?xml version="1.0" encoding="utf-8"?>
-<p:sldLayout xmlns:a="http://schemas.openxmlformats.org/drawingml/2006/main" xmlns:p="http://schemas.openxmlformats.org/presentationml/2006/main" xmlns:r="http://schemas.openxmlformats.org/officeDocument/2006/relationships" preserve="1" type="twoObjOverTx">
+<p:sldLayout xmlns:a="http://schemas.openxmlformats.org/drawingml/2006/main" xmlns:r="http://schemas.openxmlformats.org/officeDocument/2006/relationships" xmlns:p="http://schemas.openxmlformats.org/presentationml/2006/main" type="twoObjOverTx" preserve="1">
   <p:cSld name="Title, 2 Content over Content">
     <p:spTree>
       <p:nvGrpSpPr>
@@ -4255,7 +4669,8 @@
           </a:prstGeom>
         </p:spPr>
         <p:txBody>
-          <a:bodyPr anchor="ctr" bIns="0" lIns="0" rIns="0" tIns="0" wrap="none"/>
+          <a:bodyPr wrap="none" lIns="0" tIns="0" rIns="0" bIns="0" anchor="ctr"/>
+          <a:lstStyle/>
           <a:p>
             <a:pPr algn="ctr"/>
             <a:endParaRPr/>
@@ -4282,7 +4697,8 @@
           </a:prstGeom>
         </p:spPr>
         <p:txBody>
-          <a:bodyPr bIns="0" lIns="0" rIns="0" tIns="0" wrap="none"/>
+          <a:bodyPr wrap="none" lIns="0" tIns="0" rIns="0" bIns="0"/>
+          <a:lstStyle/>
           <a:p>
             <a:endParaRPr/>
           </a:p>
@@ -4308,7 +4724,8 @@
           </a:prstGeom>
         </p:spPr>
         <p:txBody>
-          <a:bodyPr bIns="0" lIns="0" rIns="0" tIns="0" wrap="none"/>
+          <a:bodyPr wrap="none" lIns="0" tIns="0" rIns="0" bIns="0"/>
+          <a:lstStyle/>
           <a:p>
             <a:endParaRPr/>
           </a:p>
@@ -4334,7 +4751,8 @@
           </a:prstGeom>
         </p:spPr>
         <p:txBody>
-          <a:bodyPr bIns="0" lIns="0" rIns="0" tIns="0" wrap="none"/>
+          <a:bodyPr wrap="none" lIns="0" tIns="0" rIns="0" bIns="0"/>
+          <a:lstStyle/>
           <a:p>
             <a:endParaRPr/>
           </a:p>
@@ -4342,11 +4760,14 @@
       </p:sp>
     </p:spTree>
   </p:cSld>
+  <p:clrMapOvr>
+    <a:masterClrMapping/>
+  </p:clrMapOvr>
 </p:sldLayout>
 </file>
 
 <file path=ppt/slideLayouts/slideLayout34.xml><?xml version="1.0" encoding="utf-8"?>
-<p:sldLayout xmlns:a="http://schemas.openxmlformats.org/drawingml/2006/main" xmlns:p="http://schemas.openxmlformats.org/presentationml/2006/main" xmlns:r="http://schemas.openxmlformats.org/officeDocument/2006/relationships" preserve="1" type="objOverTx">
+<p:sldLayout xmlns:a="http://schemas.openxmlformats.org/drawingml/2006/main" xmlns:r="http://schemas.openxmlformats.org/officeDocument/2006/relationships" xmlns:p="http://schemas.openxmlformats.org/presentationml/2006/main" type="objOverTx" preserve="1">
   <p:cSld name="Title, Content over Content">
     <p:spTree>
       <p:nvGrpSpPr>
@@ -4382,7 +4803,8 @@
           </a:prstGeom>
         </p:spPr>
         <p:txBody>
-          <a:bodyPr anchor="ctr" bIns="0" lIns="0" rIns="0" tIns="0" wrap="none"/>
+          <a:bodyPr wrap="none" lIns="0" tIns="0" rIns="0" bIns="0" anchor="ctr"/>
+          <a:lstStyle/>
           <a:p>
             <a:pPr algn="ctr"/>
             <a:endParaRPr/>
@@ -4409,7 +4831,8 @@
           </a:prstGeom>
         </p:spPr>
         <p:txBody>
-          <a:bodyPr bIns="0" lIns="0" rIns="0" tIns="0" wrap="none"/>
+          <a:bodyPr wrap="none" lIns="0" tIns="0" rIns="0" bIns="0"/>
+          <a:lstStyle/>
           <a:p>
             <a:endParaRPr/>
           </a:p>
@@ -4435,7 +4858,8 @@
           </a:prstGeom>
         </p:spPr>
         <p:txBody>
-          <a:bodyPr bIns="0" lIns="0" rIns="0" tIns="0" wrap="none"/>
+          <a:bodyPr wrap="none" lIns="0" tIns="0" rIns="0" bIns="0"/>
+          <a:lstStyle/>
           <a:p>
             <a:endParaRPr/>
           </a:p>
@@ -4443,11 +4867,14 @@
       </p:sp>
     </p:spTree>
   </p:cSld>
+  <p:clrMapOvr>
+    <a:masterClrMapping/>
+  </p:clrMapOvr>
 </p:sldLayout>
 </file>
 
 <file path=ppt/slideLayouts/slideLayout35.xml><?xml version="1.0" encoding="utf-8"?>
-<p:sldLayout xmlns:a="http://schemas.openxmlformats.org/drawingml/2006/main" xmlns:p="http://schemas.openxmlformats.org/presentationml/2006/main" xmlns:r="http://schemas.openxmlformats.org/officeDocument/2006/relationships" preserve="1" type="fourObj">
+<p:sldLayout xmlns:a="http://schemas.openxmlformats.org/drawingml/2006/main" xmlns:r="http://schemas.openxmlformats.org/officeDocument/2006/relationships" xmlns:p="http://schemas.openxmlformats.org/presentationml/2006/main" type="fourObj" preserve="1">
   <p:cSld name="Title, 4 Content">
     <p:spTree>
       <p:nvGrpSpPr>
@@ -4483,7 +4910,8 @@
           </a:prstGeom>
         </p:spPr>
         <p:txBody>
-          <a:bodyPr anchor="ctr" bIns="0" lIns="0" rIns="0" tIns="0" wrap="none"/>
+          <a:bodyPr wrap="none" lIns="0" tIns="0" rIns="0" bIns="0" anchor="ctr"/>
+          <a:lstStyle/>
           <a:p>
             <a:pPr algn="ctr"/>
             <a:endParaRPr/>
@@ -4510,7 +4938,8 @@
           </a:prstGeom>
         </p:spPr>
         <p:txBody>
-          <a:bodyPr bIns="0" lIns="0" rIns="0" tIns="0" wrap="none"/>
+          <a:bodyPr wrap="none" lIns="0" tIns="0" rIns="0" bIns="0"/>
+          <a:lstStyle/>
           <a:p>
             <a:endParaRPr/>
           </a:p>
@@ -4536,7 +4965,8 @@
           </a:prstGeom>
         </p:spPr>
         <p:txBody>
-          <a:bodyPr bIns="0" lIns="0" rIns="0" tIns="0" wrap="none"/>
+          <a:bodyPr wrap="none" lIns="0" tIns="0" rIns="0" bIns="0"/>
+          <a:lstStyle/>
           <a:p>
             <a:endParaRPr/>
           </a:p>
@@ -4562,7 +4992,8 @@
           </a:prstGeom>
         </p:spPr>
         <p:txBody>
-          <a:bodyPr bIns="0" lIns="0" rIns="0" tIns="0" wrap="none"/>
+          <a:bodyPr wrap="none" lIns="0" tIns="0" rIns="0" bIns="0"/>
+          <a:lstStyle/>
           <a:p>
             <a:endParaRPr/>
           </a:p>
@@ -4588,7 +5019,8 @@
           </a:prstGeom>
         </p:spPr>
         <p:txBody>
-          <a:bodyPr bIns="0" lIns="0" rIns="0" tIns="0" wrap="none"/>
+          <a:bodyPr wrap="none" lIns="0" tIns="0" rIns="0" bIns="0"/>
+          <a:lstStyle/>
           <a:p>
             <a:endParaRPr/>
           </a:p>
@@ -4596,11 +5028,14 @@
       </p:sp>
     </p:spTree>
   </p:cSld>
+  <p:clrMapOvr>
+    <a:masterClrMapping/>
+  </p:clrMapOvr>
 </p:sldLayout>
 </file>
 
 <file path=ppt/slideLayouts/slideLayout36.xml><?xml version="1.0" encoding="utf-8"?>
-<p:sldLayout xmlns:a="http://schemas.openxmlformats.org/drawingml/2006/main" xmlns:p="http://schemas.openxmlformats.org/presentationml/2006/main" xmlns:r="http://schemas.openxmlformats.org/officeDocument/2006/relationships" preserve="1" type="blank">
+<p:sldLayout xmlns:a="http://schemas.openxmlformats.org/drawingml/2006/main" xmlns:r="http://schemas.openxmlformats.org/officeDocument/2006/relationships" xmlns:p="http://schemas.openxmlformats.org/presentationml/2006/main" type="blank" preserve="1">
   <p:cSld name="Title, 6 Content">
     <p:spTree>
       <p:nvGrpSpPr>
@@ -4636,7 +5071,8 @@
           </a:prstGeom>
         </p:spPr>
         <p:txBody>
-          <a:bodyPr anchor="ctr" bIns="0" lIns="0" rIns="0" tIns="0" wrap="none"/>
+          <a:bodyPr wrap="none" lIns="0" tIns="0" rIns="0" bIns="0" anchor="ctr"/>
+          <a:lstStyle/>
           <a:p>
             <a:pPr algn="ctr"/>
             <a:endParaRPr/>
@@ -4663,7 +5099,8 @@
           </a:prstGeom>
         </p:spPr>
         <p:txBody>
-          <a:bodyPr bIns="0" lIns="0" rIns="0" tIns="0" wrap="none"/>
+          <a:bodyPr wrap="none" lIns="0" tIns="0" rIns="0" bIns="0"/>
+          <a:lstStyle/>
           <a:p>
             <a:endParaRPr/>
           </a:p>
@@ -4689,7 +5126,8 @@
           </a:prstGeom>
         </p:spPr>
         <p:txBody>
-          <a:bodyPr bIns="0" lIns="0" rIns="0" tIns="0" wrap="none"/>
+          <a:bodyPr wrap="none" lIns="0" tIns="0" rIns="0" bIns="0"/>
+          <a:lstStyle/>
           <a:p>
             <a:endParaRPr/>
           </a:p>
@@ -4697,7 +5135,7 @@
       </p:sp>
       <p:pic>
         <p:nvPicPr>
-          <p:cNvPr descr="" id="107" name=""/>
+          <p:cNvPr id="107" name="Picture 106"/>
           <p:cNvPicPr/>
           <p:nvPr/>
         </p:nvPicPr>
@@ -4722,12 +5160,12 @@
       </p:pic>
       <p:pic>
         <p:nvPicPr>
-          <p:cNvPr descr="" id="108" name=""/>
+          <p:cNvPr id="108" name="Picture 107"/>
           <p:cNvPicPr/>
           <p:nvPr/>
         </p:nvPicPr>
         <p:blipFill>
-          <a:blip r:embed="rId3"/>
+          <a:blip r:embed="rId2"/>
           <a:stretch>
             <a:fillRect/>
           </a:stretch>
@@ -4747,11 +5185,14 @@
       </p:pic>
     </p:spTree>
   </p:cSld>
+  <p:clrMapOvr>
+    <a:masterClrMapping/>
+  </p:clrMapOvr>
 </p:sldLayout>
 </file>
 
 <file path=ppt/slideLayouts/slideLayout4.xml><?xml version="1.0" encoding="utf-8"?>
-<p:sldLayout xmlns:a="http://schemas.openxmlformats.org/drawingml/2006/main" xmlns:p="http://schemas.openxmlformats.org/presentationml/2006/main" xmlns:r="http://schemas.openxmlformats.org/officeDocument/2006/relationships" preserve="1" type="twoObj">
+<p:sldLayout xmlns:a="http://schemas.openxmlformats.org/drawingml/2006/main" xmlns:r="http://schemas.openxmlformats.org/officeDocument/2006/relationships" xmlns:p="http://schemas.openxmlformats.org/presentationml/2006/main" type="twoObj" preserve="1">
   <p:cSld name="Title, 2 Content">
     <p:spTree>
       <p:nvGrpSpPr>
@@ -4787,7 +5228,8 @@
           </a:prstGeom>
         </p:spPr>
         <p:txBody>
-          <a:bodyPr anchor="ctr" bIns="0" lIns="0" rIns="0" tIns="0" wrap="none"/>
+          <a:bodyPr wrap="none" lIns="0" tIns="0" rIns="0" bIns="0" anchor="ctr"/>
+          <a:lstStyle/>
           <a:p>
             <a:pPr algn="ctr"/>
             <a:endParaRPr/>
@@ -4814,7 +5256,8 @@
           </a:prstGeom>
         </p:spPr>
         <p:txBody>
-          <a:bodyPr bIns="0" lIns="0" rIns="0" tIns="0" wrap="none"/>
+          <a:bodyPr wrap="none" lIns="0" tIns="0" rIns="0" bIns="0"/>
+          <a:lstStyle/>
           <a:p>
             <a:endParaRPr/>
           </a:p>
@@ -4840,7 +5283,8 @@
           </a:prstGeom>
         </p:spPr>
         <p:txBody>
-          <a:bodyPr bIns="0" lIns="0" rIns="0" tIns="0" wrap="none"/>
+          <a:bodyPr wrap="none" lIns="0" tIns="0" rIns="0" bIns="0"/>
+          <a:lstStyle/>
           <a:p>
             <a:endParaRPr/>
           </a:p>
@@ -4848,11 +5292,14 @@
       </p:sp>
     </p:spTree>
   </p:cSld>
+  <p:clrMapOvr>
+    <a:masterClrMapping/>
+  </p:clrMapOvr>
 </p:sldLayout>
 </file>
 
 <file path=ppt/slideLayouts/slideLayout5.xml><?xml version="1.0" encoding="utf-8"?>
-<p:sldLayout xmlns:a="http://schemas.openxmlformats.org/drawingml/2006/main" xmlns:p="http://schemas.openxmlformats.org/presentationml/2006/main" xmlns:r="http://schemas.openxmlformats.org/officeDocument/2006/relationships" preserve="1" type="titleOnly">
+<p:sldLayout xmlns:a="http://schemas.openxmlformats.org/drawingml/2006/main" xmlns:r="http://schemas.openxmlformats.org/officeDocument/2006/relationships" xmlns:p="http://schemas.openxmlformats.org/presentationml/2006/main" type="titleOnly" preserve="1">
   <p:cSld name="Title Only">
     <p:spTree>
       <p:nvGrpSpPr>
@@ -4888,7 +5335,8 @@
           </a:prstGeom>
         </p:spPr>
         <p:txBody>
-          <a:bodyPr anchor="ctr" bIns="0" lIns="0" rIns="0" tIns="0" wrap="none"/>
+          <a:bodyPr wrap="none" lIns="0" tIns="0" rIns="0" bIns="0" anchor="ctr"/>
+          <a:lstStyle/>
           <a:p>
             <a:pPr algn="ctr"/>
             <a:endParaRPr/>
@@ -4897,11 +5345,14 @@
       </p:sp>
     </p:spTree>
   </p:cSld>
+  <p:clrMapOvr>
+    <a:masterClrMapping/>
+  </p:clrMapOvr>
 </p:sldLayout>
 </file>
 
 <file path=ppt/slideLayouts/slideLayout6.xml><?xml version="1.0" encoding="utf-8"?>
-<p:sldLayout xmlns:a="http://schemas.openxmlformats.org/drawingml/2006/main" xmlns:p="http://schemas.openxmlformats.org/presentationml/2006/main" xmlns:r="http://schemas.openxmlformats.org/officeDocument/2006/relationships" preserve="1" type="objOnly">
+<p:sldLayout xmlns:a="http://schemas.openxmlformats.org/drawingml/2006/main" xmlns:r="http://schemas.openxmlformats.org/officeDocument/2006/relationships" xmlns:p="http://schemas.openxmlformats.org/presentationml/2006/main" type="objOnly" preserve="1">
   <p:cSld name="Centered Text">
     <p:spTree>
       <p:nvGrpSpPr>
@@ -4937,7 +5388,8 @@
           </a:prstGeom>
         </p:spPr>
         <p:txBody>
-          <a:bodyPr anchor="ctr" bIns="0" lIns="0" rIns="0" tIns="0" wrap="none"/>
+          <a:bodyPr wrap="none" lIns="0" tIns="0" rIns="0" bIns="0" anchor="ctr"/>
+          <a:lstStyle/>
           <a:p>
             <a:pPr algn="ctr"/>
             <a:endParaRPr/>
@@ -4946,11 +5398,14 @@
       </p:sp>
     </p:spTree>
   </p:cSld>
+  <p:clrMapOvr>
+    <a:masterClrMapping/>
+  </p:clrMapOvr>
 </p:sldLayout>
 </file>
 
 <file path=ppt/slideLayouts/slideLayout7.xml><?xml version="1.0" encoding="utf-8"?>
-<p:sldLayout xmlns:a="http://schemas.openxmlformats.org/drawingml/2006/main" xmlns:p="http://schemas.openxmlformats.org/presentationml/2006/main" xmlns:r="http://schemas.openxmlformats.org/officeDocument/2006/relationships" preserve="1" type="twoObjAndObj">
+<p:sldLayout xmlns:a="http://schemas.openxmlformats.org/drawingml/2006/main" xmlns:r="http://schemas.openxmlformats.org/officeDocument/2006/relationships" xmlns:p="http://schemas.openxmlformats.org/presentationml/2006/main" type="twoObjAndObj" preserve="1">
   <p:cSld name="Title, 2 Content and Content">
     <p:spTree>
       <p:nvGrpSpPr>
@@ -4986,7 +5441,8 @@
           </a:prstGeom>
         </p:spPr>
         <p:txBody>
-          <a:bodyPr anchor="ctr" bIns="0" lIns="0" rIns="0" tIns="0" wrap="none"/>
+          <a:bodyPr wrap="none" lIns="0" tIns="0" rIns="0" bIns="0" anchor="ctr"/>
+          <a:lstStyle/>
           <a:p>
             <a:pPr algn="ctr"/>
             <a:endParaRPr/>
@@ -5013,7 +5469,8 @@
           </a:prstGeom>
         </p:spPr>
         <p:txBody>
-          <a:bodyPr bIns="0" lIns="0" rIns="0" tIns="0" wrap="none"/>
+          <a:bodyPr wrap="none" lIns="0" tIns="0" rIns="0" bIns="0"/>
+          <a:lstStyle/>
           <a:p>
             <a:endParaRPr/>
           </a:p>
@@ -5039,7 +5496,8 @@
           </a:prstGeom>
         </p:spPr>
         <p:txBody>
-          <a:bodyPr bIns="0" lIns="0" rIns="0" tIns="0" wrap="none"/>
+          <a:bodyPr wrap="none" lIns="0" tIns="0" rIns="0" bIns="0"/>
+          <a:lstStyle/>
           <a:p>
             <a:endParaRPr/>
           </a:p>
@@ -5065,7 +5523,8 @@
           </a:prstGeom>
         </p:spPr>
         <p:txBody>
-          <a:bodyPr bIns="0" lIns="0" rIns="0" tIns="0" wrap="none"/>
+          <a:bodyPr wrap="none" lIns="0" tIns="0" rIns="0" bIns="0"/>
+          <a:lstStyle/>
           <a:p>
             <a:endParaRPr/>
           </a:p>
@@ -5073,11 +5532,14 @@
       </p:sp>
     </p:spTree>
   </p:cSld>
+  <p:clrMapOvr>
+    <a:masterClrMapping/>
+  </p:clrMapOvr>
 </p:sldLayout>
 </file>
 
 <file path=ppt/slideLayouts/slideLayout8.xml><?xml version="1.0" encoding="utf-8"?>
-<p:sldLayout xmlns:a="http://schemas.openxmlformats.org/drawingml/2006/main" xmlns:p="http://schemas.openxmlformats.org/presentationml/2006/main" xmlns:r="http://schemas.openxmlformats.org/officeDocument/2006/relationships" preserve="1" type="objAndTwoObj">
+<p:sldLayout xmlns:a="http://schemas.openxmlformats.org/drawingml/2006/main" xmlns:r="http://schemas.openxmlformats.org/officeDocument/2006/relationships" xmlns:p="http://schemas.openxmlformats.org/presentationml/2006/main" type="objAndTwoObj" preserve="1">
   <p:cSld name="Title Content and 2 Content">
     <p:spTree>
       <p:nvGrpSpPr>
@@ -5113,7 +5575,8 @@
           </a:prstGeom>
         </p:spPr>
         <p:txBody>
-          <a:bodyPr anchor="ctr" bIns="0" lIns="0" rIns="0" tIns="0" wrap="none"/>
+          <a:bodyPr wrap="none" lIns="0" tIns="0" rIns="0" bIns="0" anchor="ctr"/>
+          <a:lstStyle/>
           <a:p>
             <a:pPr algn="ctr"/>
             <a:endParaRPr/>
@@ -5140,7 +5603,8 @@
           </a:prstGeom>
         </p:spPr>
         <p:txBody>
-          <a:bodyPr bIns="0" lIns="0" rIns="0" tIns="0" wrap="none"/>
+          <a:bodyPr wrap="none" lIns="0" tIns="0" rIns="0" bIns="0"/>
+          <a:lstStyle/>
           <a:p>
             <a:endParaRPr/>
           </a:p>
@@ -5166,7 +5630,8 @@
           </a:prstGeom>
         </p:spPr>
         <p:txBody>
-          <a:bodyPr bIns="0" lIns="0" rIns="0" tIns="0" wrap="none"/>
+          <a:bodyPr wrap="none" lIns="0" tIns="0" rIns="0" bIns="0"/>
+          <a:lstStyle/>
           <a:p>
             <a:endParaRPr/>
           </a:p>
@@ -5192,7 +5657,8 @@
           </a:prstGeom>
         </p:spPr>
         <p:txBody>
-          <a:bodyPr bIns="0" lIns="0" rIns="0" tIns="0" wrap="none"/>
+          <a:bodyPr wrap="none" lIns="0" tIns="0" rIns="0" bIns="0"/>
+          <a:lstStyle/>
           <a:p>
             <a:endParaRPr/>
           </a:p>
@@ -5200,11 +5666,14 @@
       </p:sp>
     </p:spTree>
   </p:cSld>
+  <p:clrMapOvr>
+    <a:masterClrMapping/>
+  </p:clrMapOvr>
 </p:sldLayout>
 </file>
 
 <file path=ppt/slideLayouts/slideLayout9.xml><?xml version="1.0" encoding="utf-8"?>
-<p:sldLayout xmlns:a="http://schemas.openxmlformats.org/drawingml/2006/main" xmlns:p="http://schemas.openxmlformats.org/presentationml/2006/main" xmlns:r="http://schemas.openxmlformats.org/officeDocument/2006/relationships" preserve="1" type="twoObjOverTx">
+<p:sldLayout xmlns:a="http://schemas.openxmlformats.org/drawingml/2006/main" xmlns:r="http://schemas.openxmlformats.org/officeDocument/2006/relationships" xmlns:p="http://schemas.openxmlformats.org/presentationml/2006/main" type="twoObjOverTx" preserve="1">
   <p:cSld name="Title, 2 Content over Content">
     <p:spTree>
       <p:nvGrpSpPr>
@@ -5240,7 +5709,8 @@
           </a:prstGeom>
         </p:spPr>
         <p:txBody>
-          <a:bodyPr anchor="ctr" bIns="0" lIns="0" rIns="0" tIns="0" wrap="none"/>
+          <a:bodyPr wrap="none" lIns="0" tIns="0" rIns="0" bIns="0" anchor="ctr"/>
+          <a:lstStyle/>
           <a:p>
             <a:pPr algn="ctr"/>
             <a:endParaRPr/>
@@ -5267,7 +5737,8 @@
           </a:prstGeom>
         </p:spPr>
         <p:txBody>
-          <a:bodyPr bIns="0" lIns="0" rIns="0" tIns="0" wrap="none"/>
+          <a:bodyPr wrap="none" lIns="0" tIns="0" rIns="0" bIns="0"/>
+          <a:lstStyle/>
           <a:p>
             <a:endParaRPr/>
           </a:p>
@@ -5293,7 +5764,8 @@
           </a:prstGeom>
         </p:spPr>
         <p:txBody>
-          <a:bodyPr bIns="0" lIns="0" rIns="0" tIns="0" wrap="none"/>
+          <a:bodyPr wrap="none" lIns="0" tIns="0" rIns="0" bIns="0"/>
+          <a:lstStyle/>
           <a:p>
             <a:endParaRPr/>
           </a:p>
@@ -5319,7 +5791,8 @@
           </a:prstGeom>
         </p:spPr>
         <p:txBody>
-          <a:bodyPr bIns="0" lIns="0" rIns="0" tIns="0" wrap="none"/>
+          <a:bodyPr wrap="none" lIns="0" tIns="0" rIns="0" bIns="0"/>
+          <a:lstStyle/>
           <a:p>
             <a:endParaRPr/>
           </a:p>
@@ -5327,20 +5800,24 @@
       </p:sp>
     </p:spTree>
   </p:cSld>
+  <p:clrMapOvr>
+    <a:masterClrMapping/>
+  </p:clrMapOvr>
 </p:sldLayout>
 </file>
 
 <file path=ppt/slideMasters/slideMaster1.xml><?xml version="1.0" encoding="utf-8"?>
-<p:sldMaster xmlns:a="http://schemas.openxmlformats.org/drawingml/2006/main" xmlns:p="http://schemas.openxmlformats.org/presentationml/2006/main" xmlns:r="http://schemas.openxmlformats.org/officeDocument/2006/relationships">
+<p:sldMaster xmlns:a="http://schemas.openxmlformats.org/drawingml/2006/main" xmlns:r="http://schemas.openxmlformats.org/officeDocument/2006/relationships" xmlns:p="http://schemas.openxmlformats.org/presentationml/2006/main">
   <p:cSld>
     <p:bg>
       <p:bgPr>
         <a:blipFill>
-          <a:blip r:embed="rId2"/>
+          <a:blip r:embed="rId14"/>
           <a:stretch>
             <a:fillRect/>
           </a:stretch>
         </a:blipFill>
+        <a:effectLst/>
       </p:bgPr>
     </p:bg>
     <p:spTree>
@@ -5359,7 +5836,7 @@
       </p:grpSpPr>
       <p:sp>
         <p:nvSpPr>
-          <p:cNvPr id="0" name="PlaceHolder 1"/>
+          <p:cNvPr id="2" name="PlaceHolder 1"/>
           <p:cNvSpPr>
             <a:spLocks noGrp="1"/>
           </p:cNvSpPr>
@@ -5377,7 +5854,8 @@
           </a:prstGeom>
         </p:spPr>
         <p:txBody>
-          <a:bodyPr anchor="ctr" bIns="0" lIns="0" rIns="0" tIns="0" wrap="none"/>
+          <a:bodyPr wrap="none" lIns="0" tIns="0" rIns="0" bIns="0" anchor="ctr"/>
+          <a:lstStyle/>
           <a:p>
             <a:r>
               <a:rPr lang="en-US"/>
@@ -5389,7 +5867,7 @@
       </p:sp>
       <p:sp>
         <p:nvSpPr>
-          <p:cNvPr id="1" name="PlaceHolder 2"/>
+          <p:cNvPr id="3" name="PlaceHolder 2"/>
           <p:cNvSpPr>
             <a:spLocks noGrp="1"/>
           </p:cNvSpPr>
@@ -5407,7 +5885,8 @@
           </a:prstGeom>
         </p:spPr>
         <p:txBody>
-          <a:bodyPr bIns="0" lIns="0" rIns="0" tIns="0" wrap="none"/>
+          <a:bodyPr wrap="none" lIns="0" tIns="0" rIns="0" bIns="0"/>
+          <a:lstStyle/>
           <a:p>
             <a:pPr>
               <a:buSzPct val="25000"/>
@@ -5496,35 +5975,41 @@
       </p:sp>
     </p:spTree>
   </p:cSld>
-  <p:clrMap accent1="accent1" accent2="accent2" accent3="accent3" accent4="accent4" accent5="accent5" accent6="accent6" bg1="lt1" bg2="lt2" folHlink="folHlink" hlink="hlink" tx1="dk1" tx2="dk2"/>
+  <p:clrMap bg1="lt1" tx1="dk1" bg2="lt2" tx2="dk2" accent1="accent1" accent2="accent2" accent3="accent3" accent4="accent4" accent5="accent5" accent6="accent6" hlink="hlink" folHlink="folHlink"/>
   <p:sldLayoutIdLst>
-    <p:sldLayoutId id="2147483649" r:id="rId3"/>
-    <p:sldLayoutId id="2147483650" r:id="rId4"/>
-    <p:sldLayoutId id="2147483651" r:id="rId5"/>
-    <p:sldLayoutId id="2147483652" r:id="rId6"/>
-    <p:sldLayoutId id="2147483653" r:id="rId7"/>
-    <p:sldLayoutId id="2147483654" r:id="rId8"/>
-    <p:sldLayoutId id="2147483655" r:id="rId9"/>
-    <p:sldLayoutId id="2147483656" r:id="rId10"/>
-    <p:sldLayoutId id="2147483657" r:id="rId11"/>
-    <p:sldLayoutId id="2147483658" r:id="rId12"/>
-    <p:sldLayoutId id="2147483659" r:id="rId13"/>
-    <p:sldLayoutId id="2147483660" r:id="rId14"/>
+    <p:sldLayoutId id="2147483649" r:id="rId1"/>
+    <p:sldLayoutId id="2147483650" r:id="rId2"/>
+    <p:sldLayoutId id="2147483651" r:id="rId3"/>
+    <p:sldLayoutId id="2147483652" r:id="rId4"/>
+    <p:sldLayoutId id="2147483653" r:id="rId5"/>
+    <p:sldLayoutId id="2147483654" r:id="rId6"/>
+    <p:sldLayoutId id="2147483655" r:id="rId7"/>
+    <p:sldLayoutId id="2147483656" r:id="rId8"/>
+    <p:sldLayoutId id="2147483657" r:id="rId9"/>
+    <p:sldLayoutId id="2147483658" r:id="rId10"/>
+    <p:sldLayoutId id="2147483659" r:id="rId11"/>
+    <p:sldLayoutId id="2147483660" r:id="rId12"/>
   </p:sldLayoutIdLst>
+  <p:txStyles>
+    <p:titleStyle/>
+    <p:bodyStyle/>
+    <p:otherStyle/>
+  </p:txStyles>
 </p:sldMaster>
 </file>
 
 <file path=ppt/slideMasters/slideMaster2.xml><?xml version="1.0" encoding="utf-8"?>
-<p:sldMaster xmlns:a="http://schemas.openxmlformats.org/drawingml/2006/main" xmlns:p="http://schemas.openxmlformats.org/presentationml/2006/main" xmlns:r="http://schemas.openxmlformats.org/officeDocument/2006/relationships">
+<p:sldMaster xmlns:a="http://schemas.openxmlformats.org/drawingml/2006/main" xmlns:r="http://schemas.openxmlformats.org/officeDocument/2006/relationships" xmlns:p="http://schemas.openxmlformats.org/presentationml/2006/main">
   <p:cSld>
     <p:bg>
       <p:bgPr>
         <a:blipFill>
-          <a:blip r:embed="rId2"/>
+          <a:blip r:embed="rId14"/>
           <a:stretch>
             <a:fillRect/>
           </a:stretch>
         </a:blipFill>
+        <a:effectLst/>
       </p:bgPr>
     </p:bg>
     <p:spTree>
@@ -5561,7 +6046,8 @@
           </a:prstGeom>
         </p:spPr>
         <p:txBody>
-          <a:bodyPr anchor="ctr" bIns="0" lIns="0" rIns="0" tIns="0" wrap="none"/>
+          <a:bodyPr wrap="none" lIns="0" tIns="0" rIns="0" bIns="0" anchor="ctr"/>
+          <a:lstStyle/>
           <a:p>
             <a:pPr algn="ctr"/>
             <a:r>
@@ -5592,7 +6078,8 @@
           </a:prstGeom>
         </p:spPr>
         <p:txBody>
-          <a:bodyPr bIns="0" lIns="0" rIns="0" tIns="0" wrap="none"/>
+          <a:bodyPr wrap="none" lIns="0" tIns="0" rIns="0" bIns="0"/>
+          <a:lstStyle/>
           <a:p>
             <a:pPr>
               <a:buSzPct val="25000"/>
@@ -5681,35 +6168,41 @@
       </p:sp>
     </p:spTree>
   </p:cSld>
-  <p:clrMap accent1="accent1" accent2="accent2" accent3="accent3" accent4="accent4" accent5="accent5" accent6="accent6" bg1="lt1" bg2="lt2" folHlink="folHlink" hlink="hlink" tx1="dk1" tx2="dk2"/>
+  <p:clrMap bg1="lt1" tx1="dk1" bg2="lt2" tx2="dk2" accent1="accent1" accent2="accent2" accent3="accent3" accent4="accent4" accent5="accent5" accent6="accent6" hlink="hlink" folHlink="folHlink"/>
   <p:sldLayoutIdLst>
-    <p:sldLayoutId id="2147483662" r:id="rId3"/>
-    <p:sldLayoutId id="2147483663" r:id="rId4"/>
-    <p:sldLayoutId id="2147483664" r:id="rId5"/>
-    <p:sldLayoutId id="2147483665" r:id="rId6"/>
-    <p:sldLayoutId id="2147483666" r:id="rId7"/>
-    <p:sldLayoutId id="2147483667" r:id="rId8"/>
-    <p:sldLayoutId id="2147483668" r:id="rId9"/>
-    <p:sldLayoutId id="2147483669" r:id="rId10"/>
-    <p:sldLayoutId id="2147483670" r:id="rId11"/>
-    <p:sldLayoutId id="2147483671" r:id="rId12"/>
-    <p:sldLayoutId id="2147483672" r:id="rId13"/>
-    <p:sldLayoutId id="2147483673" r:id="rId14"/>
+    <p:sldLayoutId id="2147483662" r:id="rId1"/>
+    <p:sldLayoutId id="2147483663" r:id="rId2"/>
+    <p:sldLayoutId id="2147483664" r:id="rId3"/>
+    <p:sldLayoutId id="2147483665" r:id="rId4"/>
+    <p:sldLayoutId id="2147483666" r:id="rId5"/>
+    <p:sldLayoutId id="2147483667" r:id="rId6"/>
+    <p:sldLayoutId id="2147483668" r:id="rId7"/>
+    <p:sldLayoutId id="2147483669" r:id="rId8"/>
+    <p:sldLayoutId id="2147483670" r:id="rId9"/>
+    <p:sldLayoutId id="2147483671" r:id="rId10"/>
+    <p:sldLayoutId id="2147483672" r:id="rId11"/>
+    <p:sldLayoutId id="2147483673" r:id="rId12"/>
   </p:sldLayoutIdLst>
+  <p:txStyles>
+    <p:titleStyle/>
+    <p:bodyStyle/>
+    <p:otherStyle/>
+  </p:txStyles>
 </p:sldMaster>
 </file>
 
 <file path=ppt/slideMasters/slideMaster3.xml><?xml version="1.0" encoding="utf-8"?>
-<p:sldMaster xmlns:a="http://schemas.openxmlformats.org/drawingml/2006/main" xmlns:p="http://schemas.openxmlformats.org/presentationml/2006/main" xmlns:r="http://schemas.openxmlformats.org/officeDocument/2006/relationships">
+<p:sldMaster xmlns:a="http://schemas.openxmlformats.org/drawingml/2006/main" xmlns:r="http://schemas.openxmlformats.org/officeDocument/2006/relationships" xmlns:p="http://schemas.openxmlformats.org/presentationml/2006/main">
   <p:cSld>
     <p:bg>
       <p:bgPr>
         <a:blipFill>
-          <a:blip r:embed="rId2"/>
+          <a:blip r:embed="rId14"/>
           <a:stretch>
             <a:fillRect/>
           </a:stretch>
         </a:blipFill>
+        <a:effectLst/>
       </p:bgPr>
     </p:bg>
     <p:spTree>
@@ -5746,7 +6239,8 @@
           </a:prstGeom>
         </p:spPr>
         <p:txBody>
-          <a:bodyPr anchor="ctr" bIns="0" lIns="0" rIns="0" tIns="0" wrap="none"/>
+          <a:bodyPr wrap="none" lIns="0" tIns="0" rIns="0" bIns="0" anchor="ctr"/>
+          <a:lstStyle/>
           <a:p>
             <a:r>
               <a:rPr lang="en-US"/>
@@ -5776,7 +6270,8 @@
           </a:prstGeom>
         </p:spPr>
         <p:txBody>
-          <a:bodyPr bIns="0" lIns="0" rIns="0" tIns="0" wrap="none"/>
+          <a:bodyPr wrap="none" lIns="0" tIns="0" rIns="0" bIns="0"/>
+          <a:lstStyle/>
           <a:p>
             <a:pPr>
               <a:buSzPct val="25000"/>
@@ -5883,7 +6378,8 @@
           </a:prstGeom>
         </p:spPr>
         <p:txBody>
-          <a:bodyPr bIns="0" lIns="0" rIns="0" tIns="0" wrap="none"/>
+          <a:bodyPr wrap="none" lIns="0" tIns="0" rIns="0" bIns="0"/>
+          <a:lstStyle/>
           <a:p>
             <a:pPr>
               <a:buSzPct val="25000"/>
@@ -5972,26 +6468,31 @@
       </p:sp>
     </p:spTree>
   </p:cSld>
-  <p:clrMap accent1="accent1" accent2="accent2" accent3="accent3" accent4="accent4" accent5="accent5" accent6="accent6" bg1="lt1" bg2="lt2" folHlink="folHlink" hlink="hlink" tx1="dk1" tx2="dk2"/>
+  <p:clrMap bg1="lt1" tx1="dk1" bg2="lt2" tx2="dk2" accent1="accent1" accent2="accent2" accent3="accent3" accent4="accent4" accent5="accent5" accent6="accent6" hlink="hlink" folHlink="folHlink"/>
   <p:sldLayoutIdLst>
-    <p:sldLayoutId id="2147483675" r:id="rId3"/>
-    <p:sldLayoutId id="2147483676" r:id="rId4"/>
-    <p:sldLayoutId id="2147483677" r:id="rId5"/>
-    <p:sldLayoutId id="2147483678" r:id="rId6"/>
-    <p:sldLayoutId id="2147483679" r:id="rId7"/>
-    <p:sldLayoutId id="2147483680" r:id="rId8"/>
-    <p:sldLayoutId id="2147483681" r:id="rId9"/>
-    <p:sldLayoutId id="2147483682" r:id="rId10"/>
-    <p:sldLayoutId id="2147483683" r:id="rId11"/>
-    <p:sldLayoutId id="2147483684" r:id="rId12"/>
-    <p:sldLayoutId id="2147483685" r:id="rId13"/>
-    <p:sldLayoutId id="2147483686" r:id="rId14"/>
+    <p:sldLayoutId id="2147483675" r:id="rId1"/>
+    <p:sldLayoutId id="2147483676" r:id="rId2"/>
+    <p:sldLayoutId id="2147483677" r:id="rId3"/>
+    <p:sldLayoutId id="2147483678" r:id="rId4"/>
+    <p:sldLayoutId id="2147483679" r:id="rId5"/>
+    <p:sldLayoutId id="2147483680" r:id="rId6"/>
+    <p:sldLayoutId id="2147483681" r:id="rId7"/>
+    <p:sldLayoutId id="2147483682" r:id="rId8"/>
+    <p:sldLayoutId id="2147483683" r:id="rId9"/>
+    <p:sldLayoutId id="2147483684" r:id="rId10"/>
+    <p:sldLayoutId id="2147483685" r:id="rId11"/>
+    <p:sldLayoutId id="2147483686" r:id="rId12"/>
   </p:sldLayoutIdLst>
+  <p:txStyles>
+    <p:titleStyle/>
+    <p:bodyStyle/>
+    <p:otherStyle/>
+  </p:txStyles>
 </p:sldMaster>
 </file>
 
 <file path=ppt/slides/slide1.xml><?xml version="1.0" encoding="utf-8"?>
-<p:sld xmlns:a="http://schemas.openxmlformats.org/drawingml/2006/main" xmlns:p="http://schemas.openxmlformats.org/presentationml/2006/main" xmlns:r="http://schemas.openxmlformats.org/officeDocument/2006/relationships">
+<p:sld xmlns:a="http://schemas.openxmlformats.org/drawingml/2006/main" xmlns:r="http://schemas.openxmlformats.org/officeDocument/2006/relationships" xmlns:p="http://schemas.openxmlformats.org/presentationml/2006/main">
   <p:cSld>
     <p:spTree>
       <p:nvGrpSpPr>
@@ -6027,10 +6528,11 @@
           </a:ln>
         </p:spPr>
         <p:txBody>
-          <a:bodyPr anchor="ctr" bIns="45000" lIns="90000" rIns="90000" tIns="45000"/>
-          <a:p>
-            <a:r>
-              <a:rPr b="1" lang="en-US" sz="8000">
+          <a:bodyPr lIns="90000" tIns="45000" rIns="90000" bIns="45000" anchor="ctr"/>
+          <a:lstStyle/>
+          <a:p>
+            <a:r>
+              <a:rPr lang="en-US" sz="8000" b="1">
                 <a:solidFill>
                   <a:srgbClr val="000000"/>
                 </a:solidFill>
@@ -6056,7 +6558,7 @@
               <a:t>the </a:t>
             </a:r>
             <a:r>
-              <a:rPr b="1" lang="en-US" sz="3600">
+              <a:rPr lang="en-US" sz="3600" b="1">
                 <a:solidFill>
                   <a:srgbClr val="000000"/>
                 </a:solidFill>
@@ -6074,7 +6576,7 @@
               <a:t>ile </a:t>
             </a:r>
             <a:r>
-              <a:rPr b="1" lang="en-US" sz="3600">
+              <a:rPr lang="en-US" sz="3600" b="1">
                 <a:solidFill>
                   <a:srgbClr val="000000"/>
                 </a:solidFill>
@@ -6092,7 +6594,7 @@
               <a:t>ackup and </a:t>
             </a:r>
             <a:r>
-              <a:rPr b="1" lang="en-US" sz="3600">
+              <a:rPr lang="en-US" sz="3600" b="1">
                 <a:solidFill>
                   <a:srgbClr val="000000"/>
                 </a:solidFill>
@@ -6110,7 +6612,7 @@
               <a:t>anagement </a:t>
             </a:r>
             <a:r>
-              <a:rPr b="1" lang="en-US" sz="3600">
+              <a:rPr lang="en-US" sz="3600" b="1">
                 <a:solidFill>
                   <a:srgbClr val="000000"/>
                 </a:solidFill>
@@ -6151,7 +6653,8 @@
           </a:ln>
         </p:spPr>
         <p:txBody>
-          <a:bodyPr bIns="45000" lIns="90000" rIns="90000" tIns="45000"/>
+          <a:bodyPr lIns="90000" tIns="45000" rIns="90000" bIns="45000"/>
+          <a:lstStyle/>
           <a:p>
             <a:pPr algn="ctr">
               <a:lnSpc>
@@ -6161,7 +6664,7 @@
             <a:r>
               <a:rPr lang="en-US" sz="3200">
                 <a:solidFill>
-                  <a:srgbClr val="8b8b8b"/>
+                  <a:srgbClr val="8B8B8B"/>
                 </a:solidFill>
                 <a:latin typeface="Calibri"/>
               </a:rPr>
@@ -6178,7 +6681,7 @@
             <a:r>
               <a:rPr lang="en-US" sz="3200">
                 <a:solidFill>
-                  <a:srgbClr val="8b8b8b"/>
+                  <a:srgbClr val="8B8B8B"/>
                 </a:solidFill>
                 <a:latin typeface="Calibri"/>
               </a:rPr>
@@ -6190,6 +6693,9 @@
       </p:sp>
     </p:spTree>
   </p:cSld>
+  <p:clrMapOvr>
+    <a:masterClrMapping/>
+  </p:clrMapOvr>
   <p:transition spd="med">
     <p:pull dir="d"/>
   </p:transition>
@@ -6197,1973 +6703,7 @@
 </file>
 
 <file path=ppt/slides/slide10.xml><?xml version="1.0" encoding="utf-8"?>
-<p:sld xmlns:a="http://schemas.openxmlformats.org/drawingml/2006/main" xmlns:p="http://schemas.openxmlformats.org/presentationml/2006/main" xmlns:r="http://schemas.openxmlformats.org/officeDocument/2006/relationships">
-  <p:cSld>
-    <p:spTree>
-      <p:nvGrpSpPr>
-        <p:cNvPr id="1" name=""/>
-        <p:cNvGrpSpPr/>
-        <p:nvPr/>
-      </p:nvGrpSpPr>
-      <p:grpSpPr>
-        <a:xfrm>
-          <a:off x="0" y="0"/>
-          <a:ext cx="0" cy="0"/>
-          <a:chOff x="0" y="0"/>
-          <a:chExt cx="0" cy="0"/>
-        </a:xfrm>
-      </p:grpSpPr>
-      <p:sp>
-        <p:nvSpPr>
-          <p:cNvPr id="131" name="CustomShape 1"/>
-          <p:cNvSpPr/>
-          <p:nvPr/>
-        </p:nvSpPr>
-        <p:spPr>
-          <a:xfrm>
-            <a:off x="457200" y="274680"/>
-            <a:ext cx="8228880" cy="1142280"/>
-          </a:xfrm>
-          <a:prstGeom prst="rect">
-            <a:avLst/>
-          </a:prstGeom>
-          <a:noFill/>
-          <a:ln>
-            <a:noFill/>
-          </a:ln>
-        </p:spPr>
-        <p:txBody>
-          <a:bodyPr anchor="ctr" bIns="0" lIns="0" rIns="0" tIns="0" wrap="none"/>
-          <a:p>
-            <a:pPr algn="ctr">
-              <a:lnSpc>
-                <a:spcPct val="100000"/>
-              </a:lnSpc>
-            </a:pPr>
-            <a:r>
-              <a:rPr lang="en-US" sz="4400"/>
-              <a:t>Menus and Dialogs</a:t>
-            </a:r>
-            <a:endParaRPr/>
-          </a:p>
-        </p:txBody>
-      </p:sp>
-      <p:pic>
-        <p:nvPicPr>
-          <p:cNvPr descr="" id="132" name=""/>
-          <p:cNvPicPr/>
-          <p:nvPr/>
-        </p:nvPicPr>
-        <p:blipFill>
-          <a:blip r:embed="rId1"/>
-          <a:stretch>
-            <a:fillRect/>
-          </a:stretch>
-        </p:blipFill>
-        <p:spPr>
-          <a:xfrm>
-            <a:off x="182880" y="1737360"/>
-            <a:ext cx="4297320" cy="2834280"/>
-          </a:xfrm>
-          <a:prstGeom prst="rect">
-            <a:avLst/>
-          </a:prstGeom>
-          <a:ln>
-            <a:noFill/>
-          </a:ln>
-        </p:spPr>
-      </p:pic>
-      <p:pic>
-        <p:nvPicPr>
-          <p:cNvPr descr="" id="133" name=""/>
-          <p:cNvPicPr/>
-          <p:nvPr/>
-        </p:nvPicPr>
-        <p:blipFill>
-          <a:blip r:embed="rId2"/>
-          <a:stretch>
-            <a:fillRect/>
-          </a:stretch>
-        </p:blipFill>
-        <p:spPr>
-          <a:xfrm>
-            <a:off x="4846320" y="1737360"/>
-            <a:ext cx="4205880" cy="2834280"/>
-          </a:xfrm>
-          <a:prstGeom prst="rect">
-            <a:avLst/>
-          </a:prstGeom>
-          <a:ln>
-            <a:noFill/>
-          </a:ln>
-        </p:spPr>
-      </p:pic>
-      <p:pic>
-        <p:nvPicPr>
-          <p:cNvPr descr="" id="134" name=""/>
-          <p:cNvPicPr/>
-          <p:nvPr/>
-        </p:nvPicPr>
-        <p:blipFill>
-          <a:blip r:embed="rId3"/>
-          <a:stretch>
-            <a:fillRect/>
-          </a:stretch>
-        </p:blipFill>
-        <p:spPr>
-          <a:xfrm>
-            <a:off x="1920240" y="3852000"/>
-            <a:ext cx="5656320" cy="2731320"/>
-          </a:xfrm>
-          <a:prstGeom prst="rect">
-            <a:avLst/>
-          </a:prstGeom>
-          <a:ln>
-            <a:noFill/>
-          </a:ln>
-        </p:spPr>
-      </p:pic>
-    </p:spTree>
-  </p:cSld>
-  <p:transition spd="med">
-    <p:pull dir="d"/>
-  </p:transition>
-  <p:timing>
-    <p:tnLst>
-      <p:par>
-        <p:cTn dur="indefinite" id="9" nodeType="tmRoot" restart="never">
-          <p:childTnLst>
-            <p:seq>
-              <p:cTn id="10" nodeType="mainSeq"/>
-              <p:prevCondLst>
-                <p:cond delay="0" evt="onPrev">
-                  <p:tgtEl>
-                    <p:sldTgt/>
-                  </p:tgtEl>
-                </p:cond>
-              </p:prevCondLst>
-              <p:nextCondLst>
-                <p:cond delay="0" evt="onNext">
-                  <p:tgtEl>
-                    <p:sldTgt/>
-                  </p:tgtEl>
-                </p:cond>
-              </p:nextCondLst>
-            </p:seq>
-          </p:childTnLst>
-        </p:cTn>
-      </p:par>
-    </p:tnLst>
-  </p:timing>
-</p:sld>
-</file>
-
-<file path=ppt/slides/slide11.xml><?xml version="1.0" encoding="utf-8"?>
-<p:sld xmlns:a="http://schemas.openxmlformats.org/drawingml/2006/main" xmlns:p="http://schemas.openxmlformats.org/presentationml/2006/main" xmlns:r="http://schemas.openxmlformats.org/officeDocument/2006/relationships">
-  <p:cSld>
-    <p:spTree>
-      <p:nvGrpSpPr>
-        <p:cNvPr id="1" name=""/>
-        <p:cNvGrpSpPr/>
-        <p:nvPr/>
-      </p:nvGrpSpPr>
-      <p:grpSpPr>
-        <a:xfrm>
-          <a:off x="0" y="0"/>
-          <a:ext cx="0" cy="0"/>
-          <a:chOff x="0" y="0"/>
-          <a:chExt cx="0" cy="0"/>
-        </a:xfrm>
-      </p:grpSpPr>
-      <p:sp>
-        <p:nvSpPr>
-          <p:cNvPr id="135" name="CustomShape 1"/>
-          <p:cNvSpPr/>
-          <p:nvPr/>
-        </p:nvSpPr>
-        <p:spPr>
-          <a:xfrm>
-            <a:off x="457200" y="274680"/>
-            <a:ext cx="8228880" cy="1142280"/>
-          </a:xfrm>
-          <a:prstGeom prst="rect">
-            <a:avLst/>
-          </a:prstGeom>
-          <a:noFill/>
-          <a:ln>
-            <a:noFill/>
-          </a:ln>
-        </p:spPr>
-        <p:txBody>
-          <a:bodyPr anchor="ctr" bIns="45000" lIns="90000" rIns="90000" tIns="45000"/>
-          <a:p>
-            <a:pPr algn="ctr">
-              <a:lnSpc>
-                <a:spcPct val="100000"/>
-              </a:lnSpc>
-            </a:pPr>
-            <a:r>
-              <a:rPr lang="en-US" sz="4400">
-                <a:solidFill>
-                  <a:srgbClr val="000000"/>
-                </a:solidFill>
-                <a:latin typeface="Calibri"/>
-              </a:rPr>
-              <a:t>Achieved so far</a:t>
-            </a:r>
-            <a:endParaRPr/>
-          </a:p>
-        </p:txBody>
-      </p:sp>
-      <p:sp>
-        <p:nvSpPr>
-          <p:cNvPr id="136" name="CustomShape 2"/>
-          <p:cNvSpPr/>
-          <p:nvPr/>
-        </p:nvSpPr>
-        <p:spPr>
-          <a:xfrm>
-            <a:off x="457200" y="5296320"/>
-            <a:ext cx="8228880" cy="829080"/>
-          </a:xfrm>
-          <a:prstGeom prst="rect">
-            <a:avLst/>
-          </a:prstGeom>
-          <a:noFill/>
-          <a:ln>
-            <a:noFill/>
-          </a:ln>
-        </p:spPr>
-        <p:txBody>
-          <a:bodyPr bIns="45000" lIns="90000" rIns="90000" tIns="45000"/>
-          <a:p>
-            <a:pPr algn="r">
-              <a:lnSpc>
-                <a:spcPct val="100000"/>
-              </a:lnSpc>
-            </a:pPr>
-            <a:r>
-              <a:rPr lang="en-US" sz="2400">
-                <a:solidFill>
-                  <a:srgbClr val="000000"/>
-                </a:solidFill>
-                <a:latin typeface="Calibri"/>
-              </a:rPr>
-              <a:t>The revision dialog, showing all the available revisions for a file</a:t>
-            </a:r>
-            <a:endParaRPr/>
-          </a:p>
-        </p:txBody>
-      </p:sp>
-      <p:pic>
-        <p:nvPicPr>
-          <p:cNvPr descr="" id="137" name="Picture 2"/>
-          <p:cNvPicPr/>
-          <p:nvPr/>
-        </p:nvPicPr>
-        <p:blipFill>
-          <a:blip r:embed="rId1"/>
-          <a:stretch>
-            <a:fillRect/>
-          </a:stretch>
-        </p:blipFill>
-        <p:spPr>
-          <a:xfrm>
-            <a:off x="179640" y="1484640"/>
-            <a:ext cx="8573400" cy="3809160"/>
-          </a:xfrm>
-          <a:prstGeom prst="rect">
-            <a:avLst/>
-          </a:prstGeom>
-          <a:ln>
-            <a:noFill/>
-          </a:ln>
-        </p:spPr>
-      </p:pic>
-    </p:spTree>
-  </p:cSld>
-  <p:transition spd="med">
-    <p:pull dir="d"/>
-  </p:transition>
-  <p:timing>
-    <p:tnLst>
-      <p:par>
-        <p:cTn dur="indefinite" id="11" nodeType="tmRoot" restart="never">
-          <p:childTnLst>
-            <p:seq>
-              <p:cTn id="12" nodeType="mainSeq"/>
-              <p:prevCondLst>
-                <p:cond delay="0" evt="onPrev">
-                  <p:tgtEl>
-                    <p:sldTgt/>
-                  </p:tgtEl>
-                </p:cond>
-              </p:prevCondLst>
-              <p:nextCondLst>
-                <p:cond delay="0" evt="onNext">
-                  <p:tgtEl>
-                    <p:sldTgt/>
-                  </p:tgtEl>
-                </p:cond>
-              </p:nextCondLst>
-            </p:seq>
-          </p:childTnLst>
-        </p:cTn>
-      </p:par>
-    </p:tnLst>
-  </p:timing>
-</p:sld>
-</file>
-
-<file path=ppt/slides/slide12.xml><?xml version="1.0" encoding="utf-8"?>
-<p:sld xmlns:a="http://schemas.openxmlformats.org/drawingml/2006/main" xmlns:p="http://schemas.openxmlformats.org/presentationml/2006/main" xmlns:r="http://schemas.openxmlformats.org/officeDocument/2006/relationships">
-  <p:cSld>
-    <p:spTree>
-      <p:nvGrpSpPr>
-        <p:cNvPr id="1" name=""/>
-        <p:cNvGrpSpPr/>
-        <p:nvPr/>
-      </p:nvGrpSpPr>
-      <p:grpSpPr>
-        <a:xfrm>
-          <a:off x="0" y="0"/>
-          <a:ext cx="0" cy="0"/>
-          <a:chOff x="0" y="0"/>
-          <a:chExt cx="0" cy="0"/>
-        </a:xfrm>
-      </p:grpSpPr>
-      <p:sp>
-        <p:nvSpPr>
-          <p:cNvPr id="138" name="CustomShape 1"/>
-          <p:cNvSpPr/>
-          <p:nvPr/>
-        </p:nvSpPr>
-        <p:spPr>
-          <a:xfrm>
-            <a:off x="457200" y="274680"/>
-            <a:ext cx="8228880" cy="1142280"/>
-          </a:xfrm>
-          <a:prstGeom prst="rect">
-            <a:avLst/>
-          </a:prstGeom>
-          <a:noFill/>
-          <a:ln>
-            <a:noFill/>
-          </a:ln>
-        </p:spPr>
-        <p:txBody>
-          <a:bodyPr anchor="ctr" bIns="45000" lIns="90000" rIns="90000" tIns="45000"/>
-          <a:p>
-            <a:pPr algn="ctr">
-              <a:lnSpc>
-                <a:spcPct val="100000"/>
-              </a:lnSpc>
-            </a:pPr>
-            <a:r>
-              <a:rPr lang="en-US" sz="4400">
-                <a:solidFill>
-                  <a:srgbClr val="000000"/>
-                </a:solidFill>
-                <a:latin typeface="Calibri"/>
-              </a:rPr>
-              <a:t>Achieved so far</a:t>
-            </a:r>
-            <a:endParaRPr/>
-          </a:p>
-        </p:txBody>
-      </p:sp>
-      <p:sp>
-        <p:nvSpPr>
-          <p:cNvPr id="139" name="CustomShape 2"/>
-          <p:cNvSpPr/>
-          <p:nvPr/>
-        </p:nvSpPr>
-        <p:spPr>
-          <a:xfrm>
-            <a:off x="457200" y="1600200"/>
-            <a:ext cx="8228880" cy="4708440"/>
-          </a:xfrm>
-          <a:prstGeom prst="rect">
-            <a:avLst/>
-          </a:prstGeom>
-          <a:noFill/>
-          <a:ln>
-            <a:noFill/>
-          </a:ln>
-        </p:spPr>
-        <p:txBody>
-          <a:bodyPr bIns="45000" lIns="90000" rIns="90000" tIns="45000"/>
-          <a:p>
-            <a:pPr>
-              <a:lnSpc>
-                <a:spcPct val="100000"/>
-              </a:lnSpc>
-              <a:buFont typeface="Arial"/>
-              <a:buChar char="•"/>
-            </a:pPr>
-            <a:r>
-              <a:rPr lang="en-US" sz="3200">
-                <a:solidFill>
-                  <a:srgbClr val="000000"/>
-                </a:solidFill>
-                <a:latin typeface="Calibri"/>
-              </a:rPr>
-              <a:t>We’ve also added features such as a startup scan, which performs a one-time scan when the program is started up, allowing detection of changes made when the program was not running</a:t>
-            </a:r>
-            <a:endParaRPr/>
-          </a:p>
-          <a:p>
-            <a:pPr>
-              <a:lnSpc>
-                <a:spcPct val="100000"/>
-              </a:lnSpc>
-              <a:buFont typeface="Arial"/>
-              <a:buChar char="•"/>
-            </a:pPr>
-            <a:r>
-              <a:rPr lang="en-US" sz="3200">
-                <a:solidFill>
-                  <a:srgbClr val="000000"/>
-                </a:solidFill>
-                <a:latin typeface="Calibri"/>
-              </a:rPr>
-              <a:t>The trim feature regularly removes files older than a user specified date</a:t>
-            </a:r>
-            <a:endParaRPr/>
-          </a:p>
-          <a:p>
-            <a:pPr>
-              <a:lnSpc>
-                <a:spcPct val="100000"/>
-              </a:lnSpc>
-              <a:buFont typeface="Arial"/>
-              <a:buChar char="•"/>
-            </a:pPr>
-            <a:r>
-              <a:rPr lang="en-US" sz="3200">
-                <a:solidFill>
-                  <a:srgbClr val="000000"/>
-                </a:solidFill>
-                <a:latin typeface="Calibri"/>
-              </a:rPr>
-              <a:t>More than 525 revisions of content, bug fixes, and features</a:t>
-            </a:r>
-            <a:endParaRPr/>
-          </a:p>
-        </p:txBody>
-      </p:sp>
-    </p:spTree>
-  </p:cSld>
-  <p:transition spd="med">
-    <p:pull dir="d"/>
-  </p:transition>
-  <p:timing>
-    <p:tnLst>
-      <p:par>
-        <p:cTn dur="indefinite" id="13" nodeType="tmRoot" restart="never">
-          <p:childTnLst>
-            <p:seq>
-              <p:cTn id="14" nodeType="mainSeq"/>
-              <p:prevCondLst>
-                <p:cond delay="0" evt="onPrev">
-                  <p:tgtEl>
-                    <p:sldTgt/>
-                  </p:tgtEl>
-                </p:cond>
-              </p:prevCondLst>
-              <p:nextCondLst>
-                <p:cond delay="0" evt="onNext">
-                  <p:tgtEl>
-                    <p:sldTgt/>
-                  </p:tgtEl>
-                </p:cond>
-              </p:nextCondLst>
-            </p:seq>
-          </p:childTnLst>
-        </p:cTn>
-      </p:par>
-    </p:tnLst>
-  </p:timing>
-</p:sld>
-</file>
-
-<file path=ppt/slides/slide13.xml><?xml version="1.0" encoding="utf-8"?>
-<p:sld xmlns:a="http://schemas.openxmlformats.org/drawingml/2006/main" xmlns:p="http://schemas.openxmlformats.org/presentationml/2006/main" xmlns:r="http://schemas.openxmlformats.org/officeDocument/2006/relationships">
-  <p:cSld>
-    <p:spTree>
-      <p:nvGrpSpPr>
-        <p:cNvPr id="1" name=""/>
-        <p:cNvGrpSpPr/>
-        <p:nvPr/>
-      </p:nvGrpSpPr>
-      <p:grpSpPr>
-        <a:xfrm>
-          <a:off x="0" y="0"/>
-          <a:ext cx="0" cy="0"/>
-          <a:chOff x="0" y="0"/>
-          <a:chExt cx="0" cy="0"/>
-        </a:xfrm>
-      </p:grpSpPr>
-      <p:sp>
-        <p:nvSpPr>
-          <p:cNvPr id="140" name="CustomShape 1"/>
-          <p:cNvSpPr/>
-          <p:nvPr/>
-        </p:nvSpPr>
-        <p:spPr>
-          <a:xfrm>
-            <a:off x="457200" y="274680"/>
-            <a:ext cx="8228880" cy="1142280"/>
-          </a:xfrm>
-          <a:prstGeom prst="rect">
-            <a:avLst/>
-          </a:prstGeom>
-          <a:noFill/>
-          <a:ln>
-            <a:noFill/>
-          </a:ln>
-        </p:spPr>
-        <p:txBody>
-          <a:bodyPr anchor="ctr" bIns="45000" lIns="90000" rIns="90000" tIns="45000"/>
-          <a:p>
-            <a:pPr algn="ctr">
-              <a:lnSpc>
-                <a:spcPct val="100000"/>
-              </a:lnSpc>
-            </a:pPr>
-            <a:r>
-              <a:rPr lang="en-US" sz="4400">
-                <a:solidFill>
-                  <a:srgbClr val="000000"/>
-                </a:solidFill>
-                <a:latin typeface="Calibri"/>
-              </a:rPr>
-              <a:t>Challenges addressed</a:t>
-            </a:r>
-            <a:endParaRPr/>
-          </a:p>
-        </p:txBody>
-      </p:sp>
-      <p:sp>
-        <p:nvSpPr>
-          <p:cNvPr id="141" name="CustomShape 2"/>
-          <p:cNvSpPr/>
-          <p:nvPr/>
-        </p:nvSpPr>
-        <p:spPr>
-          <a:xfrm>
-            <a:off x="457200" y="1600200"/>
-            <a:ext cx="8228880" cy="4525200"/>
-          </a:xfrm>
-          <a:prstGeom prst="rect">
-            <a:avLst/>
-          </a:prstGeom>
-          <a:noFill/>
-          <a:ln>
-            <a:noFill/>
-          </a:ln>
-        </p:spPr>
-        <p:txBody>
-          <a:bodyPr bIns="45000" lIns="90000" rIns="90000" tIns="45000"/>
-          <a:p>
-            <a:pPr>
-              <a:lnSpc>
-                <a:spcPct val="100000"/>
-              </a:lnSpc>
-              <a:buFont typeface="Arial"/>
-              <a:buChar char="•"/>
-            </a:pPr>
-            <a:r>
-              <a:rPr lang="en-US" sz="3200">
-                <a:solidFill>
-                  <a:srgbClr val="000000"/>
-                </a:solidFill>
-                <a:latin typeface="Calibri"/>
-              </a:rPr>
-              <a:t>Maintaining a consistent interface across operating systems</a:t>
-            </a:r>
-            <a:endParaRPr/>
-          </a:p>
-          <a:p>
-            <a:pPr>
-              <a:lnSpc>
-                <a:spcPct val="100000"/>
-              </a:lnSpc>
-              <a:buFont typeface="Arial"/>
-              <a:buChar char="•"/>
-            </a:pPr>
-            <a:r>
-              <a:rPr lang="en-US" sz="3200">
-                <a:solidFill>
-                  <a:srgbClr val="000000"/>
-                </a:solidFill>
-                <a:latin typeface="Calibri"/>
-              </a:rPr>
-              <a:t>Creating patches for plain text files</a:t>
-            </a:r>
-            <a:endParaRPr/>
-          </a:p>
-          <a:p>
-            <a:pPr>
-              <a:lnSpc>
-                <a:spcPct val="100000"/>
-              </a:lnSpc>
-              <a:buFont typeface="Arial"/>
-              <a:buChar char="•"/>
-            </a:pPr>
-            <a:r>
-              <a:rPr lang="en-US" sz="3200">
-                <a:solidFill>
-                  <a:srgbClr val="000000"/>
-                </a:solidFill>
-                <a:latin typeface="Calibri"/>
-              </a:rPr>
-              <a:t>Ensuring that the GUI is user friendly and intuitive</a:t>
-            </a:r>
-            <a:endParaRPr/>
-          </a:p>
-          <a:p>
-            <a:pPr>
-              <a:lnSpc>
-                <a:spcPct val="100000"/>
-              </a:lnSpc>
-              <a:buFont typeface="Arial"/>
-              <a:buChar char="•"/>
-            </a:pPr>
-            <a:r>
-              <a:rPr lang="en-US" sz="3200">
-                <a:solidFill>
-                  <a:srgbClr val="000000"/>
-                </a:solidFill>
-                <a:latin typeface="Calibri"/>
-              </a:rPr>
-              <a:t>Handling binary files, implemented in version 2.0</a:t>
-            </a:r>
-            <a:endParaRPr/>
-          </a:p>
-        </p:txBody>
-      </p:sp>
-    </p:spTree>
-  </p:cSld>
-  <p:transition spd="med">
-    <p:pull dir="d"/>
-  </p:transition>
-</p:sld>
-</file>
-
-<file path=ppt/slides/slide14.xml><?xml version="1.0" encoding="utf-8"?>
-<p:sld xmlns:a="http://schemas.openxmlformats.org/drawingml/2006/main" xmlns:p="http://schemas.openxmlformats.org/presentationml/2006/main" xmlns:r="http://schemas.openxmlformats.org/officeDocument/2006/relationships">
-  <p:cSld>
-    <p:spTree>
-      <p:nvGrpSpPr>
-        <p:cNvPr id="1" name=""/>
-        <p:cNvGrpSpPr/>
-        <p:nvPr/>
-      </p:nvGrpSpPr>
-      <p:grpSpPr>
-        <a:xfrm>
-          <a:off x="0" y="0"/>
-          <a:ext cx="0" cy="0"/>
-          <a:chOff x="0" y="0"/>
-          <a:chExt cx="0" cy="0"/>
-        </a:xfrm>
-      </p:grpSpPr>
-      <p:sp>
-        <p:nvSpPr>
-          <p:cNvPr id="142" name="CustomShape 1"/>
-          <p:cNvSpPr/>
-          <p:nvPr/>
-        </p:nvSpPr>
-        <p:spPr>
-          <a:xfrm>
-            <a:off x="457200" y="274680"/>
-            <a:ext cx="8228880" cy="1142280"/>
-          </a:xfrm>
-          <a:prstGeom prst="rect">
-            <a:avLst/>
-          </a:prstGeom>
-          <a:noFill/>
-          <a:ln>
-            <a:noFill/>
-          </a:ln>
-        </p:spPr>
-        <p:txBody>
-          <a:bodyPr anchor="ctr" bIns="45000" lIns="90000" rIns="90000" tIns="45000"/>
-          <a:p>
-            <a:pPr algn="ctr">
-              <a:lnSpc>
-                <a:spcPct val="100000"/>
-              </a:lnSpc>
-            </a:pPr>
-            <a:r>
-              <a:rPr lang="en-US" sz="4400">
-                <a:solidFill>
-                  <a:srgbClr val="000000"/>
-                </a:solidFill>
-                <a:latin typeface="Calibri"/>
-              </a:rPr>
-              <a:t>Challenges addressed</a:t>
-            </a:r>
-            <a:endParaRPr/>
-          </a:p>
-        </p:txBody>
-      </p:sp>
-      <p:sp>
-        <p:nvSpPr>
-          <p:cNvPr id="143" name="CustomShape 2"/>
-          <p:cNvSpPr/>
-          <p:nvPr/>
-        </p:nvSpPr>
-        <p:spPr>
-          <a:xfrm>
-            <a:off x="457200" y="1600200"/>
-            <a:ext cx="8228880" cy="4525200"/>
-          </a:xfrm>
-          <a:prstGeom prst="rect">
-            <a:avLst/>
-          </a:prstGeom>
-          <a:noFill/>
-          <a:ln>
-            <a:noFill/>
-          </a:ln>
-        </p:spPr>
-        <p:txBody>
-          <a:bodyPr bIns="45000" lIns="90000" rIns="90000" tIns="45000"/>
-          <a:p>
-            <a:pPr>
-              <a:lnSpc>
-                <a:spcPct val="100000"/>
-              </a:lnSpc>
-              <a:buFont typeface="Arial"/>
-              <a:buChar char="•"/>
-            </a:pPr>
-            <a:r>
-              <a:rPr lang="en-US" sz="3200">
-                <a:solidFill>
-                  <a:srgbClr val="000000"/>
-                </a:solidFill>
-                <a:latin typeface="Calibri"/>
-              </a:rPr>
-              <a:t>Numerous ways to create an edit files</a:t>
-            </a:r>
-            <a:endParaRPr/>
-          </a:p>
-          <a:p>
-            <a:pPr>
-              <a:lnSpc>
-                <a:spcPct val="100000"/>
-              </a:lnSpc>
-              <a:buFont typeface="Arial"/>
-              <a:buChar char="•"/>
-            </a:pPr>
-            <a:r>
-              <a:rPr lang="en-US" sz="3200">
-                <a:solidFill>
-                  <a:srgbClr val="000000"/>
-                </a:solidFill>
-                <a:latin typeface="Calibri"/>
-              </a:rPr>
-              <a:t>Some text editors create swap files and move those over the original file</a:t>
-            </a:r>
-            <a:endParaRPr/>
-          </a:p>
-          <a:p>
-            <a:pPr>
-              <a:lnSpc>
-                <a:spcPct val="100000"/>
-              </a:lnSpc>
-              <a:buFont typeface="Arial"/>
-              <a:buChar char="•"/>
-            </a:pPr>
-            <a:r>
-              <a:rPr lang="en-US" sz="3200">
-                <a:solidFill>
-                  <a:srgbClr val="000000"/>
-                </a:solidFill>
-                <a:latin typeface="Calibri"/>
-              </a:rPr>
-              <a:t>Other editors directly change the file</a:t>
-            </a:r>
-            <a:endParaRPr/>
-          </a:p>
-          <a:p>
-            <a:pPr>
-              <a:lnSpc>
-                <a:spcPct val="100000"/>
-              </a:lnSpc>
-              <a:buFont typeface="Arial"/>
-              <a:buChar char="•"/>
-            </a:pPr>
-            <a:r>
-              <a:rPr lang="en-US" sz="3200">
-                <a:solidFill>
-                  <a:srgbClr val="000000"/>
-                </a:solidFill>
-                <a:latin typeface="Calibri"/>
-              </a:rPr>
-              <a:t>You could create a file over another file</a:t>
-            </a:r>
-            <a:endParaRPr/>
-          </a:p>
-          <a:p>
-            <a:pPr>
-              <a:lnSpc>
-                <a:spcPct val="100000"/>
-              </a:lnSpc>
-              <a:buFont typeface="Arial"/>
-              <a:buChar char="•"/>
-            </a:pPr>
-            <a:r>
-              <a:rPr lang="en-US" sz="3200">
-                <a:solidFill>
-                  <a:srgbClr val="000000"/>
-                </a:solidFill>
-                <a:latin typeface="Calibri"/>
-              </a:rPr>
-              <a:t>Most bugs occurred due to the many ways of modifying files</a:t>
-            </a:r>
-            <a:endParaRPr/>
-          </a:p>
-        </p:txBody>
-      </p:sp>
-    </p:spTree>
-  </p:cSld>
-  <p:transition spd="med">
-    <p:pull dir="d"/>
-  </p:transition>
-  <p:timing>
-    <p:tnLst>
-      <p:par>
-        <p:cTn dur="indefinite" id="15" nodeType="tmRoot" restart="never">
-          <p:childTnLst>
-            <p:seq>
-              <p:cTn id="16" nodeType="mainSeq"/>
-              <p:prevCondLst>
-                <p:cond delay="0" evt="onPrev">
-                  <p:tgtEl>
-                    <p:sldTgt/>
-                  </p:tgtEl>
-                </p:cond>
-              </p:prevCondLst>
-              <p:nextCondLst>
-                <p:cond delay="0" evt="onNext">
-                  <p:tgtEl>
-                    <p:sldTgt/>
-                  </p:tgtEl>
-                </p:cond>
-              </p:nextCondLst>
-            </p:seq>
-          </p:childTnLst>
-        </p:cTn>
-      </p:par>
-    </p:tnLst>
-  </p:timing>
-</p:sld>
-</file>
-
-<file path=ppt/slides/slide15.xml><?xml version="1.0" encoding="utf-8"?>
-<p:sld xmlns:a="http://schemas.openxmlformats.org/drawingml/2006/main" xmlns:p="http://schemas.openxmlformats.org/presentationml/2006/main" xmlns:r="http://schemas.openxmlformats.org/officeDocument/2006/relationships">
-  <p:cSld>
-    <p:spTree>
-      <p:nvGrpSpPr>
-        <p:cNvPr id="1" name=""/>
-        <p:cNvGrpSpPr/>
-        <p:nvPr/>
-      </p:nvGrpSpPr>
-      <p:grpSpPr>
-        <a:xfrm>
-          <a:off x="0" y="0"/>
-          <a:ext cx="0" cy="0"/>
-          <a:chOff x="0" y="0"/>
-          <a:chExt cx="0" cy="0"/>
-        </a:xfrm>
-      </p:grpSpPr>
-      <p:sp>
-        <p:nvSpPr>
-          <p:cNvPr id="144" name="CustomShape 1"/>
-          <p:cNvSpPr/>
-          <p:nvPr/>
-        </p:nvSpPr>
-        <p:spPr>
-          <a:xfrm>
-            <a:off x="457200" y="274680"/>
-            <a:ext cx="8228880" cy="1142280"/>
-          </a:xfrm>
-          <a:prstGeom prst="rect">
-            <a:avLst/>
-          </a:prstGeom>
-          <a:noFill/>
-          <a:ln>
-            <a:noFill/>
-          </a:ln>
-        </p:spPr>
-        <p:txBody>
-          <a:bodyPr anchor="ctr" bIns="45000" lIns="90000" rIns="90000" tIns="45000"/>
-          <a:p>
-            <a:pPr algn="ctr">
-              <a:lnSpc>
-                <a:spcPct val="100000"/>
-              </a:lnSpc>
-            </a:pPr>
-            <a:r>
-              <a:rPr lang="en-US" sz="4400">
-                <a:solidFill>
-                  <a:srgbClr val="000000"/>
-                </a:solidFill>
-                <a:latin typeface="Calibri"/>
-              </a:rPr>
-              <a:t>Other</a:t>
-            </a:r>
-            <a:endParaRPr/>
-          </a:p>
-        </p:txBody>
-      </p:sp>
-      <p:sp>
-        <p:nvSpPr>
-          <p:cNvPr id="145" name="CustomShape 2"/>
-          <p:cNvSpPr/>
-          <p:nvPr/>
-        </p:nvSpPr>
-        <p:spPr>
-          <a:xfrm>
-            <a:off x="457200" y="1600200"/>
-            <a:ext cx="8228880" cy="4525200"/>
-          </a:xfrm>
-          <a:prstGeom prst="rect">
-            <a:avLst/>
-          </a:prstGeom>
-          <a:noFill/>
-          <a:ln>
-            <a:noFill/>
-          </a:ln>
-        </p:spPr>
-        <p:txBody>
-          <a:bodyPr bIns="45000" lIns="90000" rIns="90000" tIns="45000"/>
-          <a:p>
-            <a:pPr>
-              <a:lnSpc>
-                <a:spcPct val="100000"/>
-              </a:lnSpc>
-              <a:buFont typeface="Arial"/>
-              <a:buChar char="•"/>
-            </a:pPr>
-            <a:r>
-              <a:rPr lang="en-US" sz="3200">
-                <a:solidFill>
-                  <a:srgbClr val="000000"/>
-                </a:solidFill>
-                <a:latin typeface="Calibri"/>
-              </a:rPr>
-              <a:t>Using SQLite RDBMS to allow easy serialized access to the database</a:t>
-            </a:r>
-            <a:endParaRPr/>
-          </a:p>
-          <a:p>
-            <a:pPr>
-              <a:lnSpc>
-                <a:spcPct val="100000"/>
-              </a:lnSpc>
-              <a:buFont typeface="Arial"/>
-              <a:buChar char="•"/>
-            </a:pPr>
-            <a:r>
-              <a:rPr lang="en-US" sz="3200">
-                <a:solidFill>
-                  <a:srgbClr val="000000"/>
-                </a:solidFill>
-                <a:latin typeface="Calibri"/>
-              </a:rPr>
-              <a:t>The GUI, file watcher, and file change handlers all run in different threads</a:t>
-            </a:r>
-            <a:endParaRPr/>
-          </a:p>
-          <a:p>
-            <a:pPr>
-              <a:lnSpc>
-                <a:spcPct val="100000"/>
-              </a:lnSpc>
-              <a:buFont typeface="Arial"/>
-              <a:buChar char="•"/>
-            </a:pPr>
-            <a:r>
-              <a:rPr lang="en-US" sz="3200">
-                <a:solidFill>
-                  <a:srgbClr val="000000"/>
-                </a:solidFill>
-                <a:latin typeface="Calibri"/>
-              </a:rPr>
-              <a:t>Plain text patches use the google-diff-match-patch library, creating highly efficient patches. Internally, the Myer's diff algorithm is used</a:t>
-            </a:r>
-            <a:endParaRPr/>
-          </a:p>
-        </p:txBody>
-      </p:sp>
-    </p:spTree>
-  </p:cSld>
-  <p:transition spd="med">
-    <p:pull dir="d"/>
-  </p:transition>
-  <p:timing>
-    <p:tnLst>
-      <p:par>
-        <p:cTn dur="indefinite" id="17" nodeType="tmRoot" restart="never">
-          <p:childTnLst>
-            <p:seq>
-              <p:cTn id="18" nodeType="mainSeq"/>
-              <p:prevCondLst>
-                <p:cond delay="0" evt="onPrev">
-                  <p:tgtEl>
-                    <p:sldTgt/>
-                  </p:tgtEl>
-                </p:cond>
-              </p:prevCondLst>
-              <p:nextCondLst>
-                <p:cond delay="0" evt="onNext">
-                  <p:tgtEl>
-                    <p:sldTgt/>
-                  </p:tgtEl>
-                </p:cond>
-              </p:nextCondLst>
-            </p:seq>
-          </p:childTnLst>
-        </p:cTn>
-      </p:par>
-    </p:tnLst>
-  </p:timing>
-</p:sld>
-</file>
-
-<file path=ppt/slides/slide16.xml><?xml version="1.0" encoding="utf-8"?>
-<p:sld xmlns:a="http://schemas.openxmlformats.org/drawingml/2006/main" xmlns:p="http://schemas.openxmlformats.org/presentationml/2006/main" xmlns:r="http://schemas.openxmlformats.org/officeDocument/2006/relationships">
-  <p:cSld>
-    <p:spTree>
-      <p:nvGrpSpPr>
-        <p:cNvPr id="1" name=""/>
-        <p:cNvGrpSpPr/>
-        <p:nvPr/>
-      </p:nvGrpSpPr>
-      <p:grpSpPr>
-        <a:xfrm>
-          <a:off x="0" y="0"/>
-          <a:ext cx="0" cy="0"/>
-          <a:chOff x="0" y="0"/>
-          <a:chExt cx="0" cy="0"/>
-        </a:xfrm>
-      </p:grpSpPr>
-      <p:sp>
-        <p:nvSpPr>
-          <p:cNvPr id="146" name="CustomShape 1"/>
-          <p:cNvSpPr/>
-          <p:nvPr/>
-        </p:nvSpPr>
-        <p:spPr>
-          <a:xfrm>
-            <a:off x="457200" y="274680"/>
-            <a:ext cx="8228880" cy="1142280"/>
-          </a:xfrm>
-          <a:prstGeom prst="rect">
-            <a:avLst/>
-          </a:prstGeom>
-          <a:noFill/>
-          <a:ln>
-            <a:noFill/>
-          </a:ln>
-        </p:spPr>
-        <p:txBody>
-          <a:bodyPr anchor="ctr" bIns="45000" lIns="90000" rIns="90000" tIns="45000"/>
-          <a:p>
-            <a:pPr algn="ctr">
-              <a:lnSpc>
-                <a:spcPct val="100000"/>
-              </a:lnSpc>
-            </a:pPr>
-            <a:r>
-              <a:rPr lang="en-US" sz="4400">
-                <a:solidFill>
-                  <a:srgbClr val="000000"/>
-                </a:solidFill>
-                <a:latin typeface="Calibri"/>
-              </a:rPr>
-              <a:t>Other</a:t>
-            </a:r>
-            <a:endParaRPr/>
-          </a:p>
-        </p:txBody>
-      </p:sp>
-      <p:sp>
-        <p:nvSpPr>
-          <p:cNvPr id="147" name="CustomShape 2"/>
-          <p:cNvSpPr/>
-          <p:nvPr/>
-        </p:nvSpPr>
-        <p:spPr>
-          <a:xfrm>
-            <a:off x="971640" y="1663920"/>
-            <a:ext cx="3466080" cy="1900080"/>
-          </a:xfrm>
-          <a:prstGeom prst="rect">
-            <a:avLst/>
-          </a:prstGeom>
-          <a:noFill/>
-          <a:ln>
-            <a:noFill/>
-          </a:ln>
-        </p:spPr>
-        <p:txBody>
-          <a:bodyPr bIns="45000" lIns="90000" rIns="90000" tIns="45000"/>
-          <a:p>
-            <a:pPr>
-              <a:lnSpc>
-                <a:spcPct val="100000"/>
-              </a:lnSpc>
-            </a:pPr>
-            <a:r>
-              <a:rPr lang="en-US" sz="3200">
-                <a:solidFill>
-                  <a:srgbClr val="000000"/>
-                </a:solidFill>
-                <a:latin typeface="Calibri"/>
-              </a:rPr>
-              <a:t>Sample file:</a:t>
-            </a:r>
-            <a:endParaRPr/>
-          </a:p>
-          <a:p>
-            <a:pPr>
-              <a:lnSpc>
-                <a:spcPct val="100000"/>
-              </a:lnSpc>
-            </a:pPr>
-            <a:r>
-              <a:rPr lang="en-US" sz="2000">
-                <a:solidFill>
-                  <a:srgbClr val="000000"/>
-                </a:solidFill>
-                <a:latin typeface="Courier New"/>
-              </a:rPr>
-              <a:t>Hello world</a:t>
-            </a:r>
-            <a:endParaRPr/>
-          </a:p>
-          <a:p>
-            <a:pPr>
-              <a:lnSpc>
-                <a:spcPct val="100000"/>
-              </a:lnSpc>
-            </a:pPr>
-            <a:r>
-              <a:rPr lang="en-US" sz="2000">
-                <a:solidFill>
-                  <a:srgbClr val="000000"/>
-                </a:solidFill>
-                <a:latin typeface="Courier New"/>
-              </a:rPr>
-              <a:t>I like pie.</a:t>
-            </a:r>
-            <a:endParaRPr/>
-          </a:p>
-        </p:txBody>
-      </p:sp>
-      <p:sp>
-        <p:nvSpPr>
-          <p:cNvPr id="148" name="CustomShape 3"/>
-          <p:cNvSpPr/>
-          <p:nvPr/>
-        </p:nvSpPr>
-        <p:spPr>
-          <a:xfrm>
-            <a:off x="5076000" y="1628640"/>
-            <a:ext cx="3466080" cy="1900080"/>
-          </a:xfrm>
-          <a:prstGeom prst="rect">
-            <a:avLst/>
-          </a:prstGeom>
-          <a:noFill/>
-          <a:ln>
-            <a:noFill/>
-          </a:ln>
-        </p:spPr>
-        <p:txBody>
-          <a:bodyPr bIns="45000" lIns="90000" rIns="90000" tIns="45000"/>
-          <a:p>
-            <a:pPr>
-              <a:lnSpc>
-                <a:spcPct val="100000"/>
-              </a:lnSpc>
-            </a:pPr>
-            <a:r>
-              <a:rPr lang="en-US" sz="3200">
-                <a:solidFill>
-                  <a:srgbClr val="000000"/>
-                </a:solidFill>
-                <a:latin typeface="Calibri"/>
-              </a:rPr>
-              <a:t>After changes:</a:t>
-            </a:r>
-            <a:endParaRPr/>
-          </a:p>
-          <a:p>
-            <a:pPr>
-              <a:lnSpc>
-                <a:spcPct val="100000"/>
-              </a:lnSpc>
-            </a:pPr>
-            <a:r>
-              <a:rPr lang="en-US" sz="2000">
-                <a:solidFill>
-                  <a:srgbClr val="000000"/>
-                </a:solidFill>
-                <a:latin typeface="Courier New"/>
-              </a:rPr>
-              <a:t>Hello world</a:t>
-            </a:r>
-            <a:endParaRPr/>
-          </a:p>
-          <a:p>
-            <a:pPr>
-              <a:lnSpc>
-                <a:spcPct val="100000"/>
-              </a:lnSpc>
-            </a:pPr>
-            <a:r>
-              <a:rPr lang="en-US" sz="2000">
-                <a:solidFill>
-                  <a:srgbClr val="000000"/>
-                </a:solidFill>
-                <a:latin typeface="Courier New"/>
-              </a:rPr>
-              <a:t>Goodbye world</a:t>
-            </a:r>
-            <a:endParaRPr/>
-          </a:p>
-          <a:p>
-            <a:pPr>
-              <a:lnSpc>
-                <a:spcPct val="100000"/>
-              </a:lnSpc>
-            </a:pPr>
-            <a:r>
-              <a:rPr lang="en-US" sz="2000">
-                <a:solidFill>
-                  <a:srgbClr val="000000"/>
-                </a:solidFill>
-                <a:latin typeface="Courier New"/>
-              </a:rPr>
-              <a:t>I like pie.</a:t>
-            </a:r>
-            <a:endParaRPr/>
-          </a:p>
-        </p:txBody>
-      </p:sp>
-      <p:sp>
-        <p:nvSpPr>
-          <p:cNvPr id="149" name="CustomShape 4"/>
-          <p:cNvSpPr/>
-          <p:nvPr/>
-        </p:nvSpPr>
-        <p:spPr>
-          <a:xfrm>
-            <a:off x="3060000" y="3933000"/>
-            <a:ext cx="3466080" cy="2159640"/>
-          </a:xfrm>
-          <a:prstGeom prst="rect">
-            <a:avLst/>
-          </a:prstGeom>
-          <a:noFill/>
-          <a:ln>
-            <a:noFill/>
-          </a:ln>
-        </p:spPr>
-        <p:txBody>
-          <a:bodyPr bIns="45000" lIns="90000" rIns="90000" tIns="45000"/>
-          <a:p>
-            <a:pPr>
-              <a:lnSpc>
-                <a:spcPct val="100000"/>
-              </a:lnSpc>
-            </a:pPr>
-            <a:r>
-              <a:rPr lang="en-US" sz="3200">
-                <a:solidFill>
-                  <a:srgbClr val="000000"/>
-                </a:solidFill>
-                <a:latin typeface="Calibri"/>
-              </a:rPr>
-              <a:t>Stored patch:</a:t>
-            </a:r>
-            <a:endParaRPr/>
-          </a:p>
-          <a:p>
-            <a:pPr>
-              <a:lnSpc>
-                <a:spcPct val="100000"/>
-              </a:lnSpc>
-            </a:pPr>
-            <a:r>
-              <a:rPr lang="en-US" sz="2000">
-                <a:solidFill>
-                  <a:srgbClr val="000000"/>
-                </a:solidFill>
-                <a:latin typeface="Courier New"/>
-              </a:rPr>
-              <a:t>@@ -9,22 +9,8 @@</a:t>
-            </a:r>
-            <a:endParaRPr/>
-          </a:p>
-          <a:p>
-            <a:pPr>
-              <a:lnSpc>
-                <a:spcPct val="100000"/>
-              </a:lnSpc>
-            </a:pPr>
-            <a:r>
-              <a:rPr lang="en-US" sz="2000">
-                <a:solidFill>
-                  <a:srgbClr val="000000"/>
-                </a:solidFill>
-                <a:latin typeface="Courier New"/>
-              </a:rPr>
-              <a:t> </a:t>
-            </a:r>
-            <a:r>
-              <a:rPr lang="en-US" sz="2000">
-                <a:solidFill>
-                  <a:srgbClr val="000000"/>
-                </a:solidFill>
-                <a:latin typeface="Courier New"/>
-              </a:rPr>
-              <a:t>rld%0A</a:t>
-            </a:r>
-            <a:endParaRPr/>
-          </a:p>
-          <a:p>
-            <a:pPr>
-              <a:lnSpc>
-                <a:spcPct val="100000"/>
-              </a:lnSpc>
-            </a:pPr>
-            <a:r>
-              <a:rPr lang="en-US" sz="2000">
-                <a:solidFill>
-                  <a:srgbClr val="000000"/>
-                </a:solidFill>
-                <a:latin typeface="Courier New"/>
-              </a:rPr>
-              <a:t>-Goodbye world%0A</a:t>
-            </a:r>
-            <a:endParaRPr/>
-          </a:p>
-          <a:p>
-            <a:pPr>
-              <a:lnSpc>
-                <a:spcPct val="100000"/>
-              </a:lnSpc>
-            </a:pPr>
-            <a:r>
-              <a:rPr lang="en-US" sz="2000">
-                <a:solidFill>
-                  <a:srgbClr val="000000"/>
-                </a:solidFill>
-                <a:latin typeface="Courier New"/>
-              </a:rPr>
-              <a:t> </a:t>
-            </a:r>
-            <a:r>
-              <a:rPr lang="en-US" sz="2000">
-                <a:solidFill>
-                  <a:srgbClr val="000000"/>
-                </a:solidFill>
-                <a:latin typeface="Courier New"/>
-              </a:rPr>
-              <a:t>I li</a:t>
-            </a:r>
-            <a:endParaRPr/>
-          </a:p>
-        </p:txBody>
-      </p:sp>
-    </p:spTree>
-  </p:cSld>
-  <p:transition spd="med">
-    <p:pull dir="d"/>
-  </p:transition>
-</p:sld>
-</file>
-
-<file path=ppt/slides/slide17.xml><?xml version="1.0" encoding="utf-8"?>
-<p:sld xmlns:a="http://schemas.openxmlformats.org/drawingml/2006/main" xmlns:p="http://schemas.openxmlformats.org/presentationml/2006/main" xmlns:r="http://schemas.openxmlformats.org/officeDocument/2006/relationships">
-  <p:cSld>
-    <p:spTree>
-      <p:nvGrpSpPr>
-        <p:cNvPr id="1" name=""/>
-        <p:cNvGrpSpPr/>
-        <p:nvPr/>
-      </p:nvGrpSpPr>
-      <p:grpSpPr>
-        <a:xfrm>
-          <a:off x="0" y="0"/>
-          <a:ext cx="0" cy="0"/>
-          <a:chOff x="0" y="0"/>
-          <a:chExt cx="0" cy="0"/>
-        </a:xfrm>
-      </p:grpSpPr>
-      <p:sp>
-        <p:nvSpPr>
-          <p:cNvPr id="150" name="CustomShape 1"/>
-          <p:cNvSpPr/>
-          <p:nvPr/>
-        </p:nvSpPr>
-        <p:spPr>
-          <a:xfrm>
-            <a:off x="457200" y="274680"/>
-            <a:ext cx="8228880" cy="1142280"/>
-          </a:xfrm>
-          <a:prstGeom prst="rect">
-            <a:avLst/>
-          </a:prstGeom>
-          <a:noFill/>
-          <a:ln>
-            <a:noFill/>
-          </a:ln>
-        </p:spPr>
-        <p:txBody>
-          <a:bodyPr anchor="ctr" bIns="45000" lIns="90000" rIns="90000" tIns="45000"/>
-          <a:p>
-            <a:pPr algn="ctr">
-              <a:lnSpc>
-                <a:spcPct val="100000"/>
-              </a:lnSpc>
-            </a:pPr>
-            <a:r>
-              <a:rPr lang="en-US" sz="4400">
-                <a:solidFill>
-                  <a:srgbClr val="000000"/>
-                </a:solidFill>
-                <a:latin typeface="Calibri"/>
-              </a:rPr>
-              <a:t>Conclusion</a:t>
-            </a:r>
-            <a:endParaRPr/>
-          </a:p>
-        </p:txBody>
-      </p:sp>
-      <p:sp>
-        <p:nvSpPr>
-          <p:cNvPr id="151" name="CustomShape 2"/>
-          <p:cNvSpPr/>
-          <p:nvPr/>
-        </p:nvSpPr>
-        <p:spPr>
-          <a:xfrm>
-            <a:off x="457200" y="1600200"/>
-            <a:ext cx="8228880" cy="4525200"/>
-          </a:xfrm>
-          <a:prstGeom prst="rect">
-            <a:avLst/>
-          </a:prstGeom>
-          <a:noFill/>
-          <a:ln>
-            <a:noFill/>
-          </a:ln>
-        </p:spPr>
-        <p:txBody>
-          <a:bodyPr bIns="45000" lIns="90000" rIns="90000" tIns="45000"/>
-          <a:p>
-            <a:pPr>
-              <a:lnSpc>
-                <a:spcPct val="100000"/>
-              </a:lnSpc>
-              <a:buFont typeface="Arial"/>
-              <a:buChar char="•"/>
-            </a:pPr>
-            <a:r>
-              <a:rPr lang="en-US" sz="3200">
-                <a:solidFill>
-                  <a:srgbClr val="000000"/>
-                </a:solidFill>
-                <a:latin typeface="Calibri"/>
-              </a:rPr>
-              <a:t>FBMS is a fast, easy to use backup solution</a:t>
-            </a:r>
-            <a:endParaRPr/>
-          </a:p>
-          <a:p>
-            <a:pPr>
-              <a:lnSpc>
-                <a:spcPct val="100000"/>
-              </a:lnSpc>
-              <a:buFont typeface="Arial"/>
-              <a:buChar char="•"/>
-            </a:pPr>
-            <a:r>
-              <a:rPr lang="en-US" sz="3200">
-                <a:solidFill>
-                  <a:srgbClr val="000000"/>
-                </a:solidFill>
-                <a:latin typeface="Calibri"/>
-              </a:rPr>
-              <a:t>Focus is on ease of use without sacrificing power</a:t>
-            </a:r>
-            <a:endParaRPr/>
-          </a:p>
-          <a:p>
-            <a:pPr>
-              <a:lnSpc>
-                <a:spcPct val="100000"/>
-              </a:lnSpc>
-              <a:buFont typeface="Arial"/>
-              <a:buChar char="•"/>
-            </a:pPr>
-            <a:r>
-              <a:rPr lang="en-US" sz="3200">
-                <a:solidFill>
-                  <a:srgbClr val="000000"/>
-                </a:solidFill>
-                <a:latin typeface="Calibri"/>
-              </a:rPr>
-              <a:t>Middle-man between software such as Dropbox and Subversion</a:t>
-            </a:r>
-            <a:endParaRPr/>
-          </a:p>
-          <a:p>
-            <a:pPr>
-              <a:lnSpc>
-                <a:spcPct val="100000"/>
-              </a:lnSpc>
-              <a:buFont typeface="Arial"/>
-              <a:buChar char="•"/>
-            </a:pPr>
-            <a:r>
-              <a:rPr lang="en-US" sz="3200">
-                <a:solidFill>
-                  <a:srgbClr val="000000"/>
-                </a:solidFill>
-                <a:latin typeface="Calibri"/>
-              </a:rPr>
-              <a:t>Supported on Windows and Linux</a:t>
-            </a:r>
-            <a:endParaRPr/>
-          </a:p>
-          <a:p>
-            <a:pPr>
-              <a:lnSpc>
-                <a:spcPct val="100000"/>
-              </a:lnSpc>
-              <a:buFont typeface="Arial"/>
-              <a:buChar char="•"/>
-            </a:pPr>
-            <a:r>
-              <a:rPr lang="en-US" sz="3200">
-                <a:solidFill>
-                  <a:srgbClr val="000000"/>
-                </a:solidFill>
-                <a:latin typeface="Calibri"/>
-              </a:rPr>
-              <a:t>Licensed under GPLv3, with portions under the Apache license and LGPLv2</a:t>
-            </a:r>
-            <a:endParaRPr/>
-          </a:p>
-        </p:txBody>
-      </p:sp>
-    </p:spTree>
-  </p:cSld>
-  <p:transition spd="med">
-    <p:pull dir="d"/>
-  </p:transition>
-  <p:timing>
-    <p:tnLst>
-      <p:par>
-        <p:cTn dur="indefinite" id="19" nodeType="tmRoot" restart="never">
-          <p:childTnLst>
-            <p:seq>
-              <p:cTn id="20" nodeType="mainSeq"/>
-              <p:prevCondLst>
-                <p:cond delay="0" evt="onPrev">
-                  <p:tgtEl>
-                    <p:sldTgt/>
-                  </p:tgtEl>
-                </p:cond>
-              </p:prevCondLst>
-              <p:nextCondLst>
-                <p:cond delay="0" evt="onNext">
-                  <p:tgtEl>
-                    <p:sldTgt/>
-                  </p:tgtEl>
-                </p:cond>
-              </p:nextCondLst>
-            </p:seq>
-          </p:childTnLst>
-        </p:cTn>
-      </p:par>
-    </p:tnLst>
-  </p:timing>
-</p:sld>
-</file>
-
-<file path=ppt/slides/slide2.xml><?xml version="1.0" encoding="utf-8"?>
-<p:sld xmlns:a="http://schemas.openxmlformats.org/drawingml/2006/main" xmlns:p="http://schemas.openxmlformats.org/presentationml/2006/main" xmlns:r="http://schemas.openxmlformats.org/officeDocument/2006/relationships">
-  <p:cSld>
-    <p:spTree>
-      <p:nvGrpSpPr>
-        <p:cNvPr id="1" name=""/>
-        <p:cNvGrpSpPr/>
-        <p:nvPr/>
-      </p:nvGrpSpPr>
-      <p:grpSpPr>
-        <a:xfrm>
-          <a:off x="0" y="0"/>
-          <a:ext cx="0" cy="0"/>
-          <a:chOff x="0" y="0"/>
-          <a:chExt cx="0" cy="0"/>
-        </a:xfrm>
-      </p:grpSpPr>
-      <p:sp>
-        <p:nvSpPr>
-          <p:cNvPr id="116" name="CustomShape 1"/>
-          <p:cNvSpPr/>
-          <p:nvPr/>
-        </p:nvSpPr>
-        <p:spPr>
-          <a:xfrm>
-            <a:off x="457200" y="274680"/>
-            <a:ext cx="8228880" cy="1142280"/>
-          </a:xfrm>
-          <a:prstGeom prst="rect">
-            <a:avLst/>
-          </a:prstGeom>
-          <a:noFill/>
-          <a:ln>
-            <a:noFill/>
-          </a:ln>
-        </p:spPr>
-        <p:txBody>
-          <a:bodyPr anchor="ctr" bIns="45000" lIns="90000" rIns="90000" tIns="45000"/>
-          <a:p>
-            <a:pPr algn="ctr">
-              <a:lnSpc>
-                <a:spcPct val="100000"/>
-              </a:lnSpc>
-            </a:pPr>
-            <a:r>
-              <a:rPr lang="en-US" sz="4400">
-                <a:solidFill>
-                  <a:srgbClr val="000000"/>
-                </a:solidFill>
-                <a:latin typeface="Calibri"/>
-              </a:rPr>
-              <a:t>What is FBMS?</a:t>
-            </a:r>
-            <a:endParaRPr/>
-          </a:p>
-        </p:txBody>
-      </p:sp>
-      <p:sp>
-        <p:nvSpPr>
-          <p:cNvPr id="117" name="CustomShape 2"/>
-          <p:cNvSpPr/>
-          <p:nvPr/>
-        </p:nvSpPr>
-        <p:spPr>
-          <a:xfrm>
-            <a:off x="457200" y="1600200"/>
-            <a:ext cx="8228880" cy="4525200"/>
-          </a:xfrm>
-          <a:prstGeom prst="rect">
-            <a:avLst/>
-          </a:prstGeom>
-          <a:noFill/>
-          <a:ln>
-            <a:noFill/>
-          </a:ln>
-        </p:spPr>
-        <p:txBody>
-          <a:bodyPr bIns="45000" lIns="90000" rIns="90000" tIns="45000"/>
-          <a:p>
-            <a:pPr>
-              <a:lnSpc>
-                <a:spcPct val="100000"/>
-              </a:lnSpc>
-              <a:buFont typeface="Arial"/>
-              <a:buChar char="•"/>
-            </a:pPr>
-            <a:r>
-              <a:rPr lang="en-US" sz="3200">
-                <a:solidFill>
-                  <a:srgbClr val="000000"/>
-                </a:solidFill>
-                <a:latin typeface="Calibri"/>
-              </a:rPr>
-              <a:t>A backup solution that automatically revisions your programs</a:t>
-            </a:r>
-            <a:endParaRPr/>
-          </a:p>
-          <a:p>
-            <a:pPr>
-              <a:lnSpc>
-                <a:spcPct val="100000"/>
-              </a:lnSpc>
-              <a:buFont typeface="Arial"/>
-              <a:buChar char="•"/>
-            </a:pPr>
-            <a:r>
-              <a:rPr lang="en-US" sz="3200">
-                <a:solidFill>
-                  <a:srgbClr val="000000"/>
-                </a:solidFill>
-                <a:latin typeface="Calibri"/>
-              </a:rPr>
-              <a:t>A balance between the powerful version control systems like Subversion and the easy to use online backup systems like Dropbox</a:t>
-            </a:r>
-            <a:endParaRPr/>
-          </a:p>
-          <a:p>
-            <a:pPr>
-              <a:lnSpc>
-                <a:spcPct val="100000"/>
-              </a:lnSpc>
-              <a:buFont typeface="Arial"/>
-              <a:buChar char="•"/>
-            </a:pPr>
-            <a:r>
-              <a:rPr lang="en-US" sz="3200">
-                <a:solidFill>
-                  <a:srgbClr val="000000"/>
-                </a:solidFill>
-                <a:latin typeface="Calibri"/>
-              </a:rPr>
-              <a:t>Not only can files be restored from the backup, but you can restore them from a given point of time</a:t>
-            </a:r>
-            <a:endParaRPr/>
-          </a:p>
-        </p:txBody>
-      </p:sp>
-    </p:spTree>
-  </p:cSld>
-  <p:transition spd="med">
-    <p:pull dir="d"/>
-  </p:transition>
-  <p:timing>
-    <p:tnLst>
-      <p:par>
-        <p:cTn dur="indefinite" id="1" nodeType="tmRoot" restart="never">
-          <p:childTnLst>
-            <p:seq>
-              <p:cTn id="2" nodeType="mainSeq"/>
-              <p:prevCondLst>
-                <p:cond delay="0" evt="onPrev">
-                  <p:tgtEl>
-                    <p:sldTgt/>
-                  </p:tgtEl>
-                </p:cond>
-              </p:prevCondLst>
-              <p:nextCondLst>
-                <p:cond delay="0" evt="onNext">
-                  <p:tgtEl>
-                    <p:sldTgt/>
-                  </p:tgtEl>
-                </p:cond>
-              </p:nextCondLst>
-            </p:seq>
-          </p:childTnLst>
-        </p:cTn>
-      </p:par>
-    </p:tnLst>
-  </p:timing>
-</p:sld>
-</file>
-
-<file path=ppt/slides/slide3.xml><?xml version="1.0" encoding="utf-8"?>
-<p:sld xmlns:a="http://schemas.openxmlformats.org/drawingml/2006/main" xmlns:p="http://schemas.openxmlformats.org/presentationml/2006/main" xmlns:r="http://schemas.openxmlformats.org/officeDocument/2006/relationships">
-  <p:cSld>
-    <p:spTree>
-      <p:nvGrpSpPr>
-        <p:cNvPr id="1" name=""/>
-        <p:cNvGrpSpPr/>
-        <p:nvPr/>
-      </p:nvGrpSpPr>
-      <p:grpSpPr>
-        <a:xfrm>
-          <a:off x="0" y="0"/>
-          <a:ext cx="0" cy="0"/>
-          <a:chOff x="0" y="0"/>
-          <a:chExt cx="0" cy="0"/>
-        </a:xfrm>
-      </p:grpSpPr>
-      <p:sp>
-        <p:nvSpPr>
-          <p:cNvPr id="118" name="CustomShape 1"/>
-          <p:cNvSpPr/>
-          <p:nvPr/>
-        </p:nvSpPr>
-        <p:spPr>
-          <a:xfrm>
-            <a:off x="457200" y="274680"/>
-            <a:ext cx="8228880" cy="1142280"/>
-          </a:xfrm>
-          <a:prstGeom prst="rect">
-            <a:avLst/>
-          </a:prstGeom>
-          <a:noFill/>
-          <a:ln>
-            <a:noFill/>
-          </a:ln>
-        </p:spPr>
-        <p:txBody>
-          <a:bodyPr anchor="ctr" bIns="45000" lIns="90000" rIns="90000" tIns="45000"/>
-          <a:p>
-            <a:pPr algn="ctr">
-              <a:lnSpc>
-                <a:spcPct val="100000"/>
-              </a:lnSpc>
-            </a:pPr>
-            <a:r>
-              <a:rPr lang="en-US" sz="4400">
-                <a:solidFill>
-                  <a:srgbClr val="000000"/>
-                </a:solidFill>
-                <a:latin typeface="Calibri"/>
-              </a:rPr>
-              <a:t>Why use FBMS?</a:t>
-            </a:r>
-            <a:endParaRPr/>
-          </a:p>
-        </p:txBody>
-      </p:sp>
-      <p:sp>
-        <p:nvSpPr>
-          <p:cNvPr id="119" name="CustomShape 2"/>
-          <p:cNvSpPr/>
-          <p:nvPr/>
-        </p:nvSpPr>
-        <p:spPr>
-          <a:xfrm>
-            <a:off x="457200" y="1600200"/>
-            <a:ext cx="8228880" cy="4525200"/>
-          </a:xfrm>
-          <a:prstGeom prst="rect">
-            <a:avLst/>
-          </a:prstGeom>
-          <a:noFill/>
-          <a:ln>
-            <a:noFill/>
-          </a:ln>
-        </p:spPr>
-        <p:txBody>
-          <a:bodyPr bIns="45000" lIns="90000" rIns="90000" tIns="45000"/>
-          <a:p>
-            <a:pPr>
-              <a:lnSpc>
-                <a:spcPct val="100000"/>
-              </a:lnSpc>
-              <a:buFont typeface="Arial"/>
-              <a:buChar char="•"/>
-            </a:pPr>
-            <a:r>
-              <a:rPr lang="en-US" sz="3200">
-                <a:solidFill>
-                  <a:srgbClr val="000000"/>
-                </a:solidFill>
-                <a:latin typeface="Calibri"/>
-              </a:rPr>
-              <a:t>FBMS is easy to use: set it and forget it</a:t>
-            </a:r>
-            <a:endParaRPr/>
-          </a:p>
-          <a:p>
-            <a:pPr>
-              <a:lnSpc>
-                <a:spcPct val="100000"/>
-              </a:lnSpc>
-              <a:buFont typeface="Arial"/>
-              <a:buChar char="•"/>
-            </a:pPr>
-            <a:r>
-              <a:rPr lang="en-US" sz="3200">
-                <a:solidFill>
-                  <a:srgbClr val="000000"/>
-                </a:solidFill>
-                <a:latin typeface="Calibri"/>
-              </a:rPr>
-              <a:t>When you need to access a file, the interface offers options to restore the file from any given revision</a:t>
-            </a:r>
-            <a:endParaRPr/>
-          </a:p>
-          <a:p>
-            <a:pPr>
-              <a:lnSpc>
-                <a:spcPct val="100000"/>
-              </a:lnSpc>
-              <a:buFont typeface="Arial"/>
-              <a:buChar char="•"/>
-            </a:pPr>
-            <a:r>
-              <a:rPr lang="en-US" sz="3200">
-                <a:solidFill>
-                  <a:srgbClr val="000000"/>
-                </a:solidFill>
-                <a:latin typeface="Calibri"/>
-              </a:rPr>
-              <a:t>FBMS works on multi-drive systems, including external and network drives</a:t>
-            </a:r>
-            <a:endParaRPr/>
-          </a:p>
-          <a:p>
-            <a:pPr>
-              <a:lnSpc>
-                <a:spcPct val="100000"/>
-              </a:lnSpc>
-              <a:buFont typeface="Arial"/>
-              <a:buChar char="•"/>
-            </a:pPr>
-            <a:r>
-              <a:rPr lang="en-US" sz="3200">
-                <a:solidFill>
-                  <a:srgbClr val="000000"/>
-                </a:solidFill>
-                <a:latin typeface="Calibri"/>
-              </a:rPr>
-              <a:t>Backups are important: FBMS goes beyond that with the storage of revisions</a:t>
-            </a:r>
-            <a:endParaRPr/>
-          </a:p>
-        </p:txBody>
-      </p:sp>
-    </p:spTree>
-  </p:cSld>
-  <p:transition spd="med">
-    <p:pull dir="d"/>
-  </p:transition>
-  <p:timing>
-    <p:tnLst>
-      <p:par>
-        <p:cTn dur="indefinite" id="3" nodeType="tmRoot" restart="never">
-          <p:childTnLst>
-            <p:seq>
-              <p:cTn id="4" nodeType="mainSeq"/>
-              <p:prevCondLst>
-                <p:cond delay="0" evt="onPrev">
-                  <p:tgtEl>
-                    <p:sldTgt/>
-                  </p:tgtEl>
-                </p:cond>
-              </p:prevCondLst>
-              <p:nextCondLst>
-                <p:cond delay="0" evt="onNext">
-                  <p:tgtEl>
-                    <p:sldTgt/>
-                  </p:tgtEl>
-                </p:cond>
-              </p:nextCondLst>
-            </p:seq>
-          </p:childTnLst>
-        </p:cTn>
-      </p:par>
-    </p:tnLst>
-  </p:timing>
-</p:sld>
-</file>
-
-<file path=ppt/slides/slide4.xml><?xml version="1.0" encoding="utf-8"?>
-<p:sld xmlns:a="http://schemas.openxmlformats.org/drawingml/2006/main" xmlns:p="http://schemas.openxmlformats.org/presentationml/2006/main" xmlns:r="http://schemas.openxmlformats.org/officeDocument/2006/relationships">
+<p:sld xmlns:a="http://schemas.openxmlformats.org/drawingml/2006/main" xmlns:r="http://schemas.openxmlformats.org/officeDocument/2006/relationships" xmlns:p="http://schemas.openxmlformats.org/presentationml/2006/main">
   <p:cSld>
     <p:spTree>
       <p:nvGrpSpPr>
@@ -8181,20 +6721,20 @@
       </p:grpSpPr>
       <p:pic>
         <p:nvPicPr>
-          <p:cNvPr descr="" id="120" name="Picture 2"/>
+          <p:cNvPr id="132" name="Picture 131"/>
           <p:cNvPicPr/>
           <p:nvPr/>
         </p:nvPicPr>
         <p:blipFill>
-          <a:blip r:embed="rId1"/>
+          <a:blip r:embed="rId2"/>
           <a:stretch>
             <a:fillRect/>
           </a:stretch>
         </p:blipFill>
         <p:spPr>
           <a:xfrm>
-            <a:off x="0" y="692640"/>
-            <a:ext cx="9180360" cy="5649120"/>
+            <a:off x="136818" y="1340768"/>
+            <a:ext cx="4434822" cy="2088232"/>
           </a:xfrm>
           <a:prstGeom prst="rect">
             <a:avLst/>
@@ -8204,16 +6744,2020 @@
           </a:ln>
         </p:spPr>
       </p:pic>
+      <p:pic>
+        <p:nvPicPr>
+          <p:cNvPr id="133" name="Picture 132"/>
+          <p:cNvPicPr/>
+          <p:nvPr/>
+        </p:nvPicPr>
+        <p:blipFill>
+          <a:blip r:embed="rId3"/>
+          <a:stretch>
+            <a:fillRect/>
+          </a:stretch>
+        </p:blipFill>
+        <p:spPr>
+          <a:xfrm>
+            <a:off x="4571640" y="1340768"/>
+            <a:ext cx="4465573" cy="2088232"/>
+          </a:xfrm>
+          <a:prstGeom prst="rect">
+            <a:avLst/>
+          </a:prstGeom>
+          <a:ln>
+            <a:noFill/>
+          </a:ln>
+        </p:spPr>
+      </p:pic>
+      <p:pic>
+        <p:nvPicPr>
+          <p:cNvPr id="134" name="Picture 133"/>
+          <p:cNvPicPr/>
+          <p:nvPr/>
+        </p:nvPicPr>
+        <p:blipFill>
+          <a:blip r:embed="rId4"/>
+          <a:stretch>
+            <a:fillRect/>
+          </a:stretch>
+        </p:blipFill>
+        <p:spPr>
+          <a:xfrm>
+            <a:off x="1091952" y="2852936"/>
+            <a:ext cx="7200800" cy="3312368"/>
+          </a:xfrm>
+          <a:prstGeom prst="rect">
+            <a:avLst/>
+          </a:prstGeom>
+          <a:ln>
+            <a:noFill/>
+          </a:ln>
+        </p:spPr>
+      </p:pic>
+      <p:sp>
+        <p:nvSpPr>
+          <p:cNvPr id="6" name="CustomShape 1"/>
+          <p:cNvSpPr/>
+          <p:nvPr/>
+        </p:nvSpPr>
+        <p:spPr>
+          <a:xfrm>
+            <a:off x="457200" y="274680"/>
+            <a:ext cx="8228880" cy="1142280"/>
+          </a:xfrm>
+          <a:prstGeom prst="rect">
+            <a:avLst/>
+          </a:prstGeom>
+          <a:noFill/>
+          <a:ln>
+            <a:noFill/>
+          </a:ln>
+        </p:spPr>
+        <p:txBody>
+          <a:bodyPr lIns="90000" tIns="45000" rIns="90000" bIns="45000" anchor="ctr"/>
+          <a:lstStyle/>
+          <a:p>
+            <a:pPr algn="ctr">
+              <a:lnSpc>
+                <a:spcPct val="100000"/>
+              </a:lnSpc>
+            </a:pPr>
+            <a:r>
+              <a:rPr lang="en-US" sz="4400" dirty="0">
+                <a:solidFill>
+                  <a:srgbClr val="000000"/>
+                </a:solidFill>
+                <a:latin typeface="Calibri"/>
+              </a:rPr>
+              <a:t>Achieved so far</a:t>
+            </a:r>
+            <a:endParaRPr dirty="0"/>
+          </a:p>
+        </p:txBody>
+      </p:sp>
+      <p:sp>
+        <p:nvSpPr>
+          <p:cNvPr id="7" name="CustomShape 2"/>
+          <p:cNvSpPr/>
+          <p:nvPr/>
+        </p:nvSpPr>
+        <p:spPr>
+          <a:xfrm>
+            <a:off x="63872" y="6160544"/>
+            <a:ext cx="8228880" cy="692696"/>
+          </a:xfrm>
+          <a:prstGeom prst="rect">
+            <a:avLst/>
+          </a:prstGeom>
+          <a:noFill/>
+          <a:ln>
+            <a:noFill/>
+          </a:ln>
+        </p:spPr>
+        <p:txBody>
+          <a:bodyPr lIns="90000" tIns="45000" rIns="90000" bIns="45000"/>
+          <a:lstStyle/>
+          <a:p>
+            <a:pPr algn="r">
+              <a:lnSpc>
+                <a:spcPct val="100000"/>
+              </a:lnSpc>
+            </a:pPr>
+            <a:r>
+              <a:rPr lang="en-US" sz="2400" dirty="0" smtClean="0">
+                <a:solidFill>
+                  <a:srgbClr val="000000"/>
+                </a:solidFill>
+                <a:latin typeface="Calibri"/>
+              </a:rPr>
+              <a:t>Dialog, menu options, </a:t>
+            </a:r>
+            <a:r>
+              <a:rPr lang="en-US" sz="2400" smtClean="0">
+                <a:solidFill>
+                  <a:srgbClr val="000000"/>
+                </a:solidFill>
+                <a:latin typeface="Calibri"/>
+              </a:rPr>
+              <a:t>and settings</a:t>
+            </a:r>
+            <a:endParaRPr dirty="0"/>
+          </a:p>
+        </p:txBody>
+      </p:sp>
     </p:spTree>
   </p:cSld>
+  <p:clrMapOvr>
+    <a:masterClrMapping/>
+  </p:clrMapOvr>
+  <p:transition spd="med">
+    <p:pull dir="d"/>
+  </p:transition>
+  <p:timing>
+    <p:tnLst>
+      <p:par>
+        <p:cTn id="1" dur="indefinite" restart="never" nodeType="tmRoot">
+          <p:childTnLst>
+            <p:seq>
+              <p:cTn id="2" nodeType="mainSeq"/>
+              <p:prevCondLst>
+                <p:cond evt="onPrev" delay="0">
+                  <p:tgtEl>
+                    <p:sldTgt/>
+                  </p:tgtEl>
+                </p:cond>
+              </p:prevCondLst>
+              <p:nextCondLst>
+                <p:cond evt="onNext" delay="0">
+                  <p:tgtEl>
+                    <p:sldTgt/>
+                  </p:tgtEl>
+                </p:cond>
+              </p:nextCondLst>
+            </p:seq>
+          </p:childTnLst>
+        </p:cTn>
+      </p:par>
+    </p:tnLst>
+  </p:timing>
+</p:sld>
+</file>
+
+<file path=ppt/slides/slide11.xml><?xml version="1.0" encoding="utf-8"?>
+<p:sld xmlns:a="http://schemas.openxmlformats.org/drawingml/2006/main" xmlns:r="http://schemas.openxmlformats.org/officeDocument/2006/relationships" xmlns:p="http://schemas.openxmlformats.org/presentationml/2006/main">
+  <p:cSld>
+    <p:spTree>
+      <p:nvGrpSpPr>
+        <p:cNvPr id="1" name=""/>
+        <p:cNvGrpSpPr/>
+        <p:nvPr/>
+      </p:nvGrpSpPr>
+      <p:grpSpPr>
+        <a:xfrm>
+          <a:off x="0" y="0"/>
+          <a:ext cx="0" cy="0"/>
+          <a:chOff x="0" y="0"/>
+          <a:chExt cx="0" cy="0"/>
+        </a:xfrm>
+      </p:grpSpPr>
+      <p:sp>
+        <p:nvSpPr>
+          <p:cNvPr id="135" name="CustomShape 1"/>
+          <p:cNvSpPr/>
+          <p:nvPr/>
+        </p:nvSpPr>
+        <p:spPr>
+          <a:xfrm>
+            <a:off x="457200" y="274680"/>
+            <a:ext cx="8228880" cy="1142280"/>
+          </a:xfrm>
+          <a:prstGeom prst="rect">
+            <a:avLst/>
+          </a:prstGeom>
+          <a:noFill/>
+          <a:ln>
+            <a:noFill/>
+          </a:ln>
+        </p:spPr>
+        <p:txBody>
+          <a:bodyPr lIns="90000" tIns="45000" rIns="90000" bIns="45000" anchor="ctr"/>
+          <a:lstStyle/>
+          <a:p>
+            <a:pPr algn="ctr">
+              <a:lnSpc>
+                <a:spcPct val="100000"/>
+              </a:lnSpc>
+            </a:pPr>
+            <a:r>
+              <a:rPr lang="en-US" sz="4400">
+                <a:solidFill>
+                  <a:srgbClr val="000000"/>
+                </a:solidFill>
+                <a:latin typeface="Calibri"/>
+              </a:rPr>
+              <a:t>Achieved so far</a:t>
+            </a:r>
+            <a:endParaRPr/>
+          </a:p>
+        </p:txBody>
+      </p:sp>
+      <p:sp>
+        <p:nvSpPr>
+          <p:cNvPr id="136" name="CustomShape 2"/>
+          <p:cNvSpPr/>
+          <p:nvPr/>
+        </p:nvSpPr>
+        <p:spPr>
+          <a:xfrm>
+            <a:off x="457200" y="5296320"/>
+            <a:ext cx="8228880" cy="829080"/>
+          </a:xfrm>
+          <a:prstGeom prst="rect">
+            <a:avLst/>
+          </a:prstGeom>
+          <a:noFill/>
+          <a:ln>
+            <a:noFill/>
+          </a:ln>
+        </p:spPr>
+        <p:txBody>
+          <a:bodyPr lIns="90000" tIns="45000" rIns="90000" bIns="45000"/>
+          <a:lstStyle/>
+          <a:p>
+            <a:pPr algn="r">
+              <a:lnSpc>
+                <a:spcPct val="100000"/>
+              </a:lnSpc>
+            </a:pPr>
+            <a:r>
+              <a:rPr lang="en-US" sz="2400">
+                <a:solidFill>
+                  <a:srgbClr val="000000"/>
+                </a:solidFill>
+                <a:latin typeface="Calibri"/>
+              </a:rPr>
+              <a:t>The revision dialog, showing all the available revisions for a file</a:t>
+            </a:r>
+            <a:endParaRPr/>
+          </a:p>
+        </p:txBody>
+      </p:sp>
+      <p:pic>
+        <p:nvPicPr>
+          <p:cNvPr id="137" name="Picture 2"/>
+          <p:cNvPicPr/>
+          <p:nvPr/>
+        </p:nvPicPr>
+        <p:blipFill>
+          <a:blip r:embed="rId3"/>
+          <a:stretch>
+            <a:fillRect/>
+          </a:stretch>
+        </p:blipFill>
+        <p:spPr>
+          <a:xfrm>
+            <a:off x="179640" y="1484640"/>
+            <a:ext cx="8573400" cy="3809160"/>
+          </a:xfrm>
+          <a:prstGeom prst="rect">
+            <a:avLst/>
+          </a:prstGeom>
+          <a:ln>
+            <a:noFill/>
+          </a:ln>
+        </p:spPr>
+      </p:pic>
+    </p:spTree>
+  </p:cSld>
+  <p:clrMapOvr>
+    <a:masterClrMapping/>
+  </p:clrMapOvr>
+  <p:transition spd="med">
+    <p:pull dir="d"/>
+  </p:transition>
+  <p:timing>
+    <p:tnLst>
+      <p:par>
+        <p:cTn id="1" dur="indefinite" restart="never" nodeType="tmRoot">
+          <p:childTnLst>
+            <p:seq>
+              <p:cTn id="2" nodeType="mainSeq"/>
+              <p:prevCondLst>
+                <p:cond evt="onPrev" delay="0">
+                  <p:tgtEl>
+                    <p:sldTgt/>
+                  </p:tgtEl>
+                </p:cond>
+              </p:prevCondLst>
+              <p:nextCondLst>
+                <p:cond evt="onNext" delay="0">
+                  <p:tgtEl>
+                    <p:sldTgt/>
+                  </p:tgtEl>
+                </p:cond>
+              </p:nextCondLst>
+            </p:seq>
+          </p:childTnLst>
+        </p:cTn>
+      </p:par>
+    </p:tnLst>
+  </p:timing>
+</p:sld>
+</file>
+
+<file path=ppt/slides/slide12.xml><?xml version="1.0" encoding="utf-8"?>
+<p:sld xmlns:a="http://schemas.openxmlformats.org/drawingml/2006/main" xmlns:r="http://schemas.openxmlformats.org/officeDocument/2006/relationships" xmlns:p="http://schemas.openxmlformats.org/presentationml/2006/main">
+  <p:cSld>
+    <p:spTree>
+      <p:nvGrpSpPr>
+        <p:cNvPr id="1" name=""/>
+        <p:cNvGrpSpPr/>
+        <p:nvPr/>
+      </p:nvGrpSpPr>
+      <p:grpSpPr>
+        <a:xfrm>
+          <a:off x="0" y="0"/>
+          <a:ext cx="0" cy="0"/>
+          <a:chOff x="0" y="0"/>
+          <a:chExt cx="0" cy="0"/>
+        </a:xfrm>
+      </p:grpSpPr>
+      <p:sp>
+        <p:nvSpPr>
+          <p:cNvPr id="138" name="CustomShape 1"/>
+          <p:cNvSpPr/>
+          <p:nvPr/>
+        </p:nvSpPr>
+        <p:spPr>
+          <a:xfrm>
+            <a:off x="457200" y="274680"/>
+            <a:ext cx="8228880" cy="1142280"/>
+          </a:xfrm>
+          <a:prstGeom prst="rect">
+            <a:avLst/>
+          </a:prstGeom>
+          <a:noFill/>
+          <a:ln>
+            <a:noFill/>
+          </a:ln>
+        </p:spPr>
+        <p:txBody>
+          <a:bodyPr lIns="90000" tIns="45000" rIns="90000" bIns="45000" anchor="ctr"/>
+          <a:lstStyle/>
+          <a:p>
+            <a:pPr algn="ctr">
+              <a:lnSpc>
+                <a:spcPct val="100000"/>
+              </a:lnSpc>
+            </a:pPr>
+            <a:r>
+              <a:rPr lang="en-US" sz="4400">
+                <a:solidFill>
+                  <a:srgbClr val="000000"/>
+                </a:solidFill>
+                <a:latin typeface="Calibri"/>
+              </a:rPr>
+              <a:t>Achieved so far</a:t>
+            </a:r>
+            <a:endParaRPr/>
+          </a:p>
+        </p:txBody>
+      </p:sp>
+      <p:sp>
+        <p:nvSpPr>
+          <p:cNvPr id="139" name="CustomShape 2"/>
+          <p:cNvSpPr/>
+          <p:nvPr/>
+        </p:nvSpPr>
+        <p:spPr>
+          <a:xfrm>
+            <a:off x="457200" y="1600200"/>
+            <a:ext cx="8228880" cy="4708440"/>
+          </a:xfrm>
+          <a:prstGeom prst="rect">
+            <a:avLst/>
+          </a:prstGeom>
+          <a:noFill/>
+          <a:ln>
+            <a:noFill/>
+          </a:ln>
+        </p:spPr>
+        <p:txBody>
+          <a:bodyPr lIns="90000" tIns="45000" rIns="90000" bIns="45000"/>
+          <a:lstStyle/>
+          <a:p>
+            <a:pPr>
+              <a:lnSpc>
+                <a:spcPct val="100000"/>
+              </a:lnSpc>
+              <a:buFont typeface="Arial"/>
+              <a:buChar char="•"/>
+            </a:pPr>
+            <a:r>
+              <a:rPr lang="en-US" sz="3200">
+                <a:solidFill>
+                  <a:srgbClr val="000000"/>
+                </a:solidFill>
+                <a:latin typeface="Calibri"/>
+              </a:rPr>
+              <a:t>We’ve also added features such as a startup scan, which performs a one-time scan when the program is started up, allowing detection of changes made when the program was not running</a:t>
+            </a:r>
+            <a:endParaRPr/>
+          </a:p>
+          <a:p>
+            <a:pPr>
+              <a:lnSpc>
+                <a:spcPct val="100000"/>
+              </a:lnSpc>
+              <a:buFont typeface="Arial"/>
+              <a:buChar char="•"/>
+            </a:pPr>
+            <a:r>
+              <a:rPr lang="en-US" sz="3200">
+                <a:solidFill>
+                  <a:srgbClr val="000000"/>
+                </a:solidFill>
+                <a:latin typeface="Calibri"/>
+              </a:rPr>
+              <a:t>The trim feature regularly removes files older than a user specified date</a:t>
+            </a:r>
+            <a:endParaRPr/>
+          </a:p>
+          <a:p>
+            <a:pPr>
+              <a:lnSpc>
+                <a:spcPct val="100000"/>
+              </a:lnSpc>
+              <a:buFont typeface="Arial"/>
+              <a:buChar char="•"/>
+            </a:pPr>
+            <a:r>
+              <a:rPr lang="en-US" sz="3200">
+                <a:solidFill>
+                  <a:srgbClr val="000000"/>
+                </a:solidFill>
+                <a:latin typeface="Calibri"/>
+              </a:rPr>
+              <a:t>More than 525 revisions of content, bug fixes, and features</a:t>
+            </a:r>
+            <a:endParaRPr/>
+          </a:p>
+        </p:txBody>
+      </p:sp>
+    </p:spTree>
+  </p:cSld>
+  <p:clrMapOvr>
+    <a:masterClrMapping/>
+  </p:clrMapOvr>
+  <p:transition spd="med">
+    <p:pull dir="d"/>
+  </p:transition>
+  <p:timing>
+    <p:tnLst>
+      <p:par>
+        <p:cTn id="1" dur="indefinite" restart="never" nodeType="tmRoot">
+          <p:childTnLst>
+            <p:seq>
+              <p:cTn id="2" nodeType="mainSeq"/>
+              <p:prevCondLst>
+                <p:cond evt="onPrev" delay="0">
+                  <p:tgtEl>
+                    <p:sldTgt/>
+                  </p:tgtEl>
+                </p:cond>
+              </p:prevCondLst>
+              <p:nextCondLst>
+                <p:cond evt="onNext" delay="0">
+                  <p:tgtEl>
+                    <p:sldTgt/>
+                  </p:tgtEl>
+                </p:cond>
+              </p:nextCondLst>
+            </p:seq>
+          </p:childTnLst>
+        </p:cTn>
+      </p:par>
+    </p:tnLst>
+  </p:timing>
+</p:sld>
+</file>
+
+<file path=ppt/slides/slide13.xml><?xml version="1.0" encoding="utf-8"?>
+<p:sld xmlns:a="http://schemas.openxmlformats.org/drawingml/2006/main" xmlns:r="http://schemas.openxmlformats.org/officeDocument/2006/relationships" xmlns:p="http://schemas.openxmlformats.org/presentationml/2006/main">
+  <p:cSld>
+    <p:spTree>
+      <p:nvGrpSpPr>
+        <p:cNvPr id="1" name=""/>
+        <p:cNvGrpSpPr/>
+        <p:nvPr/>
+      </p:nvGrpSpPr>
+      <p:grpSpPr>
+        <a:xfrm>
+          <a:off x="0" y="0"/>
+          <a:ext cx="0" cy="0"/>
+          <a:chOff x="0" y="0"/>
+          <a:chExt cx="0" cy="0"/>
+        </a:xfrm>
+      </p:grpSpPr>
+      <p:sp>
+        <p:nvSpPr>
+          <p:cNvPr id="140" name="CustomShape 1"/>
+          <p:cNvSpPr/>
+          <p:nvPr/>
+        </p:nvSpPr>
+        <p:spPr>
+          <a:xfrm>
+            <a:off x="457200" y="274680"/>
+            <a:ext cx="8228880" cy="1142280"/>
+          </a:xfrm>
+          <a:prstGeom prst="rect">
+            <a:avLst/>
+          </a:prstGeom>
+          <a:noFill/>
+          <a:ln>
+            <a:noFill/>
+          </a:ln>
+        </p:spPr>
+        <p:txBody>
+          <a:bodyPr lIns="90000" tIns="45000" rIns="90000" bIns="45000" anchor="ctr"/>
+          <a:lstStyle/>
+          <a:p>
+            <a:pPr algn="ctr">
+              <a:lnSpc>
+                <a:spcPct val="100000"/>
+              </a:lnSpc>
+            </a:pPr>
+            <a:r>
+              <a:rPr lang="en-US" sz="4400">
+                <a:solidFill>
+                  <a:srgbClr val="000000"/>
+                </a:solidFill>
+                <a:latin typeface="Calibri"/>
+              </a:rPr>
+              <a:t>Challenges addressed</a:t>
+            </a:r>
+            <a:endParaRPr/>
+          </a:p>
+        </p:txBody>
+      </p:sp>
+      <p:sp>
+        <p:nvSpPr>
+          <p:cNvPr id="141" name="CustomShape 2"/>
+          <p:cNvSpPr/>
+          <p:nvPr/>
+        </p:nvSpPr>
+        <p:spPr>
+          <a:xfrm>
+            <a:off x="457200" y="1600200"/>
+            <a:ext cx="8228880" cy="4525200"/>
+          </a:xfrm>
+          <a:prstGeom prst="rect">
+            <a:avLst/>
+          </a:prstGeom>
+          <a:noFill/>
+          <a:ln>
+            <a:noFill/>
+          </a:ln>
+        </p:spPr>
+        <p:txBody>
+          <a:bodyPr lIns="90000" tIns="45000" rIns="90000" bIns="45000"/>
+          <a:lstStyle/>
+          <a:p>
+            <a:pPr>
+              <a:lnSpc>
+                <a:spcPct val="100000"/>
+              </a:lnSpc>
+              <a:buFont typeface="Arial"/>
+              <a:buChar char="•"/>
+            </a:pPr>
+            <a:r>
+              <a:rPr lang="en-US" sz="3200">
+                <a:solidFill>
+                  <a:srgbClr val="000000"/>
+                </a:solidFill>
+                <a:latin typeface="Calibri"/>
+              </a:rPr>
+              <a:t>Maintaining a consistent interface across operating systems</a:t>
+            </a:r>
+            <a:endParaRPr/>
+          </a:p>
+          <a:p>
+            <a:pPr>
+              <a:lnSpc>
+                <a:spcPct val="100000"/>
+              </a:lnSpc>
+              <a:buFont typeface="Arial"/>
+              <a:buChar char="•"/>
+            </a:pPr>
+            <a:r>
+              <a:rPr lang="en-US" sz="3200">
+                <a:solidFill>
+                  <a:srgbClr val="000000"/>
+                </a:solidFill>
+                <a:latin typeface="Calibri"/>
+              </a:rPr>
+              <a:t>Creating patches for plain text files</a:t>
+            </a:r>
+            <a:endParaRPr/>
+          </a:p>
+          <a:p>
+            <a:pPr>
+              <a:lnSpc>
+                <a:spcPct val="100000"/>
+              </a:lnSpc>
+              <a:buFont typeface="Arial"/>
+              <a:buChar char="•"/>
+            </a:pPr>
+            <a:r>
+              <a:rPr lang="en-US" sz="3200">
+                <a:solidFill>
+                  <a:srgbClr val="000000"/>
+                </a:solidFill>
+                <a:latin typeface="Calibri"/>
+              </a:rPr>
+              <a:t>Ensuring that the GUI is user friendly and intuitive</a:t>
+            </a:r>
+            <a:endParaRPr/>
+          </a:p>
+          <a:p>
+            <a:pPr>
+              <a:lnSpc>
+                <a:spcPct val="100000"/>
+              </a:lnSpc>
+              <a:buFont typeface="Arial"/>
+              <a:buChar char="•"/>
+            </a:pPr>
+            <a:r>
+              <a:rPr lang="en-US" sz="3200">
+                <a:solidFill>
+                  <a:srgbClr val="000000"/>
+                </a:solidFill>
+                <a:latin typeface="Calibri"/>
+              </a:rPr>
+              <a:t>Handling binary files, implemented in version 2.0</a:t>
+            </a:r>
+            <a:endParaRPr/>
+          </a:p>
+        </p:txBody>
+      </p:sp>
+    </p:spTree>
+  </p:cSld>
+  <p:clrMapOvr>
+    <a:masterClrMapping/>
+  </p:clrMapOvr>
   <p:transition spd="med">
     <p:pull dir="d"/>
   </p:transition>
 </p:sld>
 </file>
 
-<file path=ppt/slides/slide5.xml><?xml version="1.0" encoding="utf-8"?>
-<p:sld xmlns:a="http://schemas.openxmlformats.org/drawingml/2006/main" xmlns:p="http://schemas.openxmlformats.org/presentationml/2006/main" xmlns:r="http://schemas.openxmlformats.org/officeDocument/2006/relationships">
+<file path=ppt/slides/slide14.xml><?xml version="1.0" encoding="utf-8"?>
+<p:sld xmlns:a="http://schemas.openxmlformats.org/drawingml/2006/main" xmlns:r="http://schemas.openxmlformats.org/officeDocument/2006/relationships" xmlns:p="http://schemas.openxmlformats.org/presentationml/2006/main">
+  <p:cSld>
+    <p:spTree>
+      <p:nvGrpSpPr>
+        <p:cNvPr id="1" name=""/>
+        <p:cNvGrpSpPr/>
+        <p:nvPr/>
+      </p:nvGrpSpPr>
+      <p:grpSpPr>
+        <a:xfrm>
+          <a:off x="0" y="0"/>
+          <a:ext cx="0" cy="0"/>
+          <a:chOff x="0" y="0"/>
+          <a:chExt cx="0" cy="0"/>
+        </a:xfrm>
+      </p:grpSpPr>
+      <p:sp>
+        <p:nvSpPr>
+          <p:cNvPr id="142" name="CustomShape 1"/>
+          <p:cNvSpPr/>
+          <p:nvPr/>
+        </p:nvSpPr>
+        <p:spPr>
+          <a:xfrm>
+            <a:off x="457200" y="274680"/>
+            <a:ext cx="8228880" cy="1142280"/>
+          </a:xfrm>
+          <a:prstGeom prst="rect">
+            <a:avLst/>
+          </a:prstGeom>
+          <a:noFill/>
+          <a:ln>
+            <a:noFill/>
+          </a:ln>
+        </p:spPr>
+        <p:txBody>
+          <a:bodyPr lIns="90000" tIns="45000" rIns="90000" bIns="45000" anchor="ctr"/>
+          <a:lstStyle/>
+          <a:p>
+            <a:pPr algn="ctr">
+              <a:lnSpc>
+                <a:spcPct val="100000"/>
+              </a:lnSpc>
+            </a:pPr>
+            <a:r>
+              <a:rPr lang="en-US" sz="4400">
+                <a:solidFill>
+                  <a:srgbClr val="000000"/>
+                </a:solidFill>
+                <a:latin typeface="Calibri"/>
+              </a:rPr>
+              <a:t>Challenges addressed</a:t>
+            </a:r>
+            <a:endParaRPr/>
+          </a:p>
+        </p:txBody>
+      </p:sp>
+      <p:sp>
+        <p:nvSpPr>
+          <p:cNvPr id="143" name="CustomShape 2"/>
+          <p:cNvSpPr/>
+          <p:nvPr/>
+        </p:nvSpPr>
+        <p:spPr>
+          <a:xfrm>
+            <a:off x="457200" y="1600200"/>
+            <a:ext cx="8228880" cy="4525200"/>
+          </a:xfrm>
+          <a:prstGeom prst="rect">
+            <a:avLst/>
+          </a:prstGeom>
+          <a:noFill/>
+          <a:ln>
+            <a:noFill/>
+          </a:ln>
+        </p:spPr>
+        <p:txBody>
+          <a:bodyPr lIns="90000" tIns="45000" rIns="90000" bIns="45000"/>
+          <a:lstStyle/>
+          <a:p>
+            <a:pPr>
+              <a:lnSpc>
+                <a:spcPct val="100000"/>
+              </a:lnSpc>
+              <a:buFont typeface="Arial"/>
+              <a:buChar char="•"/>
+            </a:pPr>
+            <a:r>
+              <a:rPr lang="en-US" sz="3200">
+                <a:solidFill>
+                  <a:srgbClr val="000000"/>
+                </a:solidFill>
+                <a:latin typeface="Calibri"/>
+              </a:rPr>
+              <a:t>Numerous ways to create an edit files</a:t>
+            </a:r>
+            <a:endParaRPr/>
+          </a:p>
+          <a:p>
+            <a:pPr>
+              <a:lnSpc>
+                <a:spcPct val="100000"/>
+              </a:lnSpc>
+              <a:buFont typeface="Arial"/>
+              <a:buChar char="•"/>
+            </a:pPr>
+            <a:r>
+              <a:rPr lang="en-US" sz="3200">
+                <a:solidFill>
+                  <a:srgbClr val="000000"/>
+                </a:solidFill>
+                <a:latin typeface="Calibri"/>
+              </a:rPr>
+              <a:t>Some text editors create swap files and move those over the original file</a:t>
+            </a:r>
+            <a:endParaRPr/>
+          </a:p>
+          <a:p>
+            <a:pPr>
+              <a:lnSpc>
+                <a:spcPct val="100000"/>
+              </a:lnSpc>
+              <a:buFont typeface="Arial"/>
+              <a:buChar char="•"/>
+            </a:pPr>
+            <a:r>
+              <a:rPr lang="en-US" sz="3200">
+                <a:solidFill>
+                  <a:srgbClr val="000000"/>
+                </a:solidFill>
+                <a:latin typeface="Calibri"/>
+              </a:rPr>
+              <a:t>Other editors directly change the file</a:t>
+            </a:r>
+            <a:endParaRPr/>
+          </a:p>
+          <a:p>
+            <a:pPr>
+              <a:lnSpc>
+                <a:spcPct val="100000"/>
+              </a:lnSpc>
+              <a:buFont typeface="Arial"/>
+              <a:buChar char="•"/>
+            </a:pPr>
+            <a:r>
+              <a:rPr lang="en-US" sz="3200">
+                <a:solidFill>
+                  <a:srgbClr val="000000"/>
+                </a:solidFill>
+                <a:latin typeface="Calibri"/>
+              </a:rPr>
+              <a:t>You could create a file over another file</a:t>
+            </a:r>
+            <a:endParaRPr/>
+          </a:p>
+          <a:p>
+            <a:pPr>
+              <a:lnSpc>
+                <a:spcPct val="100000"/>
+              </a:lnSpc>
+              <a:buFont typeface="Arial"/>
+              <a:buChar char="•"/>
+            </a:pPr>
+            <a:r>
+              <a:rPr lang="en-US" sz="3200">
+                <a:solidFill>
+                  <a:srgbClr val="000000"/>
+                </a:solidFill>
+                <a:latin typeface="Calibri"/>
+              </a:rPr>
+              <a:t>Most bugs occurred due to the many ways of modifying files</a:t>
+            </a:r>
+            <a:endParaRPr/>
+          </a:p>
+        </p:txBody>
+      </p:sp>
+    </p:spTree>
+  </p:cSld>
+  <p:clrMapOvr>
+    <a:masterClrMapping/>
+  </p:clrMapOvr>
+  <p:transition spd="med">
+    <p:pull dir="d"/>
+  </p:transition>
+  <p:timing>
+    <p:tnLst>
+      <p:par>
+        <p:cTn id="1" dur="indefinite" restart="never" nodeType="tmRoot">
+          <p:childTnLst>
+            <p:seq>
+              <p:cTn id="2" nodeType="mainSeq"/>
+              <p:prevCondLst>
+                <p:cond evt="onPrev" delay="0">
+                  <p:tgtEl>
+                    <p:sldTgt/>
+                  </p:tgtEl>
+                </p:cond>
+              </p:prevCondLst>
+              <p:nextCondLst>
+                <p:cond evt="onNext" delay="0">
+                  <p:tgtEl>
+                    <p:sldTgt/>
+                  </p:tgtEl>
+                </p:cond>
+              </p:nextCondLst>
+            </p:seq>
+          </p:childTnLst>
+        </p:cTn>
+      </p:par>
+    </p:tnLst>
+  </p:timing>
+</p:sld>
+</file>
+
+<file path=ppt/slides/slide15.xml><?xml version="1.0" encoding="utf-8"?>
+<p:sld xmlns:a="http://schemas.openxmlformats.org/drawingml/2006/main" xmlns:r="http://schemas.openxmlformats.org/officeDocument/2006/relationships" xmlns:p="http://schemas.openxmlformats.org/presentationml/2006/main">
+  <p:cSld>
+    <p:spTree>
+      <p:nvGrpSpPr>
+        <p:cNvPr id="1" name=""/>
+        <p:cNvGrpSpPr/>
+        <p:nvPr/>
+      </p:nvGrpSpPr>
+      <p:grpSpPr>
+        <a:xfrm>
+          <a:off x="0" y="0"/>
+          <a:ext cx="0" cy="0"/>
+          <a:chOff x="0" y="0"/>
+          <a:chExt cx="0" cy="0"/>
+        </a:xfrm>
+      </p:grpSpPr>
+      <p:sp>
+        <p:nvSpPr>
+          <p:cNvPr id="144" name="CustomShape 1"/>
+          <p:cNvSpPr/>
+          <p:nvPr/>
+        </p:nvSpPr>
+        <p:spPr>
+          <a:xfrm>
+            <a:off x="457200" y="274680"/>
+            <a:ext cx="8228880" cy="1142280"/>
+          </a:xfrm>
+          <a:prstGeom prst="rect">
+            <a:avLst/>
+          </a:prstGeom>
+          <a:noFill/>
+          <a:ln>
+            <a:noFill/>
+          </a:ln>
+        </p:spPr>
+        <p:txBody>
+          <a:bodyPr lIns="90000" tIns="45000" rIns="90000" bIns="45000" anchor="ctr"/>
+          <a:lstStyle/>
+          <a:p>
+            <a:pPr algn="ctr">
+              <a:lnSpc>
+                <a:spcPct val="100000"/>
+              </a:lnSpc>
+            </a:pPr>
+            <a:r>
+              <a:rPr lang="en-US" sz="4400">
+                <a:solidFill>
+                  <a:srgbClr val="000000"/>
+                </a:solidFill>
+                <a:latin typeface="Calibri"/>
+              </a:rPr>
+              <a:t>Other</a:t>
+            </a:r>
+            <a:endParaRPr/>
+          </a:p>
+        </p:txBody>
+      </p:sp>
+      <p:sp>
+        <p:nvSpPr>
+          <p:cNvPr id="145" name="CustomShape 2"/>
+          <p:cNvSpPr/>
+          <p:nvPr/>
+        </p:nvSpPr>
+        <p:spPr>
+          <a:xfrm>
+            <a:off x="457200" y="1600200"/>
+            <a:ext cx="8228880" cy="4525200"/>
+          </a:xfrm>
+          <a:prstGeom prst="rect">
+            <a:avLst/>
+          </a:prstGeom>
+          <a:noFill/>
+          <a:ln>
+            <a:noFill/>
+          </a:ln>
+        </p:spPr>
+        <p:txBody>
+          <a:bodyPr lIns="90000" tIns="45000" rIns="90000" bIns="45000"/>
+          <a:lstStyle/>
+          <a:p>
+            <a:pPr>
+              <a:lnSpc>
+                <a:spcPct val="100000"/>
+              </a:lnSpc>
+              <a:buFont typeface="Arial"/>
+              <a:buChar char="•"/>
+            </a:pPr>
+            <a:r>
+              <a:rPr lang="en-US" sz="3200">
+                <a:solidFill>
+                  <a:srgbClr val="000000"/>
+                </a:solidFill>
+                <a:latin typeface="Calibri"/>
+              </a:rPr>
+              <a:t>Using SQLite RDBMS to allow easy serialized access to the database</a:t>
+            </a:r>
+            <a:endParaRPr/>
+          </a:p>
+          <a:p>
+            <a:pPr>
+              <a:lnSpc>
+                <a:spcPct val="100000"/>
+              </a:lnSpc>
+              <a:buFont typeface="Arial"/>
+              <a:buChar char="•"/>
+            </a:pPr>
+            <a:r>
+              <a:rPr lang="en-US" sz="3200">
+                <a:solidFill>
+                  <a:srgbClr val="000000"/>
+                </a:solidFill>
+                <a:latin typeface="Calibri"/>
+              </a:rPr>
+              <a:t>The GUI, file watcher, and file change handlers all run in different threads</a:t>
+            </a:r>
+            <a:endParaRPr/>
+          </a:p>
+          <a:p>
+            <a:pPr>
+              <a:lnSpc>
+                <a:spcPct val="100000"/>
+              </a:lnSpc>
+              <a:buFont typeface="Arial"/>
+              <a:buChar char="•"/>
+            </a:pPr>
+            <a:r>
+              <a:rPr lang="en-US" sz="3200">
+                <a:solidFill>
+                  <a:srgbClr val="000000"/>
+                </a:solidFill>
+                <a:latin typeface="Calibri"/>
+              </a:rPr>
+              <a:t>Plain text patches use the google-diff-match-patch library, creating highly efficient patches. Internally, the Myer's diff algorithm is used</a:t>
+            </a:r>
+            <a:endParaRPr/>
+          </a:p>
+        </p:txBody>
+      </p:sp>
+    </p:spTree>
+  </p:cSld>
+  <p:clrMapOvr>
+    <a:masterClrMapping/>
+  </p:clrMapOvr>
+  <p:transition spd="med">
+    <p:pull dir="d"/>
+  </p:transition>
+  <p:timing>
+    <p:tnLst>
+      <p:par>
+        <p:cTn id="1" dur="indefinite" restart="never" nodeType="tmRoot">
+          <p:childTnLst>
+            <p:seq>
+              <p:cTn id="2" nodeType="mainSeq"/>
+              <p:prevCondLst>
+                <p:cond evt="onPrev" delay="0">
+                  <p:tgtEl>
+                    <p:sldTgt/>
+                  </p:tgtEl>
+                </p:cond>
+              </p:prevCondLst>
+              <p:nextCondLst>
+                <p:cond evt="onNext" delay="0">
+                  <p:tgtEl>
+                    <p:sldTgt/>
+                  </p:tgtEl>
+                </p:cond>
+              </p:nextCondLst>
+            </p:seq>
+          </p:childTnLst>
+        </p:cTn>
+      </p:par>
+    </p:tnLst>
+  </p:timing>
+</p:sld>
+</file>
+
+<file path=ppt/slides/slide16.xml><?xml version="1.0" encoding="utf-8"?>
+<p:sld xmlns:a="http://schemas.openxmlformats.org/drawingml/2006/main" xmlns:r="http://schemas.openxmlformats.org/officeDocument/2006/relationships" xmlns:p="http://schemas.openxmlformats.org/presentationml/2006/main">
+  <p:cSld>
+    <p:spTree>
+      <p:nvGrpSpPr>
+        <p:cNvPr id="1" name=""/>
+        <p:cNvGrpSpPr/>
+        <p:nvPr/>
+      </p:nvGrpSpPr>
+      <p:grpSpPr>
+        <a:xfrm>
+          <a:off x="0" y="0"/>
+          <a:ext cx="0" cy="0"/>
+          <a:chOff x="0" y="0"/>
+          <a:chExt cx="0" cy="0"/>
+        </a:xfrm>
+      </p:grpSpPr>
+      <p:sp>
+        <p:nvSpPr>
+          <p:cNvPr id="146" name="CustomShape 1"/>
+          <p:cNvSpPr/>
+          <p:nvPr/>
+        </p:nvSpPr>
+        <p:spPr>
+          <a:xfrm>
+            <a:off x="457200" y="274680"/>
+            <a:ext cx="8228880" cy="1142280"/>
+          </a:xfrm>
+          <a:prstGeom prst="rect">
+            <a:avLst/>
+          </a:prstGeom>
+          <a:noFill/>
+          <a:ln>
+            <a:noFill/>
+          </a:ln>
+        </p:spPr>
+        <p:txBody>
+          <a:bodyPr lIns="90000" tIns="45000" rIns="90000" bIns="45000" anchor="ctr"/>
+          <a:lstStyle/>
+          <a:p>
+            <a:pPr algn="ctr">
+              <a:lnSpc>
+                <a:spcPct val="100000"/>
+              </a:lnSpc>
+            </a:pPr>
+            <a:r>
+              <a:rPr lang="en-US" sz="4400">
+                <a:solidFill>
+                  <a:srgbClr val="000000"/>
+                </a:solidFill>
+                <a:latin typeface="Calibri"/>
+              </a:rPr>
+              <a:t>Other</a:t>
+            </a:r>
+            <a:endParaRPr/>
+          </a:p>
+        </p:txBody>
+      </p:sp>
+      <p:sp>
+        <p:nvSpPr>
+          <p:cNvPr id="147" name="CustomShape 2"/>
+          <p:cNvSpPr/>
+          <p:nvPr/>
+        </p:nvSpPr>
+        <p:spPr>
+          <a:xfrm>
+            <a:off x="971640" y="1663920"/>
+            <a:ext cx="3466080" cy="1900080"/>
+          </a:xfrm>
+          <a:prstGeom prst="rect">
+            <a:avLst/>
+          </a:prstGeom>
+          <a:noFill/>
+          <a:ln>
+            <a:noFill/>
+          </a:ln>
+        </p:spPr>
+        <p:txBody>
+          <a:bodyPr lIns="90000" tIns="45000" rIns="90000" bIns="45000"/>
+          <a:lstStyle/>
+          <a:p>
+            <a:pPr>
+              <a:lnSpc>
+                <a:spcPct val="100000"/>
+              </a:lnSpc>
+            </a:pPr>
+            <a:r>
+              <a:rPr lang="en-US" sz="3200">
+                <a:solidFill>
+                  <a:srgbClr val="000000"/>
+                </a:solidFill>
+                <a:latin typeface="Calibri"/>
+              </a:rPr>
+              <a:t>Sample file:</a:t>
+            </a:r>
+            <a:endParaRPr/>
+          </a:p>
+          <a:p>
+            <a:pPr>
+              <a:lnSpc>
+                <a:spcPct val="100000"/>
+              </a:lnSpc>
+            </a:pPr>
+            <a:r>
+              <a:rPr lang="en-US" sz="2000">
+                <a:solidFill>
+                  <a:srgbClr val="000000"/>
+                </a:solidFill>
+                <a:latin typeface="Courier New"/>
+              </a:rPr>
+              <a:t>Hello world</a:t>
+            </a:r>
+            <a:endParaRPr/>
+          </a:p>
+          <a:p>
+            <a:pPr>
+              <a:lnSpc>
+                <a:spcPct val="100000"/>
+              </a:lnSpc>
+            </a:pPr>
+            <a:r>
+              <a:rPr lang="en-US" sz="2000">
+                <a:solidFill>
+                  <a:srgbClr val="000000"/>
+                </a:solidFill>
+                <a:latin typeface="Courier New"/>
+              </a:rPr>
+              <a:t>I like pie.</a:t>
+            </a:r>
+            <a:endParaRPr/>
+          </a:p>
+        </p:txBody>
+      </p:sp>
+      <p:sp>
+        <p:nvSpPr>
+          <p:cNvPr id="148" name="CustomShape 3"/>
+          <p:cNvSpPr/>
+          <p:nvPr/>
+        </p:nvSpPr>
+        <p:spPr>
+          <a:xfrm>
+            <a:off x="5076000" y="1628640"/>
+            <a:ext cx="3466080" cy="1900080"/>
+          </a:xfrm>
+          <a:prstGeom prst="rect">
+            <a:avLst/>
+          </a:prstGeom>
+          <a:noFill/>
+          <a:ln>
+            <a:noFill/>
+          </a:ln>
+        </p:spPr>
+        <p:txBody>
+          <a:bodyPr lIns="90000" tIns="45000" rIns="90000" bIns="45000"/>
+          <a:lstStyle/>
+          <a:p>
+            <a:pPr>
+              <a:lnSpc>
+                <a:spcPct val="100000"/>
+              </a:lnSpc>
+            </a:pPr>
+            <a:r>
+              <a:rPr lang="en-US" sz="3200">
+                <a:solidFill>
+                  <a:srgbClr val="000000"/>
+                </a:solidFill>
+                <a:latin typeface="Calibri"/>
+              </a:rPr>
+              <a:t>After changes:</a:t>
+            </a:r>
+            <a:endParaRPr/>
+          </a:p>
+          <a:p>
+            <a:pPr>
+              <a:lnSpc>
+                <a:spcPct val="100000"/>
+              </a:lnSpc>
+            </a:pPr>
+            <a:r>
+              <a:rPr lang="en-US" sz="2000">
+                <a:solidFill>
+                  <a:srgbClr val="000000"/>
+                </a:solidFill>
+                <a:latin typeface="Courier New"/>
+              </a:rPr>
+              <a:t>Hello world</a:t>
+            </a:r>
+            <a:endParaRPr/>
+          </a:p>
+          <a:p>
+            <a:pPr>
+              <a:lnSpc>
+                <a:spcPct val="100000"/>
+              </a:lnSpc>
+            </a:pPr>
+            <a:r>
+              <a:rPr lang="en-US" sz="2000">
+                <a:solidFill>
+                  <a:srgbClr val="000000"/>
+                </a:solidFill>
+                <a:latin typeface="Courier New"/>
+              </a:rPr>
+              <a:t>Goodbye world</a:t>
+            </a:r>
+            <a:endParaRPr/>
+          </a:p>
+          <a:p>
+            <a:pPr>
+              <a:lnSpc>
+                <a:spcPct val="100000"/>
+              </a:lnSpc>
+            </a:pPr>
+            <a:r>
+              <a:rPr lang="en-US" sz="2000">
+                <a:solidFill>
+                  <a:srgbClr val="000000"/>
+                </a:solidFill>
+                <a:latin typeface="Courier New"/>
+              </a:rPr>
+              <a:t>I like pie.</a:t>
+            </a:r>
+            <a:endParaRPr/>
+          </a:p>
+        </p:txBody>
+      </p:sp>
+      <p:sp>
+        <p:nvSpPr>
+          <p:cNvPr id="149" name="CustomShape 4"/>
+          <p:cNvSpPr/>
+          <p:nvPr/>
+        </p:nvSpPr>
+        <p:spPr>
+          <a:xfrm>
+            <a:off x="3060000" y="3933000"/>
+            <a:ext cx="3466080" cy="2159640"/>
+          </a:xfrm>
+          <a:prstGeom prst="rect">
+            <a:avLst/>
+          </a:prstGeom>
+          <a:noFill/>
+          <a:ln>
+            <a:noFill/>
+          </a:ln>
+        </p:spPr>
+        <p:txBody>
+          <a:bodyPr lIns="90000" tIns="45000" rIns="90000" bIns="45000"/>
+          <a:lstStyle/>
+          <a:p>
+            <a:pPr>
+              <a:lnSpc>
+                <a:spcPct val="100000"/>
+              </a:lnSpc>
+            </a:pPr>
+            <a:r>
+              <a:rPr lang="en-US" sz="3200">
+                <a:solidFill>
+                  <a:srgbClr val="000000"/>
+                </a:solidFill>
+                <a:latin typeface="Calibri"/>
+              </a:rPr>
+              <a:t>Stored patch:</a:t>
+            </a:r>
+            <a:endParaRPr/>
+          </a:p>
+          <a:p>
+            <a:pPr>
+              <a:lnSpc>
+                <a:spcPct val="100000"/>
+              </a:lnSpc>
+            </a:pPr>
+            <a:r>
+              <a:rPr lang="en-US" sz="2000">
+                <a:solidFill>
+                  <a:srgbClr val="000000"/>
+                </a:solidFill>
+                <a:latin typeface="Courier New"/>
+              </a:rPr>
+              <a:t>@@ -9,22 +9,8 @@</a:t>
+            </a:r>
+            <a:endParaRPr/>
+          </a:p>
+          <a:p>
+            <a:pPr>
+              <a:lnSpc>
+                <a:spcPct val="100000"/>
+              </a:lnSpc>
+            </a:pPr>
+            <a:r>
+              <a:rPr lang="en-US" sz="2000">
+                <a:solidFill>
+                  <a:srgbClr val="000000"/>
+                </a:solidFill>
+                <a:latin typeface="Courier New"/>
+              </a:rPr>
+              <a:t> rld%0A</a:t>
+            </a:r>
+            <a:endParaRPr/>
+          </a:p>
+          <a:p>
+            <a:pPr>
+              <a:lnSpc>
+                <a:spcPct val="100000"/>
+              </a:lnSpc>
+            </a:pPr>
+            <a:r>
+              <a:rPr lang="en-US" sz="2000">
+                <a:solidFill>
+                  <a:srgbClr val="000000"/>
+                </a:solidFill>
+                <a:latin typeface="Courier New"/>
+              </a:rPr>
+              <a:t>-Goodbye world%0A</a:t>
+            </a:r>
+            <a:endParaRPr/>
+          </a:p>
+          <a:p>
+            <a:pPr>
+              <a:lnSpc>
+                <a:spcPct val="100000"/>
+              </a:lnSpc>
+            </a:pPr>
+            <a:r>
+              <a:rPr lang="en-US" sz="2000">
+                <a:solidFill>
+                  <a:srgbClr val="000000"/>
+                </a:solidFill>
+                <a:latin typeface="Courier New"/>
+              </a:rPr>
+              <a:t> I li</a:t>
+            </a:r>
+            <a:endParaRPr/>
+          </a:p>
+        </p:txBody>
+      </p:sp>
+    </p:spTree>
+  </p:cSld>
+  <p:clrMapOvr>
+    <a:masterClrMapping/>
+  </p:clrMapOvr>
+  <p:transition spd="med">
+    <p:pull dir="d"/>
+  </p:transition>
+</p:sld>
+</file>
+
+<file path=ppt/slides/slide17.xml><?xml version="1.0" encoding="utf-8"?>
+<p:sld xmlns:a="http://schemas.openxmlformats.org/drawingml/2006/main" xmlns:r="http://schemas.openxmlformats.org/officeDocument/2006/relationships" xmlns:p="http://schemas.openxmlformats.org/presentationml/2006/main">
+  <p:cSld>
+    <p:spTree>
+      <p:nvGrpSpPr>
+        <p:cNvPr id="1" name=""/>
+        <p:cNvGrpSpPr/>
+        <p:nvPr/>
+      </p:nvGrpSpPr>
+      <p:grpSpPr>
+        <a:xfrm>
+          <a:off x="0" y="0"/>
+          <a:ext cx="0" cy="0"/>
+          <a:chOff x="0" y="0"/>
+          <a:chExt cx="0" cy="0"/>
+        </a:xfrm>
+      </p:grpSpPr>
+      <p:sp>
+        <p:nvSpPr>
+          <p:cNvPr id="150" name="CustomShape 1"/>
+          <p:cNvSpPr/>
+          <p:nvPr/>
+        </p:nvSpPr>
+        <p:spPr>
+          <a:xfrm>
+            <a:off x="457200" y="274680"/>
+            <a:ext cx="8228880" cy="1142280"/>
+          </a:xfrm>
+          <a:prstGeom prst="rect">
+            <a:avLst/>
+          </a:prstGeom>
+          <a:noFill/>
+          <a:ln>
+            <a:noFill/>
+          </a:ln>
+        </p:spPr>
+        <p:txBody>
+          <a:bodyPr lIns="90000" tIns="45000" rIns="90000" bIns="45000" anchor="ctr"/>
+          <a:lstStyle/>
+          <a:p>
+            <a:pPr algn="ctr">
+              <a:lnSpc>
+                <a:spcPct val="100000"/>
+              </a:lnSpc>
+            </a:pPr>
+            <a:r>
+              <a:rPr lang="en-US" sz="4400">
+                <a:solidFill>
+                  <a:srgbClr val="000000"/>
+                </a:solidFill>
+                <a:latin typeface="Calibri"/>
+              </a:rPr>
+              <a:t>Conclusion</a:t>
+            </a:r>
+            <a:endParaRPr/>
+          </a:p>
+        </p:txBody>
+      </p:sp>
+      <p:sp>
+        <p:nvSpPr>
+          <p:cNvPr id="151" name="CustomShape 2"/>
+          <p:cNvSpPr/>
+          <p:nvPr/>
+        </p:nvSpPr>
+        <p:spPr>
+          <a:xfrm>
+            <a:off x="457200" y="1600200"/>
+            <a:ext cx="8228880" cy="4525200"/>
+          </a:xfrm>
+          <a:prstGeom prst="rect">
+            <a:avLst/>
+          </a:prstGeom>
+          <a:noFill/>
+          <a:ln>
+            <a:noFill/>
+          </a:ln>
+        </p:spPr>
+        <p:txBody>
+          <a:bodyPr lIns="90000" tIns="45000" rIns="90000" bIns="45000"/>
+          <a:lstStyle/>
+          <a:p>
+            <a:pPr>
+              <a:lnSpc>
+                <a:spcPct val="100000"/>
+              </a:lnSpc>
+              <a:buFont typeface="Arial"/>
+              <a:buChar char="•"/>
+            </a:pPr>
+            <a:r>
+              <a:rPr lang="en-US" sz="3200">
+                <a:solidFill>
+                  <a:srgbClr val="000000"/>
+                </a:solidFill>
+                <a:latin typeface="Calibri"/>
+              </a:rPr>
+              <a:t>FBMS is a fast, easy to use backup solution</a:t>
+            </a:r>
+            <a:endParaRPr/>
+          </a:p>
+          <a:p>
+            <a:pPr>
+              <a:lnSpc>
+                <a:spcPct val="100000"/>
+              </a:lnSpc>
+              <a:buFont typeface="Arial"/>
+              <a:buChar char="•"/>
+            </a:pPr>
+            <a:r>
+              <a:rPr lang="en-US" sz="3200">
+                <a:solidFill>
+                  <a:srgbClr val="000000"/>
+                </a:solidFill>
+                <a:latin typeface="Calibri"/>
+              </a:rPr>
+              <a:t>Focus is on ease of use without sacrificing power</a:t>
+            </a:r>
+            <a:endParaRPr/>
+          </a:p>
+          <a:p>
+            <a:pPr>
+              <a:lnSpc>
+                <a:spcPct val="100000"/>
+              </a:lnSpc>
+              <a:buFont typeface="Arial"/>
+              <a:buChar char="•"/>
+            </a:pPr>
+            <a:r>
+              <a:rPr lang="en-US" sz="3200">
+                <a:solidFill>
+                  <a:srgbClr val="000000"/>
+                </a:solidFill>
+                <a:latin typeface="Calibri"/>
+              </a:rPr>
+              <a:t>Middle-man between software such as Dropbox and Subversion</a:t>
+            </a:r>
+            <a:endParaRPr/>
+          </a:p>
+          <a:p>
+            <a:pPr>
+              <a:lnSpc>
+                <a:spcPct val="100000"/>
+              </a:lnSpc>
+              <a:buFont typeface="Arial"/>
+              <a:buChar char="•"/>
+            </a:pPr>
+            <a:r>
+              <a:rPr lang="en-US" sz="3200">
+                <a:solidFill>
+                  <a:srgbClr val="000000"/>
+                </a:solidFill>
+                <a:latin typeface="Calibri"/>
+              </a:rPr>
+              <a:t>Supported on Windows and Linux</a:t>
+            </a:r>
+            <a:endParaRPr/>
+          </a:p>
+          <a:p>
+            <a:pPr>
+              <a:lnSpc>
+                <a:spcPct val="100000"/>
+              </a:lnSpc>
+              <a:buFont typeface="Arial"/>
+              <a:buChar char="•"/>
+            </a:pPr>
+            <a:r>
+              <a:rPr lang="en-US" sz="3200">
+                <a:solidFill>
+                  <a:srgbClr val="000000"/>
+                </a:solidFill>
+                <a:latin typeface="Calibri"/>
+              </a:rPr>
+              <a:t>Licensed under GPLv3, with portions under the Apache license and LGPLv2</a:t>
+            </a:r>
+            <a:endParaRPr/>
+          </a:p>
+        </p:txBody>
+      </p:sp>
+    </p:spTree>
+  </p:cSld>
+  <p:clrMapOvr>
+    <a:masterClrMapping/>
+  </p:clrMapOvr>
+  <p:transition spd="med">
+    <p:pull dir="d"/>
+  </p:transition>
+  <p:timing>
+    <p:tnLst>
+      <p:par>
+        <p:cTn id="1" dur="indefinite" restart="never" nodeType="tmRoot">
+          <p:childTnLst>
+            <p:seq>
+              <p:cTn id="2" nodeType="mainSeq"/>
+              <p:prevCondLst>
+                <p:cond evt="onPrev" delay="0">
+                  <p:tgtEl>
+                    <p:sldTgt/>
+                  </p:tgtEl>
+                </p:cond>
+              </p:prevCondLst>
+              <p:nextCondLst>
+                <p:cond evt="onNext" delay="0">
+                  <p:tgtEl>
+                    <p:sldTgt/>
+                  </p:tgtEl>
+                </p:cond>
+              </p:nextCondLst>
+            </p:seq>
+          </p:childTnLst>
+        </p:cTn>
+      </p:par>
+    </p:tnLst>
+  </p:timing>
+</p:sld>
+</file>
+
+<file path=ppt/slides/slide2.xml><?xml version="1.0" encoding="utf-8"?>
+<p:sld xmlns:a="http://schemas.openxmlformats.org/drawingml/2006/main" xmlns:r="http://schemas.openxmlformats.org/officeDocument/2006/relationships" xmlns:p="http://schemas.openxmlformats.org/presentationml/2006/main">
+  <p:cSld>
+    <p:spTree>
+      <p:nvGrpSpPr>
+        <p:cNvPr id="1" name=""/>
+        <p:cNvGrpSpPr/>
+        <p:nvPr/>
+      </p:nvGrpSpPr>
+      <p:grpSpPr>
+        <a:xfrm>
+          <a:off x="0" y="0"/>
+          <a:ext cx="0" cy="0"/>
+          <a:chOff x="0" y="0"/>
+          <a:chExt cx="0" cy="0"/>
+        </a:xfrm>
+      </p:grpSpPr>
+      <p:sp>
+        <p:nvSpPr>
+          <p:cNvPr id="116" name="CustomShape 1"/>
+          <p:cNvSpPr/>
+          <p:nvPr/>
+        </p:nvSpPr>
+        <p:spPr>
+          <a:xfrm>
+            <a:off x="457200" y="274680"/>
+            <a:ext cx="8228880" cy="1142280"/>
+          </a:xfrm>
+          <a:prstGeom prst="rect">
+            <a:avLst/>
+          </a:prstGeom>
+          <a:noFill/>
+          <a:ln>
+            <a:noFill/>
+          </a:ln>
+        </p:spPr>
+        <p:txBody>
+          <a:bodyPr lIns="90000" tIns="45000" rIns="90000" bIns="45000" anchor="ctr"/>
+          <a:lstStyle/>
+          <a:p>
+            <a:pPr algn="ctr">
+              <a:lnSpc>
+                <a:spcPct val="100000"/>
+              </a:lnSpc>
+            </a:pPr>
+            <a:r>
+              <a:rPr lang="en-US" sz="4400">
+                <a:solidFill>
+                  <a:srgbClr val="000000"/>
+                </a:solidFill>
+                <a:latin typeface="Calibri"/>
+              </a:rPr>
+              <a:t>What is FBMS?</a:t>
+            </a:r>
+            <a:endParaRPr/>
+          </a:p>
+        </p:txBody>
+      </p:sp>
+      <p:sp>
+        <p:nvSpPr>
+          <p:cNvPr id="117" name="CustomShape 2"/>
+          <p:cNvSpPr/>
+          <p:nvPr/>
+        </p:nvSpPr>
+        <p:spPr>
+          <a:xfrm>
+            <a:off x="457200" y="1600200"/>
+            <a:ext cx="8228880" cy="4525200"/>
+          </a:xfrm>
+          <a:prstGeom prst="rect">
+            <a:avLst/>
+          </a:prstGeom>
+          <a:noFill/>
+          <a:ln>
+            <a:noFill/>
+          </a:ln>
+        </p:spPr>
+        <p:txBody>
+          <a:bodyPr lIns="90000" tIns="45000" rIns="90000" bIns="45000"/>
+          <a:lstStyle/>
+          <a:p>
+            <a:pPr>
+              <a:lnSpc>
+                <a:spcPct val="100000"/>
+              </a:lnSpc>
+              <a:buFont typeface="Arial"/>
+              <a:buChar char="•"/>
+            </a:pPr>
+            <a:r>
+              <a:rPr lang="en-US" sz="3200">
+                <a:solidFill>
+                  <a:srgbClr val="000000"/>
+                </a:solidFill>
+                <a:latin typeface="Calibri"/>
+              </a:rPr>
+              <a:t>A backup solution that automatically revisions your programs</a:t>
+            </a:r>
+            <a:endParaRPr/>
+          </a:p>
+          <a:p>
+            <a:pPr>
+              <a:lnSpc>
+                <a:spcPct val="100000"/>
+              </a:lnSpc>
+              <a:buFont typeface="Arial"/>
+              <a:buChar char="•"/>
+            </a:pPr>
+            <a:r>
+              <a:rPr lang="en-US" sz="3200">
+                <a:solidFill>
+                  <a:srgbClr val="000000"/>
+                </a:solidFill>
+                <a:latin typeface="Calibri"/>
+              </a:rPr>
+              <a:t>A balance between the powerful version control systems like Subversion and the easy to use online backup systems like Dropbox</a:t>
+            </a:r>
+            <a:endParaRPr/>
+          </a:p>
+          <a:p>
+            <a:pPr>
+              <a:lnSpc>
+                <a:spcPct val="100000"/>
+              </a:lnSpc>
+              <a:buFont typeface="Arial"/>
+              <a:buChar char="•"/>
+            </a:pPr>
+            <a:r>
+              <a:rPr lang="en-US" sz="3200">
+                <a:solidFill>
+                  <a:srgbClr val="000000"/>
+                </a:solidFill>
+                <a:latin typeface="Calibri"/>
+              </a:rPr>
+              <a:t>Not only can files be restored from the backup, but you can restore them from a given point of time</a:t>
+            </a:r>
+            <a:endParaRPr/>
+          </a:p>
+        </p:txBody>
+      </p:sp>
+    </p:spTree>
+  </p:cSld>
+  <p:clrMapOvr>
+    <a:masterClrMapping/>
+  </p:clrMapOvr>
+  <p:transition spd="med">
+    <p:pull dir="d"/>
+  </p:transition>
+  <p:timing>
+    <p:tnLst>
+      <p:par>
+        <p:cTn id="1" dur="indefinite" restart="never" nodeType="tmRoot">
+          <p:childTnLst>
+            <p:seq>
+              <p:cTn id="2" nodeType="mainSeq"/>
+              <p:prevCondLst>
+                <p:cond evt="onPrev" delay="0">
+                  <p:tgtEl>
+                    <p:sldTgt/>
+                  </p:tgtEl>
+                </p:cond>
+              </p:prevCondLst>
+              <p:nextCondLst>
+                <p:cond evt="onNext" delay="0">
+                  <p:tgtEl>
+                    <p:sldTgt/>
+                  </p:tgtEl>
+                </p:cond>
+              </p:nextCondLst>
+            </p:seq>
+          </p:childTnLst>
+        </p:cTn>
+      </p:par>
+    </p:tnLst>
+  </p:timing>
+</p:sld>
+</file>
+
+<file path=ppt/slides/slide3.xml><?xml version="1.0" encoding="utf-8"?>
+<p:sld xmlns:a="http://schemas.openxmlformats.org/drawingml/2006/main" xmlns:r="http://schemas.openxmlformats.org/officeDocument/2006/relationships" xmlns:p="http://schemas.openxmlformats.org/presentationml/2006/main">
+  <p:cSld>
+    <p:spTree>
+      <p:nvGrpSpPr>
+        <p:cNvPr id="1" name=""/>
+        <p:cNvGrpSpPr/>
+        <p:nvPr/>
+      </p:nvGrpSpPr>
+      <p:grpSpPr>
+        <a:xfrm>
+          <a:off x="0" y="0"/>
+          <a:ext cx="0" cy="0"/>
+          <a:chOff x="0" y="0"/>
+          <a:chExt cx="0" cy="0"/>
+        </a:xfrm>
+      </p:grpSpPr>
+      <p:sp>
+        <p:nvSpPr>
+          <p:cNvPr id="118" name="CustomShape 1"/>
+          <p:cNvSpPr/>
+          <p:nvPr/>
+        </p:nvSpPr>
+        <p:spPr>
+          <a:xfrm>
+            <a:off x="457200" y="274680"/>
+            <a:ext cx="8228880" cy="1142280"/>
+          </a:xfrm>
+          <a:prstGeom prst="rect">
+            <a:avLst/>
+          </a:prstGeom>
+          <a:noFill/>
+          <a:ln>
+            <a:noFill/>
+          </a:ln>
+        </p:spPr>
+        <p:txBody>
+          <a:bodyPr lIns="90000" tIns="45000" rIns="90000" bIns="45000" anchor="ctr"/>
+          <a:lstStyle/>
+          <a:p>
+            <a:pPr algn="ctr">
+              <a:lnSpc>
+                <a:spcPct val="100000"/>
+              </a:lnSpc>
+            </a:pPr>
+            <a:r>
+              <a:rPr lang="en-US" sz="4400">
+                <a:solidFill>
+                  <a:srgbClr val="000000"/>
+                </a:solidFill>
+                <a:latin typeface="Calibri"/>
+              </a:rPr>
+              <a:t>Why use FBMS?</a:t>
+            </a:r>
+            <a:endParaRPr/>
+          </a:p>
+        </p:txBody>
+      </p:sp>
+      <p:sp>
+        <p:nvSpPr>
+          <p:cNvPr id="119" name="CustomShape 2"/>
+          <p:cNvSpPr/>
+          <p:nvPr/>
+        </p:nvSpPr>
+        <p:spPr>
+          <a:xfrm>
+            <a:off x="457200" y="1600200"/>
+            <a:ext cx="8228880" cy="4525200"/>
+          </a:xfrm>
+          <a:prstGeom prst="rect">
+            <a:avLst/>
+          </a:prstGeom>
+          <a:noFill/>
+          <a:ln>
+            <a:noFill/>
+          </a:ln>
+        </p:spPr>
+        <p:txBody>
+          <a:bodyPr lIns="90000" tIns="45000" rIns="90000" bIns="45000"/>
+          <a:lstStyle/>
+          <a:p>
+            <a:pPr>
+              <a:lnSpc>
+                <a:spcPct val="100000"/>
+              </a:lnSpc>
+              <a:buFont typeface="Arial"/>
+              <a:buChar char="•"/>
+            </a:pPr>
+            <a:r>
+              <a:rPr lang="en-US" sz="3200">
+                <a:solidFill>
+                  <a:srgbClr val="000000"/>
+                </a:solidFill>
+                <a:latin typeface="Calibri"/>
+              </a:rPr>
+              <a:t>FBMS is easy to use: set it and forget it</a:t>
+            </a:r>
+            <a:endParaRPr/>
+          </a:p>
+          <a:p>
+            <a:pPr>
+              <a:lnSpc>
+                <a:spcPct val="100000"/>
+              </a:lnSpc>
+              <a:buFont typeface="Arial"/>
+              <a:buChar char="•"/>
+            </a:pPr>
+            <a:r>
+              <a:rPr lang="en-US" sz="3200">
+                <a:solidFill>
+                  <a:srgbClr val="000000"/>
+                </a:solidFill>
+                <a:latin typeface="Calibri"/>
+              </a:rPr>
+              <a:t>When you need to access a file, the interface offers options to restore the file from any given revision</a:t>
+            </a:r>
+            <a:endParaRPr/>
+          </a:p>
+          <a:p>
+            <a:pPr>
+              <a:lnSpc>
+                <a:spcPct val="100000"/>
+              </a:lnSpc>
+              <a:buFont typeface="Arial"/>
+              <a:buChar char="•"/>
+            </a:pPr>
+            <a:r>
+              <a:rPr lang="en-US" sz="3200">
+                <a:solidFill>
+                  <a:srgbClr val="000000"/>
+                </a:solidFill>
+                <a:latin typeface="Calibri"/>
+              </a:rPr>
+              <a:t>FBMS works on multi-drive systems, including external and network drives</a:t>
+            </a:r>
+            <a:endParaRPr/>
+          </a:p>
+          <a:p>
+            <a:pPr>
+              <a:lnSpc>
+                <a:spcPct val="100000"/>
+              </a:lnSpc>
+              <a:buFont typeface="Arial"/>
+              <a:buChar char="•"/>
+            </a:pPr>
+            <a:r>
+              <a:rPr lang="en-US" sz="3200">
+                <a:solidFill>
+                  <a:srgbClr val="000000"/>
+                </a:solidFill>
+                <a:latin typeface="Calibri"/>
+              </a:rPr>
+              <a:t>Backups are important: FBMS goes beyond that with the storage of revisions</a:t>
+            </a:r>
+            <a:endParaRPr/>
+          </a:p>
+        </p:txBody>
+      </p:sp>
+    </p:spTree>
+  </p:cSld>
+  <p:clrMapOvr>
+    <a:masterClrMapping/>
+  </p:clrMapOvr>
+  <p:transition spd="med">
+    <p:pull dir="d"/>
+  </p:transition>
+  <p:timing>
+    <p:tnLst>
+      <p:par>
+        <p:cTn id="1" dur="indefinite" restart="never" nodeType="tmRoot">
+          <p:childTnLst>
+            <p:seq>
+              <p:cTn id="2" nodeType="mainSeq"/>
+              <p:prevCondLst>
+                <p:cond evt="onPrev" delay="0">
+                  <p:tgtEl>
+                    <p:sldTgt/>
+                  </p:tgtEl>
+                </p:cond>
+              </p:prevCondLst>
+              <p:nextCondLst>
+                <p:cond evt="onNext" delay="0">
+                  <p:tgtEl>
+                    <p:sldTgt/>
+                  </p:tgtEl>
+                </p:cond>
+              </p:nextCondLst>
+            </p:seq>
+          </p:childTnLst>
+        </p:cTn>
+      </p:par>
+    </p:tnLst>
+  </p:timing>
+</p:sld>
+</file>
+
+<file path=ppt/slides/slide4.xml><?xml version="1.0" encoding="utf-8"?>
+<p:sld xmlns:a="http://schemas.openxmlformats.org/drawingml/2006/main" xmlns:r="http://schemas.openxmlformats.org/officeDocument/2006/relationships" xmlns:p="http://schemas.openxmlformats.org/presentationml/2006/main">
   <p:cSld>
     <p:spTree>
       <p:nvGrpSpPr>
@@ -8231,20 +8775,20 @@
       </p:grpSpPr>
       <p:pic>
         <p:nvPicPr>
-          <p:cNvPr descr="" id="121" name="Picture 2"/>
+          <p:cNvPr id="120" name="Picture 2"/>
           <p:cNvPicPr/>
           <p:nvPr/>
         </p:nvPicPr>
         <p:blipFill>
-          <a:blip r:embed="rId1"/>
+          <a:blip r:embed="rId3"/>
           <a:stretch>
             <a:fillRect/>
           </a:stretch>
         </p:blipFill>
         <p:spPr>
           <a:xfrm>
-            <a:off x="1786680" y="1305720"/>
-            <a:ext cx="5904720" cy="4761720"/>
+            <a:off x="0" y="692640"/>
+            <a:ext cx="9180360" cy="5649120"/>
           </a:xfrm>
           <a:prstGeom prst="rect">
             <a:avLst/>
@@ -8254,56 +8798,19 @@
           </a:ln>
         </p:spPr>
       </p:pic>
-      <p:sp>
-        <p:nvSpPr>
-          <p:cNvPr id="122" name="CustomShape 1"/>
-          <p:cNvSpPr/>
-          <p:nvPr/>
-        </p:nvSpPr>
-        <p:spPr>
-          <a:xfrm>
-            <a:off x="457200" y="274680"/>
-            <a:ext cx="8228880" cy="1142280"/>
-          </a:xfrm>
-          <a:prstGeom prst="rect">
-            <a:avLst/>
-          </a:prstGeom>
-          <a:noFill/>
-          <a:ln>
-            <a:noFill/>
-          </a:ln>
-        </p:spPr>
-        <p:txBody>
-          <a:bodyPr anchor="ctr" bIns="45000" lIns="90000" rIns="90000" tIns="45000"/>
-          <a:p>
-            <a:pPr algn="ctr">
-              <a:lnSpc>
-                <a:spcPct val="100000"/>
-              </a:lnSpc>
-            </a:pPr>
-            <a:r>
-              <a:rPr lang="en-US" sz="3600">
-                <a:solidFill>
-                  <a:srgbClr val="000000"/>
-                </a:solidFill>
-                <a:latin typeface="Calibri"/>
-              </a:rPr>
-              <a:t>Startup system sequence diagram</a:t>
-            </a:r>
-            <a:endParaRPr/>
-          </a:p>
-        </p:txBody>
-      </p:sp>
     </p:spTree>
   </p:cSld>
+  <p:clrMapOvr>
+    <a:masterClrMapping/>
+  </p:clrMapOvr>
   <p:transition spd="med">
     <p:pull dir="d"/>
   </p:transition>
 </p:sld>
 </file>
 
-<file path=ppt/slides/slide6.xml><?xml version="1.0" encoding="utf-8"?>
-<p:sld xmlns:a="http://schemas.openxmlformats.org/drawingml/2006/main" xmlns:p="http://schemas.openxmlformats.org/presentationml/2006/main" xmlns:r="http://schemas.openxmlformats.org/officeDocument/2006/relationships">
+<file path=ppt/slides/slide5.xml><?xml version="1.0" encoding="utf-8"?>
+<p:sld xmlns:a="http://schemas.openxmlformats.org/drawingml/2006/main" xmlns:r="http://schemas.openxmlformats.org/officeDocument/2006/relationships" xmlns:p="http://schemas.openxmlformats.org/presentationml/2006/main">
   <p:cSld>
     <p:spTree>
       <p:nvGrpSpPr>
@@ -8319,16 +8826,41 @@
           <a:chExt cx="0" cy="0"/>
         </a:xfrm>
       </p:grpSpPr>
-      <p:sp>
-        <p:nvSpPr>
-          <p:cNvPr id="123" name="CustomShape 1"/>
+      <p:pic>
+        <p:nvPicPr>
+          <p:cNvPr id="121" name="Picture 2"/>
+          <p:cNvPicPr/>
+          <p:nvPr/>
+        </p:nvPicPr>
+        <p:blipFill>
+          <a:blip r:embed="rId3"/>
+          <a:stretch>
+            <a:fillRect/>
+          </a:stretch>
+        </p:blipFill>
+        <p:spPr>
+          <a:xfrm>
+            <a:off x="1786680" y="1305720"/>
+            <a:ext cx="5904720" cy="4761720"/>
+          </a:xfrm>
+          <a:prstGeom prst="rect">
+            <a:avLst/>
+          </a:prstGeom>
+          <a:ln>
+            <a:noFill/>
+          </a:ln>
+        </p:spPr>
+      </p:pic>
+      <p:sp>
+        <p:nvSpPr>
+          <p:cNvPr id="122" name="CustomShape 1"/>
           <p:cNvSpPr/>
           <p:nvPr/>
         </p:nvSpPr>
         <p:spPr>
           <a:xfrm>
-            <a:off x="457200" y="2709000"/>
-            <a:ext cx="8228880" cy="3416400"/>
+            <a:off x="457200" y="274680"/>
+            <a:ext cx="8228880" cy="1142280"/>
           </a:xfrm>
           <a:prstGeom prst="rect">
             <a:avLst/>
@@ -8339,7 +8871,8 @@
           </a:ln>
         </p:spPr>
         <p:txBody>
-          <a:bodyPr bIns="45000" lIns="90000" rIns="90000" tIns="45000"/>
+          <a:bodyPr lIns="90000" tIns="45000" rIns="90000" bIns="45000" anchor="ctr"/>
+          <a:lstStyle/>
           <a:p>
             <a:pPr algn="ctr">
               <a:lnSpc>
@@ -8347,14 +8880,13 @@
               </a:lnSpc>
             </a:pPr>
             <a:r>
-              <a:rPr lang="en-US" sz="3200" u="sng">
+              <a:rPr lang="en-US" sz="3600">
                 <a:solidFill>
-                  <a:srgbClr val="0000ff"/>
+                  <a:srgbClr val="000000"/>
                 </a:solidFill>
                 <a:latin typeface="Calibri"/>
-                <a:hlinkClick r:id="rId1"/>
               </a:rPr>
-              <a:t>Class_diagram</a:t>
+              <a:t>Startup system sequence diagram</a:t>
             </a:r>
             <a:endParaRPr/>
           </a:p>
@@ -8362,14 +8894,17 @@
       </p:sp>
     </p:spTree>
   </p:cSld>
+  <p:clrMapOvr>
+    <a:masterClrMapping/>
+  </p:clrMapOvr>
   <p:transition spd="med">
     <p:pull dir="d"/>
   </p:transition>
 </p:sld>
 </file>
 
-<file path=ppt/slides/slide7.xml><?xml version="1.0" encoding="utf-8"?>
-<p:sld xmlns:a="http://schemas.openxmlformats.org/drawingml/2006/main" xmlns:p="http://schemas.openxmlformats.org/presentationml/2006/main" xmlns:r="http://schemas.openxmlformats.org/officeDocument/2006/relationships">
+<file path=ppt/slides/slide6.xml><?xml version="1.0" encoding="utf-8"?>
+<p:sld xmlns:a="http://schemas.openxmlformats.org/drawingml/2006/main" xmlns:r="http://schemas.openxmlformats.org/officeDocument/2006/relationships" xmlns:p="http://schemas.openxmlformats.org/presentationml/2006/main">
   <p:cSld>
     <p:spTree>
       <p:nvGrpSpPr>
@@ -8387,14 +8922,14 @@
       </p:grpSpPr>
       <p:sp>
         <p:nvSpPr>
-          <p:cNvPr id="124" name="CustomShape 1"/>
+          <p:cNvPr id="123" name="CustomShape 1"/>
           <p:cNvSpPr/>
           <p:nvPr/>
         </p:nvSpPr>
         <p:spPr>
           <a:xfrm>
-            <a:off x="457200" y="274680"/>
-            <a:ext cx="8228880" cy="1142280"/>
+            <a:off x="457200" y="2709000"/>
+            <a:ext cx="8228880" cy="3416400"/>
           </a:xfrm>
           <a:prstGeom prst="rect">
             <a:avLst/>
@@ -8405,7 +8940,8 @@
           </a:ln>
         </p:spPr>
         <p:txBody>
-          <a:bodyPr anchor="ctr" bIns="45000" lIns="90000" rIns="90000" tIns="45000"/>
+          <a:bodyPr lIns="90000" tIns="45000" rIns="90000" bIns="45000"/>
+          <a:lstStyle/>
           <a:p>
             <a:pPr algn="ctr">
               <a:lnSpc>
@@ -8413,93 +8949,14 @@
               </a:lnSpc>
             </a:pPr>
             <a:r>
-              <a:rPr lang="en-US" sz="4400">
+              <a:rPr lang="en-US" sz="3200" u="sng">
                 <a:solidFill>
-                  <a:srgbClr val="000000"/>
+                  <a:srgbClr val="0000FF"/>
                 </a:solidFill>
                 <a:latin typeface="Calibri"/>
+                <a:hlinkClick r:id="rId3"/>
               </a:rPr>
-              <a:t>Achieved so far</a:t>
-            </a:r>
-            <a:endParaRPr/>
-          </a:p>
-        </p:txBody>
-      </p:sp>
-      <p:sp>
-        <p:nvSpPr>
-          <p:cNvPr id="125" name="CustomShape 2"/>
-          <p:cNvSpPr/>
-          <p:nvPr/>
-        </p:nvSpPr>
-        <p:spPr>
-          <a:xfrm>
-            <a:off x="457200" y="1600200"/>
-            <a:ext cx="8228880" cy="4525200"/>
-          </a:xfrm>
-          <a:prstGeom prst="rect">
-            <a:avLst/>
-          </a:prstGeom>
-          <a:noFill/>
-          <a:ln>
-            <a:noFill/>
-          </a:ln>
-        </p:spPr>
-        <p:txBody>
-          <a:bodyPr bIns="45000" lIns="90000" rIns="90000" tIns="45000"/>
-          <a:p>
-            <a:pPr>
-              <a:lnSpc>
-                <a:spcPct val="100000"/>
-              </a:lnSpc>
-              <a:buFont typeface="Arial"/>
-              <a:buChar char="•"/>
-            </a:pPr>
-            <a:r>
-              <a:rPr lang="en-US" sz="3200">
-                <a:solidFill>
-                  <a:srgbClr val="000000"/>
-                </a:solidFill>
-                <a:latin typeface="Calibri"/>
-              </a:rPr>
-              <a:t>The second version of the project is now finished</a:t>
-            </a:r>
-            <a:endParaRPr/>
-          </a:p>
-          <a:p>
-            <a:pPr>
-              <a:lnSpc>
-                <a:spcPct val="100000"/>
-              </a:lnSpc>
-              <a:buFont typeface="Arial"/>
-              <a:buChar char="•"/>
-            </a:pPr>
-            <a:r>
-              <a:rPr lang="en-US" sz="3200">
-                <a:solidFill>
-                  <a:srgbClr val="000000"/>
-                </a:solidFill>
-                <a:latin typeface="Calibri"/>
-              </a:rPr>
-              <a:t>The first version revisioned plain text files, making patches of the changes in each revision</a:t>
-            </a:r>
-            <a:endParaRPr/>
-          </a:p>
-          <a:p>
-            <a:pPr>
-              <a:lnSpc>
-                <a:spcPct val="100000"/>
-              </a:lnSpc>
-              <a:buFont typeface="Arial"/>
-              <a:buChar char="•"/>
-            </a:pPr>
-            <a:r>
-              <a:rPr lang="en-US" sz="3200">
-                <a:solidFill>
-                  <a:srgbClr val="000000"/>
-                </a:solidFill>
-                <a:latin typeface="Calibri"/>
-              </a:rPr>
-              <a:t>Version 2.0 of the program added support for binary files, which are stored as raw binary data</a:t>
+              <a:t>Class_diagram</a:t>
             </a:r>
             <a:endParaRPr/>
           </a:p>
@@ -8507,14 +8964,17 @@
       </p:sp>
     </p:spTree>
   </p:cSld>
+  <p:clrMapOvr>
+    <a:masterClrMapping/>
+  </p:clrMapOvr>
   <p:transition spd="med">
     <p:pull dir="d"/>
   </p:transition>
 </p:sld>
 </file>
 
-<file path=ppt/slides/slide8.xml><?xml version="1.0" encoding="utf-8"?>
-<p:sld xmlns:a="http://schemas.openxmlformats.org/drawingml/2006/main" xmlns:p="http://schemas.openxmlformats.org/presentationml/2006/main" xmlns:r="http://schemas.openxmlformats.org/officeDocument/2006/relationships">
+<file path=ppt/slides/slide7.xml><?xml version="1.0" encoding="utf-8"?>
+<p:sld xmlns:a="http://schemas.openxmlformats.org/drawingml/2006/main" xmlns:r="http://schemas.openxmlformats.org/officeDocument/2006/relationships" xmlns:p="http://schemas.openxmlformats.org/presentationml/2006/main">
   <p:cSld>
     <p:spTree>
       <p:nvGrpSpPr>
@@ -8532,7 +8992,7 @@
       </p:grpSpPr>
       <p:sp>
         <p:nvSpPr>
-          <p:cNvPr id="126" name="CustomShape 1"/>
+          <p:cNvPr id="124" name="CustomShape 1"/>
           <p:cNvSpPr/>
           <p:nvPr/>
         </p:nvSpPr>
@@ -8550,7 +9010,8 @@
           </a:ln>
         </p:spPr>
         <p:txBody>
-          <a:bodyPr anchor="ctr" bIns="45000" lIns="90000" rIns="90000" tIns="45000"/>
+          <a:bodyPr lIns="90000" tIns="45000" rIns="90000" bIns="45000" anchor="ctr"/>
+          <a:lstStyle/>
           <a:p>
             <a:pPr algn="ctr">
               <a:lnSpc>
@@ -8572,7 +9033,7 @@
       </p:sp>
       <p:sp>
         <p:nvSpPr>
-          <p:cNvPr id="127" name="CustomShape 2"/>
+          <p:cNvPr id="125" name="CustomShape 2"/>
           <p:cNvSpPr/>
           <p:nvPr/>
         </p:nvSpPr>
@@ -8590,7 +9051,158 @@
           </a:ln>
         </p:spPr>
         <p:txBody>
-          <a:bodyPr bIns="45000" lIns="90000" rIns="90000" tIns="45000"/>
+          <a:bodyPr lIns="90000" tIns="45000" rIns="90000" bIns="45000"/>
+          <a:lstStyle/>
+          <a:p>
+            <a:pPr>
+              <a:lnSpc>
+                <a:spcPct val="100000"/>
+              </a:lnSpc>
+              <a:buFont typeface="Arial"/>
+              <a:buChar char="•"/>
+            </a:pPr>
+            <a:r>
+              <a:rPr lang="en-US" sz="3200">
+                <a:solidFill>
+                  <a:srgbClr val="000000"/>
+                </a:solidFill>
+                <a:latin typeface="Calibri"/>
+              </a:rPr>
+              <a:t>The second version of the project is now finished</a:t>
+            </a:r>
+            <a:endParaRPr/>
+          </a:p>
+          <a:p>
+            <a:pPr>
+              <a:lnSpc>
+                <a:spcPct val="100000"/>
+              </a:lnSpc>
+              <a:buFont typeface="Arial"/>
+              <a:buChar char="•"/>
+            </a:pPr>
+            <a:r>
+              <a:rPr lang="en-US" sz="3200">
+                <a:solidFill>
+                  <a:srgbClr val="000000"/>
+                </a:solidFill>
+                <a:latin typeface="Calibri"/>
+              </a:rPr>
+              <a:t>The first version revisioned plain text files, making patches of the changes in each revision</a:t>
+            </a:r>
+            <a:endParaRPr/>
+          </a:p>
+          <a:p>
+            <a:pPr>
+              <a:lnSpc>
+                <a:spcPct val="100000"/>
+              </a:lnSpc>
+              <a:buFont typeface="Arial"/>
+              <a:buChar char="•"/>
+            </a:pPr>
+            <a:r>
+              <a:rPr lang="en-US" sz="3200">
+                <a:solidFill>
+                  <a:srgbClr val="000000"/>
+                </a:solidFill>
+                <a:latin typeface="Calibri"/>
+              </a:rPr>
+              <a:t>Version 2.0 of the program added support for binary files, which are stored as raw binary data</a:t>
+            </a:r>
+            <a:endParaRPr/>
+          </a:p>
+        </p:txBody>
+      </p:sp>
+    </p:spTree>
+  </p:cSld>
+  <p:clrMapOvr>
+    <a:masterClrMapping/>
+  </p:clrMapOvr>
+  <p:transition spd="med">
+    <p:pull dir="d"/>
+  </p:transition>
+</p:sld>
+</file>
+
+<file path=ppt/slides/slide8.xml><?xml version="1.0" encoding="utf-8"?>
+<p:sld xmlns:a="http://schemas.openxmlformats.org/drawingml/2006/main" xmlns:r="http://schemas.openxmlformats.org/officeDocument/2006/relationships" xmlns:p="http://schemas.openxmlformats.org/presentationml/2006/main">
+  <p:cSld>
+    <p:spTree>
+      <p:nvGrpSpPr>
+        <p:cNvPr id="1" name=""/>
+        <p:cNvGrpSpPr/>
+        <p:nvPr/>
+      </p:nvGrpSpPr>
+      <p:grpSpPr>
+        <a:xfrm>
+          <a:off x="0" y="0"/>
+          <a:ext cx="0" cy="0"/>
+          <a:chOff x="0" y="0"/>
+          <a:chExt cx="0" cy="0"/>
+        </a:xfrm>
+      </p:grpSpPr>
+      <p:sp>
+        <p:nvSpPr>
+          <p:cNvPr id="126" name="CustomShape 1"/>
+          <p:cNvSpPr/>
+          <p:nvPr/>
+        </p:nvSpPr>
+        <p:spPr>
+          <a:xfrm>
+            <a:off x="457200" y="274680"/>
+            <a:ext cx="8228880" cy="1142280"/>
+          </a:xfrm>
+          <a:prstGeom prst="rect">
+            <a:avLst/>
+          </a:prstGeom>
+          <a:noFill/>
+          <a:ln>
+            <a:noFill/>
+          </a:ln>
+        </p:spPr>
+        <p:txBody>
+          <a:bodyPr lIns="90000" tIns="45000" rIns="90000" bIns="45000" anchor="ctr"/>
+          <a:lstStyle/>
+          <a:p>
+            <a:pPr algn="ctr">
+              <a:lnSpc>
+                <a:spcPct val="100000"/>
+              </a:lnSpc>
+            </a:pPr>
+            <a:r>
+              <a:rPr lang="en-US" sz="4400">
+                <a:solidFill>
+                  <a:srgbClr val="000000"/>
+                </a:solidFill>
+                <a:latin typeface="Calibri"/>
+              </a:rPr>
+              <a:t>Achieved so far</a:t>
+            </a:r>
+            <a:endParaRPr/>
+          </a:p>
+        </p:txBody>
+      </p:sp>
+      <p:sp>
+        <p:nvSpPr>
+          <p:cNvPr id="127" name="CustomShape 2"/>
+          <p:cNvSpPr/>
+          <p:nvPr/>
+        </p:nvSpPr>
+        <p:spPr>
+          <a:xfrm>
+            <a:off x="457200" y="1600200"/>
+            <a:ext cx="8228880" cy="4525200"/>
+          </a:xfrm>
+          <a:prstGeom prst="rect">
+            <a:avLst/>
+          </a:prstGeom>
+          <a:noFill/>
+          <a:ln>
+            <a:noFill/>
+          </a:ln>
+        </p:spPr>
+        <p:txBody>
+          <a:bodyPr lIns="90000" tIns="45000" rIns="90000" bIns="45000"/>
+          <a:lstStyle/>
           <a:p>
             <a:pPr>
               <a:lnSpc>
@@ -8652,25 +9264,28 @@
       </p:sp>
     </p:spTree>
   </p:cSld>
+  <p:clrMapOvr>
+    <a:masterClrMapping/>
+  </p:clrMapOvr>
   <p:transition spd="med">
     <p:pull dir="d"/>
   </p:transition>
   <p:timing>
     <p:tnLst>
       <p:par>
-        <p:cTn dur="indefinite" id="5" nodeType="tmRoot" restart="never">
+        <p:cTn id="1" dur="indefinite" restart="never" nodeType="tmRoot">
           <p:childTnLst>
             <p:seq>
-              <p:cTn id="6" nodeType="mainSeq"/>
+              <p:cTn id="2" nodeType="mainSeq"/>
               <p:prevCondLst>
-                <p:cond delay="0" evt="onPrev">
+                <p:cond evt="onPrev" delay="0">
                   <p:tgtEl>
                     <p:sldTgt/>
                   </p:tgtEl>
                 </p:cond>
               </p:prevCondLst>
               <p:nextCondLst>
-                <p:cond delay="0" evt="onNext">
+                <p:cond evt="onNext" delay="0">
                   <p:tgtEl>
                     <p:sldTgt/>
                   </p:tgtEl>
@@ -8686,7 +9301,7 @@
 </file>
 
 <file path=ppt/slides/slide9.xml><?xml version="1.0" encoding="utf-8"?>
-<p:sld xmlns:a="http://schemas.openxmlformats.org/drawingml/2006/main" xmlns:p="http://schemas.openxmlformats.org/presentationml/2006/main" xmlns:r="http://schemas.openxmlformats.org/officeDocument/2006/relationships">
+<p:sld xmlns:a="http://schemas.openxmlformats.org/drawingml/2006/main" xmlns:r="http://schemas.openxmlformats.org/officeDocument/2006/relationships" xmlns:p="http://schemas.openxmlformats.org/presentationml/2006/main">
   <p:cSld>
     <p:spTree>
       <p:nvGrpSpPr>
@@ -8722,7 +9337,8 @@
           </a:ln>
         </p:spPr>
         <p:txBody>
-          <a:bodyPr anchor="ctr" bIns="45000" lIns="90000" rIns="90000" tIns="45000"/>
+          <a:bodyPr lIns="90000" tIns="45000" rIns="90000" bIns="45000" anchor="ctr"/>
+          <a:lstStyle/>
           <a:p>
             <a:pPr algn="ctr">
               <a:lnSpc>
@@ -8730,7 +9346,7 @@
               </a:lnSpc>
             </a:pPr>
             <a:r>
-              <a:rPr lang="en-US" sz="4400">
+              <a:rPr lang="en-US" sz="4400" dirty="0">
                 <a:solidFill>
                   <a:srgbClr val="000000"/>
                 </a:solidFill>
@@ -8738,7 +9354,7 @@
               </a:rPr>
               <a:t>Achieved so far</a:t>
             </a:r>
-            <a:endParaRPr/>
+            <a:endParaRPr dirty="0"/>
           </a:p>
         </p:txBody>
       </p:sp>
@@ -8762,7 +9378,8 @@
           </a:ln>
         </p:spPr>
         <p:txBody>
-          <a:bodyPr bIns="45000" lIns="90000" rIns="90000" tIns="45000"/>
+          <a:bodyPr lIns="90000" tIns="45000" rIns="90000" bIns="45000"/>
+          <a:lstStyle/>
           <a:p>
             <a:pPr algn="r">
               <a:lnSpc>
@@ -8770,7 +9387,7 @@
               </a:lnSpc>
             </a:pPr>
             <a:r>
-              <a:rPr lang="en-US" sz="2400">
+              <a:rPr lang="en-US" sz="2400" dirty="0">
                 <a:solidFill>
                   <a:srgbClr val="000000"/>
                 </a:solidFill>
@@ -8778,18 +9395,18 @@
               </a:rPr>
               <a:t>The main interface, showing all available files</a:t>
             </a:r>
-            <a:endParaRPr/>
+            <a:endParaRPr dirty="0"/>
           </a:p>
         </p:txBody>
       </p:sp>
       <p:pic>
         <p:nvPicPr>
-          <p:cNvPr descr="" id="130" name="Picture 2"/>
+          <p:cNvPr id="130" name="Picture 2"/>
           <p:cNvPicPr/>
           <p:nvPr/>
         </p:nvPicPr>
         <p:blipFill>
-          <a:blip r:embed="rId1"/>
+          <a:blip r:embed="rId3"/>
           <a:stretch>
             <a:fillRect/>
           </a:stretch>
@@ -8809,25 +9426,28 @@
       </p:pic>
     </p:spTree>
   </p:cSld>
+  <p:clrMapOvr>
+    <a:masterClrMapping/>
+  </p:clrMapOvr>
   <p:transition spd="med">
     <p:pull dir="d"/>
   </p:transition>
   <p:timing>
     <p:tnLst>
       <p:par>
-        <p:cTn dur="indefinite" id="7" nodeType="tmRoot" restart="never">
+        <p:cTn id="1" dur="indefinite" restart="never" nodeType="tmRoot">
           <p:childTnLst>
             <p:seq>
-              <p:cTn id="8" nodeType="mainSeq"/>
+              <p:cTn id="2" nodeType="mainSeq"/>
               <p:prevCondLst>
-                <p:cond delay="0" evt="onPrev">
+                <p:cond evt="onPrev" delay="0">
                   <p:tgtEl>
                     <p:sldTgt/>
                   </p:tgtEl>
                 </p:cond>
               </p:prevCondLst>
               <p:nextCondLst>
-                <p:cond delay="0" evt="onNext">
+                <p:cond evt="onNext" delay="0">
                   <p:tgtEl>
                     <p:sldTgt/>
                   </p:tgtEl>
@@ -9062,6 +9682,8 @@
       </a:bgFillStyleLst>
     </a:fmtScheme>
   </a:themeElements>
+  <a:objectDefaults/>
+  <a:extraClrSchemeLst/>
 </a:theme>
 </file>
 
@@ -9285,6 +9907,8 @@
       </a:bgFillStyleLst>
     </a:fmtScheme>
   </a:themeElements>
+  <a:objectDefaults/>
+  <a:extraClrSchemeLst/>
 </a:theme>
 </file>
 
@@ -9508,6 +10132,8 @@
       </a:bgFillStyleLst>
     </a:fmtScheme>
   </a:themeElements>
+  <a:objectDefaults/>
+  <a:extraClrSchemeLst/>
 </a:theme>
 </file>
 
@@ -9731,5 +10357,7 @@
       </a:bgFillStyleLst>
     </a:fmtScheme>
   </a:themeElements>
+  <a:objectDefaults/>
+  <a:extraClrSchemeLst/>
 </a:theme>
 </file>
--- a/trunk/doc/milestone_6/final_presentation.pptx
+++ b/trunk/doc/milestone_6/final_presentation.pptx
@@ -534,7 +534,7 @@
       </p:grpSpPr>
       <p:sp>
         <p:nvSpPr>
-          <p:cNvPr id="170" name="PlaceHolder 1"/>
+          <p:cNvPr id="168" name="PlaceHolder 1"/>
           <p:cNvSpPr>
             <a:spLocks noGrp="1"/>
           </p:cNvSpPr>
@@ -564,15 +564,7 @@
             </a:pPr>
             <a:r>
               <a:rPr lang="en-US"/>
-              <a:t>Mention how the interfaces use local L&amp;F, sizing constraints; mention we support WINDOWS and LINUX (</a:t>
-            </a:r>
-            <a:r>
-              <a:rPr lang="en-US" b="1"/>
-              <a:t>no</a:t>
-            </a:r>
-            <a:r>
-              <a:rPr lang="en-US"/>
-              <a:t> support for macs)</a:t>
+              <a:t>Mention how startup scan compares file contents to detect differences between the files; still revisions changes</a:t>
             </a:r>
             <a:endParaRPr/>
           </a:p>
@@ -586,43 +578,15 @@
             </a:pPr>
             <a:r>
               <a:rPr lang="en-US"/>
-              <a:t>First library failed, used a different one instead</a:t>
-            </a:r>
-            <a:endParaRPr/>
-          </a:p>
-          <a:p>
-            <a:pPr>
-              <a:lnSpc>
-                <a:spcPct val="100000"/>
-              </a:lnSpc>
-              <a:buFont typeface="Arial"/>
-              <a:buChar char="•"/>
-            </a:pPr>
-            <a:r>
-              <a:rPr lang="en-US"/>
-              <a:t>User friendly GUI needs mention of changes to default table behavior, keyboard navigation, etc. Mimicking a file browser</a:t>
-            </a:r>
-            <a:endParaRPr/>
-          </a:p>
-          <a:p>
-            <a:pPr>
-              <a:lnSpc>
-                <a:spcPct val="100000"/>
-              </a:lnSpc>
-              <a:buFont typeface="Arial"/>
-              <a:buChar char="•"/>
-            </a:pPr>
-            <a:r>
-              <a:rPr lang="en-US"/>
-              <a:t>Mention how binary files are stored differently in the revision database and required changes around the board</a:t>
-            </a:r>
-            <a:endParaRPr/>
-          </a:p>
-        </p:txBody>
-      </p:sp>
-      <p:sp>
-        <p:nvSpPr>
-          <p:cNvPr id="171" name="CustomShape 2"/>
+              <a:t>Trim feature disabled by default; removes files older than a user specified number of days</a:t>
+            </a:r>
+            <a:endParaRPr/>
+          </a:p>
+        </p:txBody>
+      </p:sp>
+      <p:sp>
+        <p:nvSpPr>
+          <p:cNvPr id="169" name="CustomShape 2"/>
           <p:cNvSpPr/>
           <p:nvPr/>
         </p:nvSpPr>
@@ -648,7 +612,7 @@
                 <a:spcPct val="100000"/>
               </a:lnSpc>
             </a:pPr>
-            <a:fld id="{280BDD30-5755-4864-AB0F-322B5A220870}" type="slidenum">
+            <a:fld id="{096FD3AC-B4A2-4AE5-93A8-1C5DF2FDA5C7}" type="slidenum">
               <a:rPr lang="en-US" sz="1200">
                 <a:solidFill>
                   <a:srgbClr val="000000"/>
@@ -656,7 +620,7 @@
                 <a:latin typeface="+mn-lt"/>
                 <a:ea typeface="+mn-ea"/>
               </a:rPr>
-              <a:t>13</a:t>
+              <a:t>12</a:t>
             </a:fld>
             <a:endParaRPr/>
           </a:p>
@@ -689,7 +653,7 @@
       </p:grpSpPr>
       <p:sp>
         <p:nvSpPr>
-          <p:cNvPr id="172" name="PlaceHolder 1"/>
+          <p:cNvPr id="170" name="PlaceHolder 1"/>
           <p:cNvSpPr>
             <a:spLocks noGrp="1"/>
           </p:cNvSpPr>
@@ -719,7 +683,15 @@
             </a:pPr>
             <a:r>
               <a:rPr lang="en-US"/>
-              <a:t>Mention how swap files are recognized in the system as a create and a rename, which requires special handling</a:t>
+              <a:t>Mention how the interfaces use local L&amp;F, sizing constraints; mention we support WINDOWS and LINUX (</a:t>
+            </a:r>
+            <a:r>
+              <a:rPr lang="en-US" b="1"/>
+              <a:t>no</a:t>
+            </a:r>
+            <a:r>
+              <a:rPr lang="en-US"/>
+              <a:t> support for macs)</a:t>
             </a:r>
             <a:endParaRPr/>
           </a:p>
@@ -733,7 +705,7 @@
             </a:pPr>
             <a:r>
               <a:rPr lang="en-US"/>
-              <a:t>Other editors will be recognized as merely an edit</a:t>
+              <a:t>First library failed, used a different one instead</a:t>
             </a:r>
             <a:endParaRPr/>
           </a:p>
@@ -747,7 +719,7 @@
             </a:pPr>
             <a:r>
               <a:rPr lang="en-US"/>
-              <a:t>Files could be created in a way that overwrites an existing file</a:t>
+              <a:t>User friendly GUI needs mention of changes to default table behavior, keyboard navigation, etc. Mimicking a file browser</a:t>
             </a:r>
             <a:endParaRPr/>
           </a:p>
@@ -761,15 +733,15 @@
             </a:pPr>
             <a:r>
               <a:rPr lang="en-US"/>
-              <a:t>All of these cases are considered to be “modifying” a file, despite how their internal representation is</a:t>
-            </a:r>
-            <a:endParaRPr/>
-          </a:p>
-        </p:txBody>
-      </p:sp>
-      <p:sp>
-        <p:nvSpPr>
-          <p:cNvPr id="173" name="CustomShape 2"/>
+              <a:t>Mention how binary files are stored differently in the revision database and required changes around the board</a:t>
+            </a:r>
+            <a:endParaRPr/>
+          </a:p>
+        </p:txBody>
+      </p:sp>
+      <p:sp>
+        <p:nvSpPr>
+          <p:cNvPr id="171" name="CustomShape 2"/>
           <p:cNvSpPr/>
           <p:nvPr/>
         </p:nvSpPr>
@@ -795,7 +767,7 @@
                 <a:spcPct val="100000"/>
               </a:lnSpc>
             </a:pPr>
-            <a:fld id="{9BC689D5-1197-4AF0-8447-59C216BC0892}" type="slidenum">
+            <a:fld id="{280BDD30-5755-4864-AB0F-322B5A220870}" type="slidenum">
               <a:rPr lang="en-US" sz="1200">
                 <a:solidFill>
                   <a:srgbClr val="000000"/>
@@ -803,7 +775,7 @@
                 <a:latin typeface="+mn-lt"/>
                 <a:ea typeface="+mn-ea"/>
               </a:rPr>
-              <a:t>14</a:t>
+              <a:t>13</a:t>
             </a:fld>
             <a:endParaRPr/>
           </a:p>
@@ -836,7 +808,7 @@
       </p:grpSpPr>
       <p:sp>
         <p:nvSpPr>
-          <p:cNvPr id="174" name="PlaceHolder 1"/>
+          <p:cNvPr id="172" name="PlaceHolder 1"/>
           <p:cNvSpPr>
             <a:spLocks noGrp="1"/>
           </p:cNvSpPr>
@@ -916,7 +888,7 @@
       </p:sp>
       <p:sp>
         <p:nvSpPr>
-          <p:cNvPr id="175" name="CustomShape 2"/>
+          <p:cNvPr id="173" name="CustomShape 2"/>
           <p:cNvSpPr/>
           <p:nvPr/>
         </p:nvSpPr>
@@ -942,7 +914,7 @@
                 <a:spcPct val="100000"/>
               </a:lnSpc>
             </a:pPr>
-            <a:fld id="{EAB19A50-E81F-46B5-A051-0A8329BA354C}" type="slidenum">
+            <a:fld id="{9BC689D5-1197-4AF0-8447-59C216BC0892}" type="slidenum">
               <a:rPr lang="en-US" sz="1200">
                 <a:solidFill>
                   <a:srgbClr val="000000"/>
@@ -950,7 +922,7 @@
                 <a:latin typeface="+mn-lt"/>
                 <a:ea typeface="+mn-ea"/>
               </a:rPr>
-              <a:t>15</a:t>
+              <a:t>14</a:t>
             </a:fld>
             <a:endParaRPr/>
           </a:p>
@@ -983,7 +955,7 @@
       </p:grpSpPr>
       <p:sp>
         <p:nvSpPr>
-          <p:cNvPr id="176" name="PlaceHolder 1"/>
+          <p:cNvPr id="174" name="PlaceHolder 1"/>
           <p:cNvSpPr>
             <a:spLocks noGrp="1"/>
           </p:cNvSpPr>
@@ -1013,19 +985,7 @@
             </a:pPr>
             <a:r>
               <a:rPr lang="en-US"/>
-              <a:t>Mention that the patch is BACKWARDS!!! </a:t>
-            </a:r>
-            <a:r>
-              <a:rPr lang="en-US">
-                <a:latin typeface="Wingdings"/>
-              </a:rPr>
-              <a:t> </a:t>
-            </a:r>
-            <a:r>
-              <a:rPr lang="en-US" b="1">
-                <a:latin typeface="Wingdings"/>
-              </a:rPr>
-              <a:t>Yo, this one’s important</a:t>
+              <a:t>Mention how swap files are recognized in the system as a create and a rename, which requires special handling</a:t>
             </a:r>
             <a:endParaRPr/>
           </a:p>
@@ -1038,10 +998,8 @@
               <a:buChar char="•"/>
             </a:pPr>
             <a:r>
-              <a:rPr lang="en-US">
-                <a:latin typeface="Wingdings"/>
-              </a:rPr>
-              <a:t>Patch goes from after to before</a:t>
+              <a:rPr lang="en-US"/>
+              <a:t>Other editors will be recognized as merely an edit</a:t>
             </a:r>
             <a:endParaRPr/>
           </a:p>
@@ -1054,18 +1012,30 @@
               <a:buChar char="•"/>
             </a:pPr>
             <a:r>
-              <a:rPr lang="en-US">
-                <a:latin typeface="Wingdings"/>
-              </a:rPr>
-              <a:t>This is because we only use the patches to restore older versions of the file</a:t>
-            </a:r>
-            <a:endParaRPr/>
-          </a:p>
-        </p:txBody>
-      </p:sp>
-      <p:sp>
-        <p:nvSpPr>
-          <p:cNvPr id="177" name="CustomShape 2"/>
+              <a:rPr lang="en-US"/>
+              <a:t>Files could be created in a way that overwrites an existing file</a:t>
+            </a:r>
+            <a:endParaRPr/>
+          </a:p>
+          <a:p>
+            <a:pPr>
+              <a:lnSpc>
+                <a:spcPct val="100000"/>
+              </a:lnSpc>
+              <a:buFont typeface="Arial"/>
+              <a:buChar char="•"/>
+            </a:pPr>
+            <a:r>
+              <a:rPr lang="en-US"/>
+              <a:t>All of these cases are considered to be “modifying” a file, despite how their internal representation is</a:t>
+            </a:r>
+            <a:endParaRPr/>
+          </a:p>
+        </p:txBody>
+      </p:sp>
+      <p:sp>
+        <p:nvSpPr>
+          <p:cNvPr id="175" name="CustomShape 2"/>
           <p:cNvSpPr/>
           <p:nvPr/>
         </p:nvSpPr>
@@ -1091,7 +1061,7 @@
                 <a:spcPct val="100000"/>
               </a:lnSpc>
             </a:pPr>
-            <a:fld id="{5FA99F1A-A90B-4EF9-A542-0A151AD5F2F1}" type="slidenum">
+            <a:fld id="{EAB19A50-E81F-46B5-A051-0A8329BA354C}" type="slidenum">
               <a:rPr lang="en-US" sz="1200">
                 <a:solidFill>
                   <a:srgbClr val="000000"/>
@@ -1099,7 +1069,7 @@
                 <a:latin typeface="+mn-lt"/>
                 <a:ea typeface="+mn-ea"/>
               </a:rPr>
-              <a:t>16</a:t>
+              <a:t>15</a:t>
             </a:fld>
             <a:endParaRPr/>
           </a:p>
@@ -1132,6 +1102,155 @@
       </p:grpSpPr>
       <p:sp>
         <p:nvSpPr>
+          <p:cNvPr id="176" name="PlaceHolder 1"/>
+          <p:cNvSpPr>
+            <a:spLocks noGrp="1"/>
+          </p:cNvSpPr>
+          <p:nvPr>
+            <p:ph type="body"/>
+          </p:nvPr>
+        </p:nvSpPr>
+        <p:spPr>
+          <a:xfrm>
+            <a:off x="685800" y="4343400"/>
+            <a:ext cx="5485680" cy="4114080"/>
+          </a:xfrm>
+          <a:prstGeom prst="rect">
+            <a:avLst/>
+          </a:prstGeom>
+        </p:spPr>
+        <p:txBody>
+          <a:bodyPr lIns="0" tIns="0" rIns="0" bIns="0"/>
+          <a:lstStyle/>
+          <a:p>
+            <a:pPr>
+              <a:lnSpc>
+                <a:spcPct val="100000"/>
+              </a:lnSpc>
+              <a:buFont typeface="Arial"/>
+              <a:buChar char="•"/>
+            </a:pPr>
+            <a:r>
+              <a:rPr lang="en-US"/>
+              <a:t>Mention that the patch is BACKWARDS!!! </a:t>
+            </a:r>
+            <a:r>
+              <a:rPr lang="en-US">
+                <a:latin typeface="Wingdings"/>
+              </a:rPr>
+              <a:t> </a:t>
+            </a:r>
+            <a:r>
+              <a:rPr lang="en-US" b="1">
+                <a:latin typeface="Wingdings"/>
+              </a:rPr>
+              <a:t>Yo, this one’s important</a:t>
+            </a:r>
+            <a:endParaRPr/>
+          </a:p>
+          <a:p>
+            <a:pPr>
+              <a:lnSpc>
+                <a:spcPct val="100000"/>
+              </a:lnSpc>
+              <a:buFont typeface="Arial"/>
+              <a:buChar char="•"/>
+            </a:pPr>
+            <a:r>
+              <a:rPr lang="en-US">
+                <a:latin typeface="Wingdings"/>
+              </a:rPr>
+              <a:t>Patch goes from after to before</a:t>
+            </a:r>
+            <a:endParaRPr/>
+          </a:p>
+          <a:p>
+            <a:pPr>
+              <a:lnSpc>
+                <a:spcPct val="100000"/>
+              </a:lnSpc>
+              <a:buFont typeface="Arial"/>
+              <a:buChar char="•"/>
+            </a:pPr>
+            <a:r>
+              <a:rPr lang="en-US">
+                <a:latin typeface="Wingdings"/>
+              </a:rPr>
+              <a:t>This is because we only use the patches to restore older versions of the file</a:t>
+            </a:r>
+            <a:endParaRPr/>
+          </a:p>
+        </p:txBody>
+      </p:sp>
+      <p:sp>
+        <p:nvSpPr>
+          <p:cNvPr id="177" name="CustomShape 2"/>
+          <p:cNvSpPr/>
+          <p:nvPr/>
+        </p:nvSpPr>
+        <p:spPr>
+          <a:xfrm>
+            <a:off x="3884760" y="8685360"/>
+            <a:ext cx="2971080" cy="456480"/>
+          </a:xfrm>
+          <a:prstGeom prst="rect">
+            <a:avLst/>
+          </a:prstGeom>
+          <a:noFill/>
+          <a:ln>
+            <a:noFill/>
+          </a:ln>
+        </p:spPr>
+        <p:txBody>
+          <a:bodyPr lIns="90000" tIns="45000" rIns="90000" bIns="45000" anchor="b"/>
+          <a:lstStyle/>
+          <a:p>
+            <a:pPr algn="r">
+              <a:lnSpc>
+                <a:spcPct val="100000"/>
+              </a:lnSpc>
+            </a:pPr>
+            <a:fld id="{5FA99F1A-A90B-4EF9-A542-0A151AD5F2F1}" type="slidenum">
+              <a:rPr lang="en-US" sz="1200">
+                <a:solidFill>
+                  <a:srgbClr val="000000"/>
+                </a:solidFill>
+                <a:latin typeface="+mn-lt"/>
+                <a:ea typeface="+mn-ea"/>
+              </a:rPr>
+              <a:t>16</a:t>
+            </a:fld>
+            <a:endParaRPr/>
+          </a:p>
+        </p:txBody>
+      </p:sp>
+    </p:spTree>
+  </p:cSld>
+  <p:clrMapOvr>
+    <a:masterClrMapping/>
+  </p:clrMapOvr>
+</p:notes>
+</file>
+
+<file path=ppt/notesSlides/notesSlide15.xml><?xml version="1.0" encoding="utf-8"?>
+<p:notes xmlns:a="http://schemas.openxmlformats.org/drawingml/2006/main" xmlns:r="http://schemas.openxmlformats.org/officeDocument/2006/relationships" xmlns:p="http://schemas.openxmlformats.org/presentationml/2006/main">
+  <p:cSld>
+    <p:spTree>
+      <p:nvGrpSpPr>
+        <p:cNvPr id="1" name=""/>
+        <p:cNvGrpSpPr/>
+        <p:nvPr/>
+      </p:nvGrpSpPr>
+      <p:grpSpPr>
+        <a:xfrm>
+          <a:off x="0" y="0"/>
+          <a:ext cx="0" cy="0"/>
+          <a:chOff x="0" y="0"/>
+          <a:chExt cx="0" cy="0"/>
+        </a:xfrm>
+      </p:grpSpPr>
+      <p:sp>
+        <p:nvSpPr>
           <p:cNvPr id="178" name="PlaceHolder 1"/>
           <p:cNvSpPr>
             <a:spLocks noGrp="1"/>
@@ -1923,85 +2042,91 @@
       </p:grpSpPr>
       <p:sp>
         <p:nvSpPr>
-          <p:cNvPr id="166" name="PlaceHolder 1"/>
-          <p:cNvSpPr>
-            <a:spLocks noGrp="1"/>
-          </p:cNvSpPr>
-          <p:nvPr>
-            <p:ph type="body"/>
-          </p:nvPr>
-        </p:nvSpPr>
-        <p:spPr>
-          <a:xfrm>
-            <a:off x="685800" y="4343400"/>
-            <a:ext cx="5485680" cy="4114080"/>
-          </a:xfrm>
-          <a:prstGeom prst="rect">
-            <a:avLst/>
-          </a:prstGeom>
-        </p:spPr>
-        <p:txBody>
-          <a:bodyPr lIns="0" tIns="0" rIns="0" bIns="0"/>
-          <a:lstStyle/>
-          <a:p>
-            <a:pPr>
-              <a:lnSpc>
-                <a:spcPct val="100000"/>
-              </a:lnSpc>
-              <a:buFont typeface="Arial"/>
+          <p:cNvPr id="2" name="Slide Image Placeholder 1"/>
+          <p:cNvSpPr>
+            <a:spLocks noGrp="1" noRot="1" noChangeAspect="1"/>
+          </p:cNvSpPr>
+          <p:nvPr>
+            <p:ph type="sldImg"/>
+          </p:nvPr>
+        </p:nvSpPr>
+        <p:spPr>
+          <a:xfrm>
+            <a:off x="1143000" y="685800"/>
+            <a:ext cx="4572000" cy="3429000"/>
+          </a:xfrm>
+          <a:prstGeom prst="rect">
+            <a:avLst/>
+          </a:prstGeom>
+          <a:noFill/>
+          <a:ln w="12700">
+            <a:solidFill>
+              <a:prstClr val="black"/>
+            </a:solidFill>
+          </a:ln>
+        </p:spPr>
+      </p:sp>
+      <p:sp>
+        <p:nvSpPr>
+          <p:cNvPr id="3" name="Notes Placeholder 2"/>
+          <p:cNvSpPr>
+            <a:spLocks noGrp="1"/>
+          </p:cNvSpPr>
+          <p:nvPr>
+            <p:ph type="body" idx="1"/>
+          </p:nvPr>
+        </p:nvSpPr>
+        <p:spPr/>
+        <p:txBody>
+          <a:bodyPr/>
+          <a:lstStyle/>
+          <a:p>
+            <a:pPr marL="171450" indent="-171450">
+              <a:buFont typeface="Arial" panose="020B0604020202020204" pitchFamily="34" charset="0"/>
               <a:buChar char="•"/>
             </a:pPr>
             <a:r>
-              <a:rPr lang="en-US"/>
-              <a:t>Point out parts of this dialog</a:t>
-            </a:r>
-            <a:endParaRPr/>
-          </a:p>
-        </p:txBody>
-      </p:sp>
-      <p:sp>
-        <p:nvSpPr>
-          <p:cNvPr id="167" name="CustomShape 2"/>
-          <p:cNvSpPr/>
-          <p:nvPr/>
-        </p:nvSpPr>
-        <p:spPr>
-          <a:xfrm>
-            <a:off x="3884760" y="8685360"/>
-            <a:ext cx="2971080" cy="456480"/>
-          </a:xfrm>
-          <a:prstGeom prst="rect">
-            <a:avLst/>
-          </a:prstGeom>
-          <a:noFill/>
-          <a:ln>
-            <a:noFill/>
-          </a:ln>
-        </p:spPr>
-        <p:txBody>
-          <a:bodyPr lIns="90000" tIns="45000" rIns="90000" bIns="45000" anchor="b"/>
-          <a:lstStyle/>
-          <a:p>
-            <a:pPr algn="r">
-              <a:lnSpc>
-                <a:spcPct val="100000"/>
-              </a:lnSpc>
-            </a:pPr>
-            <a:fld id="{4E18DAAC-2076-4359-8E01-25007055AA73}" type="slidenum">
-              <a:rPr lang="en-US" sz="1200">
-                <a:solidFill>
-                  <a:srgbClr val="000000"/>
-                </a:solidFill>
-                <a:latin typeface="+mn-lt"/>
-                <a:ea typeface="+mn-ea"/>
-              </a:rPr>
-              <a:t>11</a:t>
+              <a:rPr lang="en-CA" dirty="0" smtClean="0"/>
+              <a:t>Mention</a:t>
+            </a:r>
+            <a:r>
+              <a:rPr lang="en-CA" baseline="0" dirty="0" smtClean="0"/>
+              <a:t> the various aspects of the dialog</a:t>
+            </a:r>
+            <a:endParaRPr lang="en-CA" dirty="0"/>
+          </a:p>
+        </p:txBody>
+      </p:sp>
+      <p:sp>
+        <p:nvSpPr>
+          <p:cNvPr id="4" name="Slide Number Placeholder 3"/>
+          <p:cNvSpPr>
+            <a:spLocks noGrp="1"/>
+          </p:cNvSpPr>
+          <p:nvPr>
+            <p:ph type="sldNum" idx="10"/>
+          </p:nvPr>
+        </p:nvSpPr>
+        <p:spPr/>
+        <p:txBody>
+          <a:bodyPr/>
+          <a:lstStyle/>
+          <a:p>
+            <a:pPr algn="r"/>
+            <a:fld id="{81483588-E839-4C35-86F8-90BC76CA6928}" type="slidenum">
+              <a:rPr lang="en-US" smtClean="0"/>
+              <a:t>10</a:t>
             </a:fld>
-            <a:endParaRPr/>
+            <a:endParaRPr lang="en-US"/>
           </a:p>
         </p:txBody>
       </p:sp>
     </p:spTree>
+    <p:extLst>
+      <p:ext uri="{BB962C8B-B14F-4D97-AF65-F5344CB8AC3E}">
+        <p14:creationId xmlns:p14="http://schemas.microsoft.com/office/powerpoint/2010/main" val="4135394685"/>
+      </p:ext>
+    </p:extLst>
   </p:cSld>
   <p:clrMapOvr>
     <a:masterClrMapping/>
@@ -2028,7 +2153,7 @@
       </p:grpSpPr>
       <p:sp>
         <p:nvSpPr>
-          <p:cNvPr id="168" name="PlaceHolder 1"/>
+          <p:cNvPr id="166" name="PlaceHolder 1"/>
           <p:cNvSpPr>
             <a:spLocks noGrp="1"/>
           </p:cNvSpPr>
@@ -2058,29 +2183,15 @@
             </a:pPr>
             <a:r>
               <a:rPr lang="en-US"/>
-              <a:t>Mention how startup scan compares file contents to detect differences between the files; still revisions changes</a:t>
-            </a:r>
-            <a:endParaRPr/>
-          </a:p>
-          <a:p>
-            <a:pPr>
-              <a:lnSpc>
-                <a:spcPct val="100000"/>
-              </a:lnSpc>
-              <a:buFont typeface="Arial"/>
-              <a:buChar char="•"/>
-            </a:pPr>
-            <a:r>
-              <a:rPr lang="en-US"/>
-              <a:t>Trim feature disabled by default; removes files older than a user specified number of days</a:t>
-            </a:r>
-            <a:endParaRPr/>
-          </a:p>
-        </p:txBody>
-      </p:sp>
-      <p:sp>
-        <p:nvSpPr>
-          <p:cNvPr id="169" name="CustomShape 2"/>
+              <a:t>Point out parts of this dialog</a:t>
+            </a:r>
+            <a:endParaRPr/>
+          </a:p>
+        </p:txBody>
+      </p:sp>
+      <p:sp>
+        <p:nvSpPr>
+          <p:cNvPr id="167" name="CustomShape 2"/>
           <p:cNvSpPr/>
           <p:nvPr/>
         </p:nvSpPr>
@@ -2106,7 +2217,7 @@
                 <a:spcPct val="100000"/>
               </a:lnSpc>
             </a:pPr>
-            <a:fld id="{096FD3AC-B4A2-4AE5-93A8-1C5DF2FDA5C7}" type="slidenum">
+            <a:fld id="{4E18DAAC-2076-4359-8E01-25007055AA73}" type="slidenum">
               <a:rPr lang="en-US" sz="1200">
                 <a:solidFill>
                   <a:srgbClr val="000000"/>
@@ -2114,7 +2225,7 @@
                 <a:latin typeface="+mn-lt"/>
                 <a:ea typeface="+mn-ea"/>
               </a:rPr>
-              <a:t>12</a:t>
+              <a:t>11</a:t>
             </a:fld>
             <a:endParaRPr/>
           </a:p>
@@ -6510,14 +6621,14 @@
       </p:grpSpPr>
       <p:sp>
         <p:nvSpPr>
-          <p:cNvPr id="114" name="CustomShape 1"/>
+          <p:cNvPr id="115" name="CustomShape 2"/>
           <p:cNvSpPr/>
           <p:nvPr/>
         </p:nvSpPr>
         <p:spPr>
           <a:xfrm>
-            <a:off x="251640" y="908640"/>
-            <a:ext cx="8712360" cy="2951640"/>
+            <a:off x="1371600" y="3886200"/>
+            <a:ext cx="6400080" cy="1751760"/>
           </a:xfrm>
           <a:prstGeom prst="rect">
             <a:avLst/>
@@ -6528,20 +6639,8 @@
           </a:ln>
         </p:spPr>
         <p:txBody>
-          <a:bodyPr lIns="90000" tIns="45000" rIns="90000" bIns="45000" anchor="ctr"/>
-          <a:lstStyle/>
-          <a:p>
-            <a:r>
-              <a:rPr lang="en-US" sz="8000" b="1">
-                <a:solidFill>
-                  <a:srgbClr val="000000"/>
-                </a:solidFill>
-                <a:latin typeface="Calibri"/>
-              </a:rPr>
-              <a:t>FBMS</a:t>
-            </a:r>
-            <a:endParaRPr/>
-          </a:p>
+          <a:bodyPr lIns="90000" tIns="45000" rIns="90000" bIns="45000"/>
+          <a:lstStyle/>
           <a:p>
             <a:pPr algn="ctr">
               <a:lnSpc>
@@ -6549,120 +6648,7 @@
               </a:lnSpc>
             </a:pPr>
             <a:r>
-              <a:rPr lang="en-US" sz="3600">
-                <a:solidFill>
-                  <a:srgbClr val="000000"/>
-                </a:solidFill>
-                <a:latin typeface="Calibri"/>
-              </a:rPr>
-              <a:t>the </a:t>
-            </a:r>
-            <a:r>
-              <a:rPr lang="en-US" sz="3600" b="1">
-                <a:solidFill>
-                  <a:srgbClr val="000000"/>
-                </a:solidFill>
-                <a:latin typeface="Calibri"/>
-              </a:rPr>
-              <a:t>F</a:t>
-            </a:r>
-            <a:r>
-              <a:rPr lang="en-US" sz="3600">
-                <a:solidFill>
-                  <a:srgbClr val="000000"/>
-                </a:solidFill>
-                <a:latin typeface="Calibri"/>
-              </a:rPr>
-              <a:t>ile </a:t>
-            </a:r>
-            <a:r>
-              <a:rPr lang="en-US" sz="3600" b="1">
-                <a:solidFill>
-                  <a:srgbClr val="000000"/>
-                </a:solidFill>
-                <a:latin typeface="Calibri"/>
-              </a:rPr>
-              <a:t>B</a:t>
-            </a:r>
-            <a:r>
-              <a:rPr lang="en-US" sz="3600">
-                <a:solidFill>
-                  <a:srgbClr val="000000"/>
-                </a:solidFill>
-                <a:latin typeface="Calibri"/>
-              </a:rPr>
-              <a:t>ackup and </a:t>
-            </a:r>
-            <a:r>
-              <a:rPr lang="en-US" sz="3600" b="1">
-                <a:solidFill>
-                  <a:srgbClr val="000000"/>
-                </a:solidFill>
-                <a:latin typeface="Calibri"/>
-              </a:rPr>
-              <a:t>M</a:t>
-            </a:r>
-            <a:r>
-              <a:rPr lang="en-US" sz="3600">
-                <a:solidFill>
-                  <a:srgbClr val="000000"/>
-                </a:solidFill>
-                <a:latin typeface="Calibri"/>
-              </a:rPr>
-              <a:t>anagement </a:t>
-            </a:r>
-            <a:r>
-              <a:rPr lang="en-US" sz="3600" b="1">
-                <a:solidFill>
-                  <a:srgbClr val="000000"/>
-                </a:solidFill>
-                <a:latin typeface="Calibri"/>
-              </a:rPr>
-              <a:t>S</a:t>
-            </a:r>
-            <a:r>
-              <a:rPr lang="en-US" sz="3600">
-                <a:solidFill>
-                  <a:srgbClr val="000000"/>
-                </a:solidFill>
-                <a:latin typeface="Calibri"/>
-              </a:rPr>
-              <a:t>ystem</a:t>
-            </a:r>
-            <a:endParaRPr/>
-          </a:p>
-        </p:txBody>
-      </p:sp>
-      <p:sp>
-        <p:nvSpPr>
-          <p:cNvPr id="115" name="CustomShape 2"/>
-          <p:cNvSpPr/>
-          <p:nvPr/>
-        </p:nvSpPr>
-        <p:spPr>
-          <a:xfrm>
-            <a:off x="1371600" y="3886200"/>
-            <a:ext cx="6400080" cy="1751760"/>
-          </a:xfrm>
-          <a:prstGeom prst="rect">
-            <a:avLst/>
-          </a:prstGeom>
-          <a:noFill/>
-          <a:ln>
-            <a:noFill/>
-          </a:ln>
-        </p:spPr>
-        <p:txBody>
-          <a:bodyPr lIns="90000" tIns="45000" rIns="90000" bIns="45000"/>
-          <a:lstStyle/>
-          <a:p>
-            <a:pPr algn="ctr">
-              <a:lnSpc>
-                <a:spcPct val="100000"/>
-              </a:lnSpc>
-            </a:pPr>
-            <a:r>
-              <a:rPr lang="en-US" sz="3200">
+              <a:rPr lang="en-US" sz="3200" dirty="0">
                 <a:solidFill>
                   <a:srgbClr val="8B8B8B"/>
                 </a:solidFill>
@@ -6670,7 +6656,7 @@
               </a:rPr>
               <a:t>Group 06:</a:t>
             </a:r>
-            <a:endParaRPr/>
+            <a:endParaRPr dirty="0"/>
           </a:p>
           <a:p>
             <a:pPr algn="ctr">
@@ -6679,18 +6665,95 @@
               </a:lnSpc>
             </a:pPr>
             <a:r>
-              <a:rPr lang="en-US" sz="3200">
+              <a:rPr lang="en-US" sz="3200" dirty="0">
                 <a:solidFill>
                   <a:srgbClr val="8B8B8B"/>
                 </a:solidFill>
                 <a:latin typeface="Calibri"/>
               </a:rPr>
-              <a:t>Hoffert, Tao, Butler, Rizvi, Alsharif</a:t>
-            </a:r>
-            <a:endParaRPr/>
-          </a:p>
-        </p:txBody>
-      </p:sp>
+              <a:t>Hoffert, Tao, Butler, Rizvi, </a:t>
+            </a:r>
+            <a:r>
+              <a:rPr lang="en-US" sz="3200" dirty="0" err="1">
+                <a:solidFill>
+                  <a:srgbClr val="8B8B8B"/>
+                </a:solidFill>
+                <a:latin typeface="Calibri"/>
+              </a:rPr>
+              <a:t>Alsharif</a:t>
+            </a:r>
+            <a:endParaRPr dirty="0"/>
+          </a:p>
+        </p:txBody>
+      </p:sp>
+      <p:pic>
+        <p:nvPicPr>
+          <p:cNvPr id="4" name="Picture 1"/>
+          <p:cNvPicPr>
+            <a:picLocks noChangeAspect="1" noChangeArrowheads="1"/>
+          </p:cNvPicPr>
+          <p:nvPr/>
+        </p:nvPicPr>
+        <p:blipFill>
+          <a:blip r:embed="rId2">
+            <a:extLst>
+              <a:ext uri="{28A0092B-C50C-407E-A947-70E740481C1C}">
+                <a14:useLocalDpi xmlns:a14="http://schemas.microsoft.com/office/drawing/2010/main" val="0"/>
+              </a:ext>
+            </a:extLst>
+          </a:blip>
+          <a:srcRect/>
+          <a:stretch>
+            <a:fillRect/>
+          </a:stretch>
+        </p:blipFill>
+        <p:spPr bwMode="auto">
+          <a:xfrm>
+            <a:off x="-285750" y="895350"/>
+            <a:ext cx="9264650" cy="3043238"/>
+          </a:xfrm>
+          <a:prstGeom prst="rect">
+            <a:avLst/>
+          </a:prstGeom>
+          <a:noFill/>
+          <a:ln>
+            <a:noFill/>
+          </a:ln>
+          <a:effectLst/>
+          <a:extLst>
+            <a:ext uri="{909E8E84-426E-40DD-AFC4-6F175D3DCCD1}">
+              <a14:hiddenFill xmlns:a14="http://schemas.microsoft.com/office/drawing/2010/main">
+                <a:blipFill dpi="0" rotWithShape="0">
+                  <a:blip/>
+                  <a:srcRect/>
+                  <a:stretch>
+                    <a:fillRect/>
+                  </a:stretch>
+                </a:blipFill>
+              </a14:hiddenFill>
+            </a:ext>
+            <a:ext uri="{91240B29-F687-4F45-9708-019B960494DF}">
+              <a14:hiddenLine xmlns:a14="http://schemas.microsoft.com/office/drawing/2010/main" w="9525" cap="flat">
+                <a:solidFill>
+                  <a:srgbClr val="3465AF"/>
+                </a:solidFill>
+                <a:round/>
+                <a:headEnd/>
+                <a:tailEnd/>
+              </a14:hiddenLine>
+            </a:ext>
+            <a:ext uri="{AF507438-7753-43E0-B8FC-AC1667EBCBE1}">
+              <a14:hiddenEffects xmlns:a14="http://schemas.microsoft.com/office/drawing/2010/main">
+                <a:effectLst>
+                  <a:outerShdw dist="35921" dir="2700000" algn="ctr" rotWithShape="0">
+                    <a:srgbClr val="808080"/>
+                  </a:outerShdw>
+                </a:effectLst>
+              </a14:hiddenEffects>
+            </a:ext>
+          </a:extLst>
+        </p:spPr>
+      </p:pic>
     </p:spTree>
   </p:cSld>
   <p:clrMapOvr>
@@ -6726,31 +6789,6 @@
           <p:nvPr/>
         </p:nvPicPr>
         <p:blipFill>
-          <a:blip r:embed="rId2"/>
-          <a:stretch>
-            <a:fillRect/>
-          </a:stretch>
-        </p:blipFill>
-        <p:spPr>
-          <a:xfrm>
-            <a:off x="136818" y="1340768"/>
-            <a:ext cx="4434822" cy="2088232"/>
-          </a:xfrm>
-          <a:prstGeom prst="rect">
-            <a:avLst/>
-          </a:prstGeom>
-          <a:ln>
-            <a:noFill/>
-          </a:ln>
-        </p:spPr>
-      </p:pic>
-      <p:pic>
-        <p:nvPicPr>
-          <p:cNvPr id="133" name="Picture 132"/>
-          <p:cNvPicPr/>
-          <p:nvPr/>
-        </p:nvPicPr>
-        <p:blipFill>
           <a:blip r:embed="rId3"/>
           <a:stretch>
             <a:fillRect/>
@@ -6758,8 +6796,8 @@
         </p:blipFill>
         <p:spPr>
           <a:xfrm>
-            <a:off x="4571640" y="1340768"/>
-            <a:ext cx="4465573" cy="2088232"/>
+            <a:off x="136818" y="1340768"/>
+            <a:ext cx="4434822" cy="2088232"/>
           </a:xfrm>
           <a:prstGeom prst="rect">
             <a:avLst/>
@@ -6771,7 +6809,7 @@
       </p:pic>
       <p:pic>
         <p:nvPicPr>
-          <p:cNvPr id="134" name="Picture 133"/>
+          <p:cNvPr id="133" name="Picture 132"/>
           <p:cNvPicPr/>
           <p:nvPr/>
         </p:nvPicPr>
@@ -6783,8 +6821,8 @@
         </p:blipFill>
         <p:spPr>
           <a:xfrm>
-            <a:off x="1091952" y="2852936"/>
-            <a:ext cx="7200800" cy="3312368"/>
+            <a:off x="4571640" y="1340768"/>
+            <a:ext cx="4465573" cy="2088232"/>
           </a:xfrm>
           <a:prstGeom prst="rect">
             <a:avLst/>
@@ -6794,47 +6832,31 @@
           </a:ln>
         </p:spPr>
       </p:pic>
-      <p:sp>
-        <p:nvSpPr>
-          <p:cNvPr id="6" name="CustomShape 1"/>
-          <p:cNvSpPr/>
+      <p:pic>
+        <p:nvPicPr>
+          <p:cNvPr id="134" name="Picture 133"/>
+          <p:cNvPicPr/>
           <p:nvPr/>
-        </p:nvSpPr>
-        <p:spPr>
-          <a:xfrm>
-            <a:off x="457200" y="274680"/>
-            <a:ext cx="8228880" cy="1142280"/>
-          </a:xfrm>
-          <a:prstGeom prst="rect">
-            <a:avLst/>
-          </a:prstGeom>
-          <a:noFill/>
+        </p:nvPicPr>
+        <p:blipFill>
+          <a:blip r:embed="rId5"/>
+          <a:stretch>
+            <a:fillRect/>
+          </a:stretch>
+        </p:blipFill>
+        <p:spPr>
+          <a:xfrm>
+            <a:off x="1091952" y="2852936"/>
+            <a:ext cx="7200800" cy="3312368"/>
+          </a:xfrm>
+          <a:prstGeom prst="rect">
+            <a:avLst/>
+          </a:prstGeom>
           <a:ln>
             <a:noFill/>
           </a:ln>
         </p:spPr>
-        <p:txBody>
-          <a:bodyPr lIns="90000" tIns="45000" rIns="90000" bIns="45000" anchor="ctr"/>
-          <a:lstStyle/>
-          <a:p>
-            <a:pPr algn="ctr">
-              <a:lnSpc>
-                <a:spcPct val="100000"/>
-              </a:lnSpc>
-            </a:pPr>
-            <a:r>
-              <a:rPr lang="en-US" sz="4400" dirty="0">
-                <a:solidFill>
-                  <a:srgbClr val="000000"/>
-                </a:solidFill>
-                <a:latin typeface="Calibri"/>
-              </a:rPr>
-              <a:t>Achieved so far</a:t>
-            </a:r>
-            <a:endParaRPr dirty="0"/>
-          </a:p>
-        </p:txBody>
-      </p:sp>
+      </p:pic>
       <p:sp>
         <p:nvSpPr>
           <p:cNvPr id="7" name="CustomShape 2"/>
@@ -6885,6 +6907,74 @@
           </a:p>
         </p:txBody>
       </p:sp>
+      <p:pic>
+        <p:nvPicPr>
+          <p:cNvPr id="9" name="Picture 1"/>
+          <p:cNvPicPr>
+            <a:picLocks noChangeAspect="1" noChangeArrowheads="1"/>
+          </p:cNvPicPr>
+          <p:nvPr/>
+        </p:nvPicPr>
+        <p:blipFill>
+          <a:blip r:embed="rId6">
+            <a:extLst>
+              <a:ext uri="{28A0092B-C50C-407E-A947-70E740481C1C}">
+                <a14:useLocalDpi xmlns:a14="http://schemas.microsoft.com/office/drawing/2010/main" val="0"/>
+              </a:ext>
+            </a:extLst>
+          </a:blip>
+          <a:srcRect/>
+          <a:stretch>
+            <a:fillRect/>
+          </a:stretch>
+        </p:blipFill>
+        <p:spPr bwMode="auto">
+          <a:xfrm>
+            <a:off x="323528" y="44624"/>
+            <a:ext cx="8229600" cy="1146175"/>
+          </a:xfrm>
+          <a:prstGeom prst="rect">
+            <a:avLst/>
+          </a:prstGeom>
+          <a:noFill/>
+          <a:ln>
+            <a:noFill/>
+          </a:ln>
+          <a:effectLst/>
+          <a:extLst>
+            <a:ext uri="{909E8E84-426E-40DD-AFC4-6F175D3DCCD1}">
+              <a14:hiddenFill xmlns:a14="http://schemas.microsoft.com/office/drawing/2010/main">
+                <a:blipFill dpi="0" rotWithShape="0">
+                  <a:blip/>
+                  <a:srcRect/>
+                  <a:stretch>
+                    <a:fillRect/>
+                  </a:stretch>
+                </a:blipFill>
+              </a14:hiddenFill>
+            </a:ext>
+            <a:ext uri="{91240B29-F687-4F45-9708-019B960494DF}">
+              <a14:hiddenLine xmlns:a14="http://schemas.microsoft.com/office/drawing/2010/main" w="9525" cap="flat">
+                <a:solidFill>
+                  <a:srgbClr val="3465AF"/>
+                </a:solidFill>
+                <a:round/>
+                <a:headEnd/>
+                <a:tailEnd/>
+              </a14:hiddenLine>
+            </a:ext>
+            <a:ext uri="{AF507438-7753-43E0-B8FC-AC1667EBCBE1}">
+              <a14:hiddenEffects xmlns:a14="http://schemas.microsoft.com/office/drawing/2010/main">
+                <a:effectLst>
+                  <a:outerShdw dist="35921" dir="2700000" algn="ctr" rotWithShape="0">
+                    <a:srgbClr val="808080"/>
+                  </a:outerShdw>
+                </a:effectLst>
+              </a14:hiddenEffects>
+            </a:ext>
+          </a:extLst>
+        </p:spPr>
+      </p:pic>
     </p:spTree>
   </p:cSld>
   <p:clrMapOvr>
@@ -6942,47 +7032,6 @@
       </p:grpSpPr>
       <p:sp>
         <p:nvSpPr>
-          <p:cNvPr id="135" name="CustomShape 1"/>
-          <p:cNvSpPr/>
-          <p:nvPr/>
-        </p:nvSpPr>
-        <p:spPr>
-          <a:xfrm>
-            <a:off x="457200" y="274680"/>
-            <a:ext cx="8228880" cy="1142280"/>
-          </a:xfrm>
-          <a:prstGeom prst="rect">
-            <a:avLst/>
-          </a:prstGeom>
-          <a:noFill/>
-          <a:ln>
-            <a:noFill/>
-          </a:ln>
-        </p:spPr>
-        <p:txBody>
-          <a:bodyPr lIns="90000" tIns="45000" rIns="90000" bIns="45000" anchor="ctr"/>
-          <a:lstStyle/>
-          <a:p>
-            <a:pPr algn="ctr">
-              <a:lnSpc>
-                <a:spcPct val="100000"/>
-              </a:lnSpc>
-            </a:pPr>
-            <a:r>
-              <a:rPr lang="en-US" sz="4400">
-                <a:solidFill>
-                  <a:srgbClr val="000000"/>
-                </a:solidFill>
-                <a:latin typeface="Calibri"/>
-              </a:rPr>
-              <a:t>Achieved so far</a:t>
-            </a:r>
-            <a:endParaRPr/>
-          </a:p>
-        </p:txBody>
-      </p:sp>
-      <p:sp>
-        <p:nvSpPr>
           <p:cNvPr id="136" name="CustomShape 2"/>
           <p:cNvSpPr/>
           <p:nvPr/>
@@ -7045,6 +7094,74 @@
           <a:ln>
             <a:noFill/>
           </a:ln>
+        </p:spPr>
+      </p:pic>
+      <p:pic>
+        <p:nvPicPr>
+          <p:cNvPr id="6" name="Picture 1"/>
+          <p:cNvPicPr>
+            <a:picLocks noChangeAspect="1" noChangeArrowheads="1"/>
+          </p:cNvPicPr>
+          <p:nvPr/>
+        </p:nvPicPr>
+        <p:blipFill>
+          <a:blip r:embed="rId4">
+            <a:extLst>
+              <a:ext uri="{28A0092B-C50C-407E-A947-70E740481C1C}">
+                <a14:useLocalDpi xmlns:a14="http://schemas.microsoft.com/office/drawing/2010/main" val="0"/>
+              </a:ext>
+            </a:extLst>
+          </a:blip>
+          <a:srcRect/>
+          <a:stretch>
+            <a:fillRect/>
+          </a:stretch>
+        </p:blipFill>
+        <p:spPr bwMode="auto">
+          <a:xfrm>
+            <a:off x="323528" y="44624"/>
+            <a:ext cx="8229600" cy="1146175"/>
+          </a:xfrm>
+          <a:prstGeom prst="rect">
+            <a:avLst/>
+          </a:prstGeom>
+          <a:noFill/>
+          <a:ln>
+            <a:noFill/>
+          </a:ln>
+          <a:effectLst/>
+          <a:extLst>
+            <a:ext uri="{909E8E84-426E-40DD-AFC4-6F175D3DCCD1}">
+              <a14:hiddenFill xmlns:a14="http://schemas.microsoft.com/office/drawing/2010/main">
+                <a:blipFill dpi="0" rotWithShape="0">
+                  <a:blip/>
+                  <a:srcRect/>
+                  <a:stretch>
+                    <a:fillRect/>
+                  </a:stretch>
+                </a:blipFill>
+              </a14:hiddenFill>
+            </a:ext>
+            <a:ext uri="{91240B29-F687-4F45-9708-019B960494DF}">
+              <a14:hiddenLine xmlns:a14="http://schemas.microsoft.com/office/drawing/2010/main" w="9525" cap="flat">
+                <a:solidFill>
+                  <a:srgbClr val="3465AF"/>
+                </a:solidFill>
+                <a:round/>
+                <a:headEnd/>
+                <a:tailEnd/>
+              </a14:hiddenLine>
+            </a:ext>
+            <a:ext uri="{AF507438-7753-43E0-B8FC-AC1667EBCBE1}">
+              <a14:hiddenEffects xmlns:a14="http://schemas.microsoft.com/office/drawing/2010/main">
+                <a:effectLst>
+                  <a:outerShdw dist="35921" dir="2700000" algn="ctr" rotWithShape="0">
+                    <a:srgbClr val="808080"/>
+                  </a:outerShdw>
+                </a:effectLst>
+              </a14:hiddenEffects>
+            </a:ext>
+          </a:extLst>
         </p:spPr>
       </p:pic>
     </p:spTree>
@@ -7104,47 +7221,6 @@
       </p:grpSpPr>
       <p:sp>
         <p:nvSpPr>
-          <p:cNvPr id="138" name="CustomShape 1"/>
-          <p:cNvSpPr/>
-          <p:nvPr/>
-        </p:nvSpPr>
-        <p:spPr>
-          <a:xfrm>
-            <a:off x="457200" y="274680"/>
-            <a:ext cx="8228880" cy="1142280"/>
-          </a:xfrm>
-          <a:prstGeom prst="rect">
-            <a:avLst/>
-          </a:prstGeom>
-          <a:noFill/>
-          <a:ln>
-            <a:noFill/>
-          </a:ln>
-        </p:spPr>
-        <p:txBody>
-          <a:bodyPr lIns="90000" tIns="45000" rIns="90000" bIns="45000" anchor="ctr"/>
-          <a:lstStyle/>
-          <a:p>
-            <a:pPr algn="ctr">
-              <a:lnSpc>
-                <a:spcPct val="100000"/>
-              </a:lnSpc>
-            </a:pPr>
-            <a:r>
-              <a:rPr lang="en-US" sz="4400">
-                <a:solidFill>
-                  <a:srgbClr val="000000"/>
-                </a:solidFill>
-                <a:latin typeface="Calibri"/>
-              </a:rPr>
-              <a:t>Achieved so far</a:t>
-            </a:r>
-            <a:endParaRPr/>
-          </a:p>
-        </p:txBody>
-      </p:sp>
-      <p:sp>
-        <p:nvSpPr>
           <p:cNvPr id="139" name="CustomShape 2"/>
           <p:cNvSpPr/>
           <p:nvPr/>
@@ -7174,7 +7250,7 @@
               <a:buChar char="•"/>
             </a:pPr>
             <a:r>
-              <a:rPr lang="en-US" sz="3200">
+              <a:rPr lang="en-US" sz="3200" dirty="0">
                 <a:solidFill>
                   <a:srgbClr val="000000"/>
                 </a:solidFill>
@@ -7182,7 +7258,7 @@
               </a:rPr>
               <a:t>We’ve also added features such as a startup scan, which performs a one-time scan when the program is started up, allowing detection of changes made when the program was not running</a:t>
             </a:r>
-            <a:endParaRPr/>
+            <a:endParaRPr dirty="0"/>
           </a:p>
           <a:p>
             <a:pPr>
@@ -7193,7 +7269,7 @@
               <a:buChar char="•"/>
             </a:pPr>
             <a:r>
-              <a:rPr lang="en-US" sz="3200">
+              <a:rPr lang="en-US" sz="3200" dirty="0">
                 <a:solidFill>
                   <a:srgbClr val="000000"/>
                 </a:solidFill>
@@ -7201,7 +7277,7 @@
               </a:rPr>
               <a:t>The trim feature regularly removes files older than a user specified date</a:t>
             </a:r>
-            <a:endParaRPr/>
+            <a:endParaRPr dirty="0"/>
           </a:p>
           <a:p>
             <a:pPr>
@@ -7212,7 +7288,7 @@
               <a:buChar char="•"/>
             </a:pPr>
             <a:r>
-              <a:rPr lang="en-US" sz="3200">
+              <a:rPr lang="en-US" sz="3200" dirty="0">
                 <a:solidFill>
                   <a:srgbClr val="000000"/>
                 </a:solidFill>
@@ -7220,10 +7296,78 @@
               </a:rPr>
               <a:t>More than 525 revisions of content, bug fixes, and features</a:t>
             </a:r>
-            <a:endParaRPr/>
-          </a:p>
-        </p:txBody>
-      </p:sp>
+            <a:endParaRPr dirty="0"/>
+          </a:p>
+        </p:txBody>
+      </p:sp>
+      <p:pic>
+        <p:nvPicPr>
+          <p:cNvPr id="5" name="Picture 1"/>
+          <p:cNvPicPr>
+            <a:picLocks noChangeAspect="1" noChangeArrowheads="1"/>
+          </p:cNvPicPr>
+          <p:nvPr/>
+        </p:nvPicPr>
+        <p:blipFill>
+          <a:blip r:embed="rId3">
+            <a:extLst>
+              <a:ext uri="{28A0092B-C50C-407E-A947-70E740481C1C}">
+                <a14:useLocalDpi xmlns:a14="http://schemas.microsoft.com/office/drawing/2010/main" val="0"/>
+              </a:ext>
+            </a:extLst>
+          </a:blip>
+          <a:srcRect/>
+          <a:stretch>
+            <a:fillRect/>
+          </a:stretch>
+        </p:blipFill>
+        <p:spPr bwMode="auto">
+          <a:xfrm>
+            <a:off x="323528" y="44624"/>
+            <a:ext cx="8229600" cy="1146175"/>
+          </a:xfrm>
+          <a:prstGeom prst="rect">
+            <a:avLst/>
+          </a:prstGeom>
+          <a:noFill/>
+          <a:ln>
+            <a:noFill/>
+          </a:ln>
+          <a:effectLst/>
+          <a:extLst>
+            <a:ext uri="{909E8E84-426E-40DD-AFC4-6F175D3DCCD1}">
+              <a14:hiddenFill xmlns:a14="http://schemas.microsoft.com/office/drawing/2010/main">
+                <a:blipFill dpi="0" rotWithShape="0">
+                  <a:blip/>
+                  <a:srcRect/>
+                  <a:stretch>
+                    <a:fillRect/>
+                  </a:stretch>
+                </a:blipFill>
+              </a14:hiddenFill>
+            </a:ext>
+            <a:ext uri="{91240B29-F687-4F45-9708-019B960494DF}">
+              <a14:hiddenLine xmlns:a14="http://schemas.microsoft.com/office/drawing/2010/main" w="9525" cap="flat">
+                <a:solidFill>
+                  <a:srgbClr val="3465AF"/>
+                </a:solidFill>
+                <a:round/>
+                <a:headEnd/>
+                <a:tailEnd/>
+              </a14:hiddenLine>
+            </a:ext>
+            <a:ext uri="{AF507438-7753-43E0-B8FC-AC1667EBCBE1}">
+              <a14:hiddenEffects xmlns:a14="http://schemas.microsoft.com/office/drawing/2010/main">
+                <a:effectLst>
+                  <a:outerShdw dist="35921" dir="2700000" algn="ctr" rotWithShape="0">
+                    <a:srgbClr val="808080"/>
+                  </a:outerShdw>
+                </a:effectLst>
+              </a14:hiddenEffects>
+            </a:ext>
+          </a:extLst>
+        </p:spPr>
+      </p:pic>
     </p:spTree>
   </p:cSld>
   <p:clrMapOvr>
@@ -7281,47 +7425,6 @@
       </p:grpSpPr>
       <p:sp>
         <p:nvSpPr>
-          <p:cNvPr id="140" name="CustomShape 1"/>
-          <p:cNvSpPr/>
-          <p:nvPr/>
-        </p:nvSpPr>
-        <p:spPr>
-          <a:xfrm>
-            <a:off x="457200" y="274680"/>
-            <a:ext cx="8228880" cy="1142280"/>
-          </a:xfrm>
-          <a:prstGeom prst="rect">
-            <a:avLst/>
-          </a:prstGeom>
-          <a:noFill/>
-          <a:ln>
-            <a:noFill/>
-          </a:ln>
-        </p:spPr>
-        <p:txBody>
-          <a:bodyPr lIns="90000" tIns="45000" rIns="90000" bIns="45000" anchor="ctr"/>
-          <a:lstStyle/>
-          <a:p>
-            <a:pPr algn="ctr">
-              <a:lnSpc>
-                <a:spcPct val="100000"/>
-              </a:lnSpc>
-            </a:pPr>
-            <a:r>
-              <a:rPr lang="en-US" sz="4400">
-                <a:solidFill>
-                  <a:srgbClr val="000000"/>
-                </a:solidFill>
-                <a:latin typeface="Calibri"/>
-              </a:rPr>
-              <a:t>Challenges addressed</a:t>
-            </a:r>
-            <a:endParaRPr/>
-          </a:p>
-        </p:txBody>
-      </p:sp>
-      <p:sp>
-        <p:nvSpPr>
           <p:cNvPr id="141" name="CustomShape 2"/>
           <p:cNvSpPr/>
           <p:nvPr/>
@@ -7420,6 +7523,74 @@
           </a:p>
         </p:txBody>
       </p:sp>
+      <p:pic>
+        <p:nvPicPr>
+          <p:cNvPr id="5" name="Picture 1"/>
+          <p:cNvPicPr>
+            <a:picLocks noChangeAspect="1" noChangeArrowheads="1"/>
+          </p:cNvPicPr>
+          <p:nvPr/>
+        </p:nvPicPr>
+        <p:blipFill>
+          <a:blip r:embed="rId3">
+            <a:extLst>
+              <a:ext uri="{28A0092B-C50C-407E-A947-70E740481C1C}">
+                <a14:useLocalDpi xmlns:a14="http://schemas.microsoft.com/office/drawing/2010/main" val="0"/>
+              </a:ext>
+            </a:extLst>
+          </a:blip>
+          <a:srcRect/>
+          <a:stretch>
+            <a:fillRect/>
+          </a:stretch>
+        </p:blipFill>
+        <p:spPr bwMode="auto">
+          <a:xfrm>
+            <a:off x="456480" y="34702"/>
+            <a:ext cx="8229600" cy="1146175"/>
+          </a:xfrm>
+          <a:prstGeom prst="rect">
+            <a:avLst/>
+          </a:prstGeom>
+          <a:noFill/>
+          <a:ln>
+            <a:noFill/>
+          </a:ln>
+          <a:effectLst/>
+          <a:extLst>
+            <a:ext uri="{909E8E84-426E-40DD-AFC4-6F175D3DCCD1}">
+              <a14:hiddenFill xmlns:a14="http://schemas.microsoft.com/office/drawing/2010/main">
+                <a:blipFill dpi="0" rotWithShape="0">
+                  <a:blip/>
+                  <a:srcRect/>
+                  <a:stretch>
+                    <a:fillRect/>
+                  </a:stretch>
+                </a:blipFill>
+              </a14:hiddenFill>
+            </a:ext>
+            <a:ext uri="{91240B29-F687-4F45-9708-019B960494DF}">
+              <a14:hiddenLine xmlns:a14="http://schemas.microsoft.com/office/drawing/2010/main" w="9525" cap="flat">
+                <a:solidFill>
+                  <a:srgbClr val="3465AF"/>
+                </a:solidFill>
+                <a:round/>
+                <a:headEnd/>
+                <a:tailEnd/>
+              </a14:hiddenLine>
+            </a:ext>
+            <a:ext uri="{AF507438-7753-43E0-B8FC-AC1667EBCBE1}">
+              <a14:hiddenEffects xmlns:a14="http://schemas.microsoft.com/office/drawing/2010/main">
+                <a:effectLst>
+                  <a:outerShdw dist="35921" dir="2700000" algn="ctr" rotWithShape="0">
+                    <a:srgbClr val="808080"/>
+                  </a:outerShdw>
+                </a:effectLst>
+              </a14:hiddenEffects>
+            </a:ext>
+          </a:extLst>
+        </p:spPr>
+      </p:pic>
     </p:spTree>
   </p:cSld>
   <p:clrMapOvr>
@@ -7450,47 +7621,6 @@
       </p:grpSpPr>
       <p:sp>
         <p:nvSpPr>
-          <p:cNvPr id="142" name="CustomShape 1"/>
-          <p:cNvSpPr/>
-          <p:nvPr/>
-        </p:nvSpPr>
-        <p:spPr>
-          <a:xfrm>
-            <a:off x="457200" y="274680"/>
-            <a:ext cx="8228880" cy="1142280"/>
-          </a:xfrm>
-          <a:prstGeom prst="rect">
-            <a:avLst/>
-          </a:prstGeom>
-          <a:noFill/>
-          <a:ln>
-            <a:noFill/>
-          </a:ln>
-        </p:spPr>
-        <p:txBody>
-          <a:bodyPr lIns="90000" tIns="45000" rIns="90000" bIns="45000" anchor="ctr"/>
-          <a:lstStyle/>
-          <a:p>
-            <a:pPr algn="ctr">
-              <a:lnSpc>
-                <a:spcPct val="100000"/>
-              </a:lnSpc>
-            </a:pPr>
-            <a:r>
-              <a:rPr lang="en-US" sz="4400">
-                <a:solidFill>
-                  <a:srgbClr val="000000"/>
-                </a:solidFill>
-                <a:latin typeface="Calibri"/>
-              </a:rPr>
-              <a:t>Challenges addressed</a:t>
-            </a:r>
-            <a:endParaRPr/>
-          </a:p>
-        </p:txBody>
-      </p:sp>
-      <p:sp>
-        <p:nvSpPr>
           <p:cNvPr id="143" name="CustomShape 2"/>
           <p:cNvSpPr/>
           <p:nvPr/>
@@ -7608,6 +7738,74 @@
           </a:p>
         </p:txBody>
       </p:sp>
+      <p:pic>
+        <p:nvPicPr>
+          <p:cNvPr id="5" name="Picture 1"/>
+          <p:cNvPicPr>
+            <a:picLocks noChangeAspect="1" noChangeArrowheads="1"/>
+          </p:cNvPicPr>
+          <p:nvPr/>
+        </p:nvPicPr>
+        <p:blipFill>
+          <a:blip r:embed="rId3">
+            <a:extLst>
+              <a:ext uri="{28A0092B-C50C-407E-A947-70E740481C1C}">
+                <a14:useLocalDpi xmlns:a14="http://schemas.microsoft.com/office/drawing/2010/main" val="0"/>
+              </a:ext>
+            </a:extLst>
+          </a:blip>
+          <a:srcRect/>
+          <a:stretch>
+            <a:fillRect/>
+          </a:stretch>
+        </p:blipFill>
+        <p:spPr bwMode="auto">
+          <a:xfrm>
+            <a:off x="456480" y="34702"/>
+            <a:ext cx="8229600" cy="1146175"/>
+          </a:xfrm>
+          <a:prstGeom prst="rect">
+            <a:avLst/>
+          </a:prstGeom>
+          <a:noFill/>
+          <a:ln>
+            <a:noFill/>
+          </a:ln>
+          <a:effectLst/>
+          <a:extLst>
+            <a:ext uri="{909E8E84-426E-40DD-AFC4-6F175D3DCCD1}">
+              <a14:hiddenFill xmlns:a14="http://schemas.microsoft.com/office/drawing/2010/main">
+                <a:blipFill dpi="0" rotWithShape="0">
+                  <a:blip/>
+                  <a:srcRect/>
+                  <a:stretch>
+                    <a:fillRect/>
+                  </a:stretch>
+                </a:blipFill>
+              </a14:hiddenFill>
+            </a:ext>
+            <a:ext uri="{91240B29-F687-4F45-9708-019B960494DF}">
+              <a14:hiddenLine xmlns:a14="http://schemas.microsoft.com/office/drawing/2010/main" w="9525" cap="flat">
+                <a:solidFill>
+                  <a:srgbClr val="3465AF"/>
+                </a:solidFill>
+                <a:round/>
+                <a:headEnd/>
+                <a:tailEnd/>
+              </a14:hiddenLine>
+            </a:ext>
+            <a:ext uri="{AF507438-7753-43E0-B8FC-AC1667EBCBE1}">
+              <a14:hiddenEffects xmlns:a14="http://schemas.microsoft.com/office/drawing/2010/main">
+                <a:effectLst>
+                  <a:outerShdw dist="35921" dir="2700000" algn="ctr" rotWithShape="0">
+                    <a:srgbClr val="808080"/>
+                  </a:outerShdw>
+                </a:effectLst>
+              </a14:hiddenEffects>
+            </a:ext>
+          </a:extLst>
+        </p:spPr>
+      </p:pic>
     </p:spTree>
   </p:cSld>
   <p:clrMapOvr>
@@ -7665,47 +7863,6 @@
       </p:grpSpPr>
       <p:sp>
         <p:nvSpPr>
-          <p:cNvPr id="144" name="CustomShape 1"/>
-          <p:cNvSpPr/>
-          <p:nvPr/>
-        </p:nvSpPr>
-        <p:spPr>
-          <a:xfrm>
-            <a:off x="457200" y="274680"/>
-            <a:ext cx="8228880" cy="1142280"/>
-          </a:xfrm>
-          <a:prstGeom prst="rect">
-            <a:avLst/>
-          </a:prstGeom>
-          <a:noFill/>
-          <a:ln>
-            <a:noFill/>
-          </a:ln>
-        </p:spPr>
-        <p:txBody>
-          <a:bodyPr lIns="90000" tIns="45000" rIns="90000" bIns="45000" anchor="ctr"/>
-          <a:lstStyle/>
-          <a:p>
-            <a:pPr algn="ctr">
-              <a:lnSpc>
-                <a:spcPct val="100000"/>
-              </a:lnSpc>
-            </a:pPr>
-            <a:r>
-              <a:rPr lang="en-US" sz="4400">
-                <a:solidFill>
-                  <a:srgbClr val="000000"/>
-                </a:solidFill>
-                <a:latin typeface="Calibri"/>
-              </a:rPr>
-              <a:t>Other</a:t>
-            </a:r>
-            <a:endParaRPr/>
-          </a:p>
-        </p:txBody>
-      </p:sp>
-      <p:sp>
-        <p:nvSpPr>
           <p:cNvPr id="145" name="CustomShape 2"/>
           <p:cNvSpPr/>
           <p:nvPr/>
@@ -7785,6 +7942,74 @@
           </a:p>
         </p:txBody>
       </p:sp>
+      <p:pic>
+        <p:nvPicPr>
+          <p:cNvPr id="4" name="Picture 1"/>
+          <p:cNvPicPr>
+            <a:picLocks noChangeAspect="1" noChangeArrowheads="1"/>
+          </p:cNvPicPr>
+          <p:nvPr/>
+        </p:nvPicPr>
+        <p:blipFill>
+          <a:blip r:embed="rId3">
+            <a:extLst>
+              <a:ext uri="{28A0092B-C50C-407E-A947-70E740481C1C}">
+                <a14:useLocalDpi xmlns:a14="http://schemas.microsoft.com/office/drawing/2010/main" val="0"/>
+              </a:ext>
+            </a:extLst>
+          </a:blip>
+          <a:srcRect/>
+          <a:stretch>
+            <a:fillRect/>
+          </a:stretch>
+        </p:blipFill>
+        <p:spPr bwMode="auto">
+          <a:xfrm>
+            <a:off x="228262" y="12674"/>
+            <a:ext cx="8229600" cy="1146175"/>
+          </a:xfrm>
+          <a:prstGeom prst="rect">
+            <a:avLst/>
+          </a:prstGeom>
+          <a:noFill/>
+          <a:ln>
+            <a:noFill/>
+          </a:ln>
+          <a:effectLst/>
+          <a:extLst>
+            <a:ext uri="{909E8E84-426E-40DD-AFC4-6F175D3DCCD1}">
+              <a14:hiddenFill xmlns:a14="http://schemas.microsoft.com/office/drawing/2010/main">
+                <a:blipFill dpi="0" rotWithShape="0">
+                  <a:blip/>
+                  <a:srcRect/>
+                  <a:stretch>
+                    <a:fillRect/>
+                  </a:stretch>
+                </a:blipFill>
+              </a14:hiddenFill>
+            </a:ext>
+            <a:ext uri="{91240B29-F687-4F45-9708-019B960494DF}">
+              <a14:hiddenLine xmlns:a14="http://schemas.microsoft.com/office/drawing/2010/main" w="9525" cap="flat">
+                <a:solidFill>
+                  <a:srgbClr val="3465AF"/>
+                </a:solidFill>
+                <a:round/>
+                <a:headEnd/>
+                <a:tailEnd/>
+              </a14:hiddenLine>
+            </a:ext>
+            <a:ext uri="{AF507438-7753-43E0-B8FC-AC1667EBCBE1}">
+              <a14:hiddenEffects xmlns:a14="http://schemas.microsoft.com/office/drawing/2010/main">
+                <a:effectLst>
+                  <a:outerShdw dist="35921" dir="2700000" algn="ctr" rotWithShape="0">
+                    <a:srgbClr val="808080"/>
+                  </a:outerShdw>
+                </a:effectLst>
+              </a14:hiddenEffects>
+            </a:ext>
+          </a:extLst>
+        </p:spPr>
+      </p:pic>
     </p:spTree>
   </p:cSld>
   <p:clrMapOvr>
@@ -7842,47 +8067,6 @@
       </p:grpSpPr>
       <p:sp>
         <p:nvSpPr>
-          <p:cNvPr id="146" name="CustomShape 1"/>
-          <p:cNvSpPr/>
-          <p:nvPr/>
-        </p:nvSpPr>
-        <p:spPr>
-          <a:xfrm>
-            <a:off x="457200" y="274680"/>
-            <a:ext cx="8228880" cy="1142280"/>
-          </a:xfrm>
-          <a:prstGeom prst="rect">
-            <a:avLst/>
-          </a:prstGeom>
-          <a:noFill/>
-          <a:ln>
-            <a:noFill/>
-          </a:ln>
-        </p:spPr>
-        <p:txBody>
-          <a:bodyPr lIns="90000" tIns="45000" rIns="90000" bIns="45000" anchor="ctr"/>
-          <a:lstStyle/>
-          <a:p>
-            <a:pPr algn="ctr">
-              <a:lnSpc>
-                <a:spcPct val="100000"/>
-              </a:lnSpc>
-            </a:pPr>
-            <a:r>
-              <a:rPr lang="en-US" sz="4400">
-                <a:solidFill>
-                  <a:srgbClr val="000000"/>
-                </a:solidFill>
-                <a:latin typeface="Calibri"/>
-              </a:rPr>
-              <a:t>Other</a:t>
-            </a:r>
-            <a:endParaRPr/>
-          </a:p>
-        </p:txBody>
-      </p:sp>
-      <p:sp>
-        <p:nvSpPr>
           <p:cNvPr id="147" name="CustomShape 2"/>
           <p:cNvSpPr/>
           <p:nvPr/>
@@ -8157,6 +8341,74 @@
           </a:p>
         </p:txBody>
       </p:sp>
+      <p:pic>
+        <p:nvPicPr>
+          <p:cNvPr id="7" name="Picture 1"/>
+          <p:cNvPicPr>
+            <a:picLocks noChangeAspect="1" noChangeArrowheads="1"/>
+          </p:cNvPicPr>
+          <p:nvPr/>
+        </p:nvPicPr>
+        <p:blipFill>
+          <a:blip r:embed="rId3">
+            <a:extLst>
+              <a:ext uri="{28A0092B-C50C-407E-A947-70E740481C1C}">
+                <a14:useLocalDpi xmlns:a14="http://schemas.microsoft.com/office/drawing/2010/main" val="0"/>
+              </a:ext>
+            </a:extLst>
+          </a:blip>
+          <a:srcRect/>
+          <a:stretch>
+            <a:fillRect/>
+          </a:stretch>
+        </p:blipFill>
+        <p:spPr bwMode="auto">
+          <a:xfrm>
+            <a:off x="228262" y="12674"/>
+            <a:ext cx="8229600" cy="1146175"/>
+          </a:xfrm>
+          <a:prstGeom prst="rect">
+            <a:avLst/>
+          </a:prstGeom>
+          <a:noFill/>
+          <a:ln>
+            <a:noFill/>
+          </a:ln>
+          <a:effectLst/>
+          <a:extLst>
+            <a:ext uri="{909E8E84-426E-40DD-AFC4-6F175D3DCCD1}">
+              <a14:hiddenFill xmlns:a14="http://schemas.microsoft.com/office/drawing/2010/main">
+                <a:blipFill dpi="0" rotWithShape="0">
+                  <a:blip/>
+                  <a:srcRect/>
+                  <a:stretch>
+                    <a:fillRect/>
+                  </a:stretch>
+                </a:blipFill>
+              </a14:hiddenFill>
+            </a:ext>
+            <a:ext uri="{91240B29-F687-4F45-9708-019B960494DF}">
+              <a14:hiddenLine xmlns:a14="http://schemas.microsoft.com/office/drawing/2010/main" w="9525" cap="flat">
+                <a:solidFill>
+                  <a:srgbClr val="3465AF"/>
+                </a:solidFill>
+                <a:round/>
+                <a:headEnd/>
+                <a:tailEnd/>
+              </a14:hiddenLine>
+            </a:ext>
+            <a:ext uri="{AF507438-7753-43E0-B8FC-AC1667EBCBE1}">
+              <a14:hiddenEffects xmlns:a14="http://schemas.microsoft.com/office/drawing/2010/main">
+                <a:effectLst>
+                  <a:outerShdw dist="35921" dir="2700000" algn="ctr" rotWithShape="0">
+                    <a:srgbClr val="808080"/>
+                  </a:outerShdw>
+                </a:effectLst>
+              </a14:hiddenEffects>
+            </a:ext>
+          </a:extLst>
+        </p:spPr>
+      </p:pic>
     </p:spTree>
   </p:cSld>
   <p:clrMapOvr>
@@ -8187,47 +8439,6 @@
       </p:grpSpPr>
       <p:sp>
         <p:nvSpPr>
-          <p:cNvPr id="150" name="CustomShape 1"/>
-          <p:cNvSpPr/>
-          <p:nvPr/>
-        </p:nvSpPr>
-        <p:spPr>
-          <a:xfrm>
-            <a:off x="457200" y="274680"/>
-            <a:ext cx="8228880" cy="1142280"/>
-          </a:xfrm>
-          <a:prstGeom prst="rect">
-            <a:avLst/>
-          </a:prstGeom>
-          <a:noFill/>
-          <a:ln>
-            <a:noFill/>
-          </a:ln>
-        </p:spPr>
-        <p:txBody>
-          <a:bodyPr lIns="90000" tIns="45000" rIns="90000" bIns="45000" anchor="ctr"/>
-          <a:lstStyle/>
-          <a:p>
-            <a:pPr algn="ctr">
-              <a:lnSpc>
-                <a:spcPct val="100000"/>
-              </a:lnSpc>
-            </a:pPr>
-            <a:r>
-              <a:rPr lang="en-US" sz="4400">
-                <a:solidFill>
-                  <a:srgbClr val="000000"/>
-                </a:solidFill>
-                <a:latin typeface="Calibri"/>
-              </a:rPr>
-              <a:t>Conclusion</a:t>
-            </a:r>
-            <a:endParaRPr/>
-          </a:p>
-        </p:txBody>
-      </p:sp>
-      <p:sp>
-        <p:nvSpPr>
           <p:cNvPr id="151" name="CustomShape 2"/>
           <p:cNvSpPr/>
           <p:nvPr/>
@@ -8345,6 +8556,86 @@
           </a:p>
         </p:txBody>
       </p:sp>
+      <p:pic>
+        <p:nvPicPr>
+          <p:cNvPr id="4" name="Picture 1"/>
+          <p:cNvPicPr>
+            <a:picLocks noChangeAspect="1" noChangeArrowheads="1"/>
+          </p:cNvPicPr>
+          <p:nvPr/>
+        </p:nvPicPr>
+        <p:blipFill>
+          <a:blip r:embed="rId3">
+            <a:extLst>
+              <a:ext uri="{BEBA8EAE-BF5A-486C-A8C5-ECC9F3942E4B}">
+                <a14:imgProps xmlns:a14="http://schemas.microsoft.com/office/drawing/2010/main">
+                  <a14:imgLayer r:embed="rId4">
+                    <a14:imgEffect>
+                      <a14:saturation sat="33000"/>
+                    </a14:imgEffect>
+                    <a14:imgEffect>
+                      <a14:brightnessContrast bright="20000" contrast="-20000"/>
+                    </a14:imgEffect>
+                  </a14:imgLayer>
+                </a14:imgProps>
+              </a:ext>
+              <a:ext uri="{28A0092B-C50C-407E-A947-70E740481C1C}">
+                <a14:useLocalDpi xmlns:a14="http://schemas.microsoft.com/office/drawing/2010/main" val="0"/>
+              </a:ext>
+            </a:extLst>
+          </a:blip>
+          <a:srcRect/>
+          <a:stretch>
+            <a:fillRect/>
+          </a:stretch>
+        </p:blipFill>
+        <p:spPr bwMode="auto">
+          <a:xfrm>
+            <a:off x="455760" y="0"/>
+            <a:ext cx="8229600" cy="1146175"/>
+          </a:xfrm>
+          <a:prstGeom prst="rect">
+            <a:avLst/>
+          </a:prstGeom>
+          <a:noFill/>
+          <a:ln>
+            <a:noFill/>
+          </a:ln>
+          <a:effectLst/>
+          <a:extLst>
+            <a:ext uri="{909E8E84-426E-40DD-AFC4-6F175D3DCCD1}">
+              <a14:hiddenFill xmlns:a14="http://schemas.microsoft.com/office/drawing/2010/main">
+                <a:blipFill dpi="0" rotWithShape="0">
+                  <a:blip/>
+                  <a:srcRect/>
+                  <a:stretch>
+                    <a:fillRect/>
+                  </a:stretch>
+                </a:blipFill>
+              </a14:hiddenFill>
+            </a:ext>
+            <a:ext uri="{91240B29-F687-4F45-9708-019B960494DF}">
+              <a14:hiddenLine xmlns:a14="http://schemas.microsoft.com/office/drawing/2010/main" w="9525" cap="flat">
+                <a:solidFill>
+                  <a:srgbClr val="3465AF"/>
+                </a:solidFill>
+                <a:round/>
+                <a:headEnd/>
+                <a:tailEnd/>
+              </a14:hiddenLine>
+            </a:ext>
+            <a:ext uri="{AF507438-7753-43E0-B8FC-AC1667EBCBE1}">
+              <a14:hiddenEffects xmlns:a14="http://schemas.microsoft.com/office/drawing/2010/main">
+                <a:effectLst>
+                  <a:outerShdw dist="35921" dir="2700000" algn="ctr" rotWithShape="0">
+                    <a:srgbClr val="808080"/>
+                  </a:outerShdw>
+                </a:effectLst>
+              </a14:hiddenEffects>
+            </a:ext>
+          </a:extLst>
+        </p:spPr>
+      </p:pic>
     </p:spTree>
   </p:cSld>
   <p:clrMapOvr>
@@ -8402,47 +8693,6 @@
       </p:grpSpPr>
       <p:sp>
         <p:nvSpPr>
-          <p:cNvPr id="116" name="CustomShape 1"/>
-          <p:cNvSpPr/>
-          <p:nvPr/>
-        </p:nvSpPr>
-        <p:spPr>
-          <a:xfrm>
-            <a:off x="457200" y="274680"/>
-            <a:ext cx="8228880" cy="1142280"/>
-          </a:xfrm>
-          <a:prstGeom prst="rect">
-            <a:avLst/>
-          </a:prstGeom>
-          <a:noFill/>
-          <a:ln>
-            <a:noFill/>
-          </a:ln>
-        </p:spPr>
-        <p:txBody>
-          <a:bodyPr lIns="90000" tIns="45000" rIns="90000" bIns="45000" anchor="ctr"/>
-          <a:lstStyle/>
-          <a:p>
-            <a:pPr algn="ctr">
-              <a:lnSpc>
-                <a:spcPct val="100000"/>
-              </a:lnSpc>
-            </a:pPr>
-            <a:r>
-              <a:rPr lang="en-US" sz="4400">
-                <a:solidFill>
-                  <a:srgbClr val="000000"/>
-                </a:solidFill>
-                <a:latin typeface="Calibri"/>
-              </a:rPr>
-              <a:t>What is FBMS?</a:t>
-            </a:r>
-            <a:endParaRPr/>
-          </a:p>
-        </p:txBody>
-      </p:sp>
-      <p:sp>
-        <p:nvSpPr>
           <p:cNvPr id="117" name="CustomShape 2"/>
           <p:cNvSpPr/>
           <p:nvPr/>
@@ -8472,7 +8722,7 @@
               <a:buChar char="•"/>
             </a:pPr>
             <a:r>
-              <a:rPr lang="en-US" sz="3200">
+              <a:rPr lang="en-US" sz="3200" dirty="0">
                 <a:solidFill>
                   <a:srgbClr val="000000"/>
                 </a:solidFill>
@@ -8480,7 +8730,7 @@
               </a:rPr>
               <a:t>A backup solution that automatically revisions your programs</a:t>
             </a:r>
-            <a:endParaRPr/>
+            <a:endParaRPr dirty="0"/>
           </a:p>
           <a:p>
             <a:pPr>
@@ -8491,7 +8741,7 @@
               <a:buChar char="•"/>
             </a:pPr>
             <a:r>
-              <a:rPr lang="en-US" sz="3200">
+              <a:rPr lang="en-US" sz="3200" dirty="0">
                 <a:solidFill>
                   <a:srgbClr val="000000"/>
                 </a:solidFill>
@@ -8499,7 +8749,7 @@
               </a:rPr>
               <a:t>A balance between the powerful version control systems like Subversion and the easy to use online backup systems like Dropbox</a:t>
             </a:r>
-            <a:endParaRPr/>
+            <a:endParaRPr dirty="0"/>
           </a:p>
           <a:p>
             <a:pPr>
@@ -8510,7 +8760,7 @@
               <a:buChar char="•"/>
             </a:pPr>
             <a:r>
-              <a:rPr lang="en-US" sz="3200">
+              <a:rPr lang="en-US" sz="3200" dirty="0">
                 <a:solidFill>
                   <a:srgbClr val="000000"/>
                 </a:solidFill>
@@ -8518,10 +8768,78 @@
               </a:rPr>
               <a:t>Not only can files be restored from the backup, but you can restore them from a given point of time</a:t>
             </a:r>
-            <a:endParaRPr/>
-          </a:p>
-        </p:txBody>
-      </p:sp>
+            <a:endParaRPr dirty="0"/>
+          </a:p>
+        </p:txBody>
+      </p:sp>
+      <p:pic>
+        <p:nvPicPr>
+          <p:cNvPr id="4" name="Picture 2"/>
+          <p:cNvPicPr>
+            <a:picLocks noChangeAspect="1" noChangeArrowheads="1"/>
+          </p:cNvPicPr>
+          <p:nvPr/>
+        </p:nvPicPr>
+        <p:blipFill>
+          <a:blip r:embed="rId3">
+            <a:extLst>
+              <a:ext uri="{28A0092B-C50C-407E-A947-70E740481C1C}">
+                <a14:useLocalDpi xmlns:a14="http://schemas.microsoft.com/office/drawing/2010/main" val="0"/>
+              </a:ext>
+            </a:extLst>
+          </a:blip>
+          <a:srcRect/>
+          <a:stretch>
+            <a:fillRect/>
+          </a:stretch>
+        </p:blipFill>
+        <p:spPr bwMode="auto">
+          <a:xfrm>
+            <a:off x="392186" y="44624"/>
+            <a:ext cx="8235950" cy="1146175"/>
+          </a:xfrm>
+          <a:prstGeom prst="rect">
+            <a:avLst/>
+          </a:prstGeom>
+          <a:noFill/>
+          <a:ln>
+            <a:noFill/>
+          </a:ln>
+          <a:effectLst/>
+          <a:extLst>
+            <a:ext uri="{909E8E84-426E-40DD-AFC4-6F175D3DCCD1}">
+              <a14:hiddenFill xmlns:a14="http://schemas.microsoft.com/office/drawing/2010/main">
+                <a:blipFill dpi="0" rotWithShape="0">
+                  <a:blip/>
+                  <a:srcRect/>
+                  <a:stretch>
+                    <a:fillRect/>
+                  </a:stretch>
+                </a:blipFill>
+              </a14:hiddenFill>
+            </a:ext>
+            <a:ext uri="{91240B29-F687-4F45-9708-019B960494DF}">
+              <a14:hiddenLine xmlns:a14="http://schemas.microsoft.com/office/drawing/2010/main" w="9525" cap="flat">
+                <a:solidFill>
+                  <a:srgbClr val="3465AF"/>
+                </a:solidFill>
+                <a:round/>
+                <a:headEnd/>
+                <a:tailEnd/>
+              </a14:hiddenLine>
+            </a:ext>
+            <a:ext uri="{AF507438-7753-43E0-B8FC-AC1667EBCBE1}">
+              <a14:hiddenEffects xmlns:a14="http://schemas.microsoft.com/office/drawing/2010/main">
+                <a:effectLst>
+                  <a:outerShdw dist="35921" dir="2700000" algn="ctr" rotWithShape="0">
+                    <a:srgbClr val="808080"/>
+                  </a:outerShdw>
+                </a:effectLst>
+              </a14:hiddenEffects>
+            </a:ext>
+          </a:extLst>
+        </p:spPr>
+      </p:pic>
     </p:spTree>
   </p:cSld>
   <p:clrMapOvr>
@@ -8579,47 +8897,6 @@
       </p:grpSpPr>
       <p:sp>
         <p:nvSpPr>
-          <p:cNvPr id="118" name="CustomShape 1"/>
-          <p:cNvSpPr/>
-          <p:nvPr/>
-        </p:nvSpPr>
-        <p:spPr>
-          <a:xfrm>
-            <a:off x="457200" y="274680"/>
-            <a:ext cx="8228880" cy="1142280"/>
-          </a:xfrm>
-          <a:prstGeom prst="rect">
-            <a:avLst/>
-          </a:prstGeom>
-          <a:noFill/>
-          <a:ln>
-            <a:noFill/>
-          </a:ln>
-        </p:spPr>
-        <p:txBody>
-          <a:bodyPr lIns="90000" tIns="45000" rIns="90000" bIns="45000" anchor="ctr"/>
-          <a:lstStyle/>
-          <a:p>
-            <a:pPr algn="ctr">
-              <a:lnSpc>
-                <a:spcPct val="100000"/>
-              </a:lnSpc>
-            </a:pPr>
-            <a:r>
-              <a:rPr lang="en-US" sz="4400">
-                <a:solidFill>
-                  <a:srgbClr val="000000"/>
-                </a:solidFill>
-                <a:latin typeface="Calibri"/>
-              </a:rPr>
-              <a:t>Why use FBMS?</a:t>
-            </a:r>
-            <a:endParaRPr/>
-          </a:p>
-        </p:txBody>
-      </p:sp>
-      <p:sp>
-        <p:nvSpPr>
           <p:cNvPr id="119" name="CustomShape 2"/>
           <p:cNvSpPr/>
           <p:nvPr/>
@@ -8649,15 +8926,24 @@
               <a:buChar char="•"/>
             </a:pPr>
             <a:r>
-              <a:rPr lang="en-US" sz="3200">
+              <a:rPr lang="en-US" sz="3200" dirty="0" smtClean="0">
                 <a:solidFill>
                   <a:srgbClr val="000000"/>
                 </a:solidFill>
                 <a:latin typeface="Calibri"/>
               </a:rPr>
-              <a:t>FBMS is easy to use: set it and forget it</a:t>
-            </a:r>
-            <a:endParaRPr/>
+              <a:t>It’s easy to use FBMS: </a:t>
+            </a:r>
+            <a:r>
+              <a:rPr lang="en-US" sz="3200" dirty="0">
+                <a:solidFill>
+                  <a:srgbClr val="000000"/>
+                </a:solidFill>
+                <a:latin typeface="Calibri"/>
+              </a:rPr>
+              <a:t>set it and forget it</a:t>
+            </a:r>
+            <a:endParaRPr dirty="0"/>
           </a:p>
           <a:p>
             <a:pPr>
@@ -8668,7 +8954,7 @@
               <a:buChar char="•"/>
             </a:pPr>
             <a:r>
-              <a:rPr lang="en-US" sz="3200">
+              <a:rPr lang="en-US" sz="3200" dirty="0">
                 <a:solidFill>
                   <a:srgbClr val="000000"/>
                 </a:solidFill>
@@ -8676,7 +8962,7 @@
               </a:rPr>
               <a:t>When you need to access a file, the interface offers options to restore the file from any given revision</a:t>
             </a:r>
-            <a:endParaRPr/>
+            <a:endParaRPr dirty="0"/>
           </a:p>
           <a:p>
             <a:pPr>
@@ -8687,7 +8973,7 @@
               <a:buChar char="•"/>
             </a:pPr>
             <a:r>
-              <a:rPr lang="en-US" sz="3200">
+              <a:rPr lang="en-US" sz="3200" dirty="0">
                 <a:solidFill>
                   <a:srgbClr val="000000"/>
                 </a:solidFill>
@@ -8695,7 +8981,7 @@
               </a:rPr>
               <a:t>FBMS works on multi-drive systems, including external and network drives</a:t>
             </a:r>
-            <a:endParaRPr/>
+            <a:endParaRPr dirty="0"/>
           </a:p>
           <a:p>
             <a:pPr>
@@ -8706,7 +8992,7 @@
               <a:buChar char="•"/>
             </a:pPr>
             <a:r>
-              <a:rPr lang="en-US" sz="3200">
+              <a:rPr lang="en-US" sz="3200" dirty="0">
                 <a:solidFill>
                   <a:srgbClr val="000000"/>
                 </a:solidFill>
@@ -8714,10 +9000,78 @@
               </a:rPr>
               <a:t>Backups are important: FBMS goes beyond that with the storage of revisions</a:t>
             </a:r>
-            <a:endParaRPr/>
-          </a:p>
-        </p:txBody>
-      </p:sp>
+            <a:endParaRPr dirty="0"/>
+          </a:p>
+        </p:txBody>
+      </p:sp>
+      <p:pic>
+        <p:nvPicPr>
+          <p:cNvPr id="4" name="Picture 2"/>
+          <p:cNvPicPr>
+            <a:picLocks noChangeAspect="1" noChangeArrowheads="1"/>
+          </p:cNvPicPr>
+          <p:nvPr/>
+        </p:nvPicPr>
+        <p:blipFill>
+          <a:blip r:embed="rId3">
+            <a:extLst>
+              <a:ext uri="{28A0092B-C50C-407E-A947-70E740481C1C}">
+                <a14:useLocalDpi xmlns:a14="http://schemas.microsoft.com/office/drawing/2010/main" val="0"/>
+              </a:ext>
+            </a:extLst>
+          </a:blip>
+          <a:srcRect/>
+          <a:stretch>
+            <a:fillRect/>
+          </a:stretch>
+        </p:blipFill>
+        <p:spPr bwMode="auto">
+          <a:xfrm>
+            <a:off x="356634" y="44624"/>
+            <a:ext cx="8235950" cy="1152525"/>
+          </a:xfrm>
+          <a:prstGeom prst="rect">
+            <a:avLst/>
+          </a:prstGeom>
+          <a:noFill/>
+          <a:ln>
+            <a:noFill/>
+          </a:ln>
+          <a:effectLst/>
+          <a:extLst>
+            <a:ext uri="{909E8E84-426E-40DD-AFC4-6F175D3DCCD1}">
+              <a14:hiddenFill xmlns:a14="http://schemas.microsoft.com/office/drawing/2010/main">
+                <a:blipFill dpi="0" rotWithShape="0">
+                  <a:blip/>
+                  <a:srcRect/>
+                  <a:stretch>
+                    <a:fillRect/>
+                  </a:stretch>
+                </a:blipFill>
+              </a14:hiddenFill>
+            </a:ext>
+            <a:ext uri="{91240B29-F687-4F45-9708-019B960494DF}">
+              <a14:hiddenLine xmlns:a14="http://schemas.microsoft.com/office/drawing/2010/main" w="9525" cap="flat">
+                <a:solidFill>
+                  <a:srgbClr val="3465AF"/>
+                </a:solidFill>
+                <a:round/>
+                <a:headEnd/>
+                <a:tailEnd/>
+              </a14:hiddenLine>
+            </a:ext>
+            <a:ext uri="{AF507438-7753-43E0-B8FC-AC1667EBCBE1}">
+              <a14:hiddenEffects xmlns:a14="http://schemas.microsoft.com/office/drawing/2010/main">
+                <a:effectLst>
+                  <a:outerShdw dist="35921" dir="2700000" algn="ctr" rotWithShape="0">
+                    <a:srgbClr val="808080"/>
+                  </a:outerShdw>
+                </a:effectLst>
+              </a14:hiddenEffects>
+            </a:ext>
+          </a:extLst>
+        </p:spPr>
+      </p:pic>
     </p:spTree>
   </p:cSld>
   <p:clrMapOvr>
@@ -8780,14 +9134,25 @@
           <p:nvPr/>
         </p:nvPicPr>
         <p:blipFill>
-          <a:blip r:embed="rId3"/>
+          <a:blip r:embed="rId3">
+            <a:clrChange>
+              <a:clrFrom>
+                <a:srgbClr val="FFFFFF"/>
+              </a:clrFrom>
+              <a:clrTo>
+                <a:srgbClr val="FFFFFF">
+                  <a:alpha val="0"/>
+                </a:srgbClr>
+              </a:clrTo>
+            </a:clrChange>
+          </a:blip>
           <a:stretch>
             <a:fillRect/>
           </a:stretch>
         </p:blipFill>
         <p:spPr>
           <a:xfrm>
-            <a:off x="0" y="692640"/>
+            <a:off x="4467" y="764704"/>
             <a:ext cx="9180360" cy="5649120"/>
           </a:xfrm>
           <a:prstGeom prst="rect">
@@ -8833,7 +9198,18 @@
           <p:nvPr/>
         </p:nvPicPr>
         <p:blipFill>
-          <a:blip r:embed="rId3"/>
+          <a:blip r:embed="rId3">
+            <a:clrChange>
+              <a:clrFrom>
+                <a:srgbClr val="FFFFFF"/>
+              </a:clrFrom>
+              <a:clrTo>
+                <a:srgbClr val="FFFFFF">
+                  <a:alpha val="0"/>
+                </a:srgbClr>
+              </a:clrTo>
+            </a:clrChange>
+          </a:blip>
           <a:stretch>
             <a:fillRect/>
           </a:stretch>
@@ -8851,16 +9227,31 @@
           </a:ln>
         </p:spPr>
       </p:pic>
-      <p:sp>
-        <p:nvSpPr>
-          <p:cNvPr id="122" name="CustomShape 1"/>
-          <p:cNvSpPr/>
+      <p:pic>
+        <p:nvPicPr>
+          <p:cNvPr id="4" name="Picture 2"/>
+          <p:cNvPicPr>
+            <a:picLocks noChangeAspect="1" noChangeArrowheads="1"/>
+          </p:cNvPicPr>
           <p:nvPr/>
-        </p:nvSpPr>
-        <p:spPr>
-          <a:xfrm>
-            <a:off x="457200" y="274680"/>
-            <a:ext cx="8228880" cy="1142280"/>
+        </p:nvPicPr>
+        <p:blipFill>
+          <a:blip r:embed="rId4">
+            <a:extLst>
+              <a:ext uri="{28A0092B-C50C-407E-A947-70E740481C1C}">
+                <a14:useLocalDpi xmlns:a14="http://schemas.microsoft.com/office/drawing/2010/main" val="0"/>
+              </a:ext>
+            </a:extLst>
+          </a:blip>
+          <a:srcRect/>
+          <a:stretch>
+            <a:fillRect/>
+          </a:stretch>
+        </p:blipFill>
+        <p:spPr bwMode="auto">
+          <a:xfrm>
+            <a:off x="251520" y="115887"/>
+            <a:ext cx="8234363" cy="1146175"/>
           </a:xfrm>
           <a:prstGeom prst="rect">
             <a:avLst/>
@@ -8869,29 +9260,41 @@
           <a:ln>
             <a:noFill/>
           </a:ln>
-        </p:spPr>
-        <p:txBody>
-          <a:bodyPr lIns="90000" tIns="45000" rIns="90000" bIns="45000" anchor="ctr"/>
-          <a:lstStyle/>
-          <a:p>
-            <a:pPr algn="ctr">
-              <a:lnSpc>
-                <a:spcPct val="100000"/>
-              </a:lnSpc>
-            </a:pPr>
-            <a:r>
-              <a:rPr lang="en-US" sz="3600">
+          <a:effectLst/>
+          <a:extLst>
+            <a:ext uri="{909E8E84-426E-40DD-AFC4-6F175D3DCCD1}">
+              <a14:hiddenFill xmlns:a14="http://schemas.microsoft.com/office/drawing/2010/main">
+                <a:blipFill dpi="0" rotWithShape="0">
+                  <a:blip/>
+                  <a:srcRect/>
+                  <a:stretch>
+                    <a:fillRect/>
+                  </a:stretch>
+                </a:blipFill>
+              </a14:hiddenFill>
+            </a:ext>
+            <a:ext uri="{91240B29-F687-4F45-9708-019B960494DF}">
+              <a14:hiddenLine xmlns:a14="http://schemas.microsoft.com/office/drawing/2010/main" w="9525" cap="flat">
                 <a:solidFill>
-                  <a:srgbClr val="000000"/>
+                  <a:srgbClr val="3465AF"/>
                 </a:solidFill>
-                <a:latin typeface="Calibri"/>
-              </a:rPr>
-              <a:t>Startup system sequence diagram</a:t>
-            </a:r>
-            <a:endParaRPr/>
-          </a:p>
-        </p:txBody>
-      </p:sp>
+                <a:round/>
+                <a:headEnd/>
+                <a:tailEnd/>
+              </a14:hiddenLine>
+            </a:ext>
+            <a:ext uri="{AF507438-7753-43E0-B8FC-AC1667EBCBE1}">
+              <a14:hiddenEffects xmlns:a14="http://schemas.microsoft.com/office/drawing/2010/main">
+                <a:effectLst>
+                  <a:outerShdw dist="35921" dir="2700000" algn="ctr" rotWithShape="0">
+                    <a:srgbClr val="808080"/>
+                  </a:outerShdw>
+                </a:effectLst>
+              </a14:hiddenEffects>
+            </a:ext>
+          </a:extLst>
+        </p:spPr>
+      </p:pic>
     </p:spTree>
   </p:cSld>
   <p:clrMapOvr>
@@ -8928,8 +9331,8 @@
         </p:nvSpPr>
         <p:spPr>
           <a:xfrm>
-            <a:off x="457200" y="2709000"/>
-            <a:ext cx="8228880" cy="3416400"/>
+            <a:off x="457200" y="2852936"/>
+            <a:ext cx="8228880" cy="3272464"/>
           </a:xfrm>
           <a:prstGeom prst="rect">
             <a:avLst/>
@@ -8949,7 +9352,7 @@
               </a:lnSpc>
             </a:pPr>
             <a:r>
-              <a:rPr lang="en-US" sz="3200" u="sng">
+              <a:rPr lang="en-US" sz="3200" u="sng" dirty="0" err="1">
                 <a:solidFill>
                   <a:srgbClr val="0000FF"/>
                 </a:solidFill>
@@ -8958,7 +9361,7 @@
               </a:rPr>
               <a:t>Class_diagram</a:t>
             </a:r>
-            <a:endParaRPr/>
+            <a:endParaRPr dirty="0"/>
           </a:p>
         </p:txBody>
       </p:sp>
@@ -8992,47 +9395,6 @@
       </p:grpSpPr>
       <p:sp>
         <p:nvSpPr>
-          <p:cNvPr id="124" name="CustomShape 1"/>
-          <p:cNvSpPr/>
-          <p:nvPr/>
-        </p:nvSpPr>
-        <p:spPr>
-          <a:xfrm>
-            <a:off x="457200" y="274680"/>
-            <a:ext cx="8228880" cy="1142280"/>
-          </a:xfrm>
-          <a:prstGeom prst="rect">
-            <a:avLst/>
-          </a:prstGeom>
-          <a:noFill/>
-          <a:ln>
-            <a:noFill/>
-          </a:ln>
-        </p:spPr>
-        <p:txBody>
-          <a:bodyPr lIns="90000" tIns="45000" rIns="90000" bIns="45000" anchor="ctr"/>
-          <a:lstStyle/>
-          <a:p>
-            <a:pPr algn="ctr">
-              <a:lnSpc>
-                <a:spcPct val="100000"/>
-              </a:lnSpc>
-            </a:pPr>
-            <a:r>
-              <a:rPr lang="en-US" sz="4400">
-                <a:solidFill>
-                  <a:srgbClr val="000000"/>
-                </a:solidFill>
-                <a:latin typeface="Calibri"/>
-              </a:rPr>
-              <a:t>Achieved so far</a:t>
-            </a:r>
-            <a:endParaRPr/>
-          </a:p>
-        </p:txBody>
-      </p:sp>
-      <p:sp>
-        <p:nvSpPr>
           <p:cNvPr id="125" name="CustomShape 2"/>
           <p:cNvSpPr/>
           <p:nvPr/>
@@ -9062,7 +9424,50 @@
               <a:buChar char="•"/>
             </a:pPr>
             <a:r>
-              <a:rPr lang="en-US" sz="3200">
+              <a:rPr lang="en-US" sz="3200" dirty="0" smtClean="0">
+                <a:solidFill>
+                  <a:srgbClr val="000000"/>
+                </a:solidFill>
+                <a:latin typeface="Calibri"/>
+              </a:rPr>
+              <a:t>The </a:t>
+            </a:r>
+            <a:r>
+              <a:rPr lang="en-US" sz="3200" dirty="0">
+                <a:solidFill>
+                  <a:srgbClr val="000000"/>
+                </a:solidFill>
+                <a:latin typeface="Calibri"/>
+              </a:rPr>
+              <a:t>first version </a:t>
+            </a:r>
+            <a:r>
+              <a:rPr lang="en-US" sz="3200" dirty="0" err="1">
+                <a:solidFill>
+                  <a:srgbClr val="000000"/>
+                </a:solidFill>
+                <a:latin typeface="Calibri"/>
+              </a:rPr>
+              <a:t>revisioned</a:t>
+            </a:r>
+            <a:r>
+              <a:rPr lang="en-US" sz="3200" dirty="0">
+                <a:solidFill>
+                  <a:srgbClr val="000000"/>
+                </a:solidFill>
+                <a:latin typeface="Calibri"/>
+              </a:rPr>
+              <a:t> plain text files, making patches of the changes in each revision</a:t>
+            </a:r>
+            <a:endParaRPr dirty="0"/>
+          </a:p>
+          <a:p>
+            <a:pPr>
+              <a:buFont typeface="Arial"/>
+              <a:buChar char="•"/>
+            </a:pPr>
+            <a:r>
+              <a:rPr lang="en-CA" sz="3200" dirty="0">
                 <a:solidFill>
                   <a:srgbClr val="000000"/>
                 </a:solidFill>
@@ -9070,7 +9475,7 @@
               </a:rPr>
               <a:t>The second version of the project is now finished</a:t>
             </a:r>
-            <a:endParaRPr/>
+            <a:endParaRPr lang="en-CA" sz="3200" dirty="0"/>
           </a:p>
           <a:p>
             <a:pPr>
@@ -9081,37 +9486,95 @@
               <a:buChar char="•"/>
             </a:pPr>
             <a:r>
-              <a:rPr lang="en-US" sz="3200">
+              <a:rPr lang="en-US" sz="3200" dirty="0" smtClean="0">
                 <a:solidFill>
                   <a:srgbClr val="000000"/>
                 </a:solidFill>
                 <a:latin typeface="Calibri"/>
               </a:rPr>
-              <a:t>The first version revisioned plain text files, making patches of the changes in each revision</a:t>
-            </a:r>
-            <a:endParaRPr/>
-          </a:p>
-          <a:p>
-            <a:pPr>
-              <a:lnSpc>
-                <a:spcPct val="100000"/>
-              </a:lnSpc>
-              <a:buFont typeface="Arial"/>
-              <a:buChar char="•"/>
-            </a:pPr>
-            <a:r>
-              <a:rPr lang="en-US" sz="3200">
+              <a:t>Version </a:t>
+            </a:r>
+            <a:r>
+              <a:rPr lang="en-US" sz="3200" dirty="0">
                 <a:solidFill>
                   <a:srgbClr val="000000"/>
                 </a:solidFill>
                 <a:latin typeface="Calibri"/>
               </a:rPr>
-              <a:t>Version 2.0 of the program added support for binary files, which are stored as raw binary data</a:t>
-            </a:r>
-            <a:endParaRPr/>
-          </a:p>
-        </p:txBody>
-      </p:sp>
+              <a:t>2.0 of the program added support for binary files, which are stored as raw binary data</a:t>
+            </a:r>
+            <a:endParaRPr dirty="0"/>
+          </a:p>
+        </p:txBody>
+      </p:sp>
+      <p:pic>
+        <p:nvPicPr>
+          <p:cNvPr id="4" name="Picture 1"/>
+          <p:cNvPicPr>
+            <a:picLocks noChangeAspect="1" noChangeArrowheads="1"/>
+          </p:cNvPicPr>
+          <p:nvPr/>
+        </p:nvPicPr>
+        <p:blipFill>
+          <a:blip r:embed="rId2">
+            <a:extLst>
+              <a:ext uri="{28A0092B-C50C-407E-A947-70E740481C1C}">
+                <a14:useLocalDpi xmlns:a14="http://schemas.microsoft.com/office/drawing/2010/main" val="0"/>
+              </a:ext>
+            </a:extLst>
+          </a:blip>
+          <a:srcRect/>
+          <a:stretch>
+            <a:fillRect/>
+          </a:stretch>
+        </p:blipFill>
+        <p:spPr bwMode="auto">
+          <a:xfrm>
+            <a:off x="323528" y="44624"/>
+            <a:ext cx="8229600" cy="1146175"/>
+          </a:xfrm>
+          <a:prstGeom prst="rect">
+            <a:avLst/>
+          </a:prstGeom>
+          <a:noFill/>
+          <a:ln>
+            <a:noFill/>
+          </a:ln>
+          <a:effectLst/>
+          <a:extLst>
+            <a:ext uri="{909E8E84-426E-40DD-AFC4-6F175D3DCCD1}">
+              <a14:hiddenFill xmlns:a14="http://schemas.microsoft.com/office/drawing/2010/main">
+                <a:blipFill dpi="0" rotWithShape="0">
+                  <a:blip/>
+                  <a:srcRect/>
+                  <a:stretch>
+                    <a:fillRect/>
+                  </a:stretch>
+                </a:blipFill>
+              </a14:hiddenFill>
+            </a:ext>
+            <a:ext uri="{91240B29-F687-4F45-9708-019B960494DF}">
+              <a14:hiddenLine xmlns:a14="http://schemas.microsoft.com/office/drawing/2010/main" w="9525" cap="flat">
+                <a:solidFill>
+                  <a:srgbClr val="3465AF"/>
+                </a:solidFill>
+                <a:round/>
+                <a:headEnd/>
+                <a:tailEnd/>
+              </a14:hiddenLine>
+            </a:ext>
+            <a:ext uri="{AF507438-7753-43E0-B8FC-AC1667EBCBE1}">
+              <a14:hiddenEffects xmlns:a14="http://schemas.microsoft.com/office/drawing/2010/main">
+                <a:effectLst>
+                  <a:outerShdw dist="35921" dir="2700000" algn="ctr" rotWithShape="0">
+                    <a:srgbClr val="808080"/>
+                  </a:outerShdw>
+                </a:effectLst>
+              </a14:hiddenEffects>
+            </a:ext>
+          </a:extLst>
+        </p:spPr>
+      </p:pic>
     </p:spTree>
   </p:cSld>
   <p:clrMapOvr>
@@ -9142,47 +9605,6 @@
       </p:grpSpPr>
       <p:sp>
         <p:nvSpPr>
-          <p:cNvPr id="126" name="CustomShape 1"/>
-          <p:cNvSpPr/>
-          <p:nvPr/>
-        </p:nvSpPr>
-        <p:spPr>
-          <a:xfrm>
-            <a:off x="457200" y="274680"/>
-            <a:ext cx="8228880" cy="1142280"/>
-          </a:xfrm>
-          <a:prstGeom prst="rect">
-            <a:avLst/>
-          </a:prstGeom>
-          <a:noFill/>
-          <a:ln>
-            <a:noFill/>
-          </a:ln>
-        </p:spPr>
-        <p:txBody>
-          <a:bodyPr lIns="90000" tIns="45000" rIns="90000" bIns="45000" anchor="ctr"/>
-          <a:lstStyle/>
-          <a:p>
-            <a:pPr algn="ctr">
-              <a:lnSpc>
-                <a:spcPct val="100000"/>
-              </a:lnSpc>
-            </a:pPr>
-            <a:r>
-              <a:rPr lang="en-US" sz="4400">
-                <a:solidFill>
-                  <a:srgbClr val="000000"/>
-                </a:solidFill>
-                <a:latin typeface="Calibri"/>
-              </a:rPr>
-              <a:t>Achieved so far</a:t>
-            </a:r>
-            <a:endParaRPr/>
-          </a:p>
-        </p:txBody>
-      </p:sp>
-      <p:sp>
-        <p:nvSpPr>
           <p:cNvPr id="127" name="CustomShape 2"/>
           <p:cNvSpPr/>
           <p:nvPr/>
@@ -9262,6 +9684,74 @@
           </a:p>
         </p:txBody>
       </p:sp>
+      <p:pic>
+        <p:nvPicPr>
+          <p:cNvPr id="5" name="Picture 1"/>
+          <p:cNvPicPr>
+            <a:picLocks noChangeAspect="1" noChangeArrowheads="1"/>
+          </p:cNvPicPr>
+          <p:nvPr/>
+        </p:nvPicPr>
+        <p:blipFill>
+          <a:blip r:embed="rId3">
+            <a:extLst>
+              <a:ext uri="{28A0092B-C50C-407E-A947-70E740481C1C}">
+                <a14:useLocalDpi xmlns:a14="http://schemas.microsoft.com/office/drawing/2010/main" val="0"/>
+              </a:ext>
+            </a:extLst>
+          </a:blip>
+          <a:srcRect/>
+          <a:stretch>
+            <a:fillRect/>
+          </a:stretch>
+        </p:blipFill>
+        <p:spPr bwMode="auto">
+          <a:xfrm>
+            <a:off x="323528" y="44624"/>
+            <a:ext cx="8229600" cy="1146175"/>
+          </a:xfrm>
+          <a:prstGeom prst="rect">
+            <a:avLst/>
+          </a:prstGeom>
+          <a:noFill/>
+          <a:ln>
+            <a:noFill/>
+          </a:ln>
+          <a:effectLst/>
+          <a:extLst>
+            <a:ext uri="{909E8E84-426E-40DD-AFC4-6F175D3DCCD1}">
+              <a14:hiddenFill xmlns:a14="http://schemas.microsoft.com/office/drawing/2010/main">
+                <a:blipFill dpi="0" rotWithShape="0">
+                  <a:blip/>
+                  <a:srcRect/>
+                  <a:stretch>
+                    <a:fillRect/>
+                  </a:stretch>
+                </a:blipFill>
+              </a14:hiddenFill>
+            </a:ext>
+            <a:ext uri="{91240B29-F687-4F45-9708-019B960494DF}">
+              <a14:hiddenLine xmlns:a14="http://schemas.microsoft.com/office/drawing/2010/main" w="9525" cap="flat">
+                <a:solidFill>
+                  <a:srgbClr val="3465AF"/>
+                </a:solidFill>
+                <a:round/>
+                <a:headEnd/>
+                <a:tailEnd/>
+              </a14:hiddenLine>
+            </a:ext>
+            <a:ext uri="{AF507438-7753-43E0-B8FC-AC1667EBCBE1}">
+              <a14:hiddenEffects xmlns:a14="http://schemas.microsoft.com/office/drawing/2010/main">
+                <a:effectLst>
+                  <a:outerShdw dist="35921" dir="2700000" algn="ctr" rotWithShape="0">
+                    <a:srgbClr val="808080"/>
+                  </a:outerShdw>
+                </a:effectLst>
+              </a14:hiddenEffects>
+            </a:ext>
+          </a:extLst>
+        </p:spPr>
+      </p:pic>
     </p:spTree>
   </p:cSld>
   <p:clrMapOvr>
@@ -9319,47 +9809,6 @@
       </p:grpSpPr>
       <p:sp>
         <p:nvSpPr>
-          <p:cNvPr id="128" name="CustomShape 1"/>
-          <p:cNvSpPr/>
-          <p:nvPr/>
-        </p:nvSpPr>
-        <p:spPr>
-          <a:xfrm>
-            <a:off x="457200" y="274680"/>
-            <a:ext cx="8228880" cy="1142280"/>
-          </a:xfrm>
-          <a:prstGeom prst="rect">
-            <a:avLst/>
-          </a:prstGeom>
-          <a:noFill/>
-          <a:ln>
-            <a:noFill/>
-          </a:ln>
-        </p:spPr>
-        <p:txBody>
-          <a:bodyPr lIns="90000" tIns="45000" rIns="90000" bIns="45000" anchor="ctr"/>
-          <a:lstStyle/>
-          <a:p>
-            <a:pPr algn="ctr">
-              <a:lnSpc>
-                <a:spcPct val="100000"/>
-              </a:lnSpc>
-            </a:pPr>
-            <a:r>
-              <a:rPr lang="en-US" sz="4400" dirty="0">
-                <a:solidFill>
-                  <a:srgbClr val="000000"/>
-                </a:solidFill>
-                <a:latin typeface="Calibri"/>
-              </a:rPr>
-              <a:t>Achieved so far</a:t>
-            </a:r>
-            <a:endParaRPr dirty="0"/>
-          </a:p>
-        </p:txBody>
-      </p:sp>
-      <p:sp>
-        <p:nvSpPr>
           <p:cNvPr id="129" name="CustomShape 2"/>
           <p:cNvSpPr/>
           <p:nvPr/>
@@ -9422,6 +9871,74 @@
           <a:ln>
             <a:noFill/>
           </a:ln>
+        </p:spPr>
+      </p:pic>
+      <p:pic>
+        <p:nvPicPr>
+          <p:cNvPr id="6" name="Picture 1"/>
+          <p:cNvPicPr>
+            <a:picLocks noChangeAspect="1" noChangeArrowheads="1"/>
+          </p:cNvPicPr>
+          <p:nvPr/>
+        </p:nvPicPr>
+        <p:blipFill>
+          <a:blip r:embed="rId4">
+            <a:extLst>
+              <a:ext uri="{28A0092B-C50C-407E-A947-70E740481C1C}">
+                <a14:useLocalDpi xmlns:a14="http://schemas.microsoft.com/office/drawing/2010/main" val="0"/>
+              </a:ext>
+            </a:extLst>
+          </a:blip>
+          <a:srcRect/>
+          <a:stretch>
+            <a:fillRect/>
+          </a:stretch>
+        </p:blipFill>
+        <p:spPr bwMode="auto">
+          <a:xfrm>
+            <a:off x="323528" y="44624"/>
+            <a:ext cx="8229600" cy="1146175"/>
+          </a:xfrm>
+          <a:prstGeom prst="rect">
+            <a:avLst/>
+          </a:prstGeom>
+          <a:noFill/>
+          <a:ln>
+            <a:noFill/>
+          </a:ln>
+          <a:effectLst/>
+          <a:extLst>
+            <a:ext uri="{909E8E84-426E-40DD-AFC4-6F175D3DCCD1}">
+              <a14:hiddenFill xmlns:a14="http://schemas.microsoft.com/office/drawing/2010/main">
+                <a:blipFill dpi="0" rotWithShape="0">
+                  <a:blip/>
+                  <a:srcRect/>
+                  <a:stretch>
+                    <a:fillRect/>
+                  </a:stretch>
+                </a:blipFill>
+              </a14:hiddenFill>
+            </a:ext>
+            <a:ext uri="{91240B29-F687-4F45-9708-019B960494DF}">
+              <a14:hiddenLine xmlns:a14="http://schemas.microsoft.com/office/drawing/2010/main" w="9525" cap="flat">
+                <a:solidFill>
+                  <a:srgbClr val="3465AF"/>
+                </a:solidFill>
+                <a:round/>
+                <a:headEnd/>
+                <a:tailEnd/>
+              </a14:hiddenLine>
+            </a:ext>
+            <a:ext uri="{AF507438-7753-43E0-B8FC-AC1667EBCBE1}">
+              <a14:hiddenEffects xmlns:a14="http://schemas.microsoft.com/office/drawing/2010/main">
+                <a:effectLst>
+                  <a:outerShdw dist="35921" dir="2700000" algn="ctr" rotWithShape="0">
+                    <a:srgbClr val="808080"/>
+                  </a:outerShdw>
+                </a:effectLst>
+              </a14:hiddenEffects>
+            </a:ext>
+          </a:extLst>
         </p:spPr>
       </p:pic>
     </p:spTree>
